--- a/docs/Pycon.pptx
+++ b/docs/Pycon.pptx
@@ -7,30 +7,31 @@
   <p:sldIdLst>
     <p:sldId id="256" r:id="rId2"/>
     <p:sldId id="257" r:id="rId3"/>
-    <p:sldId id="258" r:id="rId4"/>
-    <p:sldId id="259" r:id="rId5"/>
-    <p:sldId id="267" r:id="rId6"/>
-    <p:sldId id="260" r:id="rId7"/>
-    <p:sldId id="261" r:id="rId8"/>
-    <p:sldId id="264" r:id="rId9"/>
-    <p:sldId id="262" r:id="rId10"/>
+    <p:sldId id="291" r:id="rId4"/>
+    <p:sldId id="258" r:id="rId5"/>
+    <p:sldId id="259" r:id="rId6"/>
+    <p:sldId id="282" r:id="rId7"/>
+    <p:sldId id="283" r:id="rId8"/>
+    <p:sldId id="284" r:id="rId9"/>
+    <p:sldId id="264" r:id="rId10"/>
     <p:sldId id="263" r:id="rId11"/>
-    <p:sldId id="265" r:id="rId12"/>
-    <p:sldId id="266" r:id="rId13"/>
-    <p:sldId id="268" r:id="rId14"/>
-    <p:sldId id="269" r:id="rId15"/>
-    <p:sldId id="271" r:id="rId16"/>
+    <p:sldId id="289" r:id="rId12"/>
+    <p:sldId id="285" r:id="rId13"/>
+    <p:sldId id="286" r:id="rId14"/>
+    <p:sldId id="268" r:id="rId15"/>
+    <p:sldId id="269" r:id="rId16"/>
     <p:sldId id="270" r:id="rId17"/>
     <p:sldId id="272" r:id="rId18"/>
     <p:sldId id="273" r:id="rId19"/>
-    <p:sldId id="274" r:id="rId20"/>
-    <p:sldId id="275" r:id="rId21"/>
-    <p:sldId id="276" r:id="rId22"/>
-    <p:sldId id="277" r:id="rId23"/>
+    <p:sldId id="275" r:id="rId20"/>
+    <p:sldId id="276" r:id="rId21"/>
+    <p:sldId id="288" r:id="rId22"/>
+    <p:sldId id="290" r:id="rId23"/>
     <p:sldId id="278" r:id="rId24"/>
-    <p:sldId id="279" r:id="rId25"/>
-    <p:sldId id="281" r:id="rId26"/>
-    <p:sldId id="280" r:id="rId27"/>
+    <p:sldId id="281" r:id="rId25"/>
+    <p:sldId id="292" r:id="rId26"/>
+    <p:sldId id="287" r:id="rId27"/>
+    <p:sldId id="293" r:id="rId28"/>
   </p:sldIdLst>
   <p:sldSz cx="12192000" cy="6858000"/>
   <p:notesSz cx="6858000" cy="9144000"/>
@@ -284,7 +285,7 @@
           <a:p>
             <a:fld id="{8C2B4597-0BCC-45FD-850E-31259FA2C275}" type="datetimeFigureOut">
               <a:rPr lang="ru-RU" smtClean="0"/>
-              <a:t>12.05.2020</a:t>
+              <a:t>02.09.2020</a:t>
             </a:fld>
             <a:endParaRPr lang="ru-RU"/>
           </a:p>
@@ -482,7 +483,7 @@
           <a:p>
             <a:fld id="{8C2B4597-0BCC-45FD-850E-31259FA2C275}" type="datetimeFigureOut">
               <a:rPr lang="ru-RU" smtClean="0"/>
-              <a:t>12.05.2020</a:t>
+              <a:t>02.09.2020</a:t>
             </a:fld>
             <a:endParaRPr lang="ru-RU"/>
           </a:p>
@@ -690,7 +691,7 @@
           <a:p>
             <a:fld id="{8C2B4597-0BCC-45FD-850E-31259FA2C275}" type="datetimeFigureOut">
               <a:rPr lang="ru-RU" smtClean="0"/>
-              <a:t>12.05.2020</a:t>
+              <a:t>02.09.2020</a:t>
             </a:fld>
             <a:endParaRPr lang="ru-RU"/>
           </a:p>
@@ -888,7 +889,7 @@
           <a:p>
             <a:fld id="{8C2B4597-0BCC-45FD-850E-31259FA2C275}" type="datetimeFigureOut">
               <a:rPr lang="ru-RU" smtClean="0"/>
-              <a:t>12.05.2020</a:t>
+              <a:t>02.09.2020</a:t>
             </a:fld>
             <a:endParaRPr lang="ru-RU"/>
           </a:p>
@@ -1163,7 +1164,7 @@
           <a:p>
             <a:fld id="{8C2B4597-0BCC-45FD-850E-31259FA2C275}" type="datetimeFigureOut">
               <a:rPr lang="ru-RU" smtClean="0"/>
-              <a:t>12.05.2020</a:t>
+              <a:t>02.09.2020</a:t>
             </a:fld>
             <a:endParaRPr lang="ru-RU"/>
           </a:p>
@@ -1428,7 +1429,7 @@
           <a:p>
             <a:fld id="{8C2B4597-0BCC-45FD-850E-31259FA2C275}" type="datetimeFigureOut">
               <a:rPr lang="ru-RU" smtClean="0"/>
-              <a:t>12.05.2020</a:t>
+              <a:t>02.09.2020</a:t>
             </a:fld>
             <a:endParaRPr lang="ru-RU"/>
           </a:p>
@@ -1840,7 +1841,7 @@
           <a:p>
             <a:fld id="{8C2B4597-0BCC-45FD-850E-31259FA2C275}" type="datetimeFigureOut">
               <a:rPr lang="ru-RU" smtClean="0"/>
-              <a:t>12.05.2020</a:t>
+              <a:t>02.09.2020</a:t>
             </a:fld>
             <a:endParaRPr lang="ru-RU"/>
           </a:p>
@@ -1981,7 +1982,7 @@
           <a:p>
             <a:fld id="{8C2B4597-0BCC-45FD-850E-31259FA2C275}" type="datetimeFigureOut">
               <a:rPr lang="ru-RU" smtClean="0"/>
-              <a:t>12.05.2020</a:t>
+              <a:t>02.09.2020</a:t>
             </a:fld>
             <a:endParaRPr lang="ru-RU"/>
           </a:p>
@@ -2094,7 +2095,7 @@
           <a:p>
             <a:fld id="{8C2B4597-0BCC-45FD-850E-31259FA2C275}" type="datetimeFigureOut">
               <a:rPr lang="ru-RU" smtClean="0"/>
-              <a:t>12.05.2020</a:t>
+              <a:t>02.09.2020</a:t>
             </a:fld>
             <a:endParaRPr lang="ru-RU"/>
           </a:p>
@@ -2405,7 +2406,7 @@
           <a:p>
             <a:fld id="{8C2B4597-0BCC-45FD-850E-31259FA2C275}" type="datetimeFigureOut">
               <a:rPr lang="ru-RU" smtClean="0"/>
-              <a:t>12.05.2020</a:t>
+              <a:t>02.09.2020</a:t>
             </a:fld>
             <a:endParaRPr lang="ru-RU"/>
           </a:p>
@@ -2693,7 +2694,7 @@
           <a:p>
             <a:fld id="{8C2B4597-0BCC-45FD-850E-31259FA2C275}" type="datetimeFigureOut">
               <a:rPr lang="ru-RU" smtClean="0"/>
-              <a:t>12.05.2020</a:t>
+              <a:t>02.09.2020</a:t>
             </a:fld>
             <a:endParaRPr lang="ru-RU"/>
           </a:p>
@@ -2934,7 +2935,7 @@
           <a:p>
             <a:fld id="{8C2B4597-0BCC-45FD-850E-31259FA2C275}" type="datetimeFigureOut">
               <a:rPr lang="ru-RU" smtClean="0"/>
-              <a:t>12.05.2020</a:t>
+              <a:t>02.09.2020</a:t>
             </a:fld>
             <a:endParaRPr lang="ru-RU"/>
           </a:p>
@@ -3446,7 +3447,7 @@
           <p:cNvPr id="4" name="Рисунок 3">
             <a:extLst>
               <a:ext uri="{FF2B5EF4-FFF2-40B4-BE49-F238E27FC236}">
-                <a16:creationId xmlns:a16="http://schemas.microsoft.com/office/drawing/2014/main" id="{F06DE098-4DFB-41F4-8473-8B47665C1C9F}"/>
+                <a16:creationId xmlns:a16="http://schemas.microsoft.com/office/drawing/2014/main" id="{A7537F21-6C12-4A7E-B566-18AAC2656666}"/>
               </a:ext>
             </a:extLst>
           </p:cNvPr>
@@ -3463,8 +3464,8 @@
         </p:blipFill>
         <p:spPr>
           <a:xfrm>
-            <a:off x="1262167" y="0"/>
-            <a:ext cx="9667665" cy="6858000"/>
+            <a:off x="0" y="695539"/>
+            <a:ext cx="12192000" cy="5466921"/>
           </a:xfrm>
           <a:prstGeom prst="rect">
             <a:avLst/>
@@ -3474,7 +3475,7 @@
     </p:spTree>
     <p:extLst>
       <p:ext uri="{BB962C8B-B14F-4D97-AF65-F5344CB8AC3E}">
-        <p14:creationId xmlns:p14="http://schemas.microsoft.com/office/powerpoint/2010/main" val="3192768503"/>
+        <p14:creationId xmlns:p14="http://schemas.microsoft.com/office/powerpoint/2010/main" val="2463599513"/>
       </p:ext>
     </p:extLst>
   </p:cSld>
@@ -3503,38 +3504,55 @@
       </p:grpSpPr>
       <p:pic>
         <p:nvPicPr>
-          <p:cNvPr id="4" name="Рисунок 3">
-            <a:extLst>
-              <a:ext uri="{FF2B5EF4-FFF2-40B4-BE49-F238E27FC236}">
-                <a16:creationId xmlns:a16="http://schemas.microsoft.com/office/drawing/2014/main" id="{B17660FD-E51B-4E64-8A93-E4039169A339}"/>
+          <p:cNvPr id="4098" name="Picture 2">
+            <a:extLst>
+              <a:ext uri="{FF2B5EF4-FFF2-40B4-BE49-F238E27FC236}">
+                <a16:creationId xmlns:a16="http://schemas.microsoft.com/office/drawing/2014/main" id="{19AAAF7F-2BD0-4A33-A3F7-5283CB13CEB0}"/>
               </a:ext>
             </a:extLst>
           </p:cNvPr>
           <p:cNvPicPr>
-            <a:picLocks noChangeAspect="1"/>
+            <a:picLocks noChangeAspect="1" noChangeArrowheads="1"/>
           </p:cNvPicPr>
           <p:nvPr/>
         </p:nvPicPr>
         <p:blipFill>
-          <a:blip r:embed="rId2"/>
+          <a:blip r:embed="rId2">
+            <a:extLst>
+              <a:ext uri="{28A0092B-C50C-407E-A947-70E740481C1C}">
+                <a14:useLocalDpi xmlns:a14="http://schemas.microsoft.com/office/drawing/2010/main" val="0"/>
+              </a:ext>
+            </a:extLst>
+          </a:blip>
+          <a:srcRect/>
           <a:stretch>
             <a:fillRect/>
           </a:stretch>
         </p:blipFill>
-        <p:spPr>
+        <p:spPr bwMode="auto">
           <a:xfrm>
-            <a:off x="1262167" y="0"/>
-            <a:ext cx="9667665" cy="6858000"/>
+            <a:off x="1755775" y="0"/>
+            <a:ext cx="8680450" cy="6858000"/>
           </a:xfrm>
           <a:prstGeom prst="rect">
             <a:avLst/>
           </a:prstGeom>
+          <a:noFill/>
+          <a:extLst>
+            <a:ext uri="{909E8E84-426E-40DD-AFC4-6F175D3DCCD1}">
+              <a14:hiddenFill xmlns:a14="http://schemas.microsoft.com/office/drawing/2010/main">
+                <a:solidFill>
+                  <a:srgbClr val="FFFFFF"/>
+                </a:solidFill>
+              </a14:hiddenFill>
+            </a:ext>
+          </a:extLst>
         </p:spPr>
       </p:pic>
     </p:spTree>
     <p:extLst>
       <p:ext uri="{BB962C8B-B14F-4D97-AF65-F5344CB8AC3E}">
-        <p14:creationId xmlns:p14="http://schemas.microsoft.com/office/powerpoint/2010/main" val="2282120116"/>
+        <p14:creationId xmlns:p14="http://schemas.microsoft.com/office/powerpoint/2010/main" val="3155510002"/>
       </p:ext>
     </p:extLst>
   </p:cSld>
@@ -3563,10 +3581,10 @@
       </p:grpSpPr>
       <p:pic>
         <p:nvPicPr>
-          <p:cNvPr id="5" name="Рисунок 4">
-            <a:extLst>
-              <a:ext uri="{FF2B5EF4-FFF2-40B4-BE49-F238E27FC236}">
-                <a16:creationId xmlns:a16="http://schemas.microsoft.com/office/drawing/2014/main" id="{E4F6B525-5209-422B-8612-0EA78D109E6E}"/>
+          <p:cNvPr id="4" name="Рисунок 3">
+            <a:extLst>
+              <a:ext uri="{FF2B5EF4-FFF2-40B4-BE49-F238E27FC236}">
+                <a16:creationId xmlns:a16="http://schemas.microsoft.com/office/drawing/2014/main" id="{5E48C177-8C93-4FF1-9B75-2588EE735108}"/>
               </a:ext>
             </a:extLst>
           </p:cNvPr>
@@ -3583,8 +3601,8 @@
         </p:blipFill>
         <p:spPr>
           <a:xfrm>
-            <a:off x="33679" y="0"/>
-            <a:ext cx="12124641" cy="6858000"/>
+            <a:off x="545602" y="0"/>
+            <a:ext cx="11100795" cy="6858000"/>
           </a:xfrm>
           <a:prstGeom prst="rect">
             <a:avLst/>
@@ -3594,7 +3612,7 @@
     </p:spTree>
     <p:extLst>
       <p:ext uri="{BB962C8B-B14F-4D97-AF65-F5344CB8AC3E}">
-        <p14:creationId xmlns:p14="http://schemas.microsoft.com/office/powerpoint/2010/main" val="767114493"/>
+        <p14:creationId xmlns:p14="http://schemas.microsoft.com/office/powerpoint/2010/main" val="3305293058"/>
       </p:ext>
     </p:extLst>
   </p:cSld>
@@ -3621,50 +3639,40 @@
           <a:chExt cx="0" cy="0"/>
         </a:xfrm>
       </p:grpSpPr>
-      <p:sp>
-        <p:nvSpPr>
-          <p:cNvPr id="4" name="TextBox 3">
-            <a:extLst>
-              <a:ext uri="{FF2B5EF4-FFF2-40B4-BE49-F238E27FC236}">
-                <a16:creationId xmlns:a16="http://schemas.microsoft.com/office/drawing/2014/main" id="{73B9E8D8-4FEB-4F1A-90C3-EC4DC0012F67}"/>
-              </a:ext>
-            </a:extLst>
-          </p:cNvPr>
-          <p:cNvSpPr txBox="1"/>
+      <p:pic>
+        <p:nvPicPr>
+          <p:cNvPr id="2" name="Рисунок 1">
+            <a:extLst>
+              <a:ext uri="{FF2B5EF4-FFF2-40B4-BE49-F238E27FC236}">
+                <a16:creationId xmlns:a16="http://schemas.microsoft.com/office/drawing/2014/main" id="{A8F73D74-CC21-4CCB-8672-3620BFDBA5BD}"/>
+              </a:ext>
+            </a:extLst>
+          </p:cNvPr>
+          <p:cNvPicPr>
+            <a:picLocks noChangeAspect="1"/>
+          </p:cNvPicPr>
           <p:nvPr/>
-        </p:nvSpPr>
+        </p:nvPicPr>
+        <p:blipFill>
+          <a:blip r:embed="rId2"/>
+          <a:stretch>
+            <a:fillRect/>
+          </a:stretch>
+        </p:blipFill>
         <p:spPr>
           <a:xfrm>
-            <a:off x="4107314" y="2731178"/>
-            <a:ext cx="3977371" cy="1200329"/>
+            <a:off x="0" y="740062"/>
+            <a:ext cx="12192000" cy="5377876"/>
           </a:xfrm>
           <a:prstGeom prst="rect">
             <a:avLst/>
           </a:prstGeom>
-          <a:noFill/>
         </p:spPr>
-        <p:txBody>
-          <a:bodyPr wrap="none" rtlCol="0">
-            <a:spAutoFit/>
-          </a:bodyPr>
-          <a:lstStyle/>
-          <a:p>
-            <a:r>
-              <a:rPr lang="ru-RU" sz="7200" dirty="0">
-                <a:latin typeface="Bahnschrift SemiBold" panose="020B0502040204020203" pitchFamily="34" charset="0"/>
-              </a:rPr>
-              <a:t>Админка</a:t>
-            </a:r>
-            <a:endParaRPr lang="ru-RU" dirty="0">
-              <a:latin typeface="Bahnschrift SemiBold" panose="020B0502040204020203" pitchFamily="34" charset="0"/>
-            </a:endParaRPr>
-          </a:p>
-        </p:txBody>
-      </p:sp>
+      </p:pic>
     </p:spTree>
     <p:extLst>
       <p:ext uri="{BB962C8B-B14F-4D97-AF65-F5344CB8AC3E}">
-        <p14:creationId xmlns:p14="http://schemas.microsoft.com/office/powerpoint/2010/main" val="2970634233"/>
+        <p14:creationId xmlns:p14="http://schemas.microsoft.com/office/powerpoint/2010/main" val="767114493"/>
       </p:ext>
     </p:extLst>
   </p:cSld>
@@ -3691,40 +3699,50 @@
           <a:chExt cx="0" cy="0"/>
         </a:xfrm>
       </p:grpSpPr>
-      <p:pic>
-        <p:nvPicPr>
-          <p:cNvPr id="4" name="Рисунок 3">
-            <a:extLst>
-              <a:ext uri="{FF2B5EF4-FFF2-40B4-BE49-F238E27FC236}">
-                <a16:creationId xmlns:a16="http://schemas.microsoft.com/office/drawing/2014/main" id="{A5E0D9AF-ED7C-4590-BCD6-AB5CC45C7CA9}"/>
-              </a:ext>
-            </a:extLst>
-          </p:cNvPr>
-          <p:cNvPicPr>
-            <a:picLocks noChangeAspect="1"/>
-          </p:cNvPicPr>
+      <p:sp>
+        <p:nvSpPr>
+          <p:cNvPr id="4" name="TextBox 3">
+            <a:extLst>
+              <a:ext uri="{FF2B5EF4-FFF2-40B4-BE49-F238E27FC236}">
+                <a16:creationId xmlns:a16="http://schemas.microsoft.com/office/drawing/2014/main" id="{73B9E8D8-4FEB-4F1A-90C3-EC4DC0012F67}"/>
+              </a:ext>
+            </a:extLst>
+          </p:cNvPr>
+          <p:cNvSpPr txBox="1"/>
           <p:nvPr/>
-        </p:nvPicPr>
-        <p:blipFill>
-          <a:blip r:embed="rId2"/>
-          <a:stretch>
-            <a:fillRect/>
-          </a:stretch>
-        </p:blipFill>
+        </p:nvSpPr>
         <p:spPr>
           <a:xfrm>
-            <a:off x="1514455" y="0"/>
-            <a:ext cx="9163090" cy="6858000"/>
+            <a:off x="4107314" y="2731178"/>
+            <a:ext cx="3977371" cy="1200329"/>
           </a:xfrm>
           <a:prstGeom prst="rect">
             <a:avLst/>
           </a:prstGeom>
+          <a:noFill/>
         </p:spPr>
-      </p:pic>
+        <p:txBody>
+          <a:bodyPr wrap="none" rtlCol="0">
+            <a:spAutoFit/>
+          </a:bodyPr>
+          <a:lstStyle/>
+          <a:p>
+            <a:r>
+              <a:rPr lang="ru-RU" sz="7200" dirty="0">
+                <a:latin typeface="Bahnschrift SemiBold" panose="020B0502040204020203" pitchFamily="34" charset="0"/>
+              </a:rPr>
+              <a:t>Админка</a:t>
+            </a:r>
+            <a:endParaRPr lang="ru-RU" dirty="0">
+              <a:latin typeface="Bahnschrift SemiBold" panose="020B0502040204020203" pitchFamily="34" charset="0"/>
+            </a:endParaRPr>
+          </a:p>
+        </p:txBody>
+      </p:sp>
     </p:spTree>
     <p:extLst>
       <p:ext uri="{BB962C8B-B14F-4D97-AF65-F5344CB8AC3E}">
-        <p14:creationId xmlns:p14="http://schemas.microsoft.com/office/powerpoint/2010/main" val="2011850350"/>
+        <p14:creationId xmlns:p14="http://schemas.microsoft.com/office/powerpoint/2010/main" val="2970634233"/>
       </p:ext>
     </p:extLst>
   </p:cSld>
@@ -3996,7 +4014,7 @@
           <p:cNvPr id="4" name="Рисунок 3">
             <a:extLst>
               <a:ext uri="{FF2B5EF4-FFF2-40B4-BE49-F238E27FC236}">
-                <a16:creationId xmlns:a16="http://schemas.microsoft.com/office/drawing/2014/main" id="{09600F0F-BBE7-44B8-AB19-603724B1EA84}"/>
+                <a16:creationId xmlns:a16="http://schemas.microsoft.com/office/drawing/2014/main" id="{5024785F-0429-48A5-9D7E-E5D0578DB294}"/>
               </a:ext>
             </a:extLst>
           </p:cNvPr>
@@ -4013,8 +4031,37 @@
         </p:blipFill>
         <p:spPr>
           <a:xfrm>
-            <a:off x="568141" y="0"/>
-            <a:ext cx="11055718" cy="6858000"/>
+            <a:off x="71097" y="0"/>
+            <a:ext cx="8623026" cy="6858000"/>
+          </a:xfrm>
+          <a:prstGeom prst="rect">
+            <a:avLst/>
+          </a:prstGeom>
+        </p:spPr>
+      </p:pic>
+      <p:pic>
+        <p:nvPicPr>
+          <p:cNvPr id="5" name="Рисунок 4">
+            <a:extLst>
+              <a:ext uri="{FF2B5EF4-FFF2-40B4-BE49-F238E27FC236}">
+                <a16:creationId xmlns:a16="http://schemas.microsoft.com/office/drawing/2014/main" id="{8266B6CF-912A-4FB8-94BF-40D2F7465F18}"/>
+              </a:ext>
+            </a:extLst>
+          </p:cNvPr>
+          <p:cNvPicPr>
+            <a:picLocks noChangeAspect="1"/>
+          </p:cNvPicPr>
+          <p:nvPr/>
+        </p:nvPicPr>
+        <p:blipFill rotWithShape="1">
+          <a:blip r:embed="rId3"/>
+          <a:srcRect r="36919"/>
+          <a:stretch/>
+        </p:blipFill>
+        <p:spPr>
+          <a:xfrm>
+            <a:off x="6752492" y="0"/>
+            <a:ext cx="5439508" cy="6858000"/>
           </a:xfrm>
           <a:prstGeom prst="rect">
             <a:avLst/>
@@ -4024,7 +4071,7 @@
     </p:spTree>
     <p:extLst>
       <p:ext uri="{BB962C8B-B14F-4D97-AF65-F5344CB8AC3E}">
-        <p14:creationId xmlns:p14="http://schemas.microsoft.com/office/powerpoint/2010/main" val="2976827083"/>
+        <p14:creationId xmlns:p14="http://schemas.microsoft.com/office/powerpoint/2010/main" val="2196942897"/>
       </p:ext>
     </p:extLst>
   </p:cSld>
@@ -4122,95 +4169,6 @@
           <p:cNvPr id="4" name="Рисунок 3">
             <a:extLst>
               <a:ext uri="{FF2B5EF4-FFF2-40B4-BE49-F238E27FC236}">
-                <a16:creationId xmlns:a16="http://schemas.microsoft.com/office/drawing/2014/main" id="{5024785F-0429-48A5-9D7E-E5D0578DB294}"/>
-              </a:ext>
-            </a:extLst>
-          </p:cNvPr>
-          <p:cNvPicPr>
-            <a:picLocks noChangeAspect="1"/>
-          </p:cNvPicPr>
-          <p:nvPr/>
-        </p:nvPicPr>
-        <p:blipFill>
-          <a:blip r:embed="rId2"/>
-          <a:stretch>
-            <a:fillRect/>
-          </a:stretch>
-        </p:blipFill>
-        <p:spPr>
-          <a:xfrm>
-            <a:off x="71097" y="0"/>
-            <a:ext cx="8623026" cy="6858000"/>
-          </a:xfrm>
-          <a:prstGeom prst="rect">
-            <a:avLst/>
-          </a:prstGeom>
-        </p:spPr>
-      </p:pic>
-      <p:pic>
-        <p:nvPicPr>
-          <p:cNvPr id="5" name="Рисунок 4">
-            <a:extLst>
-              <a:ext uri="{FF2B5EF4-FFF2-40B4-BE49-F238E27FC236}">
-                <a16:creationId xmlns:a16="http://schemas.microsoft.com/office/drawing/2014/main" id="{8266B6CF-912A-4FB8-94BF-40D2F7465F18}"/>
-              </a:ext>
-            </a:extLst>
-          </p:cNvPr>
-          <p:cNvPicPr>
-            <a:picLocks noChangeAspect="1"/>
-          </p:cNvPicPr>
-          <p:nvPr/>
-        </p:nvPicPr>
-        <p:blipFill rotWithShape="1">
-          <a:blip r:embed="rId3"/>
-          <a:srcRect r="36919"/>
-          <a:stretch/>
-        </p:blipFill>
-        <p:spPr>
-          <a:xfrm>
-            <a:off x="6752492" y="0"/>
-            <a:ext cx="5439508" cy="6858000"/>
-          </a:xfrm>
-          <a:prstGeom prst="rect">
-            <a:avLst/>
-          </a:prstGeom>
-        </p:spPr>
-      </p:pic>
-    </p:spTree>
-    <p:extLst>
-      <p:ext uri="{BB962C8B-B14F-4D97-AF65-F5344CB8AC3E}">
-        <p14:creationId xmlns:p14="http://schemas.microsoft.com/office/powerpoint/2010/main" val="2196942897"/>
-      </p:ext>
-    </p:extLst>
-  </p:cSld>
-  <p:clrMapOvr>
-    <a:masterClrMapping/>
-  </p:clrMapOvr>
-</p:sld>
-</file>
-
-<file path=ppt/slides/slide21.xml><?xml version="1.0" encoding="utf-8"?>
-<p:sld xmlns:a="http://schemas.openxmlformats.org/drawingml/2006/main" xmlns:r="http://schemas.openxmlformats.org/officeDocument/2006/relationships" xmlns:p="http://schemas.openxmlformats.org/presentationml/2006/main">
-  <p:cSld>
-    <p:spTree>
-      <p:nvGrpSpPr>
-        <p:cNvPr id="1" name=""/>
-        <p:cNvGrpSpPr/>
-        <p:nvPr/>
-      </p:nvGrpSpPr>
-      <p:grpSpPr>
-        <a:xfrm>
-          <a:off x="0" y="0"/>
-          <a:ext cx="0" cy="0"/>
-          <a:chOff x="0" y="0"/>
-          <a:chExt cx="0" cy="0"/>
-        </a:xfrm>
-      </p:grpSpPr>
-      <p:pic>
-        <p:nvPicPr>
-          <p:cNvPr id="4" name="Рисунок 3">
-            <a:extLst>
-              <a:ext uri="{FF2B5EF4-FFF2-40B4-BE49-F238E27FC236}">
                 <a16:creationId xmlns:a16="http://schemas.microsoft.com/office/drawing/2014/main" id="{F0C3A7B4-2883-4DB8-8A88-5024C30C3897}"/>
               </a:ext>
             </a:extLst>
@@ -4249,6 +4207,66 @@
 </p:sld>
 </file>
 
+<file path=ppt/slides/slide21.xml><?xml version="1.0" encoding="utf-8"?>
+<p:sld xmlns:a="http://schemas.openxmlformats.org/drawingml/2006/main" xmlns:r="http://schemas.openxmlformats.org/officeDocument/2006/relationships" xmlns:p="http://schemas.openxmlformats.org/presentationml/2006/main">
+  <p:cSld>
+    <p:spTree>
+      <p:nvGrpSpPr>
+        <p:cNvPr id="1" name=""/>
+        <p:cNvGrpSpPr/>
+        <p:nvPr/>
+      </p:nvGrpSpPr>
+      <p:grpSpPr>
+        <a:xfrm>
+          <a:off x="0" y="0"/>
+          <a:ext cx="0" cy="0"/>
+          <a:chOff x="0" y="0"/>
+          <a:chExt cx="0" cy="0"/>
+        </a:xfrm>
+      </p:grpSpPr>
+      <p:pic>
+        <p:nvPicPr>
+          <p:cNvPr id="4" name="Рисунок 3">
+            <a:extLst>
+              <a:ext uri="{FF2B5EF4-FFF2-40B4-BE49-F238E27FC236}">
+                <a16:creationId xmlns:a16="http://schemas.microsoft.com/office/drawing/2014/main" id="{A360FC92-9411-48D9-8BB2-C3E7F8343A5A}"/>
+              </a:ext>
+            </a:extLst>
+          </p:cNvPr>
+          <p:cNvPicPr>
+            <a:picLocks noChangeAspect="1"/>
+          </p:cNvPicPr>
+          <p:nvPr/>
+        </p:nvPicPr>
+        <p:blipFill>
+          <a:blip r:embed="rId2"/>
+          <a:stretch>
+            <a:fillRect/>
+          </a:stretch>
+        </p:blipFill>
+        <p:spPr>
+          <a:xfrm>
+            <a:off x="0" y="487194"/>
+            <a:ext cx="12192000" cy="5883611"/>
+          </a:xfrm>
+          <a:prstGeom prst="rect">
+            <a:avLst/>
+          </a:prstGeom>
+        </p:spPr>
+      </p:pic>
+    </p:spTree>
+    <p:extLst>
+      <p:ext uri="{BB962C8B-B14F-4D97-AF65-F5344CB8AC3E}">
+        <p14:creationId xmlns:p14="http://schemas.microsoft.com/office/powerpoint/2010/main" val="1811061979"/>
+      </p:ext>
+    </p:extLst>
+  </p:cSld>
+  <p:clrMapOvr>
+    <a:masterClrMapping/>
+  </p:clrMapOvr>
+</p:sld>
+</file>
+
 <file path=ppt/slides/slide22.xml><?xml version="1.0" encoding="utf-8"?>
 <p:sld xmlns:a="http://schemas.openxmlformats.org/drawingml/2006/main" xmlns:r="http://schemas.openxmlformats.org/officeDocument/2006/relationships" xmlns:p="http://schemas.openxmlformats.org/presentationml/2006/main">
   <p:cSld>
@@ -4266,25 +4284,85 @@
           <a:chExt cx="0" cy="0"/>
         </a:xfrm>
       </p:grpSpPr>
-      <p:sp>
-        <p:nvSpPr>
-          <p:cNvPr id="3" name="Объект 2">
-            <a:extLst>
-              <a:ext uri="{FF2B5EF4-FFF2-40B4-BE49-F238E27FC236}">
-                <a16:creationId xmlns:a16="http://schemas.microsoft.com/office/drawing/2014/main" id="{44738C93-C1A9-4385-A522-5FB9D17D2FA8}"/>
-              </a:ext>
-            </a:extLst>
-          </p:cNvPr>
-          <p:cNvSpPr>
-            <a:spLocks noGrp="1"/>
-          </p:cNvSpPr>
-          <p:nvPr>
-            <p:ph idx="1"/>
-          </p:nvPr>
-        </p:nvSpPr>
+      <p:pic>
+        <p:nvPicPr>
+          <p:cNvPr id="4" name="Рисунок 3">
+            <a:extLst>
+              <a:ext uri="{FF2B5EF4-FFF2-40B4-BE49-F238E27FC236}">
+                <a16:creationId xmlns:a16="http://schemas.microsoft.com/office/drawing/2014/main" id="{780D1D0A-B911-4D5B-9B0B-301C40B4C76B}"/>
+              </a:ext>
+            </a:extLst>
+          </p:cNvPr>
+          <p:cNvPicPr>
+            <a:picLocks noChangeAspect="1"/>
+          </p:cNvPicPr>
+          <p:nvPr/>
+        </p:nvPicPr>
+        <p:blipFill>
+          <a:blip r:embed="rId2"/>
+          <a:stretch>
+            <a:fillRect/>
+          </a:stretch>
+        </p:blipFill>
         <p:spPr>
           <a:xfrm>
-            <a:off x="456235" y="401939"/>
+            <a:off x="0" y="520578"/>
+            <a:ext cx="12192000" cy="5816843"/>
+          </a:xfrm>
+          <a:prstGeom prst="rect">
+            <a:avLst/>
+          </a:prstGeom>
+        </p:spPr>
+      </p:pic>
+    </p:spTree>
+    <p:extLst>
+      <p:ext uri="{BB962C8B-B14F-4D97-AF65-F5344CB8AC3E}">
+        <p14:creationId xmlns:p14="http://schemas.microsoft.com/office/powerpoint/2010/main" val="3986565169"/>
+      </p:ext>
+    </p:extLst>
+  </p:cSld>
+  <p:clrMapOvr>
+    <a:masterClrMapping/>
+  </p:clrMapOvr>
+</p:sld>
+</file>
+
+<file path=ppt/slides/slide23.xml><?xml version="1.0" encoding="utf-8"?>
+<p:sld xmlns:a="http://schemas.openxmlformats.org/drawingml/2006/main" xmlns:r="http://schemas.openxmlformats.org/officeDocument/2006/relationships" xmlns:p="http://schemas.openxmlformats.org/presentationml/2006/main">
+  <p:cSld>
+    <p:spTree>
+      <p:nvGrpSpPr>
+        <p:cNvPr id="1" name=""/>
+        <p:cNvGrpSpPr/>
+        <p:nvPr/>
+      </p:nvGrpSpPr>
+      <p:grpSpPr>
+        <a:xfrm>
+          <a:off x="0" y="0"/>
+          <a:ext cx="0" cy="0"/>
+          <a:chOff x="0" y="0"/>
+          <a:chExt cx="0" cy="0"/>
+        </a:xfrm>
+      </p:grpSpPr>
+      <p:sp>
+        <p:nvSpPr>
+          <p:cNvPr id="3" name="Объект 2">
+            <a:extLst>
+              <a:ext uri="{FF2B5EF4-FFF2-40B4-BE49-F238E27FC236}">
+                <a16:creationId xmlns:a16="http://schemas.microsoft.com/office/drawing/2014/main" id="{44738C93-C1A9-4385-A522-5FB9D17D2FA8}"/>
+              </a:ext>
+            </a:extLst>
+          </p:cNvPr>
+          <p:cNvSpPr>
+            <a:spLocks noGrp="1"/>
+          </p:cNvSpPr>
+          <p:nvPr>
+            <p:ph idx="1"/>
+          </p:nvPr>
+        </p:nvSpPr>
+        <p:spPr>
+          <a:xfrm>
+            <a:off x="838200" y="401597"/>
             <a:ext cx="10515600" cy="593484"/>
           </a:xfrm>
         </p:spPr>
@@ -4292,14 +4370,14 @@
           <a:bodyPr/>
           <a:lstStyle/>
           <a:p>
-            <a:pPr marL="0" indent="0">
+            <a:pPr marL="0" indent="0" algn="ctr">
               <a:buNone/>
             </a:pPr>
             <a:r>
               <a:rPr lang="ru-RU" dirty="0">
                 <a:latin typeface="Bahnschrift SemiBold" panose="020B0502040204020203" pitchFamily="34" charset="0"/>
               </a:rPr>
-              <a:t>Архитектура</a:t>
+              <a:t>Как всё это работает</a:t>
             </a:r>
           </a:p>
         </p:txBody>
@@ -4320,8 +4398,8 @@
         </p:nvSpPr>
         <p:spPr>
           <a:xfrm>
-            <a:off x="456235" y="1306694"/>
-            <a:ext cx="10515600" cy="2431929"/>
+            <a:off x="456235" y="1688658"/>
+            <a:ext cx="10515600" cy="5360324"/>
           </a:xfrm>
           <a:prstGeom prst="rect">
             <a:avLst/>
@@ -4501,544 +4579,6 @@
               <a:buNone/>
             </a:pPr>
             <a:r>
-              <a:rPr lang="en-US" sz="2400" dirty="0">
-                <a:latin typeface="Bahnschrift SemiLight" panose="020B0502040204020203" pitchFamily="34" charset="0"/>
-              </a:rPr>
-              <a:t>User</a:t>
-            </a:r>
-          </a:p>
-          <a:p>
-            <a:pPr marL="0" indent="0">
-              <a:buFont typeface="Arial" panose="020B0604020202020204" pitchFamily="34" charset="0"/>
-              <a:buNone/>
-            </a:pPr>
-            <a:r>
-              <a:rPr lang="en-US" sz="2400" dirty="0">
-                <a:latin typeface="Bahnschrift SemiLight" panose="020B0502040204020203" pitchFamily="34" charset="0"/>
-              </a:rPr>
-              <a:t>Problem</a:t>
-            </a:r>
-          </a:p>
-          <a:p>
-            <a:pPr marL="0" indent="0">
-              <a:buFont typeface="Arial" panose="020B0604020202020204" pitchFamily="34" charset="0"/>
-              <a:buNone/>
-            </a:pPr>
-            <a:r>
-              <a:rPr lang="en-US" sz="2400" dirty="0">
-                <a:latin typeface="Bahnschrift SemiLight" panose="020B0502040204020203" pitchFamily="34" charset="0"/>
-              </a:rPr>
-              <a:t>Submission</a:t>
-            </a:r>
-          </a:p>
-          <a:p>
-            <a:pPr marL="0" indent="0">
-              <a:buFont typeface="Arial" panose="020B0604020202020204" pitchFamily="34" charset="0"/>
-              <a:buNone/>
-            </a:pPr>
-            <a:r>
-              <a:rPr lang="en-US" sz="2400" dirty="0">
-                <a:latin typeface="Bahnschrift SemiLight" panose="020B0502040204020203" pitchFamily="34" charset="0"/>
-              </a:rPr>
-              <a:t>Test</a:t>
-            </a:r>
-          </a:p>
-          <a:p>
-            <a:pPr marL="0" indent="0">
-              <a:buFont typeface="Arial" panose="020B0604020202020204" pitchFamily="34" charset="0"/>
-              <a:buNone/>
-            </a:pPr>
-            <a:r>
-              <a:rPr lang="en-US" sz="2400" dirty="0">
-                <a:latin typeface="Bahnschrift SemiLight" panose="020B0502040204020203" pitchFamily="34" charset="0"/>
-              </a:rPr>
-              <a:t>Contest</a:t>
-            </a:r>
-          </a:p>
-        </p:txBody>
-      </p:sp>
-      <p:sp>
-        <p:nvSpPr>
-          <p:cNvPr id="6" name="Объект 2">
-            <a:extLst>
-              <a:ext uri="{FF2B5EF4-FFF2-40B4-BE49-F238E27FC236}">
-                <a16:creationId xmlns:a16="http://schemas.microsoft.com/office/drawing/2014/main" id="{496817BC-1D39-45CA-8269-4876911D7F63}"/>
-              </a:ext>
-            </a:extLst>
-          </p:cNvPr>
-          <p:cNvSpPr txBox="1">
-            <a:spLocks/>
-          </p:cNvSpPr>
-          <p:nvPr/>
-        </p:nvSpPr>
-        <p:spPr>
-          <a:xfrm>
-            <a:off x="456235" y="3727732"/>
-            <a:ext cx="10515600" cy="2431929"/>
-          </a:xfrm>
-          <a:prstGeom prst="rect">
-            <a:avLst/>
-          </a:prstGeom>
-        </p:spPr>
-        <p:txBody>
-          <a:bodyPr vert="horz" lIns="91440" tIns="45720" rIns="91440" bIns="45720" rtlCol="0">
-            <a:normAutofit/>
-          </a:bodyPr>
-          <a:lstStyle>
-            <a:lvl1pPr marL="228600" indent="-228600" algn="l" defTabSz="914400" rtl="0" eaLnBrk="1" latinLnBrk="0" hangingPunct="1">
-              <a:lnSpc>
-                <a:spcPct val="90000"/>
-              </a:lnSpc>
-              <a:spcBef>
-                <a:spcPts val="1000"/>
-              </a:spcBef>
-              <a:buFont typeface="Arial" panose="020B0604020202020204" pitchFamily="34" charset="0"/>
-              <a:buChar char="•"/>
-              <a:defRPr sz="2800" kern="1200">
-                <a:solidFill>
-                  <a:schemeClr val="tx1"/>
-                </a:solidFill>
-                <a:latin typeface="+mn-lt"/>
-                <a:ea typeface="+mn-ea"/>
-                <a:cs typeface="+mn-cs"/>
-              </a:defRPr>
-            </a:lvl1pPr>
-            <a:lvl2pPr marL="685800" indent="-228600" algn="l" defTabSz="914400" rtl="0" eaLnBrk="1" latinLnBrk="0" hangingPunct="1">
-              <a:lnSpc>
-                <a:spcPct val="90000"/>
-              </a:lnSpc>
-              <a:spcBef>
-                <a:spcPts val="500"/>
-              </a:spcBef>
-              <a:buFont typeface="Arial" panose="020B0604020202020204" pitchFamily="34" charset="0"/>
-              <a:buChar char="•"/>
-              <a:defRPr sz="2400" kern="1200">
-                <a:solidFill>
-                  <a:schemeClr val="tx1"/>
-                </a:solidFill>
-                <a:latin typeface="+mn-lt"/>
-                <a:ea typeface="+mn-ea"/>
-                <a:cs typeface="+mn-cs"/>
-              </a:defRPr>
-            </a:lvl2pPr>
-            <a:lvl3pPr marL="1143000" indent="-228600" algn="l" defTabSz="914400" rtl="0" eaLnBrk="1" latinLnBrk="0" hangingPunct="1">
-              <a:lnSpc>
-                <a:spcPct val="90000"/>
-              </a:lnSpc>
-              <a:spcBef>
-                <a:spcPts val="500"/>
-              </a:spcBef>
-              <a:buFont typeface="Arial" panose="020B0604020202020204" pitchFamily="34" charset="0"/>
-              <a:buChar char="•"/>
-              <a:defRPr sz="2000" kern="1200">
-                <a:solidFill>
-                  <a:schemeClr val="tx1"/>
-                </a:solidFill>
-                <a:latin typeface="+mn-lt"/>
-                <a:ea typeface="+mn-ea"/>
-                <a:cs typeface="+mn-cs"/>
-              </a:defRPr>
-            </a:lvl3pPr>
-            <a:lvl4pPr marL="1600200" indent="-228600" algn="l" defTabSz="914400" rtl="0" eaLnBrk="1" latinLnBrk="0" hangingPunct="1">
-              <a:lnSpc>
-                <a:spcPct val="90000"/>
-              </a:lnSpc>
-              <a:spcBef>
-                <a:spcPts val="500"/>
-              </a:spcBef>
-              <a:buFont typeface="Arial" panose="020B0604020202020204" pitchFamily="34" charset="0"/>
-              <a:buChar char="•"/>
-              <a:defRPr sz="1800" kern="1200">
-                <a:solidFill>
-                  <a:schemeClr val="tx1"/>
-                </a:solidFill>
-                <a:latin typeface="+mn-lt"/>
-                <a:ea typeface="+mn-ea"/>
-                <a:cs typeface="+mn-cs"/>
-              </a:defRPr>
-            </a:lvl4pPr>
-            <a:lvl5pPr marL="2057400" indent="-228600" algn="l" defTabSz="914400" rtl="0" eaLnBrk="1" latinLnBrk="0" hangingPunct="1">
-              <a:lnSpc>
-                <a:spcPct val="90000"/>
-              </a:lnSpc>
-              <a:spcBef>
-                <a:spcPts val="500"/>
-              </a:spcBef>
-              <a:buFont typeface="Arial" panose="020B0604020202020204" pitchFamily="34" charset="0"/>
-              <a:buChar char="•"/>
-              <a:defRPr sz="1800" kern="1200">
-                <a:solidFill>
-                  <a:schemeClr val="tx1"/>
-                </a:solidFill>
-                <a:latin typeface="+mn-lt"/>
-                <a:ea typeface="+mn-ea"/>
-                <a:cs typeface="+mn-cs"/>
-              </a:defRPr>
-            </a:lvl5pPr>
-            <a:lvl6pPr marL="2514600" indent="-228600" algn="l" defTabSz="914400" rtl="0" eaLnBrk="1" latinLnBrk="0" hangingPunct="1">
-              <a:lnSpc>
-                <a:spcPct val="90000"/>
-              </a:lnSpc>
-              <a:spcBef>
-                <a:spcPts val="500"/>
-              </a:spcBef>
-              <a:buFont typeface="Arial" panose="020B0604020202020204" pitchFamily="34" charset="0"/>
-              <a:buChar char="•"/>
-              <a:defRPr sz="1800" kern="1200">
-                <a:solidFill>
-                  <a:schemeClr val="tx1"/>
-                </a:solidFill>
-                <a:latin typeface="+mn-lt"/>
-                <a:ea typeface="+mn-ea"/>
-                <a:cs typeface="+mn-cs"/>
-              </a:defRPr>
-            </a:lvl6pPr>
-            <a:lvl7pPr marL="2971800" indent="-228600" algn="l" defTabSz="914400" rtl="0" eaLnBrk="1" latinLnBrk="0" hangingPunct="1">
-              <a:lnSpc>
-                <a:spcPct val="90000"/>
-              </a:lnSpc>
-              <a:spcBef>
-                <a:spcPts val="500"/>
-              </a:spcBef>
-              <a:buFont typeface="Arial" panose="020B0604020202020204" pitchFamily="34" charset="0"/>
-              <a:buChar char="•"/>
-              <a:defRPr sz="1800" kern="1200">
-                <a:solidFill>
-                  <a:schemeClr val="tx1"/>
-                </a:solidFill>
-                <a:latin typeface="+mn-lt"/>
-                <a:ea typeface="+mn-ea"/>
-                <a:cs typeface="+mn-cs"/>
-              </a:defRPr>
-            </a:lvl7pPr>
-            <a:lvl8pPr marL="3429000" indent="-228600" algn="l" defTabSz="914400" rtl="0" eaLnBrk="1" latinLnBrk="0" hangingPunct="1">
-              <a:lnSpc>
-                <a:spcPct val="90000"/>
-              </a:lnSpc>
-              <a:spcBef>
-                <a:spcPts val="500"/>
-              </a:spcBef>
-              <a:buFont typeface="Arial" panose="020B0604020202020204" pitchFamily="34" charset="0"/>
-              <a:buChar char="•"/>
-              <a:defRPr sz="1800" kern="1200">
-                <a:solidFill>
-                  <a:schemeClr val="tx1"/>
-                </a:solidFill>
-                <a:latin typeface="+mn-lt"/>
-                <a:ea typeface="+mn-ea"/>
-                <a:cs typeface="+mn-cs"/>
-              </a:defRPr>
-            </a:lvl8pPr>
-            <a:lvl9pPr marL="3886200" indent="-228600" algn="l" defTabSz="914400" rtl="0" eaLnBrk="1" latinLnBrk="0" hangingPunct="1">
-              <a:lnSpc>
-                <a:spcPct val="90000"/>
-              </a:lnSpc>
-              <a:spcBef>
-                <a:spcPts val="500"/>
-              </a:spcBef>
-              <a:buFont typeface="Arial" panose="020B0604020202020204" pitchFamily="34" charset="0"/>
-              <a:buChar char="•"/>
-              <a:defRPr sz="1800" kern="1200">
-                <a:solidFill>
-                  <a:schemeClr val="tx1"/>
-                </a:solidFill>
-                <a:latin typeface="+mn-lt"/>
-                <a:ea typeface="+mn-ea"/>
-                <a:cs typeface="+mn-cs"/>
-              </a:defRPr>
-            </a:lvl9pPr>
-          </a:lstStyle>
-          <a:p>
-            <a:pPr marL="0" indent="0">
-              <a:buFont typeface="Arial" panose="020B0604020202020204" pitchFamily="34" charset="0"/>
-              <a:buNone/>
-            </a:pPr>
-            <a:r>
-              <a:rPr lang="en-US" sz="2000" dirty="0">
-                <a:latin typeface="Bahnschrift Light" panose="020B0502040204020203" pitchFamily="34" charset="0"/>
-              </a:rPr>
-              <a:t>UserToProblem</a:t>
-            </a:r>
-          </a:p>
-          <a:p>
-            <a:pPr marL="0" indent="0">
-              <a:buFont typeface="Arial" panose="020B0604020202020204" pitchFamily="34" charset="0"/>
-              <a:buNone/>
-            </a:pPr>
-            <a:r>
-              <a:rPr lang="en-US" sz="2000" dirty="0">
-                <a:latin typeface="Bahnschrift Light" panose="020B0502040204020203" pitchFamily="34" charset="0"/>
-              </a:rPr>
-              <a:t>UserToContest</a:t>
-            </a:r>
-          </a:p>
-        </p:txBody>
-      </p:sp>
-    </p:spTree>
-    <p:extLst>
-      <p:ext uri="{BB962C8B-B14F-4D97-AF65-F5344CB8AC3E}">
-        <p14:creationId xmlns:p14="http://schemas.microsoft.com/office/powerpoint/2010/main" val="66767380"/>
-      </p:ext>
-    </p:extLst>
-  </p:cSld>
-  <p:clrMapOvr>
-    <a:masterClrMapping/>
-  </p:clrMapOvr>
-</p:sld>
-</file>
-
-<file path=ppt/slides/slide23.xml><?xml version="1.0" encoding="utf-8"?>
-<p:sld xmlns:a="http://schemas.openxmlformats.org/drawingml/2006/main" xmlns:r="http://schemas.openxmlformats.org/officeDocument/2006/relationships" xmlns:p="http://schemas.openxmlformats.org/presentationml/2006/main">
-  <p:cSld>
-    <p:spTree>
-      <p:nvGrpSpPr>
-        <p:cNvPr id="1" name=""/>
-        <p:cNvGrpSpPr/>
-        <p:nvPr/>
-      </p:nvGrpSpPr>
-      <p:grpSpPr>
-        <a:xfrm>
-          <a:off x="0" y="0"/>
-          <a:ext cx="0" cy="0"/>
-          <a:chOff x="0" y="0"/>
-          <a:chExt cx="0" cy="0"/>
-        </a:xfrm>
-      </p:grpSpPr>
-      <p:sp>
-        <p:nvSpPr>
-          <p:cNvPr id="3" name="Объект 2">
-            <a:extLst>
-              <a:ext uri="{FF2B5EF4-FFF2-40B4-BE49-F238E27FC236}">
-                <a16:creationId xmlns:a16="http://schemas.microsoft.com/office/drawing/2014/main" id="{44738C93-C1A9-4385-A522-5FB9D17D2FA8}"/>
-              </a:ext>
-            </a:extLst>
-          </p:cNvPr>
-          <p:cNvSpPr>
-            <a:spLocks noGrp="1"/>
-          </p:cNvSpPr>
-          <p:nvPr>
-            <p:ph idx="1"/>
-          </p:nvPr>
-        </p:nvSpPr>
-        <p:spPr>
-          <a:xfrm>
-            <a:off x="838200" y="401597"/>
-            <a:ext cx="10515600" cy="593484"/>
-          </a:xfrm>
-        </p:spPr>
-        <p:txBody>
-          <a:bodyPr/>
-          <a:lstStyle/>
-          <a:p>
-            <a:pPr marL="0" indent="0" algn="ctr">
-              <a:buNone/>
-            </a:pPr>
-            <a:r>
-              <a:rPr lang="ru-RU" dirty="0">
-                <a:latin typeface="Bahnschrift SemiBold" panose="020B0502040204020203" pitchFamily="34" charset="0"/>
-              </a:rPr>
-              <a:t>Как всё это работает</a:t>
-            </a:r>
-          </a:p>
-        </p:txBody>
-      </p:sp>
-      <p:sp>
-        <p:nvSpPr>
-          <p:cNvPr id="4" name="Объект 2">
-            <a:extLst>
-              <a:ext uri="{FF2B5EF4-FFF2-40B4-BE49-F238E27FC236}">
-                <a16:creationId xmlns:a16="http://schemas.microsoft.com/office/drawing/2014/main" id="{E23D21A5-491E-4D88-8C9C-51AA786DCC48}"/>
-              </a:ext>
-            </a:extLst>
-          </p:cNvPr>
-          <p:cNvSpPr txBox="1">
-            <a:spLocks/>
-          </p:cNvSpPr>
-          <p:nvPr/>
-        </p:nvSpPr>
-        <p:spPr>
-          <a:xfrm>
-            <a:off x="456235" y="1688658"/>
-            <a:ext cx="10515600" cy="5360324"/>
-          </a:xfrm>
-          <a:prstGeom prst="rect">
-            <a:avLst/>
-          </a:prstGeom>
-        </p:spPr>
-        <p:txBody>
-          <a:bodyPr vert="horz" lIns="91440" tIns="45720" rIns="91440" bIns="45720" rtlCol="0">
-            <a:normAutofit/>
-          </a:bodyPr>
-          <a:lstStyle>
-            <a:lvl1pPr marL="228600" indent="-228600" algn="l" defTabSz="914400" rtl="0" eaLnBrk="1" latinLnBrk="0" hangingPunct="1">
-              <a:lnSpc>
-                <a:spcPct val="90000"/>
-              </a:lnSpc>
-              <a:spcBef>
-                <a:spcPts val="1000"/>
-              </a:spcBef>
-              <a:buFont typeface="Arial" panose="020B0604020202020204" pitchFamily="34" charset="0"/>
-              <a:buChar char="•"/>
-              <a:defRPr sz="2800" kern="1200">
-                <a:solidFill>
-                  <a:schemeClr val="tx1"/>
-                </a:solidFill>
-                <a:latin typeface="+mn-lt"/>
-                <a:ea typeface="+mn-ea"/>
-                <a:cs typeface="+mn-cs"/>
-              </a:defRPr>
-            </a:lvl1pPr>
-            <a:lvl2pPr marL="685800" indent="-228600" algn="l" defTabSz="914400" rtl="0" eaLnBrk="1" latinLnBrk="0" hangingPunct="1">
-              <a:lnSpc>
-                <a:spcPct val="90000"/>
-              </a:lnSpc>
-              <a:spcBef>
-                <a:spcPts val="500"/>
-              </a:spcBef>
-              <a:buFont typeface="Arial" panose="020B0604020202020204" pitchFamily="34" charset="0"/>
-              <a:buChar char="•"/>
-              <a:defRPr sz="2400" kern="1200">
-                <a:solidFill>
-                  <a:schemeClr val="tx1"/>
-                </a:solidFill>
-                <a:latin typeface="+mn-lt"/>
-                <a:ea typeface="+mn-ea"/>
-                <a:cs typeface="+mn-cs"/>
-              </a:defRPr>
-            </a:lvl2pPr>
-            <a:lvl3pPr marL="1143000" indent="-228600" algn="l" defTabSz="914400" rtl="0" eaLnBrk="1" latinLnBrk="0" hangingPunct="1">
-              <a:lnSpc>
-                <a:spcPct val="90000"/>
-              </a:lnSpc>
-              <a:spcBef>
-                <a:spcPts val="500"/>
-              </a:spcBef>
-              <a:buFont typeface="Arial" panose="020B0604020202020204" pitchFamily="34" charset="0"/>
-              <a:buChar char="•"/>
-              <a:defRPr sz="2000" kern="1200">
-                <a:solidFill>
-                  <a:schemeClr val="tx1"/>
-                </a:solidFill>
-                <a:latin typeface="+mn-lt"/>
-                <a:ea typeface="+mn-ea"/>
-                <a:cs typeface="+mn-cs"/>
-              </a:defRPr>
-            </a:lvl3pPr>
-            <a:lvl4pPr marL="1600200" indent="-228600" algn="l" defTabSz="914400" rtl="0" eaLnBrk="1" latinLnBrk="0" hangingPunct="1">
-              <a:lnSpc>
-                <a:spcPct val="90000"/>
-              </a:lnSpc>
-              <a:spcBef>
-                <a:spcPts val="500"/>
-              </a:spcBef>
-              <a:buFont typeface="Arial" panose="020B0604020202020204" pitchFamily="34" charset="0"/>
-              <a:buChar char="•"/>
-              <a:defRPr sz="1800" kern="1200">
-                <a:solidFill>
-                  <a:schemeClr val="tx1"/>
-                </a:solidFill>
-                <a:latin typeface="+mn-lt"/>
-                <a:ea typeface="+mn-ea"/>
-                <a:cs typeface="+mn-cs"/>
-              </a:defRPr>
-            </a:lvl4pPr>
-            <a:lvl5pPr marL="2057400" indent="-228600" algn="l" defTabSz="914400" rtl="0" eaLnBrk="1" latinLnBrk="0" hangingPunct="1">
-              <a:lnSpc>
-                <a:spcPct val="90000"/>
-              </a:lnSpc>
-              <a:spcBef>
-                <a:spcPts val="500"/>
-              </a:spcBef>
-              <a:buFont typeface="Arial" panose="020B0604020202020204" pitchFamily="34" charset="0"/>
-              <a:buChar char="•"/>
-              <a:defRPr sz="1800" kern="1200">
-                <a:solidFill>
-                  <a:schemeClr val="tx1"/>
-                </a:solidFill>
-                <a:latin typeface="+mn-lt"/>
-                <a:ea typeface="+mn-ea"/>
-                <a:cs typeface="+mn-cs"/>
-              </a:defRPr>
-            </a:lvl5pPr>
-            <a:lvl6pPr marL="2514600" indent="-228600" algn="l" defTabSz="914400" rtl="0" eaLnBrk="1" latinLnBrk="0" hangingPunct="1">
-              <a:lnSpc>
-                <a:spcPct val="90000"/>
-              </a:lnSpc>
-              <a:spcBef>
-                <a:spcPts val="500"/>
-              </a:spcBef>
-              <a:buFont typeface="Arial" panose="020B0604020202020204" pitchFamily="34" charset="0"/>
-              <a:buChar char="•"/>
-              <a:defRPr sz="1800" kern="1200">
-                <a:solidFill>
-                  <a:schemeClr val="tx1"/>
-                </a:solidFill>
-                <a:latin typeface="+mn-lt"/>
-                <a:ea typeface="+mn-ea"/>
-                <a:cs typeface="+mn-cs"/>
-              </a:defRPr>
-            </a:lvl6pPr>
-            <a:lvl7pPr marL="2971800" indent="-228600" algn="l" defTabSz="914400" rtl="0" eaLnBrk="1" latinLnBrk="0" hangingPunct="1">
-              <a:lnSpc>
-                <a:spcPct val="90000"/>
-              </a:lnSpc>
-              <a:spcBef>
-                <a:spcPts val="500"/>
-              </a:spcBef>
-              <a:buFont typeface="Arial" panose="020B0604020202020204" pitchFamily="34" charset="0"/>
-              <a:buChar char="•"/>
-              <a:defRPr sz="1800" kern="1200">
-                <a:solidFill>
-                  <a:schemeClr val="tx1"/>
-                </a:solidFill>
-                <a:latin typeface="+mn-lt"/>
-                <a:ea typeface="+mn-ea"/>
-                <a:cs typeface="+mn-cs"/>
-              </a:defRPr>
-            </a:lvl7pPr>
-            <a:lvl8pPr marL="3429000" indent="-228600" algn="l" defTabSz="914400" rtl="0" eaLnBrk="1" latinLnBrk="0" hangingPunct="1">
-              <a:lnSpc>
-                <a:spcPct val="90000"/>
-              </a:lnSpc>
-              <a:spcBef>
-                <a:spcPts val="500"/>
-              </a:spcBef>
-              <a:buFont typeface="Arial" panose="020B0604020202020204" pitchFamily="34" charset="0"/>
-              <a:buChar char="•"/>
-              <a:defRPr sz="1800" kern="1200">
-                <a:solidFill>
-                  <a:schemeClr val="tx1"/>
-                </a:solidFill>
-                <a:latin typeface="+mn-lt"/>
-                <a:ea typeface="+mn-ea"/>
-                <a:cs typeface="+mn-cs"/>
-              </a:defRPr>
-            </a:lvl8pPr>
-            <a:lvl9pPr marL="3886200" indent="-228600" algn="l" defTabSz="914400" rtl="0" eaLnBrk="1" latinLnBrk="0" hangingPunct="1">
-              <a:lnSpc>
-                <a:spcPct val="90000"/>
-              </a:lnSpc>
-              <a:spcBef>
-                <a:spcPts val="500"/>
-              </a:spcBef>
-              <a:buFont typeface="Arial" panose="020B0604020202020204" pitchFamily="34" charset="0"/>
-              <a:buChar char="•"/>
-              <a:defRPr sz="1800" kern="1200">
-                <a:solidFill>
-                  <a:schemeClr val="tx1"/>
-                </a:solidFill>
-                <a:latin typeface="+mn-lt"/>
-                <a:ea typeface="+mn-ea"/>
-                <a:cs typeface="+mn-cs"/>
-              </a:defRPr>
-            </a:lvl9pPr>
-          </a:lstStyle>
-          <a:p>
-            <a:pPr marL="0" indent="0">
-              <a:buFont typeface="Arial" panose="020B0604020202020204" pitchFamily="34" charset="0"/>
-              <a:buNone/>
-            </a:pPr>
-            <a:r>
               <a:rPr lang="en-US" sz="6600" dirty="0">
                 <a:latin typeface="Bahnschrift SemiBold" panose="020B0502040204020203" pitchFamily="34" charset="0"/>
               </a:rPr>
@@ -5178,346 +4718,48 @@
       </p:grpSpPr>
       <p:sp>
         <p:nvSpPr>
-          <p:cNvPr id="3" name="Объект 2">
-            <a:extLst>
-              <a:ext uri="{FF2B5EF4-FFF2-40B4-BE49-F238E27FC236}">
-                <a16:creationId xmlns:a16="http://schemas.microsoft.com/office/drawing/2014/main" id="{44738C93-C1A9-4385-A522-5FB9D17D2FA8}"/>
-              </a:ext>
-            </a:extLst>
-          </p:cNvPr>
-          <p:cNvSpPr>
-            <a:spLocks noGrp="1"/>
-          </p:cNvSpPr>
-          <p:nvPr>
-            <p:ph idx="1"/>
-          </p:nvPr>
+          <p:cNvPr id="4" name="TextBox 3">
+            <a:extLst>
+              <a:ext uri="{FF2B5EF4-FFF2-40B4-BE49-F238E27FC236}">
+                <a16:creationId xmlns:a16="http://schemas.microsoft.com/office/drawing/2014/main" id="{73B9E8D8-4FEB-4F1A-90C3-EC4DC0012F67}"/>
+              </a:ext>
+            </a:extLst>
+          </p:cNvPr>
+          <p:cNvSpPr txBox="1"/>
+          <p:nvPr/>
         </p:nvSpPr>
         <p:spPr>
           <a:xfrm>
-            <a:off x="456235" y="401939"/>
-            <a:ext cx="10515600" cy="593484"/>
-          </a:xfrm>
-        </p:spPr>
-        <p:txBody>
-          <a:bodyPr/>
-          <a:lstStyle/>
-          <a:p>
-            <a:pPr marL="0" indent="0">
-              <a:buNone/>
-            </a:pPr>
-            <a:r>
-              <a:rPr lang="ru-RU" dirty="0">
-                <a:latin typeface="Bahnschrift SemiBold" panose="020B0502040204020203" pitchFamily="34" charset="0"/>
-              </a:rPr>
-              <a:t>Соответствие требованиям</a:t>
-            </a:r>
-          </a:p>
-        </p:txBody>
-      </p:sp>
-      <p:sp>
-        <p:nvSpPr>
-          <p:cNvPr id="4" name="Объект 2">
-            <a:extLst>
-              <a:ext uri="{FF2B5EF4-FFF2-40B4-BE49-F238E27FC236}">
-                <a16:creationId xmlns:a16="http://schemas.microsoft.com/office/drawing/2014/main" id="{E23D21A5-491E-4D88-8C9C-51AA786DCC48}"/>
-              </a:ext>
-            </a:extLst>
-          </p:cNvPr>
-          <p:cNvSpPr txBox="1">
-            <a:spLocks/>
-          </p:cNvSpPr>
-          <p:nvPr/>
-        </p:nvSpPr>
-        <p:spPr>
-          <a:xfrm>
-            <a:off x="456235" y="1306694"/>
-            <a:ext cx="10515600" cy="5395048"/>
+            <a:off x="2087531" y="2678360"/>
+            <a:ext cx="8016938" cy="1200329"/>
           </a:xfrm>
           <a:prstGeom prst="rect">
             <a:avLst/>
           </a:prstGeom>
+          <a:noFill/>
         </p:spPr>
         <p:txBody>
-          <a:bodyPr vert="horz" lIns="91440" tIns="45720" rIns="91440" bIns="45720" rtlCol="0">
-            <a:normAutofit/>
+          <a:bodyPr wrap="none" rtlCol="0">
+            <a:spAutoFit/>
           </a:bodyPr>
-          <a:lstStyle>
-            <a:lvl1pPr marL="228600" indent="-228600" algn="l" defTabSz="914400" rtl="0" eaLnBrk="1" latinLnBrk="0" hangingPunct="1">
-              <a:lnSpc>
-                <a:spcPct val="90000"/>
-              </a:lnSpc>
-              <a:spcBef>
-                <a:spcPts val="1000"/>
-              </a:spcBef>
-              <a:buFont typeface="Arial" panose="020B0604020202020204" pitchFamily="34" charset="0"/>
-              <a:buChar char="•"/>
-              <a:defRPr sz="2800" kern="1200">
-                <a:solidFill>
-                  <a:schemeClr val="tx1"/>
-                </a:solidFill>
-                <a:latin typeface="+mn-lt"/>
-                <a:ea typeface="+mn-ea"/>
-                <a:cs typeface="+mn-cs"/>
-              </a:defRPr>
-            </a:lvl1pPr>
-            <a:lvl2pPr marL="685800" indent="-228600" algn="l" defTabSz="914400" rtl="0" eaLnBrk="1" latinLnBrk="0" hangingPunct="1">
-              <a:lnSpc>
-                <a:spcPct val="90000"/>
-              </a:lnSpc>
-              <a:spcBef>
-                <a:spcPts val="500"/>
-              </a:spcBef>
-              <a:buFont typeface="Arial" panose="020B0604020202020204" pitchFamily="34" charset="0"/>
-              <a:buChar char="•"/>
-              <a:defRPr sz="2400" kern="1200">
-                <a:solidFill>
-                  <a:schemeClr val="tx1"/>
-                </a:solidFill>
-                <a:latin typeface="+mn-lt"/>
-                <a:ea typeface="+mn-ea"/>
-                <a:cs typeface="+mn-cs"/>
-              </a:defRPr>
-            </a:lvl2pPr>
-            <a:lvl3pPr marL="1143000" indent="-228600" algn="l" defTabSz="914400" rtl="0" eaLnBrk="1" latinLnBrk="0" hangingPunct="1">
-              <a:lnSpc>
-                <a:spcPct val="90000"/>
-              </a:lnSpc>
-              <a:spcBef>
-                <a:spcPts val="500"/>
-              </a:spcBef>
-              <a:buFont typeface="Arial" panose="020B0604020202020204" pitchFamily="34" charset="0"/>
-              <a:buChar char="•"/>
-              <a:defRPr sz="2000" kern="1200">
-                <a:solidFill>
-                  <a:schemeClr val="tx1"/>
-                </a:solidFill>
-                <a:latin typeface="+mn-lt"/>
-                <a:ea typeface="+mn-ea"/>
-                <a:cs typeface="+mn-cs"/>
-              </a:defRPr>
-            </a:lvl3pPr>
-            <a:lvl4pPr marL="1600200" indent="-228600" algn="l" defTabSz="914400" rtl="0" eaLnBrk="1" latinLnBrk="0" hangingPunct="1">
-              <a:lnSpc>
-                <a:spcPct val="90000"/>
-              </a:lnSpc>
-              <a:spcBef>
-                <a:spcPts val="500"/>
-              </a:spcBef>
-              <a:buFont typeface="Arial" panose="020B0604020202020204" pitchFamily="34" charset="0"/>
-              <a:buChar char="•"/>
-              <a:defRPr sz="1800" kern="1200">
-                <a:solidFill>
-                  <a:schemeClr val="tx1"/>
-                </a:solidFill>
-                <a:latin typeface="+mn-lt"/>
-                <a:ea typeface="+mn-ea"/>
-                <a:cs typeface="+mn-cs"/>
-              </a:defRPr>
-            </a:lvl4pPr>
-            <a:lvl5pPr marL="2057400" indent="-228600" algn="l" defTabSz="914400" rtl="0" eaLnBrk="1" latinLnBrk="0" hangingPunct="1">
-              <a:lnSpc>
-                <a:spcPct val="90000"/>
-              </a:lnSpc>
-              <a:spcBef>
-                <a:spcPts val="500"/>
-              </a:spcBef>
-              <a:buFont typeface="Arial" panose="020B0604020202020204" pitchFamily="34" charset="0"/>
-              <a:buChar char="•"/>
-              <a:defRPr sz="1800" kern="1200">
-                <a:solidFill>
-                  <a:schemeClr val="tx1"/>
-                </a:solidFill>
-                <a:latin typeface="+mn-lt"/>
-                <a:ea typeface="+mn-ea"/>
-                <a:cs typeface="+mn-cs"/>
-              </a:defRPr>
-            </a:lvl5pPr>
-            <a:lvl6pPr marL="2514600" indent="-228600" algn="l" defTabSz="914400" rtl="0" eaLnBrk="1" latinLnBrk="0" hangingPunct="1">
-              <a:lnSpc>
-                <a:spcPct val="90000"/>
-              </a:lnSpc>
-              <a:spcBef>
-                <a:spcPts val="500"/>
-              </a:spcBef>
-              <a:buFont typeface="Arial" panose="020B0604020202020204" pitchFamily="34" charset="0"/>
-              <a:buChar char="•"/>
-              <a:defRPr sz="1800" kern="1200">
-                <a:solidFill>
-                  <a:schemeClr val="tx1"/>
-                </a:solidFill>
-                <a:latin typeface="+mn-lt"/>
-                <a:ea typeface="+mn-ea"/>
-                <a:cs typeface="+mn-cs"/>
-              </a:defRPr>
-            </a:lvl6pPr>
-            <a:lvl7pPr marL="2971800" indent="-228600" algn="l" defTabSz="914400" rtl="0" eaLnBrk="1" latinLnBrk="0" hangingPunct="1">
-              <a:lnSpc>
-                <a:spcPct val="90000"/>
-              </a:lnSpc>
-              <a:spcBef>
-                <a:spcPts val="500"/>
-              </a:spcBef>
-              <a:buFont typeface="Arial" panose="020B0604020202020204" pitchFamily="34" charset="0"/>
-              <a:buChar char="•"/>
-              <a:defRPr sz="1800" kern="1200">
-                <a:solidFill>
-                  <a:schemeClr val="tx1"/>
-                </a:solidFill>
-                <a:latin typeface="+mn-lt"/>
-                <a:ea typeface="+mn-ea"/>
-                <a:cs typeface="+mn-cs"/>
-              </a:defRPr>
-            </a:lvl7pPr>
-            <a:lvl8pPr marL="3429000" indent="-228600" algn="l" defTabSz="914400" rtl="0" eaLnBrk="1" latinLnBrk="0" hangingPunct="1">
-              <a:lnSpc>
-                <a:spcPct val="90000"/>
-              </a:lnSpc>
-              <a:spcBef>
-                <a:spcPts val="500"/>
-              </a:spcBef>
-              <a:buFont typeface="Arial" panose="020B0604020202020204" pitchFamily="34" charset="0"/>
-              <a:buChar char="•"/>
-              <a:defRPr sz="1800" kern="1200">
-                <a:solidFill>
-                  <a:schemeClr val="tx1"/>
-                </a:solidFill>
-                <a:latin typeface="+mn-lt"/>
-                <a:ea typeface="+mn-ea"/>
-                <a:cs typeface="+mn-cs"/>
-              </a:defRPr>
-            </a:lvl8pPr>
-            <a:lvl9pPr marL="3886200" indent="-228600" algn="l" defTabSz="914400" rtl="0" eaLnBrk="1" latinLnBrk="0" hangingPunct="1">
-              <a:lnSpc>
-                <a:spcPct val="90000"/>
-              </a:lnSpc>
-              <a:spcBef>
-                <a:spcPts val="500"/>
-              </a:spcBef>
-              <a:buFont typeface="Arial" panose="020B0604020202020204" pitchFamily="34" charset="0"/>
-              <a:buChar char="•"/>
-              <a:defRPr sz="1800" kern="1200">
-                <a:solidFill>
-                  <a:schemeClr val="tx1"/>
-                </a:solidFill>
-                <a:latin typeface="+mn-lt"/>
-                <a:ea typeface="+mn-ea"/>
-                <a:cs typeface="+mn-cs"/>
-              </a:defRPr>
-            </a:lvl9pPr>
-          </a:lstStyle>
-          <a:p>
-            <a:pPr marL="0" indent="0">
-              <a:buNone/>
-            </a:pPr>
-            <a:r>
-              <a:rPr lang="en-US" sz="2400" dirty="0">
-                <a:latin typeface="Bahnschrift SemiLight" panose="020B0502040204020203" pitchFamily="34" charset="0"/>
+          <a:lstStyle/>
+          <a:p>
+            <a:r>
+              <a:rPr lang="ru-RU" sz="7200" dirty="0">
+                <a:latin typeface="Bahnschrift Light" panose="020B0502040204020203" pitchFamily="34" charset="0"/>
               </a:rPr>
-              <a:t>HTML  — 1038 </a:t>
-            </a:r>
-            <a:r>
-              <a:rPr lang="ru-RU" sz="2400" dirty="0">
-                <a:latin typeface="Bahnschrift SemiLight" panose="020B0502040204020203" pitchFamily="34" charset="0"/>
-              </a:rPr>
-              <a:t>строк.</a:t>
-            </a:r>
-            <a:endParaRPr lang="en-US" sz="2400" dirty="0">
-              <a:latin typeface="Bahnschrift SemiLight" panose="020B0502040204020203" pitchFamily="34" charset="0"/>
+              <a:t>Что будет дальше</a:t>
+            </a:r>
+            <a:endParaRPr lang="ru-RU" dirty="0">
+              <a:latin typeface="Bahnschrift Light" panose="020B0502040204020203" pitchFamily="34" charset="0"/>
             </a:endParaRPr>
-          </a:p>
-          <a:p>
-            <a:pPr marL="0" indent="0">
-              <a:buNone/>
-            </a:pPr>
-            <a:r>
-              <a:rPr lang="en-US" sz="2400" dirty="0">
-                <a:latin typeface="Bahnschrift SemiLight" panose="020B0502040204020203" pitchFamily="34" charset="0"/>
-              </a:rPr>
-              <a:t>Python — 584</a:t>
-            </a:r>
-            <a:r>
-              <a:rPr lang="ru-RU" sz="2400" dirty="0">
-                <a:latin typeface="Bahnschrift SemiLight" panose="020B0502040204020203" pitchFamily="34" charset="0"/>
-              </a:rPr>
-              <a:t> исполнительных и 325 строк моделей.</a:t>
-            </a:r>
-            <a:endParaRPr lang="en-US" sz="2400" dirty="0">
-              <a:latin typeface="Bahnschrift SemiLight" panose="020B0502040204020203" pitchFamily="34" charset="0"/>
-            </a:endParaRPr>
-          </a:p>
-          <a:p>
-            <a:pPr marL="0" indent="0">
-              <a:buNone/>
-            </a:pPr>
-            <a:r>
-              <a:rPr lang="en-US" sz="2400" dirty="0">
-                <a:latin typeface="Bahnschrift SemiLight" panose="020B0502040204020203" pitchFamily="34" charset="0"/>
-              </a:rPr>
-              <a:t>CSS — 489 </a:t>
-            </a:r>
-            <a:r>
-              <a:rPr lang="ru-RU" sz="2400" dirty="0">
-                <a:latin typeface="Bahnschrift SemiLight" panose="020B0502040204020203" pitchFamily="34" charset="0"/>
-              </a:rPr>
-              <a:t>строк.</a:t>
-            </a:r>
-          </a:p>
-          <a:p>
-            <a:pPr marL="0" indent="0">
-              <a:buNone/>
-            </a:pPr>
-            <a:endParaRPr lang="en-US" sz="2400" dirty="0">
-              <a:latin typeface="Bahnschrift SemiLight" panose="020B0502040204020203" pitchFamily="34" charset="0"/>
-            </a:endParaRPr>
-          </a:p>
-          <a:p>
-            <a:pPr marL="0" indent="0">
-              <a:buNone/>
-            </a:pPr>
-            <a:r>
-              <a:rPr lang="en-US" sz="2400" i="1" dirty="0">
-                <a:latin typeface="Bahnschrift SemiLight" panose="020B0502040204020203" pitchFamily="34" charset="0"/>
-              </a:rPr>
-              <a:t>(</a:t>
-            </a:r>
-            <a:r>
-              <a:rPr lang="ru-RU" sz="2400" i="1" dirty="0">
-                <a:latin typeface="Bahnschrift SemiLight" panose="020B0502040204020203" pitchFamily="34" charset="0"/>
-              </a:rPr>
-              <a:t>чистого и красивого кода</a:t>
-            </a:r>
-            <a:r>
-              <a:rPr lang="en-US" sz="2400" i="1" dirty="0">
-                <a:latin typeface="Bahnschrift SemiLight" panose="020B0502040204020203" pitchFamily="34" charset="0"/>
-              </a:rPr>
-              <a:t>)</a:t>
-            </a:r>
-          </a:p>
-          <a:p>
-            <a:pPr marL="0" indent="0">
-              <a:buNone/>
-            </a:pPr>
-            <a:endParaRPr lang="ru-RU" sz="2400" dirty="0">
-              <a:latin typeface="Bahnschrift SemiLight" panose="020B0502040204020203" pitchFamily="34" charset="0"/>
-            </a:endParaRPr>
-          </a:p>
-          <a:p>
-            <a:pPr marL="0" indent="0">
-              <a:buNone/>
-            </a:pPr>
-            <a:r>
-              <a:rPr lang="en-US" sz="2400" dirty="0">
-                <a:latin typeface="Bahnschrift SemiLight" panose="020B0502040204020203" pitchFamily="34" charset="0"/>
-              </a:rPr>
-              <a:t>Web, ORM.</a:t>
-            </a:r>
           </a:p>
         </p:txBody>
       </p:sp>
     </p:spTree>
     <p:extLst>
       <p:ext uri="{BB962C8B-B14F-4D97-AF65-F5344CB8AC3E}">
-        <p14:creationId xmlns:p14="http://schemas.microsoft.com/office/powerpoint/2010/main" val="1036967409"/>
+        <p14:creationId xmlns:p14="http://schemas.microsoft.com/office/powerpoint/2010/main" val="2946730053"/>
       </p:ext>
     </p:extLst>
   </p:cSld>
@@ -5558,8 +4800,8 @@
         </p:nvSpPr>
         <p:spPr>
           <a:xfrm>
-            <a:off x="2087531" y="2678360"/>
-            <a:ext cx="8016938" cy="1200329"/>
+            <a:off x="2683848" y="2580706"/>
+            <a:ext cx="6824304" cy="1200329"/>
           </a:xfrm>
           <a:prstGeom prst="rect">
             <a:avLst/>
@@ -5576,7 +4818,7 @@
               <a:rPr lang="ru-RU" sz="7200" dirty="0">
                 <a:latin typeface="Bahnschrift Light" panose="020B0502040204020203" pitchFamily="34" charset="0"/>
               </a:rPr>
-              <a:t>Что будет дальше</a:t>
+              <a:t>Использование</a:t>
             </a:r>
             <a:endParaRPr lang="ru-RU" dirty="0">
               <a:latin typeface="Bahnschrift Light" panose="020B0502040204020203" pitchFamily="34" charset="0"/>
@@ -5587,7 +4829,7 @@
     </p:spTree>
     <p:extLst>
       <p:ext uri="{BB962C8B-B14F-4D97-AF65-F5344CB8AC3E}">
-        <p14:creationId xmlns:p14="http://schemas.microsoft.com/office/powerpoint/2010/main" val="2946730053"/>
+        <p14:creationId xmlns:p14="http://schemas.microsoft.com/office/powerpoint/2010/main" val="513197541"/>
       </p:ext>
     </p:extLst>
   </p:cSld>
@@ -5628,8 +4870,8 @@
         </p:nvSpPr>
         <p:spPr>
           <a:xfrm>
-            <a:off x="2307943" y="2666785"/>
-            <a:ext cx="7576113" cy="1200329"/>
+            <a:off x="1687580" y="1728004"/>
+            <a:ext cx="8816837" cy="1200329"/>
           </a:xfrm>
           <a:prstGeom prst="rect">
             <a:avLst/>
@@ -5643,13 +4885,93 @@
           <a:lstStyle/>
           <a:p>
             <a:r>
-              <a:rPr lang="ru-RU" sz="7200" dirty="0">
-                <a:latin typeface="Bahnschrift SemiBold" panose="020B0502040204020203" pitchFamily="34" charset="0"/>
+              <a:rPr lang="en-US" sz="7200" dirty="0">
+                <a:latin typeface="Bahnschrift Light" panose="020B0502040204020203" pitchFamily="34" charset="0"/>
               </a:rPr>
-              <a:t>Спасибо, Яндекс.</a:t>
+              <a:t>pycon.mediapark.pro</a:t>
             </a:r>
             <a:endParaRPr lang="ru-RU" dirty="0">
-              <a:latin typeface="Bahnschrift SemiBold" panose="020B0502040204020203" pitchFamily="34" charset="0"/>
+              <a:latin typeface="Bahnschrift Light" panose="020B0502040204020203" pitchFamily="34" charset="0"/>
+            </a:endParaRPr>
+          </a:p>
+        </p:txBody>
+      </p:sp>
+      <p:sp>
+        <p:nvSpPr>
+          <p:cNvPr id="2" name="TextBox 1">
+            <a:extLst>
+              <a:ext uri="{FF2B5EF4-FFF2-40B4-BE49-F238E27FC236}">
+                <a16:creationId xmlns:a16="http://schemas.microsoft.com/office/drawing/2014/main" id="{63F93FE0-5873-49C2-B13C-408E232D066A}"/>
+              </a:ext>
+            </a:extLst>
+          </p:cNvPr>
+          <p:cNvSpPr txBox="1"/>
+          <p:nvPr/>
+        </p:nvSpPr>
+        <p:spPr>
+          <a:xfrm>
+            <a:off x="3180777" y="3247566"/>
+            <a:ext cx="5830442" cy="769441"/>
+          </a:xfrm>
+          <a:prstGeom prst="rect">
+            <a:avLst/>
+          </a:prstGeom>
+          <a:noFill/>
+        </p:spPr>
+        <p:txBody>
+          <a:bodyPr wrap="none" rtlCol="0">
+            <a:spAutoFit/>
+          </a:bodyPr>
+          <a:lstStyle/>
+          <a:p>
+            <a:r>
+              <a:rPr lang="en-US" sz="4400" dirty="0">
+                <a:latin typeface="Bahnschrift Light" panose="020B0502040204020203" pitchFamily="34" charset="0"/>
+              </a:rPr>
+              <a:t>adam.arut@gmail.com</a:t>
+            </a:r>
+            <a:endParaRPr lang="ru-RU" sz="1050" dirty="0">
+              <a:latin typeface="Bahnschrift Light" panose="020B0502040204020203" pitchFamily="34" charset="0"/>
+            </a:endParaRPr>
+          </a:p>
+        </p:txBody>
+      </p:sp>
+      <p:sp>
+        <p:nvSpPr>
+          <p:cNvPr id="6" name="TextBox 5">
+            <a:extLst>
+              <a:ext uri="{FF2B5EF4-FFF2-40B4-BE49-F238E27FC236}">
+                <a16:creationId xmlns:a16="http://schemas.microsoft.com/office/drawing/2014/main" id="{10BB6D70-2EA4-4069-B4E6-9460C4374ADE}"/>
+              </a:ext>
+            </a:extLst>
+          </p:cNvPr>
+          <p:cNvSpPr txBox="1"/>
+          <p:nvPr/>
+        </p:nvSpPr>
+        <p:spPr>
+          <a:xfrm>
+            <a:off x="3671296" y="4233887"/>
+            <a:ext cx="4849404" cy="769441"/>
+          </a:xfrm>
+          <a:prstGeom prst="rect">
+            <a:avLst/>
+          </a:prstGeom>
+          <a:noFill/>
+        </p:spPr>
+        <p:txBody>
+          <a:bodyPr wrap="none" rtlCol="0">
+            <a:spAutoFit/>
+          </a:bodyPr>
+          <a:lstStyle/>
+          <a:p>
+            <a:r>
+              <a:rPr lang="en-US" sz="4400" dirty="0">
+                <a:latin typeface="Bahnschrift Light" panose="020B0502040204020203" pitchFamily="34" charset="0"/>
+              </a:rPr>
+              <a:t>@adam_arutyunov</a:t>
+            </a:r>
+            <a:endParaRPr lang="ru-RU" sz="1050" dirty="0">
+              <a:latin typeface="Bahnschrift Light" panose="020B0502040204020203" pitchFamily="34" charset="0"/>
             </a:endParaRPr>
           </a:p>
         </p:txBody>
@@ -5657,7 +4979,37 @@
     </p:spTree>
     <p:extLst>
       <p:ext uri="{BB962C8B-B14F-4D97-AF65-F5344CB8AC3E}">
-        <p14:creationId xmlns:p14="http://schemas.microsoft.com/office/powerpoint/2010/main" val="3672988525"/>
+        <p14:creationId xmlns:p14="http://schemas.microsoft.com/office/powerpoint/2010/main" val="1934820691"/>
+      </p:ext>
+    </p:extLst>
+  </p:cSld>
+  <p:clrMapOvr>
+    <a:masterClrMapping/>
+  </p:clrMapOvr>
+</p:sld>
+</file>
+
+<file path=ppt/slides/slide27.xml><?xml version="1.0" encoding="utf-8"?>
+<p:sld xmlns:a="http://schemas.openxmlformats.org/drawingml/2006/main" xmlns:r="http://schemas.openxmlformats.org/officeDocument/2006/relationships" xmlns:p="http://schemas.openxmlformats.org/presentationml/2006/main">
+  <p:cSld>
+    <p:spTree>
+      <p:nvGrpSpPr>
+        <p:cNvPr id="1" name=""/>
+        <p:cNvGrpSpPr/>
+        <p:nvPr/>
+      </p:nvGrpSpPr>
+      <p:grpSpPr>
+        <a:xfrm>
+          <a:off x="0" y="0"/>
+          <a:ext cx="0" cy="0"/>
+          <a:chOff x="0" y="0"/>
+          <a:chExt cx="0" cy="0"/>
+        </a:xfrm>
+      </p:grpSpPr>
+    </p:spTree>
+    <p:extLst>
+      <p:ext uri="{BB962C8B-B14F-4D97-AF65-F5344CB8AC3E}">
+        <p14:creationId xmlns:p14="http://schemas.microsoft.com/office/powerpoint/2010/main" val="4294461131"/>
       </p:ext>
     </p:extLst>
   </p:cSld>
@@ -5684,40 +5036,50 @@
           <a:chExt cx="0" cy="0"/>
         </a:xfrm>
       </p:grpSpPr>
-      <p:pic>
-        <p:nvPicPr>
-          <p:cNvPr id="4" name="Рисунок 3">
-            <a:extLst>
-              <a:ext uri="{FF2B5EF4-FFF2-40B4-BE49-F238E27FC236}">
-                <a16:creationId xmlns:a16="http://schemas.microsoft.com/office/drawing/2014/main" id="{A44C704F-3187-4AC5-A34D-013450AC9151}"/>
-              </a:ext>
-            </a:extLst>
-          </p:cNvPr>
-          <p:cNvPicPr>
-            <a:picLocks noChangeAspect="1"/>
-          </p:cNvPicPr>
+      <p:sp>
+        <p:nvSpPr>
+          <p:cNvPr id="4" name="TextBox 3">
+            <a:extLst>
+              <a:ext uri="{FF2B5EF4-FFF2-40B4-BE49-F238E27FC236}">
+                <a16:creationId xmlns:a16="http://schemas.microsoft.com/office/drawing/2014/main" id="{73B9E8D8-4FEB-4F1A-90C3-EC4DC0012F67}"/>
+              </a:ext>
+            </a:extLst>
+          </p:cNvPr>
+          <p:cNvSpPr txBox="1"/>
           <p:nvPr/>
-        </p:nvPicPr>
-        <p:blipFill>
-          <a:blip r:embed="rId2"/>
-          <a:stretch>
-            <a:fillRect/>
-          </a:stretch>
-        </p:blipFill>
+        </p:nvSpPr>
         <p:spPr>
           <a:xfrm>
-            <a:off x="1383272" y="0"/>
-            <a:ext cx="9425455" cy="6858000"/>
+            <a:off x="3883695" y="2722301"/>
+            <a:ext cx="4424609" cy="1200329"/>
           </a:xfrm>
           <a:prstGeom prst="rect">
             <a:avLst/>
           </a:prstGeom>
+          <a:noFill/>
         </p:spPr>
-      </p:pic>
+        <p:txBody>
+          <a:bodyPr wrap="none" rtlCol="0">
+            <a:spAutoFit/>
+          </a:bodyPr>
+          <a:lstStyle/>
+          <a:p>
+            <a:r>
+              <a:rPr lang="ru-RU" sz="7200" dirty="0">
+                <a:latin typeface="Bahnschrift SemiBold" panose="020B0502040204020203" pitchFamily="34" charset="0"/>
+              </a:rPr>
+              <a:t>Проблема</a:t>
+            </a:r>
+            <a:endParaRPr lang="ru-RU" dirty="0">
+              <a:latin typeface="Bahnschrift SemiBold" panose="020B0502040204020203" pitchFamily="34" charset="0"/>
+            </a:endParaRPr>
+          </a:p>
+        </p:txBody>
+      </p:sp>
     </p:spTree>
     <p:extLst>
       <p:ext uri="{BB962C8B-B14F-4D97-AF65-F5344CB8AC3E}">
-        <p14:creationId xmlns:p14="http://schemas.microsoft.com/office/powerpoint/2010/main" val="2852935938"/>
+        <p14:creationId xmlns:p14="http://schemas.microsoft.com/office/powerpoint/2010/main" val="197061577"/>
       </p:ext>
     </p:extLst>
   </p:cSld>
@@ -5746,38 +5108,55 @@
       </p:grpSpPr>
       <p:pic>
         <p:nvPicPr>
-          <p:cNvPr id="4" name="Рисунок 3">
-            <a:extLst>
-              <a:ext uri="{FF2B5EF4-FFF2-40B4-BE49-F238E27FC236}">
-                <a16:creationId xmlns:a16="http://schemas.microsoft.com/office/drawing/2014/main" id="{B385660E-9FEB-4DDD-8CB8-B844C970F60F}"/>
+          <p:cNvPr id="1026" name="Picture 2">
+            <a:extLst>
+              <a:ext uri="{FF2B5EF4-FFF2-40B4-BE49-F238E27FC236}">
+                <a16:creationId xmlns:a16="http://schemas.microsoft.com/office/drawing/2014/main" id="{14B02C45-23E2-4EE9-8957-FAAF1F10D8F7}"/>
               </a:ext>
             </a:extLst>
           </p:cNvPr>
           <p:cNvPicPr>
-            <a:picLocks noChangeAspect="1"/>
+            <a:picLocks noChangeAspect="1" noChangeArrowheads="1"/>
           </p:cNvPicPr>
           <p:nvPr/>
         </p:nvPicPr>
         <p:blipFill>
-          <a:blip r:embed="rId2"/>
+          <a:blip r:embed="rId2">
+            <a:extLst>
+              <a:ext uri="{28A0092B-C50C-407E-A947-70E740481C1C}">
+                <a14:useLocalDpi xmlns:a14="http://schemas.microsoft.com/office/drawing/2010/main" val="0"/>
+              </a:ext>
+            </a:extLst>
+          </a:blip>
+          <a:srcRect/>
           <a:stretch>
             <a:fillRect/>
           </a:stretch>
         </p:blipFill>
-        <p:spPr>
+        <p:spPr bwMode="auto">
           <a:xfrm>
-            <a:off x="1149584" y="0"/>
-            <a:ext cx="9892832" cy="6858000"/>
+            <a:off x="1784350" y="0"/>
+            <a:ext cx="8623300" cy="6858000"/>
           </a:xfrm>
           <a:prstGeom prst="rect">
             <a:avLst/>
           </a:prstGeom>
+          <a:noFill/>
+          <a:extLst>
+            <a:ext uri="{909E8E84-426E-40DD-AFC4-6F175D3DCCD1}">
+              <a14:hiddenFill xmlns:a14="http://schemas.microsoft.com/office/drawing/2010/main">
+                <a:solidFill>
+                  <a:srgbClr val="FFFFFF"/>
+                </a:solidFill>
+              </a14:hiddenFill>
+            </a:ext>
+          </a:extLst>
         </p:spPr>
       </p:pic>
     </p:spTree>
     <p:extLst>
       <p:ext uri="{BB962C8B-B14F-4D97-AF65-F5344CB8AC3E}">
-        <p14:creationId xmlns:p14="http://schemas.microsoft.com/office/powerpoint/2010/main" val="2779184479"/>
+        <p14:creationId xmlns:p14="http://schemas.microsoft.com/office/powerpoint/2010/main" val="2852935938"/>
       </p:ext>
     </p:extLst>
   </p:cSld>
@@ -5806,38 +5185,55 @@
       </p:grpSpPr>
       <p:pic>
         <p:nvPicPr>
-          <p:cNvPr id="4" name="Рисунок 3">
-            <a:extLst>
-              <a:ext uri="{FF2B5EF4-FFF2-40B4-BE49-F238E27FC236}">
-                <a16:creationId xmlns:a16="http://schemas.microsoft.com/office/drawing/2014/main" id="{E8147C9A-E871-451E-BD1A-45E2761A52C2}"/>
+          <p:cNvPr id="2050" name="Picture 2">
+            <a:extLst>
+              <a:ext uri="{FF2B5EF4-FFF2-40B4-BE49-F238E27FC236}">
+                <a16:creationId xmlns:a16="http://schemas.microsoft.com/office/drawing/2014/main" id="{E34F333C-5D02-4381-B618-2003C3B7F3E4}"/>
               </a:ext>
             </a:extLst>
           </p:cNvPr>
           <p:cNvPicPr>
-            <a:picLocks noChangeAspect="1"/>
+            <a:picLocks noChangeAspect="1" noChangeArrowheads="1"/>
           </p:cNvPicPr>
           <p:nvPr/>
         </p:nvPicPr>
         <p:blipFill>
-          <a:blip r:embed="rId2"/>
+          <a:blip r:embed="rId2">
+            <a:extLst>
+              <a:ext uri="{28A0092B-C50C-407E-A947-70E740481C1C}">
+                <a14:useLocalDpi xmlns:a14="http://schemas.microsoft.com/office/drawing/2010/main" val="0"/>
+              </a:ext>
+            </a:extLst>
+          </a:blip>
+          <a:srcRect/>
           <a:stretch>
             <a:fillRect/>
           </a:stretch>
         </p:blipFill>
-        <p:spPr>
+        <p:spPr bwMode="auto">
           <a:xfrm>
-            <a:off x="1149584" y="0"/>
-            <a:ext cx="9892832" cy="6858000"/>
+            <a:off x="1038225" y="0"/>
+            <a:ext cx="10113963" cy="6858000"/>
           </a:xfrm>
           <a:prstGeom prst="rect">
             <a:avLst/>
           </a:prstGeom>
+          <a:noFill/>
+          <a:extLst>
+            <a:ext uri="{909E8E84-426E-40DD-AFC4-6F175D3DCCD1}">
+              <a14:hiddenFill xmlns:a14="http://schemas.microsoft.com/office/drawing/2010/main">
+                <a:solidFill>
+                  <a:srgbClr val="FFFFFF"/>
+                </a:solidFill>
+              </a14:hiddenFill>
+            </a:ext>
+          </a:extLst>
         </p:spPr>
       </p:pic>
     </p:spTree>
     <p:extLst>
       <p:ext uri="{BB962C8B-B14F-4D97-AF65-F5344CB8AC3E}">
-        <p14:creationId xmlns:p14="http://schemas.microsoft.com/office/powerpoint/2010/main" val="1889717270"/>
+        <p14:creationId xmlns:p14="http://schemas.microsoft.com/office/powerpoint/2010/main" val="2779184479"/>
       </p:ext>
     </p:extLst>
   </p:cSld>
@@ -5866,10 +5262,10 @@
       </p:grpSpPr>
       <p:pic>
         <p:nvPicPr>
-          <p:cNvPr id="5" name="Рисунок 4">
-            <a:extLst>
-              <a:ext uri="{FF2B5EF4-FFF2-40B4-BE49-F238E27FC236}">
-                <a16:creationId xmlns:a16="http://schemas.microsoft.com/office/drawing/2014/main" id="{F1FEDD2F-B5FE-4ABF-90FB-21A56CD52AD6}"/>
+          <p:cNvPr id="4" name="Рисунок 3">
+            <a:extLst>
+              <a:ext uri="{FF2B5EF4-FFF2-40B4-BE49-F238E27FC236}">
+                <a16:creationId xmlns:a16="http://schemas.microsoft.com/office/drawing/2014/main" id="{D727932C-8E40-48E3-A679-3A147A508583}"/>
               </a:ext>
             </a:extLst>
           </p:cNvPr>
@@ -5878,15 +5274,16 @@
           </p:cNvPicPr>
           <p:nvPr/>
         </p:nvPicPr>
-        <p:blipFill rotWithShape="1">
+        <p:blipFill>
           <a:blip r:embed="rId2"/>
-          <a:srcRect b="46667"/>
-          <a:stretch/>
+          <a:stretch>
+            <a:fillRect/>
+          </a:stretch>
         </p:blipFill>
         <p:spPr>
           <a:xfrm>
-            <a:off x="1421907" y="0"/>
-            <a:ext cx="9348186" cy="6494393"/>
+            <a:off x="124326" y="0"/>
+            <a:ext cx="11943347" cy="6858000"/>
           </a:xfrm>
           <a:prstGeom prst="rect">
             <a:avLst/>
@@ -5896,7 +5293,7 @@
     </p:spTree>
     <p:extLst>
       <p:ext uri="{BB962C8B-B14F-4D97-AF65-F5344CB8AC3E}">
-        <p14:creationId xmlns:p14="http://schemas.microsoft.com/office/powerpoint/2010/main" val="3974008601"/>
+        <p14:creationId xmlns:p14="http://schemas.microsoft.com/office/powerpoint/2010/main" val="968235899"/>
       </p:ext>
     </p:extLst>
   </p:cSld>
@@ -5928,7 +5325,7 @@
           <p:cNvPr id="4" name="Рисунок 3">
             <a:extLst>
               <a:ext uri="{FF2B5EF4-FFF2-40B4-BE49-F238E27FC236}">
-                <a16:creationId xmlns:a16="http://schemas.microsoft.com/office/drawing/2014/main" id="{C0CDA691-4182-40A6-B8B7-85B7208FB485}"/>
+                <a16:creationId xmlns:a16="http://schemas.microsoft.com/office/drawing/2014/main" id="{00B84C84-F372-4FAD-91DE-82660920C5A6}"/>
               </a:ext>
             </a:extLst>
           </p:cNvPr>
@@ -5937,15 +5334,46 @@
           </p:cNvPicPr>
           <p:nvPr/>
         </p:nvPicPr>
-        <p:blipFill rotWithShape="1">
+        <p:blipFill>
           <a:blip r:embed="rId2"/>
-          <a:srcRect t="51521"/>
-          <a:stretch/>
+          <a:stretch>
+            <a:fillRect/>
+          </a:stretch>
         </p:blipFill>
         <p:spPr>
           <a:xfrm>
-            <a:off x="667305" y="1678"/>
-            <a:ext cx="10857390" cy="6856322"/>
+            <a:off x="493505" y="11096"/>
+            <a:ext cx="11133971" cy="6858000"/>
+          </a:xfrm>
+          <a:prstGeom prst="rect">
+            <a:avLst/>
+          </a:prstGeom>
+        </p:spPr>
+      </p:pic>
+      <p:pic>
+        <p:nvPicPr>
+          <p:cNvPr id="5" name="Рисунок 4">
+            <a:extLst>
+              <a:ext uri="{FF2B5EF4-FFF2-40B4-BE49-F238E27FC236}">
+                <a16:creationId xmlns:a16="http://schemas.microsoft.com/office/drawing/2014/main" id="{F17A9D74-9EEB-4C29-AB68-477FC8E8B2D2}"/>
+              </a:ext>
+            </a:extLst>
+          </p:cNvPr>
+          <p:cNvPicPr>
+            <a:picLocks noChangeAspect="1"/>
+          </p:cNvPicPr>
+          <p:nvPr/>
+        </p:nvPicPr>
+        <p:blipFill>
+          <a:blip r:embed="rId3"/>
+          <a:stretch>
+            <a:fillRect/>
+          </a:stretch>
+        </p:blipFill>
+        <p:spPr>
+          <a:xfrm>
+            <a:off x="4933513" y="239696"/>
+            <a:ext cx="5591955" cy="3324689"/>
           </a:xfrm>
           <a:prstGeom prst="rect">
             <a:avLst/>
@@ -5955,7 +5383,7 @@
     </p:spTree>
     <p:extLst>
       <p:ext uri="{BB962C8B-B14F-4D97-AF65-F5344CB8AC3E}">
-        <p14:creationId xmlns:p14="http://schemas.microsoft.com/office/powerpoint/2010/main" val="603597916"/>
+        <p14:creationId xmlns:p14="http://schemas.microsoft.com/office/powerpoint/2010/main" val="2582799430"/>
       </p:ext>
     </p:extLst>
   </p:cSld>
@@ -5987,7 +5415,7 @@
           <p:cNvPr id="4" name="Рисунок 3">
             <a:extLst>
               <a:ext uri="{FF2B5EF4-FFF2-40B4-BE49-F238E27FC236}">
-                <a16:creationId xmlns:a16="http://schemas.microsoft.com/office/drawing/2014/main" id="{739A97BF-AB0B-42E8-87D8-F6C0AA96CBC5}"/>
+                <a16:creationId xmlns:a16="http://schemas.microsoft.com/office/drawing/2014/main" id="{27DA1880-83E0-4788-8761-315AD79A88F6}"/>
               </a:ext>
             </a:extLst>
           </p:cNvPr>
@@ -6004,38 +5432,8 @@
         </p:blipFill>
         <p:spPr>
           <a:xfrm>
-            <a:off x="1181265" y="826544"/>
-            <a:ext cx="3863675" cy="5204911"/>
-          </a:xfrm>
-          <a:prstGeom prst="rect">
-            <a:avLst/>
-          </a:prstGeom>
-        </p:spPr>
-      </p:pic>
-      <p:pic>
-        <p:nvPicPr>
-          <p:cNvPr id="5" name="Рисунок 4">
-            <a:extLst>
-              <a:ext uri="{FF2B5EF4-FFF2-40B4-BE49-F238E27FC236}">
-                <a16:creationId xmlns:a16="http://schemas.microsoft.com/office/drawing/2014/main" id="{895FF989-1C3E-44C6-8A57-DD72A8BD8628}"/>
-              </a:ext>
-            </a:extLst>
-          </p:cNvPr>
-          <p:cNvPicPr>
-            <a:picLocks noChangeAspect="1"/>
-          </p:cNvPicPr>
-          <p:nvPr/>
-        </p:nvPicPr>
-        <p:blipFill>
-          <a:blip r:embed="rId3"/>
-          <a:stretch>
-            <a:fillRect/>
-          </a:stretch>
-        </p:blipFill>
-        <p:spPr>
-          <a:xfrm>
-            <a:off x="6158146" y="933080"/>
-            <a:ext cx="4328535" cy="4839119"/>
+            <a:off x="0" y="503177"/>
+            <a:ext cx="12192000" cy="5851646"/>
           </a:xfrm>
           <a:prstGeom prst="rect">
             <a:avLst/>
@@ -6045,7 +5443,7 @@
     </p:spTree>
     <p:extLst>
       <p:ext uri="{BB962C8B-B14F-4D97-AF65-F5344CB8AC3E}">
-        <p14:creationId xmlns:p14="http://schemas.microsoft.com/office/powerpoint/2010/main" val="3620816159"/>
+        <p14:creationId xmlns:p14="http://schemas.microsoft.com/office/powerpoint/2010/main" val="2858618721"/>
       </p:ext>
     </p:extLst>
   </p:cSld>
@@ -6074,10 +5472,10 @@
       </p:grpSpPr>
       <p:pic>
         <p:nvPicPr>
-          <p:cNvPr id="4" name="Рисунок 3">
-            <a:extLst>
-              <a:ext uri="{FF2B5EF4-FFF2-40B4-BE49-F238E27FC236}">
-                <a16:creationId xmlns:a16="http://schemas.microsoft.com/office/drawing/2014/main" id="{2F8A8D88-B13E-453A-B99E-D8D435BDD76D}"/>
+          <p:cNvPr id="5" name="Рисунок 4">
+            <a:extLst>
+              <a:ext uri="{FF2B5EF4-FFF2-40B4-BE49-F238E27FC236}">
+                <a16:creationId xmlns:a16="http://schemas.microsoft.com/office/drawing/2014/main" id="{895FF989-1C3E-44C6-8A57-DD72A8BD8628}"/>
               </a:ext>
             </a:extLst>
           </p:cNvPr>
@@ -6094,8 +5492,38 @@
         </p:blipFill>
         <p:spPr>
           <a:xfrm>
-            <a:off x="1043291" y="0"/>
-            <a:ext cx="10105418" cy="6858000"/>
+            <a:off x="6158146" y="933080"/>
+            <a:ext cx="4328535" cy="4839119"/>
+          </a:xfrm>
+          <a:prstGeom prst="rect">
+            <a:avLst/>
+          </a:prstGeom>
+        </p:spPr>
+      </p:pic>
+      <p:pic>
+        <p:nvPicPr>
+          <p:cNvPr id="2" name="Рисунок 1">
+            <a:extLst>
+              <a:ext uri="{FF2B5EF4-FFF2-40B4-BE49-F238E27FC236}">
+                <a16:creationId xmlns:a16="http://schemas.microsoft.com/office/drawing/2014/main" id="{204D66C9-52BF-44D5-ACBA-FCECD8C7A7FE}"/>
+              </a:ext>
+            </a:extLst>
+          </p:cNvPr>
+          <p:cNvPicPr>
+            <a:picLocks noChangeAspect="1"/>
+          </p:cNvPicPr>
+          <p:nvPr/>
+        </p:nvPicPr>
+        <p:blipFill>
+          <a:blip r:embed="rId3"/>
+          <a:stretch>
+            <a:fillRect/>
+          </a:stretch>
+        </p:blipFill>
+        <p:spPr>
+          <a:xfrm>
+            <a:off x="1705319" y="410592"/>
+            <a:ext cx="3686482" cy="6036816"/>
           </a:xfrm>
           <a:prstGeom prst="rect">
             <a:avLst/>
@@ -6105,7 +5533,7 @@
     </p:spTree>
     <p:extLst>
       <p:ext uri="{BB962C8B-B14F-4D97-AF65-F5344CB8AC3E}">
-        <p14:creationId xmlns:p14="http://schemas.microsoft.com/office/powerpoint/2010/main" val="1421510199"/>
+        <p14:creationId xmlns:p14="http://schemas.microsoft.com/office/powerpoint/2010/main" val="3620816159"/>
       </p:ext>
     </p:extLst>
   </p:cSld>

--- a/docs/Pycon.pptx
+++ b/docs/Pycon.pptx
@@ -5,33 +5,17 @@
     <p:sldMasterId id="2147483648" r:id="rId1"/>
   </p:sldMasterIdLst>
   <p:sldIdLst>
-    <p:sldId id="256" r:id="rId2"/>
+    <p:sldId id="267" r:id="rId2"/>
     <p:sldId id="257" r:id="rId3"/>
-    <p:sldId id="291" r:id="rId4"/>
-    <p:sldId id="258" r:id="rId5"/>
-    <p:sldId id="259" r:id="rId6"/>
-    <p:sldId id="282" r:id="rId7"/>
-    <p:sldId id="283" r:id="rId8"/>
-    <p:sldId id="284" r:id="rId9"/>
-    <p:sldId id="264" r:id="rId10"/>
-    <p:sldId id="263" r:id="rId11"/>
-    <p:sldId id="289" r:id="rId12"/>
-    <p:sldId id="285" r:id="rId13"/>
-    <p:sldId id="286" r:id="rId14"/>
-    <p:sldId id="268" r:id="rId15"/>
-    <p:sldId id="269" r:id="rId16"/>
-    <p:sldId id="270" r:id="rId17"/>
-    <p:sldId id="272" r:id="rId18"/>
-    <p:sldId id="273" r:id="rId19"/>
-    <p:sldId id="275" r:id="rId20"/>
-    <p:sldId id="276" r:id="rId21"/>
-    <p:sldId id="288" r:id="rId22"/>
-    <p:sldId id="290" r:id="rId23"/>
-    <p:sldId id="278" r:id="rId24"/>
-    <p:sldId id="281" r:id="rId25"/>
-    <p:sldId id="292" r:id="rId26"/>
-    <p:sldId id="287" r:id="rId27"/>
-    <p:sldId id="293" r:id="rId28"/>
+    <p:sldId id="258" r:id="rId4"/>
+    <p:sldId id="259" r:id="rId5"/>
+    <p:sldId id="260" r:id="rId6"/>
+    <p:sldId id="268" r:id="rId7"/>
+    <p:sldId id="262" r:id="rId8"/>
+    <p:sldId id="263" r:id="rId9"/>
+    <p:sldId id="266" r:id="rId10"/>
+    <p:sldId id="265" r:id="rId11"/>
+    <p:sldId id="264" r:id="rId12"/>
   </p:sldIdLst>
   <p:sldSz cx="12192000" cy="6858000"/>
   <p:notesSz cx="6858000" cy="9144000"/>
@@ -160,7 +144,7 @@
           <p:cNvPr id="2" name="Заголовок 1">
             <a:extLst>
               <a:ext uri="{FF2B5EF4-FFF2-40B4-BE49-F238E27FC236}">
-                <a16:creationId xmlns:a16="http://schemas.microsoft.com/office/drawing/2014/main" id="{00318973-F0C9-4B25-9BFE-A917AA6699E0}"/>
+                <a16:creationId xmlns:a16="http://schemas.microsoft.com/office/drawing/2014/main" id="{85D648E1-CC5D-410F-A011-455C0F80840B}"/>
               </a:ext>
             </a:extLst>
           </p:cNvPr>
@@ -186,7 +170,7 @@
           </a:lstStyle>
           <a:p>
             <a:r>
-              <a:rPr lang="ru-RU"/>
+              <a:rPr lang="ru-RU" dirty="0"/>
               <a:t>Образец заголовка</a:t>
             </a:r>
           </a:p>
@@ -197,7 +181,7 @@
           <p:cNvPr id="3" name="Подзаголовок 2">
             <a:extLst>
               <a:ext uri="{FF2B5EF4-FFF2-40B4-BE49-F238E27FC236}">
-                <a16:creationId xmlns:a16="http://schemas.microsoft.com/office/drawing/2014/main" id="{09187D6E-F6DA-4EF6-BA22-80B139C1FE9E}"/>
+                <a16:creationId xmlns:a16="http://schemas.microsoft.com/office/drawing/2014/main" id="{3F93E6A0-F3D8-4C03-AB95-B7DA482AF7DD}"/>
               </a:ext>
             </a:extLst>
           </p:cNvPr>
@@ -267,7 +251,7 @@
           <p:cNvPr id="4" name="Дата 3">
             <a:extLst>
               <a:ext uri="{FF2B5EF4-FFF2-40B4-BE49-F238E27FC236}">
-                <a16:creationId xmlns:a16="http://schemas.microsoft.com/office/drawing/2014/main" id="{C2F3BDE9-B016-4E7D-9548-0CC57A12E051}"/>
+                <a16:creationId xmlns:a16="http://schemas.microsoft.com/office/drawing/2014/main" id="{B9DEC1FF-752F-4019-AF15-B7EA5972479F}"/>
               </a:ext>
             </a:extLst>
           </p:cNvPr>
@@ -278,14 +262,22 @@
             <p:ph type="dt" sz="half" idx="10"/>
           </p:nvPr>
         </p:nvSpPr>
-        <p:spPr/>
+        <p:spPr>
+          <a:xfrm>
+            <a:off x="838200" y="6356350"/>
+            <a:ext cx="2743200" cy="365125"/>
+          </a:xfrm>
+          <a:prstGeom prst="rect">
+            <a:avLst/>
+          </a:prstGeom>
+        </p:spPr>
         <p:txBody>
           <a:bodyPr/>
           <a:lstStyle/>
           <a:p>
-            <a:fld id="{8C2B4597-0BCC-45FD-850E-31259FA2C275}" type="datetimeFigureOut">
+            <a:fld id="{DEE60733-BBEE-40D1-AC98-EA5D6950493E}" type="datetimeFigureOut">
               <a:rPr lang="ru-RU" smtClean="0"/>
-              <a:t>02.09.2020</a:t>
+              <a:t>21.11.2020</a:t>
             </a:fld>
             <a:endParaRPr lang="ru-RU"/>
           </a:p>
@@ -296,7 +288,7 @@
           <p:cNvPr id="5" name="Нижний колонтитул 4">
             <a:extLst>
               <a:ext uri="{FF2B5EF4-FFF2-40B4-BE49-F238E27FC236}">
-                <a16:creationId xmlns:a16="http://schemas.microsoft.com/office/drawing/2014/main" id="{3EA9ADB5-5779-47FF-BAAD-A0CACBBA1227}"/>
+                <a16:creationId xmlns:a16="http://schemas.microsoft.com/office/drawing/2014/main" id="{E6F81C1B-DAF0-4214-A785-A1039545BFC0}"/>
               </a:ext>
             </a:extLst>
           </p:cNvPr>
@@ -307,7 +299,15 @@
             <p:ph type="ftr" sz="quarter" idx="11"/>
           </p:nvPr>
         </p:nvSpPr>
-        <p:spPr/>
+        <p:spPr>
+          <a:xfrm>
+            <a:off x="4038600" y="6356350"/>
+            <a:ext cx="4114800" cy="365125"/>
+          </a:xfrm>
+          <a:prstGeom prst="rect">
+            <a:avLst/>
+          </a:prstGeom>
+        </p:spPr>
         <p:txBody>
           <a:bodyPr/>
           <a:lstStyle/>
@@ -321,7 +321,7 @@
           <p:cNvPr id="6" name="Номер слайда 5">
             <a:extLst>
               <a:ext uri="{FF2B5EF4-FFF2-40B4-BE49-F238E27FC236}">
-                <a16:creationId xmlns:a16="http://schemas.microsoft.com/office/drawing/2014/main" id="{DA9663A2-6CE2-43A7-AA79-500B90F2E21B}"/>
+                <a16:creationId xmlns:a16="http://schemas.microsoft.com/office/drawing/2014/main" id="{482C5AEE-0E79-4CCE-9680-3FF4B2AB9974}"/>
               </a:ext>
             </a:extLst>
           </p:cNvPr>
@@ -332,12 +332,20 @@
             <p:ph type="sldNum" sz="quarter" idx="12"/>
           </p:nvPr>
         </p:nvSpPr>
-        <p:spPr/>
+        <p:spPr>
+          <a:xfrm>
+            <a:off x="8610600" y="6356350"/>
+            <a:ext cx="2743200" cy="365125"/>
+          </a:xfrm>
+          <a:prstGeom prst="rect">
+            <a:avLst/>
+          </a:prstGeom>
+        </p:spPr>
         <p:txBody>
           <a:bodyPr/>
           <a:lstStyle/>
           <a:p>
-            <a:fld id="{5387C0A6-8D26-4A09-8181-14AEE9E9CED7}" type="slidenum">
+            <a:fld id="{5E1A3292-C08E-4EF5-A38E-38B48994FBC6}" type="slidenum">
               <a:rPr lang="ru-RU" smtClean="0"/>
               <a:t>‹#›</a:t>
             </a:fld>
@@ -348,7 +356,7 @@
     </p:spTree>
     <p:extLst>
       <p:ext uri="{BB962C8B-B14F-4D97-AF65-F5344CB8AC3E}">
-        <p14:creationId xmlns:p14="http://schemas.microsoft.com/office/powerpoint/2010/main" val="449650835"/>
+        <p14:creationId xmlns:p14="http://schemas.microsoft.com/office/powerpoint/2010/main" val="402082227"/>
       </p:ext>
     </p:extLst>
   </p:cSld>
@@ -380,7 +388,7 @@
           <p:cNvPr id="2" name="Заголовок 1">
             <a:extLst>
               <a:ext uri="{FF2B5EF4-FFF2-40B4-BE49-F238E27FC236}">
-                <a16:creationId xmlns:a16="http://schemas.microsoft.com/office/drawing/2014/main" id="{D857587D-653D-4A70-8CBF-52DF5C20D58B}"/>
+                <a16:creationId xmlns:a16="http://schemas.microsoft.com/office/drawing/2014/main" id="{5E25E0F9-0BD4-43C3-8614-566F170E69C1}"/>
               </a:ext>
             </a:extLst>
           </p:cNvPr>
@@ -408,7 +416,7 @@
           <p:cNvPr id="3" name="Вертикальный текст 2">
             <a:extLst>
               <a:ext uri="{FF2B5EF4-FFF2-40B4-BE49-F238E27FC236}">
-                <a16:creationId xmlns:a16="http://schemas.microsoft.com/office/drawing/2014/main" id="{E2A7533D-F3DE-4275-A7BD-7E34DB10EC4A}"/>
+                <a16:creationId xmlns:a16="http://schemas.microsoft.com/office/drawing/2014/main" id="{2F70CE97-79BC-43C8-9EDF-7344D7B81599}"/>
               </a:ext>
             </a:extLst>
           </p:cNvPr>
@@ -465,7 +473,7 @@
           <p:cNvPr id="4" name="Дата 3">
             <a:extLst>
               <a:ext uri="{FF2B5EF4-FFF2-40B4-BE49-F238E27FC236}">
-                <a16:creationId xmlns:a16="http://schemas.microsoft.com/office/drawing/2014/main" id="{054040B0-D177-4BF2-AFC0-BCE2965EAECB}"/>
+                <a16:creationId xmlns:a16="http://schemas.microsoft.com/office/drawing/2014/main" id="{44285C01-226E-493A-9FD1-0C0EF4EC8ED3}"/>
               </a:ext>
             </a:extLst>
           </p:cNvPr>
@@ -476,14 +484,22 @@
             <p:ph type="dt" sz="half" idx="10"/>
           </p:nvPr>
         </p:nvSpPr>
-        <p:spPr/>
+        <p:spPr>
+          <a:xfrm>
+            <a:off x="838200" y="6356350"/>
+            <a:ext cx="2743200" cy="365125"/>
+          </a:xfrm>
+          <a:prstGeom prst="rect">
+            <a:avLst/>
+          </a:prstGeom>
+        </p:spPr>
         <p:txBody>
           <a:bodyPr/>
           <a:lstStyle/>
           <a:p>
-            <a:fld id="{8C2B4597-0BCC-45FD-850E-31259FA2C275}" type="datetimeFigureOut">
+            <a:fld id="{DEE60733-BBEE-40D1-AC98-EA5D6950493E}" type="datetimeFigureOut">
               <a:rPr lang="ru-RU" smtClean="0"/>
-              <a:t>02.09.2020</a:t>
+              <a:t>21.11.2020</a:t>
             </a:fld>
             <a:endParaRPr lang="ru-RU"/>
           </a:p>
@@ -494,7 +510,7 @@
           <p:cNvPr id="5" name="Нижний колонтитул 4">
             <a:extLst>
               <a:ext uri="{FF2B5EF4-FFF2-40B4-BE49-F238E27FC236}">
-                <a16:creationId xmlns:a16="http://schemas.microsoft.com/office/drawing/2014/main" id="{BAA70F96-335C-41D0-8AE0-34E20519A7DC}"/>
+                <a16:creationId xmlns:a16="http://schemas.microsoft.com/office/drawing/2014/main" id="{A289DF6C-130A-49C3-BB15-C0F1B79B2C76}"/>
               </a:ext>
             </a:extLst>
           </p:cNvPr>
@@ -505,7 +521,15 @@
             <p:ph type="ftr" sz="quarter" idx="11"/>
           </p:nvPr>
         </p:nvSpPr>
-        <p:spPr/>
+        <p:spPr>
+          <a:xfrm>
+            <a:off x="4038600" y="6356350"/>
+            <a:ext cx="4114800" cy="365125"/>
+          </a:xfrm>
+          <a:prstGeom prst="rect">
+            <a:avLst/>
+          </a:prstGeom>
+        </p:spPr>
         <p:txBody>
           <a:bodyPr/>
           <a:lstStyle/>
@@ -519,7 +543,7 @@
           <p:cNvPr id="6" name="Номер слайда 5">
             <a:extLst>
               <a:ext uri="{FF2B5EF4-FFF2-40B4-BE49-F238E27FC236}">
-                <a16:creationId xmlns:a16="http://schemas.microsoft.com/office/drawing/2014/main" id="{97767892-2199-40A4-9609-B0FB0D60355C}"/>
+                <a16:creationId xmlns:a16="http://schemas.microsoft.com/office/drawing/2014/main" id="{C3B0EDFD-6205-411F-A2F2-0E8657A33DC6}"/>
               </a:ext>
             </a:extLst>
           </p:cNvPr>
@@ -530,12 +554,20 @@
             <p:ph type="sldNum" sz="quarter" idx="12"/>
           </p:nvPr>
         </p:nvSpPr>
-        <p:spPr/>
+        <p:spPr>
+          <a:xfrm>
+            <a:off x="8610600" y="6356350"/>
+            <a:ext cx="2743200" cy="365125"/>
+          </a:xfrm>
+          <a:prstGeom prst="rect">
+            <a:avLst/>
+          </a:prstGeom>
+        </p:spPr>
         <p:txBody>
           <a:bodyPr/>
           <a:lstStyle/>
           <a:p>
-            <a:fld id="{5387C0A6-8D26-4A09-8181-14AEE9E9CED7}" type="slidenum">
+            <a:fld id="{5E1A3292-C08E-4EF5-A38E-38B48994FBC6}" type="slidenum">
               <a:rPr lang="ru-RU" smtClean="0"/>
               <a:t>‹#›</a:t>
             </a:fld>
@@ -546,7 +578,7 @@
     </p:spTree>
     <p:extLst>
       <p:ext uri="{BB962C8B-B14F-4D97-AF65-F5344CB8AC3E}">
-        <p14:creationId xmlns:p14="http://schemas.microsoft.com/office/powerpoint/2010/main" val="1366042206"/>
+        <p14:creationId xmlns:p14="http://schemas.microsoft.com/office/powerpoint/2010/main" val="1576940343"/>
       </p:ext>
     </p:extLst>
   </p:cSld>
@@ -578,7 +610,7 @@
           <p:cNvPr id="2" name="Вертикальный заголовок 1">
             <a:extLst>
               <a:ext uri="{FF2B5EF4-FFF2-40B4-BE49-F238E27FC236}">
-                <a16:creationId xmlns:a16="http://schemas.microsoft.com/office/drawing/2014/main" id="{0C58428C-80AB-4BF6-99C8-1D10DEA6FB94}"/>
+                <a16:creationId xmlns:a16="http://schemas.microsoft.com/office/drawing/2014/main" id="{4C0BBC02-B25C-437F-A1AC-AA7A41DF29E8}"/>
               </a:ext>
             </a:extLst>
           </p:cNvPr>
@@ -611,7 +643,7 @@
           <p:cNvPr id="3" name="Вертикальный текст 2">
             <a:extLst>
               <a:ext uri="{FF2B5EF4-FFF2-40B4-BE49-F238E27FC236}">
-                <a16:creationId xmlns:a16="http://schemas.microsoft.com/office/drawing/2014/main" id="{F2F9E938-0D14-4F5C-933A-8C35200CCADF}"/>
+                <a16:creationId xmlns:a16="http://schemas.microsoft.com/office/drawing/2014/main" id="{43171E9D-916E-41F2-9884-403072BB8D4C}"/>
               </a:ext>
             </a:extLst>
           </p:cNvPr>
@@ -673,7 +705,7 @@
           <p:cNvPr id="4" name="Дата 3">
             <a:extLst>
               <a:ext uri="{FF2B5EF4-FFF2-40B4-BE49-F238E27FC236}">
-                <a16:creationId xmlns:a16="http://schemas.microsoft.com/office/drawing/2014/main" id="{D96E8F1E-6871-4F59-B77C-35A604E6A2E6}"/>
+                <a16:creationId xmlns:a16="http://schemas.microsoft.com/office/drawing/2014/main" id="{109084D5-8C5B-4B46-96F0-44E695326D71}"/>
               </a:ext>
             </a:extLst>
           </p:cNvPr>
@@ -684,14 +716,22 @@
             <p:ph type="dt" sz="half" idx="10"/>
           </p:nvPr>
         </p:nvSpPr>
-        <p:spPr/>
+        <p:spPr>
+          <a:xfrm>
+            <a:off x="838200" y="6356350"/>
+            <a:ext cx="2743200" cy="365125"/>
+          </a:xfrm>
+          <a:prstGeom prst="rect">
+            <a:avLst/>
+          </a:prstGeom>
+        </p:spPr>
         <p:txBody>
           <a:bodyPr/>
           <a:lstStyle/>
           <a:p>
-            <a:fld id="{8C2B4597-0BCC-45FD-850E-31259FA2C275}" type="datetimeFigureOut">
+            <a:fld id="{DEE60733-BBEE-40D1-AC98-EA5D6950493E}" type="datetimeFigureOut">
               <a:rPr lang="ru-RU" smtClean="0"/>
-              <a:t>02.09.2020</a:t>
+              <a:t>21.11.2020</a:t>
             </a:fld>
             <a:endParaRPr lang="ru-RU"/>
           </a:p>
@@ -702,7 +742,7 @@
           <p:cNvPr id="5" name="Нижний колонтитул 4">
             <a:extLst>
               <a:ext uri="{FF2B5EF4-FFF2-40B4-BE49-F238E27FC236}">
-                <a16:creationId xmlns:a16="http://schemas.microsoft.com/office/drawing/2014/main" id="{2A4D2964-CF96-4A9C-BF94-395B834631B4}"/>
+                <a16:creationId xmlns:a16="http://schemas.microsoft.com/office/drawing/2014/main" id="{4A33F69B-9497-4F9B-9878-6B03CBEDAD02}"/>
               </a:ext>
             </a:extLst>
           </p:cNvPr>
@@ -713,7 +753,15 @@
             <p:ph type="ftr" sz="quarter" idx="11"/>
           </p:nvPr>
         </p:nvSpPr>
-        <p:spPr/>
+        <p:spPr>
+          <a:xfrm>
+            <a:off x="4038600" y="6356350"/>
+            <a:ext cx="4114800" cy="365125"/>
+          </a:xfrm>
+          <a:prstGeom prst="rect">
+            <a:avLst/>
+          </a:prstGeom>
+        </p:spPr>
         <p:txBody>
           <a:bodyPr/>
           <a:lstStyle/>
@@ -727,7 +775,7 @@
           <p:cNvPr id="6" name="Номер слайда 5">
             <a:extLst>
               <a:ext uri="{FF2B5EF4-FFF2-40B4-BE49-F238E27FC236}">
-                <a16:creationId xmlns:a16="http://schemas.microsoft.com/office/drawing/2014/main" id="{C6C69FEE-4555-4436-9E48-175F7EEE3E7C}"/>
+                <a16:creationId xmlns:a16="http://schemas.microsoft.com/office/drawing/2014/main" id="{6F96E187-EB05-4986-AB3D-E24C96EC66A0}"/>
               </a:ext>
             </a:extLst>
           </p:cNvPr>
@@ -738,12 +786,20 @@
             <p:ph type="sldNum" sz="quarter" idx="12"/>
           </p:nvPr>
         </p:nvSpPr>
-        <p:spPr/>
+        <p:spPr>
+          <a:xfrm>
+            <a:off x="8610600" y="6356350"/>
+            <a:ext cx="2743200" cy="365125"/>
+          </a:xfrm>
+          <a:prstGeom prst="rect">
+            <a:avLst/>
+          </a:prstGeom>
+        </p:spPr>
         <p:txBody>
           <a:bodyPr/>
           <a:lstStyle/>
           <a:p>
-            <a:fld id="{5387C0A6-8D26-4A09-8181-14AEE9E9CED7}" type="slidenum">
+            <a:fld id="{5E1A3292-C08E-4EF5-A38E-38B48994FBC6}" type="slidenum">
               <a:rPr lang="ru-RU" smtClean="0"/>
               <a:t>‹#›</a:t>
             </a:fld>
@@ -754,7 +810,7 @@
     </p:spTree>
     <p:extLst>
       <p:ext uri="{BB962C8B-B14F-4D97-AF65-F5344CB8AC3E}">
-        <p14:creationId xmlns:p14="http://schemas.microsoft.com/office/powerpoint/2010/main" val="4194884078"/>
+        <p14:creationId xmlns:p14="http://schemas.microsoft.com/office/powerpoint/2010/main" val="3899993495"/>
       </p:ext>
     </p:extLst>
   </p:cSld>
@@ -786,7 +842,7 @@
           <p:cNvPr id="2" name="Заголовок 1">
             <a:extLst>
               <a:ext uri="{FF2B5EF4-FFF2-40B4-BE49-F238E27FC236}">
-                <a16:creationId xmlns:a16="http://schemas.microsoft.com/office/drawing/2014/main" id="{3913F721-93CB-4975-8517-7821E25C4C8D}"/>
+                <a16:creationId xmlns:a16="http://schemas.microsoft.com/office/drawing/2014/main" id="{FB247A3D-B3E8-4B23-97BE-8B25BCA462D5}"/>
               </a:ext>
             </a:extLst>
           </p:cNvPr>
@@ -799,8 +855,14 @@
         </p:nvSpPr>
         <p:spPr/>
         <p:txBody>
-          <a:bodyPr/>
-          <a:lstStyle/>
+          <a:bodyPr>
+            <a:normAutofit/>
+          </a:bodyPr>
+          <a:lstStyle>
+            <a:lvl1pPr>
+              <a:defRPr sz="6000" b="1" i="0"/>
+            </a:lvl1pPr>
+          </a:lstStyle>
           <a:p>
             <a:r>
               <a:rPr lang="ru-RU"/>
@@ -814,7 +876,7 @@
           <p:cNvPr id="3" name="Объект 2">
             <a:extLst>
               <a:ext uri="{FF2B5EF4-FFF2-40B4-BE49-F238E27FC236}">
-                <a16:creationId xmlns:a16="http://schemas.microsoft.com/office/drawing/2014/main" id="{99F8602C-DC44-4406-A074-1C04A964D32A}"/>
+                <a16:creationId xmlns:a16="http://schemas.microsoft.com/office/drawing/2014/main" id="{B7AE5371-49D2-4362-9855-D0714ADAD7D9}"/>
               </a:ext>
             </a:extLst>
           </p:cNvPr>
@@ -825,10 +887,61 @@
             <p:ph idx="1"/>
           </p:nvPr>
         </p:nvSpPr>
-        <p:spPr/>
+        <p:spPr>
+          <a:xfrm>
+            <a:off x="838200" y="1956260"/>
+            <a:ext cx="10515600" cy="4351338"/>
+          </a:xfrm>
+        </p:spPr>
         <p:txBody>
           <a:bodyPr/>
-          <a:lstStyle/>
+          <a:lstStyle>
+            <a:lvl1pPr>
+              <a:lnSpc>
+                <a:spcPct val="110000"/>
+              </a:lnSpc>
+              <a:spcBef>
+                <a:spcPts val="1500"/>
+              </a:spcBef>
+              <a:defRPr/>
+            </a:lvl1pPr>
+            <a:lvl2pPr>
+              <a:lnSpc>
+                <a:spcPct val="110000"/>
+              </a:lnSpc>
+              <a:spcBef>
+                <a:spcPts val="1500"/>
+              </a:spcBef>
+              <a:defRPr/>
+            </a:lvl2pPr>
+            <a:lvl3pPr>
+              <a:lnSpc>
+                <a:spcPct val="110000"/>
+              </a:lnSpc>
+              <a:spcBef>
+                <a:spcPts val="1500"/>
+              </a:spcBef>
+              <a:defRPr/>
+            </a:lvl3pPr>
+            <a:lvl4pPr>
+              <a:lnSpc>
+                <a:spcPct val="110000"/>
+              </a:lnSpc>
+              <a:spcBef>
+                <a:spcPts val="1500"/>
+              </a:spcBef>
+              <a:defRPr/>
+            </a:lvl4pPr>
+            <a:lvl5pPr>
+              <a:lnSpc>
+                <a:spcPct val="110000"/>
+              </a:lnSpc>
+              <a:spcBef>
+                <a:spcPts val="1500"/>
+              </a:spcBef>
+              <a:defRPr/>
+            </a:lvl5pPr>
+          </a:lstStyle>
           <a:p>
             <a:pPr lvl="0"/>
             <a:r>
@@ -871,7 +984,7 @@
           <p:cNvPr id="4" name="Дата 3">
             <a:extLst>
               <a:ext uri="{FF2B5EF4-FFF2-40B4-BE49-F238E27FC236}">
-                <a16:creationId xmlns:a16="http://schemas.microsoft.com/office/drawing/2014/main" id="{8BA45B0E-C73A-46A2-95D8-E020FB4A0CD0}"/>
+                <a16:creationId xmlns:a16="http://schemas.microsoft.com/office/drawing/2014/main" id="{D564D5E2-56F2-41B7-B821-2797C22ECA9C}"/>
               </a:ext>
             </a:extLst>
           </p:cNvPr>
@@ -882,14 +995,22 @@
             <p:ph type="dt" sz="half" idx="10"/>
           </p:nvPr>
         </p:nvSpPr>
-        <p:spPr/>
+        <p:spPr>
+          <a:xfrm>
+            <a:off x="838200" y="6356350"/>
+            <a:ext cx="2743200" cy="365125"/>
+          </a:xfrm>
+          <a:prstGeom prst="rect">
+            <a:avLst/>
+          </a:prstGeom>
+        </p:spPr>
         <p:txBody>
           <a:bodyPr/>
           <a:lstStyle/>
           <a:p>
-            <a:fld id="{8C2B4597-0BCC-45FD-850E-31259FA2C275}" type="datetimeFigureOut">
+            <a:fld id="{DEE60733-BBEE-40D1-AC98-EA5D6950493E}" type="datetimeFigureOut">
               <a:rPr lang="ru-RU" smtClean="0"/>
-              <a:t>02.09.2020</a:t>
+              <a:t>21.11.2020</a:t>
             </a:fld>
             <a:endParaRPr lang="ru-RU"/>
           </a:p>
@@ -900,7 +1021,7 @@
           <p:cNvPr id="5" name="Нижний колонтитул 4">
             <a:extLst>
               <a:ext uri="{FF2B5EF4-FFF2-40B4-BE49-F238E27FC236}">
-                <a16:creationId xmlns:a16="http://schemas.microsoft.com/office/drawing/2014/main" id="{FA1AC78D-D41A-4B23-AECC-0267B8073171}"/>
+                <a16:creationId xmlns:a16="http://schemas.microsoft.com/office/drawing/2014/main" id="{4682AA35-CA33-47B8-B29F-C4257A546246}"/>
               </a:ext>
             </a:extLst>
           </p:cNvPr>
@@ -911,7 +1032,15 @@
             <p:ph type="ftr" sz="quarter" idx="11"/>
           </p:nvPr>
         </p:nvSpPr>
-        <p:spPr/>
+        <p:spPr>
+          <a:xfrm>
+            <a:off x="4038600" y="6356350"/>
+            <a:ext cx="4114800" cy="365125"/>
+          </a:xfrm>
+          <a:prstGeom prst="rect">
+            <a:avLst/>
+          </a:prstGeom>
+        </p:spPr>
         <p:txBody>
           <a:bodyPr/>
           <a:lstStyle/>
@@ -925,7 +1054,7 @@
           <p:cNvPr id="6" name="Номер слайда 5">
             <a:extLst>
               <a:ext uri="{FF2B5EF4-FFF2-40B4-BE49-F238E27FC236}">
-                <a16:creationId xmlns:a16="http://schemas.microsoft.com/office/drawing/2014/main" id="{9528AFB3-38EB-452A-A764-C86DA06348CD}"/>
+                <a16:creationId xmlns:a16="http://schemas.microsoft.com/office/drawing/2014/main" id="{F95D831C-499E-4849-A754-9D7FC7473A48}"/>
               </a:ext>
             </a:extLst>
           </p:cNvPr>
@@ -936,12 +1065,20 @@
             <p:ph type="sldNum" sz="quarter" idx="12"/>
           </p:nvPr>
         </p:nvSpPr>
-        <p:spPr/>
+        <p:spPr>
+          <a:xfrm>
+            <a:off x="8610600" y="6356350"/>
+            <a:ext cx="2743200" cy="365125"/>
+          </a:xfrm>
+          <a:prstGeom prst="rect">
+            <a:avLst/>
+          </a:prstGeom>
+        </p:spPr>
         <p:txBody>
           <a:bodyPr/>
           <a:lstStyle/>
           <a:p>
-            <a:fld id="{5387C0A6-8D26-4A09-8181-14AEE9E9CED7}" type="slidenum">
+            <a:fld id="{5E1A3292-C08E-4EF5-A38E-38B48994FBC6}" type="slidenum">
               <a:rPr lang="ru-RU" smtClean="0"/>
               <a:t>‹#›</a:t>
             </a:fld>
@@ -952,7 +1089,7 @@
     </p:spTree>
     <p:extLst>
       <p:ext uri="{BB962C8B-B14F-4D97-AF65-F5344CB8AC3E}">
-        <p14:creationId xmlns:p14="http://schemas.microsoft.com/office/powerpoint/2010/main" val="1884914359"/>
+        <p14:creationId xmlns:p14="http://schemas.microsoft.com/office/powerpoint/2010/main" val="1335559938"/>
       </p:ext>
     </p:extLst>
   </p:cSld>
@@ -984,7 +1121,7 @@
           <p:cNvPr id="2" name="Заголовок 1">
             <a:extLst>
               <a:ext uri="{FF2B5EF4-FFF2-40B4-BE49-F238E27FC236}">
-                <a16:creationId xmlns:a16="http://schemas.microsoft.com/office/drawing/2014/main" id="{A295E3F3-A34B-440C-8C25-DAE36F6E04FB}"/>
+                <a16:creationId xmlns:a16="http://schemas.microsoft.com/office/drawing/2014/main" id="{6AB8A132-E6A3-4C10-81D0-A69F7EFDA759}"/>
               </a:ext>
             </a:extLst>
           </p:cNvPr>
@@ -1021,7 +1158,7 @@
           <p:cNvPr id="3" name="Текст 2">
             <a:extLst>
               <a:ext uri="{FF2B5EF4-FFF2-40B4-BE49-F238E27FC236}">
-                <a16:creationId xmlns:a16="http://schemas.microsoft.com/office/drawing/2014/main" id="{B0DEE2F5-24EA-45CE-B69E-FB78C7AEA7BE}"/>
+                <a16:creationId xmlns:a16="http://schemas.microsoft.com/office/drawing/2014/main" id="{7129D218-4A7B-41E8-9F59-B64F72F140C3}"/>
               </a:ext>
             </a:extLst>
           </p:cNvPr>
@@ -1146,7 +1283,7 @@
           <p:cNvPr id="4" name="Дата 3">
             <a:extLst>
               <a:ext uri="{FF2B5EF4-FFF2-40B4-BE49-F238E27FC236}">
-                <a16:creationId xmlns:a16="http://schemas.microsoft.com/office/drawing/2014/main" id="{FEEDE837-4922-4D01-AE32-A076FB59CA9B}"/>
+                <a16:creationId xmlns:a16="http://schemas.microsoft.com/office/drawing/2014/main" id="{9EEB21E3-84EC-4383-93D7-39A9C1959A96}"/>
               </a:ext>
             </a:extLst>
           </p:cNvPr>
@@ -1157,14 +1294,22 @@
             <p:ph type="dt" sz="half" idx="10"/>
           </p:nvPr>
         </p:nvSpPr>
-        <p:spPr/>
+        <p:spPr>
+          <a:xfrm>
+            <a:off x="838200" y="6356350"/>
+            <a:ext cx="2743200" cy="365125"/>
+          </a:xfrm>
+          <a:prstGeom prst="rect">
+            <a:avLst/>
+          </a:prstGeom>
+        </p:spPr>
         <p:txBody>
           <a:bodyPr/>
           <a:lstStyle/>
           <a:p>
-            <a:fld id="{8C2B4597-0BCC-45FD-850E-31259FA2C275}" type="datetimeFigureOut">
+            <a:fld id="{DEE60733-BBEE-40D1-AC98-EA5D6950493E}" type="datetimeFigureOut">
               <a:rPr lang="ru-RU" smtClean="0"/>
-              <a:t>02.09.2020</a:t>
+              <a:t>21.11.2020</a:t>
             </a:fld>
             <a:endParaRPr lang="ru-RU"/>
           </a:p>
@@ -1175,7 +1320,7 @@
           <p:cNvPr id="5" name="Нижний колонтитул 4">
             <a:extLst>
               <a:ext uri="{FF2B5EF4-FFF2-40B4-BE49-F238E27FC236}">
-                <a16:creationId xmlns:a16="http://schemas.microsoft.com/office/drawing/2014/main" id="{F9A0B262-DDB7-4C27-868D-2B0EA1DB3A80}"/>
+                <a16:creationId xmlns:a16="http://schemas.microsoft.com/office/drawing/2014/main" id="{665E43CA-D683-40BC-AFAA-3D3BAC7FF482}"/>
               </a:ext>
             </a:extLst>
           </p:cNvPr>
@@ -1186,7 +1331,15 @@
             <p:ph type="ftr" sz="quarter" idx="11"/>
           </p:nvPr>
         </p:nvSpPr>
-        <p:spPr/>
+        <p:spPr>
+          <a:xfrm>
+            <a:off x="4038600" y="6356350"/>
+            <a:ext cx="4114800" cy="365125"/>
+          </a:xfrm>
+          <a:prstGeom prst="rect">
+            <a:avLst/>
+          </a:prstGeom>
+        </p:spPr>
         <p:txBody>
           <a:bodyPr/>
           <a:lstStyle/>
@@ -1200,7 +1353,7 @@
           <p:cNvPr id="6" name="Номер слайда 5">
             <a:extLst>
               <a:ext uri="{FF2B5EF4-FFF2-40B4-BE49-F238E27FC236}">
-                <a16:creationId xmlns:a16="http://schemas.microsoft.com/office/drawing/2014/main" id="{AEFFF4A4-8FD7-4D3C-BE8A-CFA7D33CF26B}"/>
+                <a16:creationId xmlns:a16="http://schemas.microsoft.com/office/drawing/2014/main" id="{52A20B6B-7A9F-448F-B791-62DBCBB52E0B}"/>
               </a:ext>
             </a:extLst>
           </p:cNvPr>
@@ -1211,12 +1364,20 @@
             <p:ph type="sldNum" sz="quarter" idx="12"/>
           </p:nvPr>
         </p:nvSpPr>
-        <p:spPr/>
+        <p:spPr>
+          <a:xfrm>
+            <a:off x="8610600" y="6356350"/>
+            <a:ext cx="2743200" cy="365125"/>
+          </a:xfrm>
+          <a:prstGeom prst="rect">
+            <a:avLst/>
+          </a:prstGeom>
+        </p:spPr>
         <p:txBody>
           <a:bodyPr/>
           <a:lstStyle/>
           <a:p>
-            <a:fld id="{5387C0A6-8D26-4A09-8181-14AEE9E9CED7}" type="slidenum">
+            <a:fld id="{5E1A3292-C08E-4EF5-A38E-38B48994FBC6}" type="slidenum">
               <a:rPr lang="ru-RU" smtClean="0"/>
               <a:t>‹#›</a:t>
             </a:fld>
@@ -1227,7 +1388,7 @@
     </p:spTree>
     <p:extLst>
       <p:ext uri="{BB962C8B-B14F-4D97-AF65-F5344CB8AC3E}">
-        <p14:creationId xmlns:p14="http://schemas.microsoft.com/office/powerpoint/2010/main" val="2869991444"/>
+        <p14:creationId xmlns:p14="http://schemas.microsoft.com/office/powerpoint/2010/main" val="1485194156"/>
       </p:ext>
     </p:extLst>
   </p:cSld>
@@ -1259,7 +1420,7 @@
           <p:cNvPr id="2" name="Заголовок 1">
             <a:extLst>
               <a:ext uri="{FF2B5EF4-FFF2-40B4-BE49-F238E27FC236}">
-                <a16:creationId xmlns:a16="http://schemas.microsoft.com/office/drawing/2014/main" id="{00ACACB4-803C-4108-840C-3FA2864CD787}"/>
+                <a16:creationId xmlns:a16="http://schemas.microsoft.com/office/drawing/2014/main" id="{B9CA0040-5322-41F8-9A8D-17109D2FDE74}"/>
               </a:ext>
             </a:extLst>
           </p:cNvPr>
@@ -1287,7 +1448,7 @@
           <p:cNvPr id="3" name="Объект 2">
             <a:extLst>
               <a:ext uri="{FF2B5EF4-FFF2-40B4-BE49-F238E27FC236}">
-                <a16:creationId xmlns:a16="http://schemas.microsoft.com/office/drawing/2014/main" id="{B53CB06E-3482-49A7-9200-8A46B7095436}"/>
+                <a16:creationId xmlns:a16="http://schemas.microsoft.com/office/drawing/2014/main" id="{28B542DB-8649-4CA5-9E2C-835BA0F819AD}"/>
               </a:ext>
             </a:extLst>
           </p:cNvPr>
@@ -1349,7 +1510,7 @@
           <p:cNvPr id="4" name="Объект 3">
             <a:extLst>
               <a:ext uri="{FF2B5EF4-FFF2-40B4-BE49-F238E27FC236}">
-                <a16:creationId xmlns:a16="http://schemas.microsoft.com/office/drawing/2014/main" id="{FC5B09CD-1510-4A25-89F8-C467A8ED352B}"/>
+                <a16:creationId xmlns:a16="http://schemas.microsoft.com/office/drawing/2014/main" id="{52943734-D9A8-4ECB-8253-CE5E07C9BCBA}"/>
               </a:ext>
             </a:extLst>
           </p:cNvPr>
@@ -1411,7 +1572,7 @@
           <p:cNvPr id="5" name="Дата 4">
             <a:extLst>
               <a:ext uri="{FF2B5EF4-FFF2-40B4-BE49-F238E27FC236}">
-                <a16:creationId xmlns:a16="http://schemas.microsoft.com/office/drawing/2014/main" id="{6D87ADC1-258B-4638-8B03-E1CFF777232F}"/>
+                <a16:creationId xmlns:a16="http://schemas.microsoft.com/office/drawing/2014/main" id="{2EDDC3F2-9AE3-4BAF-8615-6E63BF02C04F}"/>
               </a:ext>
             </a:extLst>
           </p:cNvPr>
@@ -1422,14 +1583,22 @@
             <p:ph type="dt" sz="half" idx="10"/>
           </p:nvPr>
         </p:nvSpPr>
-        <p:spPr/>
+        <p:spPr>
+          <a:xfrm>
+            <a:off x="838200" y="6356350"/>
+            <a:ext cx="2743200" cy="365125"/>
+          </a:xfrm>
+          <a:prstGeom prst="rect">
+            <a:avLst/>
+          </a:prstGeom>
+        </p:spPr>
         <p:txBody>
           <a:bodyPr/>
           <a:lstStyle/>
           <a:p>
-            <a:fld id="{8C2B4597-0BCC-45FD-850E-31259FA2C275}" type="datetimeFigureOut">
+            <a:fld id="{DEE60733-BBEE-40D1-AC98-EA5D6950493E}" type="datetimeFigureOut">
               <a:rPr lang="ru-RU" smtClean="0"/>
-              <a:t>02.09.2020</a:t>
+              <a:t>21.11.2020</a:t>
             </a:fld>
             <a:endParaRPr lang="ru-RU"/>
           </a:p>
@@ -1440,7 +1609,7 @@
           <p:cNvPr id="6" name="Нижний колонтитул 5">
             <a:extLst>
               <a:ext uri="{FF2B5EF4-FFF2-40B4-BE49-F238E27FC236}">
-                <a16:creationId xmlns:a16="http://schemas.microsoft.com/office/drawing/2014/main" id="{9B7538FC-5EBB-4189-9628-2AD5021267B7}"/>
+                <a16:creationId xmlns:a16="http://schemas.microsoft.com/office/drawing/2014/main" id="{31568923-1E60-4A69-BAC4-59B2AAD6B742}"/>
               </a:ext>
             </a:extLst>
           </p:cNvPr>
@@ -1451,7 +1620,15 @@
             <p:ph type="ftr" sz="quarter" idx="11"/>
           </p:nvPr>
         </p:nvSpPr>
-        <p:spPr/>
+        <p:spPr>
+          <a:xfrm>
+            <a:off x="4038600" y="6356350"/>
+            <a:ext cx="4114800" cy="365125"/>
+          </a:xfrm>
+          <a:prstGeom prst="rect">
+            <a:avLst/>
+          </a:prstGeom>
+        </p:spPr>
         <p:txBody>
           <a:bodyPr/>
           <a:lstStyle/>
@@ -1465,7 +1642,7 @@
           <p:cNvPr id="7" name="Номер слайда 6">
             <a:extLst>
               <a:ext uri="{FF2B5EF4-FFF2-40B4-BE49-F238E27FC236}">
-                <a16:creationId xmlns:a16="http://schemas.microsoft.com/office/drawing/2014/main" id="{9087FAAE-B98E-41F6-ADB7-AEEC8EA3DE7A}"/>
+                <a16:creationId xmlns:a16="http://schemas.microsoft.com/office/drawing/2014/main" id="{971162ED-763E-434C-8F49-E7554223ED51}"/>
               </a:ext>
             </a:extLst>
           </p:cNvPr>
@@ -1476,12 +1653,20 @@
             <p:ph type="sldNum" sz="quarter" idx="12"/>
           </p:nvPr>
         </p:nvSpPr>
-        <p:spPr/>
+        <p:spPr>
+          <a:xfrm>
+            <a:off x="8610600" y="6356350"/>
+            <a:ext cx="2743200" cy="365125"/>
+          </a:xfrm>
+          <a:prstGeom prst="rect">
+            <a:avLst/>
+          </a:prstGeom>
+        </p:spPr>
         <p:txBody>
           <a:bodyPr/>
           <a:lstStyle/>
           <a:p>
-            <a:fld id="{5387C0A6-8D26-4A09-8181-14AEE9E9CED7}" type="slidenum">
+            <a:fld id="{5E1A3292-C08E-4EF5-A38E-38B48994FBC6}" type="slidenum">
               <a:rPr lang="ru-RU" smtClean="0"/>
               <a:t>‹#›</a:t>
             </a:fld>
@@ -1492,7 +1677,7 @@
     </p:spTree>
     <p:extLst>
       <p:ext uri="{BB962C8B-B14F-4D97-AF65-F5344CB8AC3E}">
-        <p14:creationId xmlns:p14="http://schemas.microsoft.com/office/powerpoint/2010/main" val="2732667920"/>
+        <p14:creationId xmlns:p14="http://schemas.microsoft.com/office/powerpoint/2010/main" val="2881769894"/>
       </p:ext>
     </p:extLst>
   </p:cSld>
@@ -1524,7 +1709,7 @@
           <p:cNvPr id="2" name="Заголовок 1">
             <a:extLst>
               <a:ext uri="{FF2B5EF4-FFF2-40B4-BE49-F238E27FC236}">
-                <a16:creationId xmlns:a16="http://schemas.microsoft.com/office/drawing/2014/main" id="{372576C8-EA5D-4298-BF4E-0C43F057E6D5}"/>
+                <a16:creationId xmlns:a16="http://schemas.microsoft.com/office/drawing/2014/main" id="{BCBBD7CA-7216-4D69-9E60-BDFB561B5729}"/>
               </a:ext>
             </a:extLst>
           </p:cNvPr>
@@ -1557,7 +1742,7 @@
           <p:cNvPr id="3" name="Текст 2">
             <a:extLst>
               <a:ext uri="{FF2B5EF4-FFF2-40B4-BE49-F238E27FC236}">
-                <a16:creationId xmlns:a16="http://schemas.microsoft.com/office/drawing/2014/main" id="{A96CBE95-29C8-41DB-B778-10F36C20440B}"/>
+                <a16:creationId xmlns:a16="http://schemas.microsoft.com/office/drawing/2014/main" id="{A8E4C541-0282-41F8-8CBB-39338A2AD048}"/>
               </a:ext>
             </a:extLst>
           </p:cNvPr>
@@ -1628,7 +1813,7 @@
           <p:cNvPr id="4" name="Объект 3">
             <a:extLst>
               <a:ext uri="{FF2B5EF4-FFF2-40B4-BE49-F238E27FC236}">
-                <a16:creationId xmlns:a16="http://schemas.microsoft.com/office/drawing/2014/main" id="{4E54F2AB-8A5E-40DC-B229-925038B31E71}"/>
+                <a16:creationId xmlns:a16="http://schemas.microsoft.com/office/drawing/2014/main" id="{CDF7DB4A-C860-49F2-BA67-56B9E2BDC4B1}"/>
               </a:ext>
             </a:extLst>
           </p:cNvPr>
@@ -1690,7 +1875,7 @@
           <p:cNvPr id="5" name="Текст 4">
             <a:extLst>
               <a:ext uri="{FF2B5EF4-FFF2-40B4-BE49-F238E27FC236}">
-                <a16:creationId xmlns:a16="http://schemas.microsoft.com/office/drawing/2014/main" id="{DAA9DD91-6871-4D3E-8F7C-FFA205B62972}"/>
+                <a16:creationId xmlns:a16="http://schemas.microsoft.com/office/drawing/2014/main" id="{0C74BA5C-BA99-4BDA-8CDB-9CB8EA36143F}"/>
               </a:ext>
             </a:extLst>
           </p:cNvPr>
@@ -1761,7 +1946,7 @@
           <p:cNvPr id="6" name="Объект 5">
             <a:extLst>
               <a:ext uri="{FF2B5EF4-FFF2-40B4-BE49-F238E27FC236}">
-                <a16:creationId xmlns:a16="http://schemas.microsoft.com/office/drawing/2014/main" id="{05AABACC-C1A4-41C0-A1BB-B4340EF5A928}"/>
+                <a16:creationId xmlns:a16="http://schemas.microsoft.com/office/drawing/2014/main" id="{9354812C-6436-41C9-8467-4D1DF78ABCB0}"/>
               </a:ext>
             </a:extLst>
           </p:cNvPr>
@@ -1823,7 +2008,7 @@
           <p:cNvPr id="7" name="Дата 6">
             <a:extLst>
               <a:ext uri="{FF2B5EF4-FFF2-40B4-BE49-F238E27FC236}">
-                <a16:creationId xmlns:a16="http://schemas.microsoft.com/office/drawing/2014/main" id="{6192BEC3-30D8-41BD-A224-E7062830A92E}"/>
+                <a16:creationId xmlns:a16="http://schemas.microsoft.com/office/drawing/2014/main" id="{1CF93D36-1A25-490D-8CD0-CFBC1D120E45}"/>
               </a:ext>
             </a:extLst>
           </p:cNvPr>
@@ -1834,14 +2019,22 @@
             <p:ph type="dt" sz="half" idx="10"/>
           </p:nvPr>
         </p:nvSpPr>
-        <p:spPr/>
+        <p:spPr>
+          <a:xfrm>
+            <a:off x="838200" y="6356350"/>
+            <a:ext cx="2743200" cy="365125"/>
+          </a:xfrm>
+          <a:prstGeom prst="rect">
+            <a:avLst/>
+          </a:prstGeom>
+        </p:spPr>
         <p:txBody>
           <a:bodyPr/>
           <a:lstStyle/>
           <a:p>
-            <a:fld id="{8C2B4597-0BCC-45FD-850E-31259FA2C275}" type="datetimeFigureOut">
+            <a:fld id="{DEE60733-BBEE-40D1-AC98-EA5D6950493E}" type="datetimeFigureOut">
               <a:rPr lang="ru-RU" smtClean="0"/>
-              <a:t>02.09.2020</a:t>
+              <a:t>21.11.2020</a:t>
             </a:fld>
             <a:endParaRPr lang="ru-RU"/>
           </a:p>
@@ -1852,7 +2045,7 @@
           <p:cNvPr id="8" name="Нижний колонтитул 7">
             <a:extLst>
               <a:ext uri="{FF2B5EF4-FFF2-40B4-BE49-F238E27FC236}">
-                <a16:creationId xmlns:a16="http://schemas.microsoft.com/office/drawing/2014/main" id="{E5307771-BD4A-41F0-BFD5-B6684F0D6E3E}"/>
+                <a16:creationId xmlns:a16="http://schemas.microsoft.com/office/drawing/2014/main" id="{2DADED1A-CF4F-4296-986C-2648E328E996}"/>
               </a:ext>
             </a:extLst>
           </p:cNvPr>
@@ -1863,7 +2056,15 @@
             <p:ph type="ftr" sz="quarter" idx="11"/>
           </p:nvPr>
         </p:nvSpPr>
-        <p:spPr/>
+        <p:spPr>
+          <a:xfrm>
+            <a:off x="4038600" y="6356350"/>
+            <a:ext cx="4114800" cy="365125"/>
+          </a:xfrm>
+          <a:prstGeom prst="rect">
+            <a:avLst/>
+          </a:prstGeom>
+        </p:spPr>
         <p:txBody>
           <a:bodyPr/>
           <a:lstStyle/>
@@ -1877,7 +2078,7 @@
           <p:cNvPr id="9" name="Номер слайда 8">
             <a:extLst>
               <a:ext uri="{FF2B5EF4-FFF2-40B4-BE49-F238E27FC236}">
-                <a16:creationId xmlns:a16="http://schemas.microsoft.com/office/drawing/2014/main" id="{4865844C-903B-4290-B9BF-2244C2FCA1F7}"/>
+                <a16:creationId xmlns:a16="http://schemas.microsoft.com/office/drawing/2014/main" id="{F421DCD3-1C86-46B7-8386-93FE61B9F8C9}"/>
               </a:ext>
             </a:extLst>
           </p:cNvPr>
@@ -1888,12 +2089,20 @@
             <p:ph type="sldNum" sz="quarter" idx="12"/>
           </p:nvPr>
         </p:nvSpPr>
-        <p:spPr/>
+        <p:spPr>
+          <a:xfrm>
+            <a:off x="8610600" y="6356350"/>
+            <a:ext cx="2743200" cy="365125"/>
+          </a:xfrm>
+          <a:prstGeom prst="rect">
+            <a:avLst/>
+          </a:prstGeom>
+        </p:spPr>
         <p:txBody>
           <a:bodyPr/>
           <a:lstStyle/>
           <a:p>
-            <a:fld id="{5387C0A6-8D26-4A09-8181-14AEE9E9CED7}" type="slidenum">
+            <a:fld id="{5E1A3292-C08E-4EF5-A38E-38B48994FBC6}" type="slidenum">
               <a:rPr lang="ru-RU" smtClean="0"/>
               <a:t>‹#›</a:t>
             </a:fld>
@@ -1904,7 +2113,7 @@
     </p:spTree>
     <p:extLst>
       <p:ext uri="{BB962C8B-B14F-4D97-AF65-F5344CB8AC3E}">
-        <p14:creationId xmlns:p14="http://schemas.microsoft.com/office/powerpoint/2010/main" val="1131961356"/>
+        <p14:creationId xmlns:p14="http://schemas.microsoft.com/office/powerpoint/2010/main" val="73673717"/>
       </p:ext>
     </p:extLst>
   </p:cSld>
@@ -1936,7 +2145,7 @@
           <p:cNvPr id="2" name="Заголовок 1">
             <a:extLst>
               <a:ext uri="{FF2B5EF4-FFF2-40B4-BE49-F238E27FC236}">
-                <a16:creationId xmlns:a16="http://schemas.microsoft.com/office/drawing/2014/main" id="{9C3C4889-03A5-48E0-92F1-0DD25D2AC0B8}"/>
+                <a16:creationId xmlns:a16="http://schemas.microsoft.com/office/drawing/2014/main" id="{A08A4EE2-1406-4611-92E1-7A686241AE91}"/>
               </a:ext>
             </a:extLst>
           </p:cNvPr>
@@ -1964,7 +2173,7 @@
           <p:cNvPr id="3" name="Дата 2">
             <a:extLst>
               <a:ext uri="{FF2B5EF4-FFF2-40B4-BE49-F238E27FC236}">
-                <a16:creationId xmlns:a16="http://schemas.microsoft.com/office/drawing/2014/main" id="{03DEC06A-2C33-44A6-A171-13D90D002707}"/>
+                <a16:creationId xmlns:a16="http://schemas.microsoft.com/office/drawing/2014/main" id="{7563062C-0BDD-45C7-947B-FF947FD5EDCC}"/>
               </a:ext>
             </a:extLst>
           </p:cNvPr>
@@ -1975,14 +2184,22 @@
             <p:ph type="dt" sz="half" idx="10"/>
           </p:nvPr>
         </p:nvSpPr>
-        <p:spPr/>
+        <p:spPr>
+          <a:xfrm>
+            <a:off x="838200" y="6356350"/>
+            <a:ext cx="2743200" cy="365125"/>
+          </a:xfrm>
+          <a:prstGeom prst="rect">
+            <a:avLst/>
+          </a:prstGeom>
+        </p:spPr>
         <p:txBody>
           <a:bodyPr/>
           <a:lstStyle/>
           <a:p>
-            <a:fld id="{8C2B4597-0BCC-45FD-850E-31259FA2C275}" type="datetimeFigureOut">
+            <a:fld id="{DEE60733-BBEE-40D1-AC98-EA5D6950493E}" type="datetimeFigureOut">
               <a:rPr lang="ru-RU" smtClean="0"/>
-              <a:t>02.09.2020</a:t>
+              <a:t>21.11.2020</a:t>
             </a:fld>
             <a:endParaRPr lang="ru-RU"/>
           </a:p>
@@ -1993,7 +2210,7 @@
           <p:cNvPr id="4" name="Нижний колонтитул 3">
             <a:extLst>
               <a:ext uri="{FF2B5EF4-FFF2-40B4-BE49-F238E27FC236}">
-                <a16:creationId xmlns:a16="http://schemas.microsoft.com/office/drawing/2014/main" id="{8D465E1C-E27E-4B0F-9DA6-B9712D4E5CC3}"/>
+                <a16:creationId xmlns:a16="http://schemas.microsoft.com/office/drawing/2014/main" id="{C7C8D546-3390-488E-9E0E-271D5B5A7C4C}"/>
               </a:ext>
             </a:extLst>
           </p:cNvPr>
@@ -2004,7 +2221,15 @@
             <p:ph type="ftr" sz="quarter" idx="11"/>
           </p:nvPr>
         </p:nvSpPr>
-        <p:spPr/>
+        <p:spPr>
+          <a:xfrm>
+            <a:off x="4038600" y="6356350"/>
+            <a:ext cx="4114800" cy="365125"/>
+          </a:xfrm>
+          <a:prstGeom prst="rect">
+            <a:avLst/>
+          </a:prstGeom>
+        </p:spPr>
         <p:txBody>
           <a:bodyPr/>
           <a:lstStyle/>
@@ -2018,7 +2243,7 @@
           <p:cNvPr id="5" name="Номер слайда 4">
             <a:extLst>
               <a:ext uri="{FF2B5EF4-FFF2-40B4-BE49-F238E27FC236}">
-                <a16:creationId xmlns:a16="http://schemas.microsoft.com/office/drawing/2014/main" id="{A2D748CD-7738-4645-A5B0-7B6B899FF9BE}"/>
+                <a16:creationId xmlns:a16="http://schemas.microsoft.com/office/drawing/2014/main" id="{4FE86DAA-6B20-4A59-8D7E-BAC9B104F8D5}"/>
               </a:ext>
             </a:extLst>
           </p:cNvPr>
@@ -2029,12 +2254,20 @@
             <p:ph type="sldNum" sz="quarter" idx="12"/>
           </p:nvPr>
         </p:nvSpPr>
-        <p:spPr/>
+        <p:spPr>
+          <a:xfrm>
+            <a:off x="8610600" y="6356350"/>
+            <a:ext cx="2743200" cy="365125"/>
+          </a:xfrm>
+          <a:prstGeom prst="rect">
+            <a:avLst/>
+          </a:prstGeom>
+        </p:spPr>
         <p:txBody>
           <a:bodyPr/>
           <a:lstStyle/>
           <a:p>
-            <a:fld id="{5387C0A6-8D26-4A09-8181-14AEE9E9CED7}" type="slidenum">
+            <a:fld id="{5E1A3292-C08E-4EF5-A38E-38B48994FBC6}" type="slidenum">
               <a:rPr lang="ru-RU" smtClean="0"/>
               <a:t>‹#›</a:t>
             </a:fld>
@@ -2045,7 +2278,7 @@
     </p:spTree>
     <p:extLst>
       <p:ext uri="{BB962C8B-B14F-4D97-AF65-F5344CB8AC3E}">
-        <p14:creationId xmlns:p14="http://schemas.microsoft.com/office/powerpoint/2010/main" val="1361646604"/>
+        <p14:creationId xmlns:p14="http://schemas.microsoft.com/office/powerpoint/2010/main" val="2638655956"/>
       </p:ext>
     </p:extLst>
   </p:cSld>
@@ -2077,7 +2310,7 @@
           <p:cNvPr id="2" name="Дата 1">
             <a:extLst>
               <a:ext uri="{FF2B5EF4-FFF2-40B4-BE49-F238E27FC236}">
-                <a16:creationId xmlns:a16="http://schemas.microsoft.com/office/drawing/2014/main" id="{393F3A8B-60B7-4AA9-B4EC-6F10231306BF}"/>
+                <a16:creationId xmlns:a16="http://schemas.microsoft.com/office/drawing/2014/main" id="{0832D030-1984-45D9-8875-F16D949C611B}"/>
               </a:ext>
             </a:extLst>
           </p:cNvPr>
@@ -2088,14 +2321,22 @@
             <p:ph type="dt" sz="half" idx="10"/>
           </p:nvPr>
         </p:nvSpPr>
-        <p:spPr/>
+        <p:spPr>
+          <a:xfrm>
+            <a:off x="838200" y="6356350"/>
+            <a:ext cx="2743200" cy="365125"/>
+          </a:xfrm>
+          <a:prstGeom prst="rect">
+            <a:avLst/>
+          </a:prstGeom>
+        </p:spPr>
         <p:txBody>
           <a:bodyPr/>
           <a:lstStyle/>
           <a:p>
-            <a:fld id="{8C2B4597-0BCC-45FD-850E-31259FA2C275}" type="datetimeFigureOut">
+            <a:fld id="{DEE60733-BBEE-40D1-AC98-EA5D6950493E}" type="datetimeFigureOut">
               <a:rPr lang="ru-RU" smtClean="0"/>
-              <a:t>02.09.2020</a:t>
+              <a:t>21.11.2020</a:t>
             </a:fld>
             <a:endParaRPr lang="ru-RU"/>
           </a:p>
@@ -2106,7 +2347,7 @@
           <p:cNvPr id="3" name="Нижний колонтитул 2">
             <a:extLst>
               <a:ext uri="{FF2B5EF4-FFF2-40B4-BE49-F238E27FC236}">
-                <a16:creationId xmlns:a16="http://schemas.microsoft.com/office/drawing/2014/main" id="{A642303D-D164-441A-8A9C-400727161ACD}"/>
+                <a16:creationId xmlns:a16="http://schemas.microsoft.com/office/drawing/2014/main" id="{1FD9552E-A67F-423B-A6EA-17B7EFE86998}"/>
               </a:ext>
             </a:extLst>
           </p:cNvPr>
@@ -2117,7 +2358,15 @@
             <p:ph type="ftr" sz="quarter" idx="11"/>
           </p:nvPr>
         </p:nvSpPr>
-        <p:spPr/>
+        <p:spPr>
+          <a:xfrm>
+            <a:off x="4038600" y="6356350"/>
+            <a:ext cx="4114800" cy="365125"/>
+          </a:xfrm>
+          <a:prstGeom prst="rect">
+            <a:avLst/>
+          </a:prstGeom>
+        </p:spPr>
         <p:txBody>
           <a:bodyPr/>
           <a:lstStyle/>
@@ -2131,7 +2380,7 @@
           <p:cNvPr id="4" name="Номер слайда 3">
             <a:extLst>
               <a:ext uri="{FF2B5EF4-FFF2-40B4-BE49-F238E27FC236}">
-                <a16:creationId xmlns:a16="http://schemas.microsoft.com/office/drawing/2014/main" id="{BC645078-9104-404E-834D-23362653516E}"/>
+                <a16:creationId xmlns:a16="http://schemas.microsoft.com/office/drawing/2014/main" id="{699EF551-7D29-4DDF-AA29-C255E1FF546C}"/>
               </a:ext>
             </a:extLst>
           </p:cNvPr>
@@ -2142,12 +2391,20 @@
             <p:ph type="sldNum" sz="quarter" idx="12"/>
           </p:nvPr>
         </p:nvSpPr>
-        <p:spPr/>
+        <p:spPr>
+          <a:xfrm>
+            <a:off x="8610600" y="6356350"/>
+            <a:ext cx="2743200" cy="365125"/>
+          </a:xfrm>
+          <a:prstGeom prst="rect">
+            <a:avLst/>
+          </a:prstGeom>
+        </p:spPr>
         <p:txBody>
           <a:bodyPr/>
           <a:lstStyle/>
           <a:p>
-            <a:fld id="{5387C0A6-8D26-4A09-8181-14AEE9E9CED7}" type="slidenum">
+            <a:fld id="{5E1A3292-C08E-4EF5-A38E-38B48994FBC6}" type="slidenum">
               <a:rPr lang="ru-RU" smtClean="0"/>
               <a:t>‹#›</a:t>
             </a:fld>
@@ -2158,7 +2415,7 @@
     </p:spTree>
     <p:extLst>
       <p:ext uri="{BB962C8B-B14F-4D97-AF65-F5344CB8AC3E}">
-        <p14:creationId xmlns:p14="http://schemas.microsoft.com/office/powerpoint/2010/main" val="4166214970"/>
+        <p14:creationId xmlns:p14="http://schemas.microsoft.com/office/powerpoint/2010/main" val="2585564501"/>
       </p:ext>
     </p:extLst>
   </p:cSld>
@@ -2190,7 +2447,7 @@
           <p:cNvPr id="2" name="Заголовок 1">
             <a:extLst>
               <a:ext uri="{FF2B5EF4-FFF2-40B4-BE49-F238E27FC236}">
-                <a16:creationId xmlns:a16="http://schemas.microsoft.com/office/drawing/2014/main" id="{00002865-3AD8-4849-9F56-434BB3748A5B}"/>
+                <a16:creationId xmlns:a16="http://schemas.microsoft.com/office/drawing/2014/main" id="{60A290B2-70A1-4BAF-9061-731FD8FAD248}"/>
               </a:ext>
             </a:extLst>
           </p:cNvPr>
@@ -2227,7 +2484,7 @@
           <p:cNvPr id="3" name="Объект 2">
             <a:extLst>
               <a:ext uri="{FF2B5EF4-FFF2-40B4-BE49-F238E27FC236}">
-                <a16:creationId xmlns:a16="http://schemas.microsoft.com/office/drawing/2014/main" id="{17EF4161-F4CF-47A0-8643-15ED5E8040A7}"/>
+                <a16:creationId xmlns:a16="http://schemas.microsoft.com/office/drawing/2014/main" id="{8EB61069-74AC-4D4C-8E72-156CA206D432}"/>
               </a:ext>
             </a:extLst>
           </p:cNvPr>
@@ -2317,7 +2574,7 @@
           <p:cNvPr id="4" name="Текст 3">
             <a:extLst>
               <a:ext uri="{FF2B5EF4-FFF2-40B4-BE49-F238E27FC236}">
-                <a16:creationId xmlns:a16="http://schemas.microsoft.com/office/drawing/2014/main" id="{C805C28F-FE0C-4839-A6EF-E59C91856ACB}"/>
+                <a16:creationId xmlns:a16="http://schemas.microsoft.com/office/drawing/2014/main" id="{D70964A3-2036-4511-B66C-9769AA119F15}"/>
               </a:ext>
             </a:extLst>
           </p:cNvPr>
@@ -2388,7 +2645,7 @@
           <p:cNvPr id="5" name="Дата 4">
             <a:extLst>
               <a:ext uri="{FF2B5EF4-FFF2-40B4-BE49-F238E27FC236}">
-                <a16:creationId xmlns:a16="http://schemas.microsoft.com/office/drawing/2014/main" id="{43BDB173-4C6E-43C7-8876-1E481FCAA403}"/>
+                <a16:creationId xmlns:a16="http://schemas.microsoft.com/office/drawing/2014/main" id="{719ADBE0-5DD5-4DBE-BBD2-5B1C81D3F776}"/>
               </a:ext>
             </a:extLst>
           </p:cNvPr>
@@ -2399,14 +2656,22 @@
             <p:ph type="dt" sz="half" idx="10"/>
           </p:nvPr>
         </p:nvSpPr>
-        <p:spPr/>
+        <p:spPr>
+          <a:xfrm>
+            <a:off x="838200" y="6356350"/>
+            <a:ext cx="2743200" cy="365125"/>
+          </a:xfrm>
+          <a:prstGeom prst="rect">
+            <a:avLst/>
+          </a:prstGeom>
+        </p:spPr>
         <p:txBody>
           <a:bodyPr/>
           <a:lstStyle/>
           <a:p>
-            <a:fld id="{8C2B4597-0BCC-45FD-850E-31259FA2C275}" type="datetimeFigureOut">
+            <a:fld id="{DEE60733-BBEE-40D1-AC98-EA5D6950493E}" type="datetimeFigureOut">
               <a:rPr lang="ru-RU" smtClean="0"/>
-              <a:t>02.09.2020</a:t>
+              <a:t>21.11.2020</a:t>
             </a:fld>
             <a:endParaRPr lang="ru-RU"/>
           </a:p>
@@ -2417,7 +2682,7 @@
           <p:cNvPr id="6" name="Нижний колонтитул 5">
             <a:extLst>
               <a:ext uri="{FF2B5EF4-FFF2-40B4-BE49-F238E27FC236}">
-                <a16:creationId xmlns:a16="http://schemas.microsoft.com/office/drawing/2014/main" id="{E8532E00-41E6-45B7-9725-8AE1DCA4F493}"/>
+                <a16:creationId xmlns:a16="http://schemas.microsoft.com/office/drawing/2014/main" id="{AA96C7C0-6408-4F5A-A268-F8CF3EFB2D6C}"/>
               </a:ext>
             </a:extLst>
           </p:cNvPr>
@@ -2428,7 +2693,15 @@
             <p:ph type="ftr" sz="quarter" idx="11"/>
           </p:nvPr>
         </p:nvSpPr>
-        <p:spPr/>
+        <p:spPr>
+          <a:xfrm>
+            <a:off x="4038600" y="6356350"/>
+            <a:ext cx="4114800" cy="365125"/>
+          </a:xfrm>
+          <a:prstGeom prst="rect">
+            <a:avLst/>
+          </a:prstGeom>
+        </p:spPr>
         <p:txBody>
           <a:bodyPr/>
           <a:lstStyle/>
@@ -2442,7 +2715,7 @@
           <p:cNvPr id="7" name="Номер слайда 6">
             <a:extLst>
               <a:ext uri="{FF2B5EF4-FFF2-40B4-BE49-F238E27FC236}">
-                <a16:creationId xmlns:a16="http://schemas.microsoft.com/office/drawing/2014/main" id="{29DC6396-C936-41A3-95A6-A025AF024688}"/>
+                <a16:creationId xmlns:a16="http://schemas.microsoft.com/office/drawing/2014/main" id="{F3558C6A-8E48-48BF-BA90-662ADB2D19F4}"/>
               </a:ext>
             </a:extLst>
           </p:cNvPr>
@@ -2453,12 +2726,20 @@
             <p:ph type="sldNum" sz="quarter" idx="12"/>
           </p:nvPr>
         </p:nvSpPr>
-        <p:spPr/>
+        <p:spPr>
+          <a:xfrm>
+            <a:off x="8610600" y="6356350"/>
+            <a:ext cx="2743200" cy="365125"/>
+          </a:xfrm>
+          <a:prstGeom prst="rect">
+            <a:avLst/>
+          </a:prstGeom>
+        </p:spPr>
         <p:txBody>
           <a:bodyPr/>
           <a:lstStyle/>
           <a:p>
-            <a:fld id="{5387C0A6-8D26-4A09-8181-14AEE9E9CED7}" type="slidenum">
+            <a:fld id="{5E1A3292-C08E-4EF5-A38E-38B48994FBC6}" type="slidenum">
               <a:rPr lang="ru-RU" smtClean="0"/>
               <a:t>‹#›</a:t>
             </a:fld>
@@ -2469,7 +2750,7 @@
     </p:spTree>
     <p:extLst>
       <p:ext uri="{BB962C8B-B14F-4D97-AF65-F5344CB8AC3E}">
-        <p14:creationId xmlns:p14="http://schemas.microsoft.com/office/powerpoint/2010/main" val="2115273515"/>
+        <p14:creationId xmlns:p14="http://schemas.microsoft.com/office/powerpoint/2010/main" val="1253975575"/>
       </p:ext>
     </p:extLst>
   </p:cSld>
@@ -2501,7 +2782,7 @@
           <p:cNvPr id="2" name="Заголовок 1">
             <a:extLst>
               <a:ext uri="{FF2B5EF4-FFF2-40B4-BE49-F238E27FC236}">
-                <a16:creationId xmlns:a16="http://schemas.microsoft.com/office/drawing/2014/main" id="{2E246A4F-EC3C-4838-8556-7A32F7C594B3}"/>
+                <a16:creationId xmlns:a16="http://schemas.microsoft.com/office/drawing/2014/main" id="{A4676996-B9E0-41C0-B450-4FF7D9FD3BF2}"/>
               </a:ext>
             </a:extLst>
           </p:cNvPr>
@@ -2538,7 +2819,7 @@
           <p:cNvPr id="3" name="Рисунок 2">
             <a:extLst>
               <a:ext uri="{FF2B5EF4-FFF2-40B4-BE49-F238E27FC236}">
-                <a16:creationId xmlns:a16="http://schemas.microsoft.com/office/drawing/2014/main" id="{7D776803-884B-4E8F-8911-AE5AE7B6E52B}"/>
+                <a16:creationId xmlns:a16="http://schemas.microsoft.com/office/drawing/2014/main" id="{67513C3E-9916-421E-AB79-2BA442FF9EE3}"/>
               </a:ext>
             </a:extLst>
           </p:cNvPr>
@@ -2605,7 +2886,7 @@
           <p:cNvPr id="4" name="Текст 3">
             <a:extLst>
               <a:ext uri="{FF2B5EF4-FFF2-40B4-BE49-F238E27FC236}">
-                <a16:creationId xmlns:a16="http://schemas.microsoft.com/office/drawing/2014/main" id="{81F63868-8C4A-4D39-B756-4B09708489EC}"/>
+                <a16:creationId xmlns:a16="http://schemas.microsoft.com/office/drawing/2014/main" id="{42452C2E-0103-4E35-840C-79F818173577}"/>
               </a:ext>
             </a:extLst>
           </p:cNvPr>
@@ -2676,7 +2957,7 @@
           <p:cNvPr id="5" name="Дата 4">
             <a:extLst>
               <a:ext uri="{FF2B5EF4-FFF2-40B4-BE49-F238E27FC236}">
-                <a16:creationId xmlns:a16="http://schemas.microsoft.com/office/drawing/2014/main" id="{3BAAF51B-9105-4597-A413-ADA23972DB99}"/>
+                <a16:creationId xmlns:a16="http://schemas.microsoft.com/office/drawing/2014/main" id="{CD0B6720-5BBA-47BB-B835-61B12E420201}"/>
               </a:ext>
             </a:extLst>
           </p:cNvPr>
@@ -2687,14 +2968,22 @@
             <p:ph type="dt" sz="half" idx="10"/>
           </p:nvPr>
         </p:nvSpPr>
-        <p:spPr/>
+        <p:spPr>
+          <a:xfrm>
+            <a:off x="838200" y="6356350"/>
+            <a:ext cx="2743200" cy="365125"/>
+          </a:xfrm>
+          <a:prstGeom prst="rect">
+            <a:avLst/>
+          </a:prstGeom>
+        </p:spPr>
         <p:txBody>
           <a:bodyPr/>
           <a:lstStyle/>
           <a:p>
-            <a:fld id="{8C2B4597-0BCC-45FD-850E-31259FA2C275}" type="datetimeFigureOut">
+            <a:fld id="{DEE60733-BBEE-40D1-AC98-EA5D6950493E}" type="datetimeFigureOut">
               <a:rPr lang="ru-RU" smtClean="0"/>
-              <a:t>02.09.2020</a:t>
+              <a:t>21.11.2020</a:t>
             </a:fld>
             <a:endParaRPr lang="ru-RU"/>
           </a:p>
@@ -2705,7 +2994,7 @@
           <p:cNvPr id="6" name="Нижний колонтитул 5">
             <a:extLst>
               <a:ext uri="{FF2B5EF4-FFF2-40B4-BE49-F238E27FC236}">
-                <a16:creationId xmlns:a16="http://schemas.microsoft.com/office/drawing/2014/main" id="{0E08976E-78AC-4685-A27D-7DBA03B67A17}"/>
+                <a16:creationId xmlns:a16="http://schemas.microsoft.com/office/drawing/2014/main" id="{93A6F1D2-000F-4C12-B70E-9AFC2EA22A1A}"/>
               </a:ext>
             </a:extLst>
           </p:cNvPr>
@@ -2716,7 +3005,15 @@
             <p:ph type="ftr" sz="quarter" idx="11"/>
           </p:nvPr>
         </p:nvSpPr>
-        <p:spPr/>
+        <p:spPr>
+          <a:xfrm>
+            <a:off x="4038600" y="6356350"/>
+            <a:ext cx="4114800" cy="365125"/>
+          </a:xfrm>
+          <a:prstGeom prst="rect">
+            <a:avLst/>
+          </a:prstGeom>
+        </p:spPr>
         <p:txBody>
           <a:bodyPr/>
           <a:lstStyle/>
@@ -2730,7 +3027,7 @@
           <p:cNvPr id="7" name="Номер слайда 6">
             <a:extLst>
               <a:ext uri="{FF2B5EF4-FFF2-40B4-BE49-F238E27FC236}">
-                <a16:creationId xmlns:a16="http://schemas.microsoft.com/office/drawing/2014/main" id="{13A965CE-89DA-4F36-9C86-31386F4FD6CF}"/>
+                <a16:creationId xmlns:a16="http://schemas.microsoft.com/office/drawing/2014/main" id="{CD38FC68-8F89-4B00-B42C-8D187F7D0701}"/>
               </a:ext>
             </a:extLst>
           </p:cNvPr>
@@ -2741,12 +3038,20 @@
             <p:ph type="sldNum" sz="quarter" idx="12"/>
           </p:nvPr>
         </p:nvSpPr>
-        <p:spPr/>
+        <p:spPr>
+          <a:xfrm>
+            <a:off x="8610600" y="6356350"/>
+            <a:ext cx="2743200" cy="365125"/>
+          </a:xfrm>
+          <a:prstGeom prst="rect">
+            <a:avLst/>
+          </a:prstGeom>
+        </p:spPr>
         <p:txBody>
           <a:bodyPr/>
           <a:lstStyle/>
           <a:p>
-            <a:fld id="{5387C0A6-8D26-4A09-8181-14AEE9E9CED7}" type="slidenum">
+            <a:fld id="{5E1A3292-C08E-4EF5-A38E-38B48994FBC6}" type="slidenum">
               <a:rPr lang="ru-RU" smtClean="0"/>
               <a:t>‹#›</a:t>
             </a:fld>
@@ -2757,7 +3062,7 @@
     </p:spTree>
     <p:extLst>
       <p:ext uri="{BB962C8B-B14F-4D97-AF65-F5344CB8AC3E}">
-        <p14:creationId xmlns:p14="http://schemas.microsoft.com/office/powerpoint/2010/main" val="3162282539"/>
+        <p14:creationId xmlns:p14="http://schemas.microsoft.com/office/powerpoint/2010/main" val="332279864"/>
       </p:ext>
     </p:extLst>
   </p:cSld>
@@ -2791,28 +3096,80 @@
       </p:grpSpPr>
       <p:sp>
         <p:nvSpPr>
-          <p:cNvPr id="2" name="Заголовок 1">
-            <a:extLst>
-              <a:ext uri="{FF2B5EF4-FFF2-40B4-BE49-F238E27FC236}">
-                <a16:creationId xmlns:a16="http://schemas.microsoft.com/office/drawing/2014/main" id="{7818B60B-7BEB-4A99-BAA6-389F975695F3}"/>
-              </a:ext>
-            </a:extLst>
-          </p:cNvPr>
-          <p:cNvSpPr>
-            <a:spLocks noGrp="1"/>
-          </p:cNvSpPr>
-          <p:nvPr>
-            <p:ph type="title"/>
-          </p:nvPr>
-        </p:nvSpPr>
-        <p:spPr>
-          <a:xfrm>
-            <a:off x="838200" y="365125"/>
-            <a:ext cx="10515600" cy="1325563"/>
+          <p:cNvPr id="7" name="Прямоугольник 6">
+            <a:extLst>
+              <a:ext uri="{FF2B5EF4-FFF2-40B4-BE49-F238E27FC236}">
+                <a16:creationId xmlns:a16="http://schemas.microsoft.com/office/drawing/2014/main" id="{E436E947-69B9-4292-B651-A5D4BC80573D}"/>
+              </a:ext>
+            </a:extLst>
+          </p:cNvPr>
+          <p:cNvSpPr/>
+          <p:nvPr userDrawn="1"/>
+        </p:nvSpPr>
+        <p:spPr>
+          <a:xfrm rot="20413561">
+            <a:off x="-791175" y="-1143373"/>
+            <a:ext cx="8145659" cy="2457445"/>
           </a:xfrm>
           <a:prstGeom prst="rect">
             <a:avLst/>
           </a:prstGeom>
+          <a:solidFill>
+            <a:srgbClr val="FEC811"/>
+          </a:solidFill>
+          <a:ln>
+            <a:noFill/>
+          </a:ln>
+        </p:spPr>
+        <p:style>
+          <a:lnRef idx="2">
+            <a:schemeClr val="accent1">
+              <a:shade val="50000"/>
+            </a:schemeClr>
+          </a:lnRef>
+          <a:fillRef idx="1">
+            <a:schemeClr val="accent1"/>
+          </a:fillRef>
+          <a:effectRef idx="0">
+            <a:schemeClr val="accent1"/>
+          </a:effectRef>
+          <a:fontRef idx="minor">
+            <a:schemeClr val="lt1"/>
+          </a:fontRef>
+        </p:style>
+        <p:txBody>
+          <a:bodyPr rtlCol="0" anchor="ctr"/>
+          <a:lstStyle/>
+          <a:p>
+            <a:pPr algn="ctr"/>
+            <a:endParaRPr lang="ru-RU" dirty="0"/>
+          </a:p>
+        </p:txBody>
+      </p:sp>
+      <p:sp>
+        <p:nvSpPr>
+          <p:cNvPr id="2" name="Заголовок 1">
+            <a:extLst>
+              <a:ext uri="{FF2B5EF4-FFF2-40B4-BE49-F238E27FC236}">
+                <a16:creationId xmlns:a16="http://schemas.microsoft.com/office/drawing/2014/main" id="{F543AE53-1732-4BDF-8A06-80DF26966B5F}"/>
+              </a:ext>
+            </a:extLst>
+          </p:cNvPr>
+          <p:cNvSpPr>
+            <a:spLocks noGrp="1"/>
+          </p:cNvSpPr>
+          <p:nvPr>
+            <p:ph type="title"/>
+          </p:nvPr>
+        </p:nvSpPr>
+        <p:spPr>
+          <a:xfrm>
+            <a:off x="838200" y="365125"/>
+            <a:ext cx="10515600" cy="1325563"/>
+          </a:xfrm>
+          <a:prstGeom prst="rect">
+            <a:avLst/>
+          </a:prstGeom>
         </p:spPr>
         <p:txBody>
           <a:bodyPr vert="horz" lIns="91440" tIns="45720" rIns="91440" bIns="45720" rtlCol="0" anchor="ctr">
@@ -2821,7 +3178,7 @@
           <a:lstStyle/>
           <a:p>
             <a:r>
-              <a:rPr lang="ru-RU"/>
+              <a:rPr lang="ru-RU" dirty="0"/>
               <a:t>Образец заголовка</a:t>
             </a:r>
           </a:p>
@@ -2832,7 +3189,7 @@
           <p:cNvPr id="3" name="Текст 2">
             <a:extLst>
               <a:ext uri="{FF2B5EF4-FFF2-40B4-BE49-F238E27FC236}">
-                <a16:creationId xmlns:a16="http://schemas.microsoft.com/office/drawing/2014/main" id="{6A11FCFF-8D0B-46D0-8EF6-82D06C623C7B}"/>
+                <a16:creationId xmlns:a16="http://schemas.microsoft.com/office/drawing/2014/main" id="{D54C4065-E51A-4866-80BC-A1587B3708E4}"/>
               </a:ext>
             </a:extLst>
           </p:cNvPr>
@@ -2860,35 +3217,35 @@
           <a:p>
             <a:pPr lvl="0"/>
             <a:r>
-              <a:rPr lang="ru-RU"/>
+              <a:rPr lang="ru-RU" dirty="0"/>
               <a:t>Образец текста</a:t>
             </a:r>
           </a:p>
           <a:p>
             <a:pPr lvl="1"/>
             <a:r>
-              <a:rPr lang="ru-RU"/>
+              <a:rPr lang="ru-RU" dirty="0"/>
               <a:t>Второй уровень</a:t>
             </a:r>
           </a:p>
           <a:p>
             <a:pPr lvl="2"/>
             <a:r>
-              <a:rPr lang="ru-RU"/>
+              <a:rPr lang="ru-RU" dirty="0"/>
               <a:t>Третий уровень</a:t>
             </a:r>
           </a:p>
           <a:p>
             <a:pPr lvl="3"/>
             <a:r>
-              <a:rPr lang="ru-RU"/>
+              <a:rPr lang="ru-RU" dirty="0"/>
               <a:t>Четвертый уровень</a:t>
             </a:r>
           </a:p>
           <a:p>
             <a:pPr lvl="4"/>
             <a:r>
-              <a:rPr lang="ru-RU"/>
+              <a:rPr lang="ru-RU" dirty="0"/>
               <a:t>Пятый уровень</a:t>
             </a:r>
           </a:p>
@@ -2896,145 +3253,60 @@
       </p:sp>
       <p:sp>
         <p:nvSpPr>
-          <p:cNvPr id="4" name="Дата 3">
-            <a:extLst>
-              <a:ext uri="{FF2B5EF4-FFF2-40B4-BE49-F238E27FC236}">
-                <a16:creationId xmlns:a16="http://schemas.microsoft.com/office/drawing/2014/main" id="{4FEA9ACA-F8B4-4CCE-A2C8-92B5DA437FE8}"/>
-              </a:ext>
-            </a:extLst>
-          </p:cNvPr>
-          <p:cNvSpPr>
-            <a:spLocks noGrp="1"/>
-          </p:cNvSpPr>
-          <p:nvPr>
-            <p:ph type="dt" sz="half" idx="2"/>
-          </p:nvPr>
-        </p:nvSpPr>
-        <p:spPr>
-          <a:xfrm>
-            <a:off x="838200" y="6356350"/>
-            <a:ext cx="2743200" cy="365125"/>
+          <p:cNvPr id="8" name="Прямоугольник 7">
+            <a:extLst>
+              <a:ext uri="{FF2B5EF4-FFF2-40B4-BE49-F238E27FC236}">
+                <a16:creationId xmlns:a16="http://schemas.microsoft.com/office/drawing/2014/main" id="{DF7F18B3-C869-4445-91EB-92B56836D7AD}"/>
+              </a:ext>
+            </a:extLst>
+          </p:cNvPr>
+          <p:cNvSpPr/>
+          <p:nvPr userDrawn="1"/>
+        </p:nvSpPr>
+        <p:spPr>
+          <a:xfrm rot="3669874">
+            <a:off x="8874991" y="7238625"/>
+            <a:ext cx="8145659" cy="2457445"/>
           </a:xfrm>
           <a:prstGeom prst="rect">
             <a:avLst/>
           </a:prstGeom>
-        </p:spPr>
-        <p:txBody>
-          <a:bodyPr vert="horz" lIns="91440" tIns="45720" rIns="91440" bIns="45720" rtlCol="0" anchor="ctr"/>
-          <a:lstStyle>
-            <a:lvl1pPr algn="l">
-              <a:defRPr sz="1200">
-                <a:solidFill>
-                  <a:schemeClr val="tx1">
-                    <a:tint val="75000"/>
-                  </a:schemeClr>
-                </a:solidFill>
-              </a:defRPr>
-            </a:lvl1pPr>
-          </a:lstStyle>
-          <a:p>
-            <a:fld id="{8C2B4597-0BCC-45FD-850E-31259FA2C275}" type="datetimeFigureOut">
-              <a:rPr lang="ru-RU" smtClean="0"/>
-              <a:t>02.09.2020</a:t>
-            </a:fld>
-            <a:endParaRPr lang="ru-RU"/>
-          </a:p>
-        </p:txBody>
-      </p:sp>
-      <p:sp>
-        <p:nvSpPr>
-          <p:cNvPr id="5" name="Нижний колонтитул 4">
-            <a:extLst>
-              <a:ext uri="{FF2B5EF4-FFF2-40B4-BE49-F238E27FC236}">
-                <a16:creationId xmlns:a16="http://schemas.microsoft.com/office/drawing/2014/main" id="{6F226591-304A-4F4C-9E2D-18A6E07B821F}"/>
-              </a:ext>
-            </a:extLst>
-          </p:cNvPr>
-          <p:cNvSpPr>
-            <a:spLocks noGrp="1"/>
-          </p:cNvSpPr>
-          <p:nvPr>
-            <p:ph type="ftr" sz="quarter" idx="3"/>
-          </p:nvPr>
-        </p:nvSpPr>
-        <p:spPr>
-          <a:xfrm>
-            <a:off x="4038600" y="6356350"/>
-            <a:ext cx="4114800" cy="365125"/>
-          </a:xfrm>
-          <a:prstGeom prst="rect">
-            <a:avLst/>
-          </a:prstGeom>
-        </p:spPr>
-        <p:txBody>
-          <a:bodyPr vert="horz" lIns="91440" tIns="45720" rIns="91440" bIns="45720" rtlCol="0" anchor="ctr"/>
-          <a:lstStyle>
-            <a:lvl1pPr algn="ctr">
-              <a:defRPr sz="1200">
-                <a:solidFill>
-                  <a:schemeClr val="tx1">
-                    <a:tint val="75000"/>
-                  </a:schemeClr>
-                </a:solidFill>
-              </a:defRPr>
-            </a:lvl1pPr>
-          </a:lstStyle>
-          <a:p>
-            <a:endParaRPr lang="ru-RU"/>
-          </a:p>
-        </p:txBody>
-      </p:sp>
-      <p:sp>
-        <p:nvSpPr>
-          <p:cNvPr id="6" name="Номер слайда 5">
-            <a:extLst>
-              <a:ext uri="{FF2B5EF4-FFF2-40B4-BE49-F238E27FC236}">
-                <a16:creationId xmlns:a16="http://schemas.microsoft.com/office/drawing/2014/main" id="{3B0DC1C8-69D9-4A0E-96C4-BADD11617E7E}"/>
-              </a:ext>
-            </a:extLst>
-          </p:cNvPr>
-          <p:cNvSpPr>
-            <a:spLocks noGrp="1"/>
-          </p:cNvSpPr>
-          <p:nvPr>
-            <p:ph type="sldNum" sz="quarter" idx="4"/>
-          </p:nvPr>
-        </p:nvSpPr>
-        <p:spPr>
-          <a:xfrm>
-            <a:off x="8610600" y="6356350"/>
-            <a:ext cx="2743200" cy="365125"/>
-          </a:xfrm>
-          <a:prstGeom prst="rect">
-            <a:avLst/>
-          </a:prstGeom>
-        </p:spPr>
-        <p:txBody>
-          <a:bodyPr vert="horz" lIns="91440" tIns="45720" rIns="91440" bIns="45720" rtlCol="0" anchor="ctr"/>
-          <a:lstStyle>
-            <a:lvl1pPr algn="r">
-              <a:defRPr sz="1200">
-                <a:solidFill>
-                  <a:schemeClr val="tx1">
-                    <a:tint val="75000"/>
-                  </a:schemeClr>
-                </a:solidFill>
-              </a:defRPr>
-            </a:lvl1pPr>
-          </a:lstStyle>
-          <a:p>
-            <a:fld id="{5387C0A6-8D26-4A09-8181-14AEE9E9CED7}" type="slidenum">
-              <a:rPr lang="ru-RU" smtClean="0"/>
-              <a:t>‹#›</a:t>
-            </a:fld>
-            <a:endParaRPr lang="ru-RU"/>
+          <a:solidFill>
+            <a:srgbClr val="FEC811"/>
+          </a:solidFill>
+          <a:ln>
+            <a:noFill/>
+          </a:ln>
+        </p:spPr>
+        <p:style>
+          <a:lnRef idx="2">
+            <a:schemeClr val="accent1">
+              <a:shade val="50000"/>
+            </a:schemeClr>
+          </a:lnRef>
+          <a:fillRef idx="1">
+            <a:schemeClr val="accent1"/>
+          </a:fillRef>
+          <a:effectRef idx="0">
+            <a:schemeClr val="accent1"/>
+          </a:effectRef>
+          <a:fontRef idx="minor">
+            <a:schemeClr val="lt1"/>
+          </a:fontRef>
+        </p:style>
+        <p:txBody>
+          <a:bodyPr rtlCol="0" anchor="ctr"/>
+          <a:lstStyle/>
+          <a:p>
+            <a:pPr algn="ctr"/>
+            <a:endParaRPr lang="ru-RU" dirty="0"/>
           </a:p>
         </p:txBody>
       </p:sp>
     </p:spTree>
     <p:extLst>
       <p:ext uri="{BB962C8B-B14F-4D97-AF65-F5344CB8AC3E}">
-        <p14:creationId xmlns:p14="http://schemas.microsoft.com/office/powerpoint/2010/main" val="1162890695"/>
+        <p14:creationId xmlns:p14="http://schemas.microsoft.com/office/powerpoint/2010/main" val="1858149618"/>
       </p:ext>
     </p:extLst>
   </p:cSld>
@@ -3062,12 +3334,12 @@
           <a:spcPct val="0"/>
         </a:spcBef>
         <a:buNone/>
-        <a:defRPr sz="4400" kern="1200">
+        <a:defRPr sz="6000" b="1" kern="1200">
           <a:solidFill>
             <a:schemeClr val="tx1"/>
           </a:solidFill>
-          <a:latin typeface="+mj-lt"/>
-          <a:ea typeface="+mj-ea"/>
+          <a:latin typeface="Golos Text VF" pitchFamily="2" charset="0"/>
+          <a:ea typeface="Golos Text VF" pitchFamily="2" charset="0"/>
           <a:cs typeface="+mj-cs"/>
         </a:defRPr>
       </a:lvl1pPr>
@@ -3082,12 +3354,12 @@
         </a:spcBef>
         <a:buFont typeface="Arial" panose="020B0604020202020204" pitchFamily="34" charset="0"/>
         <a:buChar char="•"/>
-        <a:defRPr sz="2800" kern="1200">
+        <a:defRPr sz="2800" b="0" kern="1200">
           <a:solidFill>
             <a:schemeClr val="tx1"/>
           </a:solidFill>
-          <a:latin typeface="+mn-lt"/>
-          <a:ea typeface="+mn-ea"/>
+          <a:latin typeface="PT Serif Caption" panose="02060603050505020204" pitchFamily="18" charset="-52"/>
+          <a:ea typeface="PT Serif Caption" panose="02060603050505020204" pitchFamily="18" charset="-52"/>
           <a:cs typeface="+mn-cs"/>
         </a:defRPr>
       </a:lvl1pPr>
@@ -3104,8 +3376,8 @@
           <a:solidFill>
             <a:schemeClr val="tx1"/>
           </a:solidFill>
-          <a:latin typeface="+mn-lt"/>
-          <a:ea typeface="+mn-ea"/>
+          <a:latin typeface="PT Serif" panose="020A0603040505020204" pitchFamily="18" charset="-52"/>
+          <a:ea typeface="PT Serif" panose="020A0603040505020204" pitchFamily="18" charset="-52"/>
           <a:cs typeface="+mn-cs"/>
         </a:defRPr>
       </a:lvl2pPr>
@@ -3122,8 +3394,8 @@
           <a:solidFill>
             <a:schemeClr val="tx1"/>
           </a:solidFill>
-          <a:latin typeface="+mn-lt"/>
-          <a:ea typeface="+mn-ea"/>
+          <a:latin typeface="PT Serif" panose="020A0603040505020204" pitchFamily="18" charset="-52"/>
+          <a:ea typeface="PT Serif" panose="020A0603040505020204" pitchFamily="18" charset="-52"/>
           <a:cs typeface="+mn-cs"/>
         </a:defRPr>
       </a:lvl3pPr>
@@ -3140,8 +3412,8 @@
           <a:solidFill>
             <a:schemeClr val="tx1"/>
           </a:solidFill>
-          <a:latin typeface="+mn-lt"/>
-          <a:ea typeface="+mn-ea"/>
+          <a:latin typeface="PT Serif" panose="020A0603040505020204" pitchFamily="18" charset="-52"/>
+          <a:ea typeface="PT Serif" panose="020A0603040505020204" pitchFamily="18" charset="-52"/>
           <a:cs typeface="+mn-cs"/>
         </a:defRPr>
       </a:lvl4pPr>
@@ -3158,8 +3430,8 @@
           <a:solidFill>
             <a:schemeClr val="tx1"/>
           </a:solidFill>
-          <a:latin typeface="+mn-lt"/>
-          <a:ea typeface="+mn-ea"/>
+          <a:latin typeface="PT Serif" panose="020A0603040505020204" pitchFamily="18" charset="-52"/>
+          <a:ea typeface="PT Serif" panose="020A0603040505020204" pitchFamily="18" charset="-52"/>
           <a:cs typeface="+mn-cs"/>
         </a:defRPr>
       </a:lvl5pPr>
@@ -3352,10 +3624,109 @@
           <a:chExt cx="0" cy="0"/>
         </a:xfrm>
       </p:grpSpPr>
+      <p:sp>
+        <p:nvSpPr>
+          <p:cNvPr id="2" name="Заголовок 1">
+            <a:extLst>
+              <a:ext uri="{FF2B5EF4-FFF2-40B4-BE49-F238E27FC236}">
+                <a16:creationId xmlns:a16="http://schemas.microsoft.com/office/drawing/2014/main" id="{86F2FA8F-30E8-4AD1-9002-44DC22ED4B16}"/>
+              </a:ext>
+            </a:extLst>
+          </p:cNvPr>
+          <p:cNvSpPr>
+            <a:spLocks noGrp="1"/>
+          </p:cNvSpPr>
+          <p:nvPr>
+            <p:ph type="title"/>
+          </p:nvPr>
+        </p:nvSpPr>
+        <p:spPr/>
+        <p:txBody>
+          <a:bodyPr/>
+          <a:lstStyle/>
+          <a:p>
+            <a:endParaRPr lang="ru-RU"/>
+          </a:p>
+        </p:txBody>
+      </p:sp>
+      <p:sp>
+        <p:nvSpPr>
+          <p:cNvPr id="3" name="Объект 2">
+            <a:extLst>
+              <a:ext uri="{FF2B5EF4-FFF2-40B4-BE49-F238E27FC236}">
+                <a16:creationId xmlns:a16="http://schemas.microsoft.com/office/drawing/2014/main" id="{AA239356-F0C1-411B-89F7-3105A37C906E}"/>
+              </a:ext>
+            </a:extLst>
+          </p:cNvPr>
+          <p:cNvSpPr>
+            <a:spLocks noGrp="1"/>
+          </p:cNvSpPr>
+          <p:nvPr>
+            <p:ph idx="1"/>
+          </p:nvPr>
+        </p:nvSpPr>
+        <p:spPr/>
+        <p:txBody>
+          <a:bodyPr/>
+          <a:lstStyle/>
+          <a:p>
+            <a:endParaRPr lang="ru-RU"/>
+          </a:p>
+        </p:txBody>
+      </p:sp>
+      <p:sp>
+        <p:nvSpPr>
+          <p:cNvPr id="4" name="Прямоугольник 3">
+            <a:extLst>
+              <a:ext uri="{FF2B5EF4-FFF2-40B4-BE49-F238E27FC236}">
+                <a16:creationId xmlns:a16="http://schemas.microsoft.com/office/drawing/2014/main" id="{BF67ED4F-6D99-4E83-93E0-AD8917C19D68}"/>
+              </a:ext>
+            </a:extLst>
+          </p:cNvPr>
+          <p:cNvSpPr/>
+          <p:nvPr/>
+        </p:nvSpPr>
+        <p:spPr>
+          <a:xfrm>
+            <a:off x="-100584" y="-137160"/>
+            <a:ext cx="12454128" cy="7068312"/>
+          </a:xfrm>
+          <a:prstGeom prst="rect">
+            <a:avLst/>
+          </a:prstGeom>
+          <a:solidFill>
+            <a:schemeClr val="bg1"/>
+          </a:solidFill>
+        </p:spPr>
+        <p:style>
+          <a:lnRef idx="2">
+            <a:schemeClr val="accent1">
+              <a:shade val="50000"/>
+            </a:schemeClr>
+          </a:lnRef>
+          <a:fillRef idx="1">
+            <a:schemeClr val="accent1"/>
+          </a:fillRef>
+          <a:effectRef idx="0">
+            <a:schemeClr val="accent1"/>
+          </a:effectRef>
+          <a:fontRef idx="minor">
+            <a:schemeClr val="lt1"/>
+          </a:fontRef>
+        </p:style>
+        <p:txBody>
+          <a:bodyPr rtlCol="0" anchor="ctr"/>
+          <a:lstStyle/>
+          <a:p>
+            <a:pPr algn="ctr"/>
+            <a:endParaRPr lang="ru-RU"/>
+          </a:p>
+        </p:txBody>
+      </p:sp>
     </p:spTree>
     <p:extLst>
       <p:ext uri="{BB962C8B-B14F-4D97-AF65-F5344CB8AC3E}">
-        <p14:creationId xmlns:p14="http://schemas.microsoft.com/office/powerpoint/2010/main" val="13843316"/>
+        <p14:creationId xmlns:p14="http://schemas.microsoft.com/office/powerpoint/2010/main" val="571985520"/>
       </p:ext>
     </p:extLst>
   </p:cSld>
@@ -3382,40 +3753,176 @@
           <a:chExt cx="0" cy="0"/>
         </a:xfrm>
       </p:grpSpPr>
-      <p:pic>
-        <p:nvPicPr>
-          <p:cNvPr id="4" name="Рисунок 3">
-            <a:extLst>
-              <a:ext uri="{FF2B5EF4-FFF2-40B4-BE49-F238E27FC236}">
-                <a16:creationId xmlns:a16="http://schemas.microsoft.com/office/drawing/2014/main" id="{208FF931-600B-40C3-BC2F-1AF3F78C6E7F}"/>
-              </a:ext>
-            </a:extLst>
-          </p:cNvPr>
-          <p:cNvPicPr>
-            <a:picLocks noChangeAspect="1"/>
-          </p:cNvPicPr>
-          <p:nvPr/>
-        </p:nvPicPr>
-        <p:blipFill>
-          <a:blip r:embed="rId2"/>
-          <a:stretch>
-            <a:fillRect/>
-          </a:stretch>
-        </p:blipFill>
-        <p:spPr>
-          <a:xfrm>
-            <a:off x="0" y="480881"/>
-            <a:ext cx="12192000" cy="5896237"/>
-          </a:xfrm>
-          <a:prstGeom prst="rect">
-            <a:avLst/>
-          </a:prstGeom>
-        </p:spPr>
-      </p:pic>
+      <p:sp>
+        <p:nvSpPr>
+          <p:cNvPr id="2" name="Заголовок 1">
+            <a:extLst>
+              <a:ext uri="{FF2B5EF4-FFF2-40B4-BE49-F238E27FC236}">
+                <a16:creationId xmlns:a16="http://schemas.microsoft.com/office/drawing/2014/main" id="{1FDD066F-7749-495E-85C8-6C9665D25A87}"/>
+              </a:ext>
+            </a:extLst>
+          </p:cNvPr>
+          <p:cNvSpPr>
+            <a:spLocks noGrp="1"/>
+          </p:cNvSpPr>
+          <p:nvPr>
+            <p:ph type="title"/>
+          </p:nvPr>
+        </p:nvSpPr>
+        <p:spPr/>
+        <p:txBody>
+          <a:bodyPr/>
+          <a:lstStyle/>
+          <a:p>
+            <a:r>
+              <a:rPr lang="ru-RU" dirty="0"/>
+              <a:t>Что будет дальше</a:t>
+            </a:r>
+          </a:p>
+        </p:txBody>
+      </p:sp>
+      <p:sp>
+        <p:nvSpPr>
+          <p:cNvPr id="3" name="Объект 2">
+            <a:extLst>
+              <a:ext uri="{FF2B5EF4-FFF2-40B4-BE49-F238E27FC236}">
+                <a16:creationId xmlns:a16="http://schemas.microsoft.com/office/drawing/2014/main" id="{1094C920-441D-451C-B7E1-C7EE0D5608CC}"/>
+              </a:ext>
+            </a:extLst>
+          </p:cNvPr>
+          <p:cNvSpPr>
+            <a:spLocks noGrp="1"/>
+          </p:cNvSpPr>
+          <p:nvPr>
+            <p:ph idx="1"/>
+          </p:nvPr>
+        </p:nvSpPr>
+        <p:spPr>
+          <a:xfrm>
+            <a:off x="838200" y="1930133"/>
+            <a:ext cx="10515600" cy="5032376"/>
+          </a:xfrm>
+        </p:spPr>
+        <p:txBody>
+          <a:bodyPr>
+            <a:normAutofit/>
+          </a:bodyPr>
+          <a:lstStyle/>
+          <a:p>
+            <a:pPr marL="0" indent="0">
+              <a:lnSpc>
+                <a:spcPct val="100000"/>
+              </a:lnSpc>
+              <a:spcBef>
+                <a:spcPts val="1800"/>
+              </a:spcBef>
+              <a:buNone/>
+            </a:pPr>
+            <a:r>
+              <a:rPr lang="ru-RU" dirty="0"/>
+              <a:t>Проект продолжит развиваться по трём главным направлениям</a:t>
+            </a:r>
+            <a:r>
+              <a:rPr lang="en-US" dirty="0"/>
+              <a:t>:</a:t>
+            </a:r>
+          </a:p>
+          <a:p>
+            <a:pPr marL="0" indent="0">
+              <a:lnSpc>
+                <a:spcPct val="100000"/>
+              </a:lnSpc>
+              <a:spcBef>
+                <a:spcPts val="1800"/>
+              </a:spcBef>
+              <a:buNone/>
+            </a:pPr>
+            <a:r>
+              <a:rPr lang="en-US" dirty="0"/>
+              <a:t>— </a:t>
+            </a:r>
+            <a:r>
+              <a:rPr lang="ru-RU" dirty="0"/>
+              <a:t>техническое (улучшение внутренней архитектуры, новые функции, повышение гибкости </a:t>
+            </a:r>
+            <a:r>
+              <a:rPr lang="ru-RU" dirty="0" err="1"/>
+              <a:t>чекера</a:t>
+            </a:r>
+            <a:r>
+              <a:rPr lang="ru-RU" dirty="0"/>
+              <a:t>)</a:t>
+            </a:r>
+            <a:r>
+              <a:rPr lang="en-US" dirty="0"/>
+              <a:t>;</a:t>
+            </a:r>
+          </a:p>
+          <a:p>
+            <a:pPr marL="0" indent="0">
+              <a:lnSpc>
+                <a:spcPct val="100000"/>
+              </a:lnSpc>
+              <a:spcBef>
+                <a:spcPts val="1800"/>
+              </a:spcBef>
+              <a:buNone/>
+            </a:pPr>
+            <a:r>
+              <a:rPr lang="en-US" dirty="0"/>
+              <a:t>— </a:t>
+            </a:r>
+            <a:r>
+              <a:rPr lang="ru-RU" dirty="0"/>
+              <a:t>контентное (создание задач, проведение контестов и работ)</a:t>
+            </a:r>
+          </a:p>
+          <a:p>
+            <a:pPr marL="0" indent="0">
+              <a:lnSpc>
+                <a:spcPct val="100000"/>
+              </a:lnSpc>
+              <a:spcBef>
+                <a:spcPts val="1800"/>
+              </a:spcBef>
+              <a:buNone/>
+            </a:pPr>
+            <a:r>
+              <a:rPr lang="en-US" dirty="0"/>
+              <a:t>—</a:t>
+            </a:r>
+            <a:r>
+              <a:rPr lang="ru-RU" dirty="0"/>
+              <a:t> интеграционное (создание </a:t>
+            </a:r>
+            <a:r>
+              <a:rPr lang="en-US" dirty="0"/>
+              <a:t>API, </a:t>
+            </a:r>
+            <a:r>
+              <a:rPr lang="ru-RU" dirty="0"/>
+              <a:t>сотрудничество с образовательными учреждениями)</a:t>
+            </a:r>
+            <a:endParaRPr lang="en-US" dirty="0"/>
+          </a:p>
+          <a:p>
+            <a:pPr marL="0" indent="0">
+              <a:lnSpc>
+                <a:spcPct val="100000"/>
+              </a:lnSpc>
+              <a:spcBef>
+                <a:spcPts val="1800"/>
+              </a:spcBef>
+              <a:buNone/>
+            </a:pPr>
+            <a:endParaRPr lang="ru-RU" dirty="0"/>
+          </a:p>
+        </p:txBody>
+      </p:sp>
     </p:spTree>
     <p:extLst>
       <p:ext uri="{BB962C8B-B14F-4D97-AF65-F5344CB8AC3E}">
-        <p14:creationId xmlns:p14="http://schemas.microsoft.com/office/powerpoint/2010/main" val="315558598"/>
+        <p14:creationId xmlns:p14="http://schemas.microsoft.com/office/powerpoint/2010/main" val="3752979414"/>
       </p:ext>
     </p:extLst>
   </p:cSld>
@@ -3442,952 +3949,79 @@
           <a:chExt cx="0" cy="0"/>
         </a:xfrm>
       </p:grpSpPr>
-      <p:pic>
-        <p:nvPicPr>
-          <p:cNvPr id="4" name="Рисунок 3">
-            <a:extLst>
-              <a:ext uri="{FF2B5EF4-FFF2-40B4-BE49-F238E27FC236}">
-                <a16:creationId xmlns:a16="http://schemas.microsoft.com/office/drawing/2014/main" id="{A7537F21-6C12-4A7E-B566-18AAC2656666}"/>
-              </a:ext>
-            </a:extLst>
-          </p:cNvPr>
-          <p:cNvPicPr>
-            <a:picLocks noChangeAspect="1"/>
-          </p:cNvPicPr>
-          <p:nvPr/>
-        </p:nvPicPr>
-        <p:blipFill>
-          <a:blip r:embed="rId2"/>
-          <a:stretch>
-            <a:fillRect/>
-          </a:stretch>
-        </p:blipFill>
-        <p:spPr>
-          <a:xfrm>
-            <a:off x="0" y="695539"/>
-            <a:ext cx="12192000" cy="5466921"/>
-          </a:xfrm>
-          <a:prstGeom prst="rect">
-            <a:avLst/>
-          </a:prstGeom>
-        </p:spPr>
-      </p:pic>
-    </p:spTree>
-    <p:extLst>
-      <p:ext uri="{BB962C8B-B14F-4D97-AF65-F5344CB8AC3E}">
-        <p14:creationId xmlns:p14="http://schemas.microsoft.com/office/powerpoint/2010/main" val="2463599513"/>
-      </p:ext>
-    </p:extLst>
-  </p:cSld>
-  <p:clrMapOvr>
-    <a:masterClrMapping/>
-  </p:clrMapOvr>
-</p:sld>
-</file>
-
-<file path=ppt/slides/slide12.xml><?xml version="1.0" encoding="utf-8"?>
-<p:sld xmlns:a="http://schemas.openxmlformats.org/drawingml/2006/main" xmlns:r="http://schemas.openxmlformats.org/officeDocument/2006/relationships" xmlns:p="http://schemas.openxmlformats.org/presentationml/2006/main">
-  <p:cSld>
-    <p:spTree>
-      <p:nvGrpSpPr>
-        <p:cNvPr id="1" name=""/>
-        <p:cNvGrpSpPr/>
-        <p:nvPr/>
-      </p:nvGrpSpPr>
-      <p:grpSpPr>
-        <a:xfrm>
-          <a:off x="0" y="0"/>
-          <a:ext cx="0" cy="0"/>
-          <a:chOff x="0" y="0"/>
-          <a:chExt cx="0" cy="0"/>
-        </a:xfrm>
-      </p:grpSpPr>
-      <p:pic>
-        <p:nvPicPr>
-          <p:cNvPr id="4098" name="Picture 2">
-            <a:extLst>
-              <a:ext uri="{FF2B5EF4-FFF2-40B4-BE49-F238E27FC236}">
-                <a16:creationId xmlns:a16="http://schemas.microsoft.com/office/drawing/2014/main" id="{19AAAF7F-2BD0-4A33-A3F7-5283CB13CEB0}"/>
-              </a:ext>
-            </a:extLst>
-          </p:cNvPr>
-          <p:cNvPicPr>
-            <a:picLocks noChangeAspect="1" noChangeArrowheads="1"/>
-          </p:cNvPicPr>
-          <p:nvPr/>
-        </p:nvPicPr>
-        <p:blipFill>
-          <a:blip r:embed="rId2">
-            <a:extLst>
-              <a:ext uri="{28A0092B-C50C-407E-A947-70E740481C1C}">
-                <a14:useLocalDpi xmlns:a14="http://schemas.microsoft.com/office/drawing/2010/main" val="0"/>
-              </a:ext>
-            </a:extLst>
-          </a:blip>
-          <a:srcRect/>
-          <a:stretch>
-            <a:fillRect/>
-          </a:stretch>
-        </p:blipFill>
-        <p:spPr bwMode="auto">
-          <a:xfrm>
-            <a:off x="1755775" y="0"/>
-            <a:ext cx="8680450" cy="6858000"/>
-          </a:xfrm>
-          <a:prstGeom prst="rect">
-            <a:avLst/>
-          </a:prstGeom>
-          <a:noFill/>
-          <a:extLst>
-            <a:ext uri="{909E8E84-426E-40DD-AFC4-6F175D3DCCD1}">
-              <a14:hiddenFill xmlns:a14="http://schemas.microsoft.com/office/drawing/2010/main">
-                <a:solidFill>
-                  <a:srgbClr val="FFFFFF"/>
-                </a:solidFill>
-              </a14:hiddenFill>
-            </a:ext>
-          </a:extLst>
-        </p:spPr>
-      </p:pic>
-    </p:spTree>
-    <p:extLst>
-      <p:ext uri="{BB962C8B-B14F-4D97-AF65-F5344CB8AC3E}">
-        <p14:creationId xmlns:p14="http://schemas.microsoft.com/office/powerpoint/2010/main" val="3155510002"/>
-      </p:ext>
-    </p:extLst>
-  </p:cSld>
-  <p:clrMapOvr>
-    <a:masterClrMapping/>
-  </p:clrMapOvr>
-</p:sld>
-</file>
-
-<file path=ppt/slides/slide13.xml><?xml version="1.0" encoding="utf-8"?>
-<p:sld xmlns:a="http://schemas.openxmlformats.org/drawingml/2006/main" xmlns:r="http://schemas.openxmlformats.org/officeDocument/2006/relationships" xmlns:p="http://schemas.openxmlformats.org/presentationml/2006/main">
-  <p:cSld>
-    <p:spTree>
-      <p:nvGrpSpPr>
-        <p:cNvPr id="1" name=""/>
-        <p:cNvGrpSpPr/>
-        <p:nvPr/>
-      </p:nvGrpSpPr>
-      <p:grpSpPr>
-        <a:xfrm>
-          <a:off x="0" y="0"/>
-          <a:ext cx="0" cy="0"/>
-          <a:chOff x="0" y="0"/>
-          <a:chExt cx="0" cy="0"/>
-        </a:xfrm>
-      </p:grpSpPr>
-      <p:pic>
-        <p:nvPicPr>
-          <p:cNvPr id="4" name="Рисунок 3">
-            <a:extLst>
-              <a:ext uri="{FF2B5EF4-FFF2-40B4-BE49-F238E27FC236}">
-                <a16:creationId xmlns:a16="http://schemas.microsoft.com/office/drawing/2014/main" id="{5E48C177-8C93-4FF1-9B75-2588EE735108}"/>
-              </a:ext>
-            </a:extLst>
-          </p:cNvPr>
-          <p:cNvPicPr>
-            <a:picLocks noChangeAspect="1"/>
-          </p:cNvPicPr>
-          <p:nvPr/>
-        </p:nvPicPr>
-        <p:blipFill>
-          <a:blip r:embed="rId2"/>
-          <a:stretch>
-            <a:fillRect/>
-          </a:stretch>
-        </p:blipFill>
-        <p:spPr>
-          <a:xfrm>
-            <a:off x="545602" y="0"/>
-            <a:ext cx="11100795" cy="6858000"/>
-          </a:xfrm>
-          <a:prstGeom prst="rect">
-            <a:avLst/>
-          </a:prstGeom>
-        </p:spPr>
-      </p:pic>
-    </p:spTree>
-    <p:extLst>
-      <p:ext uri="{BB962C8B-B14F-4D97-AF65-F5344CB8AC3E}">
-        <p14:creationId xmlns:p14="http://schemas.microsoft.com/office/powerpoint/2010/main" val="3305293058"/>
-      </p:ext>
-    </p:extLst>
-  </p:cSld>
-  <p:clrMapOvr>
-    <a:masterClrMapping/>
-  </p:clrMapOvr>
-</p:sld>
-</file>
-
-<file path=ppt/slides/slide14.xml><?xml version="1.0" encoding="utf-8"?>
-<p:sld xmlns:a="http://schemas.openxmlformats.org/drawingml/2006/main" xmlns:r="http://schemas.openxmlformats.org/officeDocument/2006/relationships" xmlns:p="http://schemas.openxmlformats.org/presentationml/2006/main">
-  <p:cSld>
-    <p:spTree>
-      <p:nvGrpSpPr>
-        <p:cNvPr id="1" name=""/>
-        <p:cNvGrpSpPr/>
-        <p:nvPr/>
-      </p:nvGrpSpPr>
-      <p:grpSpPr>
-        <a:xfrm>
-          <a:off x="0" y="0"/>
-          <a:ext cx="0" cy="0"/>
-          <a:chOff x="0" y="0"/>
-          <a:chExt cx="0" cy="0"/>
-        </a:xfrm>
-      </p:grpSpPr>
-      <p:pic>
-        <p:nvPicPr>
-          <p:cNvPr id="2" name="Рисунок 1">
-            <a:extLst>
-              <a:ext uri="{FF2B5EF4-FFF2-40B4-BE49-F238E27FC236}">
-                <a16:creationId xmlns:a16="http://schemas.microsoft.com/office/drawing/2014/main" id="{A8F73D74-CC21-4CCB-8672-3620BFDBA5BD}"/>
-              </a:ext>
-            </a:extLst>
-          </p:cNvPr>
-          <p:cNvPicPr>
-            <a:picLocks noChangeAspect="1"/>
-          </p:cNvPicPr>
-          <p:nvPr/>
-        </p:nvPicPr>
-        <p:blipFill>
-          <a:blip r:embed="rId2"/>
-          <a:stretch>
-            <a:fillRect/>
-          </a:stretch>
-        </p:blipFill>
-        <p:spPr>
-          <a:xfrm>
-            <a:off x="0" y="740062"/>
-            <a:ext cx="12192000" cy="5377876"/>
-          </a:xfrm>
-          <a:prstGeom prst="rect">
-            <a:avLst/>
-          </a:prstGeom>
-        </p:spPr>
-      </p:pic>
-    </p:spTree>
-    <p:extLst>
-      <p:ext uri="{BB962C8B-B14F-4D97-AF65-F5344CB8AC3E}">
-        <p14:creationId xmlns:p14="http://schemas.microsoft.com/office/powerpoint/2010/main" val="767114493"/>
-      </p:ext>
-    </p:extLst>
-  </p:cSld>
-  <p:clrMapOvr>
-    <a:masterClrMapping/>
-  </p:clrMapOvr>
-</p:sld>
-</file>
-
-<file path=ppt/slides/slide15.xml><?xml version="1.0" encoding="utf-8"?>
-<p:sld xmlns:a="http://schemas.openxmlformats.org/drawingml/2006/main" xmlns:r="http://schemas.openxmlformats.org/officeDocument/2006/relationships" xmlns:p="http://schemas.openxmlformats.org/presentationml/2006/main">
-  <p:cSld>
-    <p:spTree>
-      <p:nvGrpSpPr>
-        <p:cNvPr id="1" name=""/>
-        <p:cNvGrpSpPr/>
-        <p:nvPr/>
-      </p:nvGrpSpPr>
-      <p:grpSpPr>
-        <a:xfrm>
-          <a:off x="0" y="0"/>
-          <a:ext cx="0" cy="0"/>
-          <a:chOff x="0" y="0"/>
-          <a:chExt cx="0" cy="0"/>
-        </a:xfrm>
-      </p:grpSpPr>
-      <p:sp>
-        <p:nvSpPr>
-          <p:cNvPr id="4" name="TextBox 3">
-            <a:extLst>
-              <a:ext uri="{FF2B5EF4-FFF2-40B4-BE49-F238E27FC236}">
-                <a16:creationId xmlns:a16="http://schemas.microsoft.com/office/drawing/2014/main" id="{73B9E8D8-4FEB-4F1A-90C3-EC4DC0012F67}"/>
-              </a:ext>
-            </a:extLst>
-          </p:cNvPr>
-          <p:cNvSpPr txBox="1"/>
-          <p:nvPr/>
-        </p:nvSpPr>
-        <p:spPr>
-          <a:xfrm>
-            <a:off x="4107314" y="2731178"/>
-            <a:ext cx="3977371" cy="1200329"/>
-          </a:xfrm>
-          <a:prstGeom prst="rect">
-            <a:avLst/>
-          </a:prstGeom>
-          <a:noFill/>
-        </p:spPr>
-        <p:txBody>
-          <a:bodyPr wrap="none" rtlCol="0">
-            <a:spAutoFit/>
+      <p:sp>
+        <p:nvSpPr>
+          <p:cNvPr id="2" name="Заголовок 1">
+            <a:extLst>
+              <a:ext uri="{FF2B5EF4-FFF2-40B4-BE49-F238E27FC236}">
+                <a16:creationId xmlns:a16="http://schemas.microsoft.com/office/drawing/2014/main" id="{7269FBAC-DD78-4C60-9638-242155454280}"/>
+              </a:ext>
+            </a:extLst>
+          </p:cNvPr>
+          <p:cNvSpPr>
+            <a:spLocks noGrp="1"/>
+          </p:cNvSpPr>
+          <p:nvPr>
+            <p:ph type="title"/>
+          </p:nvPr>
+        </p:nvSpPr>
+        <p:spPr/>
+        <p:txBody>
+          <a:bodyPr/>
+          <a:lstStyle/>
+          <a:p>
+            <a:r>
+              <a:rPr lang="ru-RU" dirty="0"/>
+              <a:t>Контакты</a:t>
+            </a:r>
+          </a:p>
+        </p:txBody>
+      </p:sp>
+      <p:sp>
+        <p:nvSpPr>
+          <p:cNvPr id="4" name="Подзаголовок 2">
+            <a:extLst>
+              <a:ext uri="{FF2B5EF4-FFF2-40B4-BE49-F238E27FC236}">
+                <a16:creationId xmlns:a16="http://schemas.microsoft.com/office/drawing/2014/main" id="{F4ABB6F8-6786-4E84-92A8-798C3585BB1A}"/>
+              </a:ext>
+            </a:extLst>
+          </p:cNvPr>
+          <p:cNvSpPr>
+            <a:spLocks noGrp="1"/>
+          </p:cNvSpPr>
+          <p:nvPr>
+            <p:ph idx="1"/>
+          </p:nvPr>
+        </p:nvSpPr>
+        <p:spPr>
+          <a:xfrm>
+            <a:off x="838200" y="1873069"/>
+            <a:ext cx="10515600" cy="613229"/>
+          </a:xfrm>
+        </p:spPr>
+        <p:txBody>
+          <a:bodyPr>
+            <a:normAutofit/>
           </a:bodyPr>
           <a:lstStyle/>
           <a:p>
-            <a:r>
-              <a:rPr lang="ru-RU" sz="7200" dirty="0">
-                <a:latin typeface="Bahnschrift SemiBold" panose="020B0502040204020203" pitchFamily="34" charset="0"/>
-              </a:rPr>
-              <a:t>Админка</a:t>
-            </a:r>
-            <a:endParaRPr lang="ru-RU" dirty="0">
-              <a:latin typeface="Bahnschrift SemiBold" panose="020B0502040204020203" pitchFamily="34" charset="0"/>
-            </a:endParaRPr>
-          </a:p>
-        </p:txBody>
-      </p:sp>
-    </p:spTree>
-    <p:extLst>
-      <p:ext uri="{BB962C8B-B14F-4D97-AF65-F5344CB8AC3E}">
-        <p14:creationId xmlns:p14="http://schemas.microsoft.com/office/powerpoint/2010/main" val="2970634233"/>
-      </p:ext>
-    </p:extLst>
-  </p:cSld>
-  <p:clrMapOvr>
-    <a:masterClrMapping/>
-  </p:clrMapOvr>
-</p:sld>
-</file>
-
-<file path=ppt/slides/slide16.xml><?xml version="1.0" encoding="utf-8"?>
-<p:sld xmlns:a="http://schemas.openxmlformats.org/drawingml/2006/main" xmlns:r="http://schemas.openxmlformats.org/officeDocument/2006/relationships" xmlns:p="http://schemas.openxmlformats.org/presentationml/2006/main">
-  <p:cSld>
-    <p:spTree>
-      <p:nvGrpSpPr>
-        <p:cNvPr id="1" name=""/>
-        <p:cNvGrpSpPr/>
-        <p:nvPr/>
-      </p:nvGrpSpPr>
-      <p:grpSpPr>
-        <a:xfrm>
-          <a:off x="0" y="0"/>
-          <a:ext cx="0" cy="0"/>
-          <a:chOff x="0" y="0"/>
-          <a:chExt cx="0" cy="0"/>
-        </a:xfrm>
-      </p:grpSpPr>
-      <p:pic>
-        <p:nvPicPr>
-          <p:cNvPr id="4" name="Рисунок 3">
-            <a:extLst>
-              <a:ext uri="{FF2B5EF4-FFF2-40B4-BE49-F238E27FC236}">
-                <a16:creationId xmlns:a16="http://schemas.microsoft.com/office/drawing/2014/main" id="{0D4AD01D-62DE-4271-9969-09BA7597FE83}"/>
-              </a:ext>
-            </a:extLst>
-          </p:cNvPr>
-          <p:cNvPicPr>
-            <a:picLocks noChangeAspect="1"/>
-          </p:cNvPicPr>
-          <p:nvPr/>
-        </p:nvPicPr>
-        <p:blipFill>
-          <a:blip r:embed="rId2"/>
-          <a:stretch>
-            <a:fillRect/>
-          </a:stretch>
-        </p:blipFill>
-        <p:spPr>
-          <a:xfrm>
-            <a:off x="0" y="0"/>
-            <a:ext cx="4700950" cy="6858000"/>
-          </a:xfrm>
-          <a:prstGeom prst="rect">
-            <a:avLst/>
-          </a:prstGeom>
-        </p:spPr>
-      </p:pic>
-      <p:pic>
-        <p:nvPicPr>
-          <p:cNvPr id="5" name="Рисунок 4">
-            <a:extLst>
-              <a:ext uri="{FF2B5EF4-FFF2-40B4-BE49-F238E27FC236}">
-                <a16:creationId xmlns:a16="http://schemas.microsoft.com/office/drawing/2014/main" id="{C400083D-FEF6-4682-ADF2-A4A3A8B1C09F}"/>
-              </a:ext>
-            </a:extLst>
-          </p:cNvPr>
-          <p:cNvPicPr>
-            <a:picLocks noChangeAspect="1"/>
-          </p:cNvPicPr>
-          <p:nvPr/>
-        </p:nvPicPr>
-        <p:blipFill>
-          <a:blip r:embed="rId3"/>
-          <a:stretch>
-            <a:fillRect/>
-          </a:stretch>
-        </p:blipFill>
-        <p:spPr>
-          <a:xfrm>
-            <a:off x="7491050" y="0"/>
-            <a:ext cx="4700950" cy="6858000"/>
-          </a:xfrm>
-          <a:prstGeom prst="rect">
-            <a:avLst/>
-          </a:prstGeom>
-        </p:spPr>
-      </p:pic>
-    </p:spTree>
-    <p:extLst>
-      <p:ext uri="{BB962C8B-B14F-4D97-AF65-F5344CB8AC3E}">
-        <p14:creationId xmlns:p14="http://schemas.microsoft.com/office/powerpoint/2010/main" val="2830977673"/>
-      </p:ext>
-    </p:extLst>
-  </p:cSld>
-  <p:clrMapOvr>
-    <a:masterClrMapping/>
-  </p:clrMapOvr>
-</p:sld>
-</file>
-
-<file path=ppt/slides/slide17.xml><?xml version="1.0" encoding="utf-8"?>
-<p:sld xmlns:a="http://schemas.openxmlformats.org/drawingml/2006/main" xmlns:r="http://schemas.openxmlformats.org/officeDocument/2006/relationships" xmlns:p="http://schemas.openxmlformats.org/presentationml/2006/main">
-  <p:cSld>
-    <p:spTree>
-      <p:nvGrpSpPr>
-        <p:cNvPr id="1" name=""/>
-        <p:cNvGrpSpPr/>
-        <p:nvPr/>
-      </p:nvGrpSpPr>
-      <p:grpSpPr>
-        <a:xfrm>
-          <a:off x="0" y="0"/>
-          <a:ext cx="0" cy="0"/>
-          <a:chOff x="0" y="0"/>
-          <a:chExt cx="0" cy="0"/>
-        </a:xfrm>
-      </p:grpSpPr>
-      <p:pic>
-        <p:nvPicPr>
-          <p:cNvPr id="4" name="Рисунок 3">
-            <a:extLst>
-              <a:ext uri="{FF2B5EF4-FFF2-40B4-BE49-F238E27FC236}">
-                <a16:creationId xmlns:a16="http://schemas.microsoft.com/office/drawing/2014/main" id="{927D20ED-D41F-4C14-BE6E-17310E422324}"/>
-              </a:ext>
-            </a:extLst>
-          </p:cNvPr>
-          <p:cNvPicPr>
-            <a:picLocks noChangeAspect="1"/>
-          </p:cNvPicPr>
-          <p:nvPr/>
-        </p:nvPicPr>
-        <p:blipFill>
-          <a:blip r:embed="rId2"/>
-          <a:stretch>
-            <a:fillRect/>
-          </a:stretch>
-        </p:blipFill>
-        <p:spPr>
-          <a:xfrm>
-            <a:off x="0" y="0"/>
-            <a:ext cx="4397121" cy="1364098"/>
-          </a:xfrm>
-          <a:prstGeom prst="rect">
-            <a:avLst/>
-          </a:prstGeom>
-        </p:spPr>
-      </p:pic>
-      <p:pic>
-        <p:nvPicPr>
-          <p:cNvPr id="5" name="Рисунок 4">
-            <a:extLst>
-              <a:ext uri="{FF2B5EF4-FFF2-40B4-BE49-F238E27FC236}">
-                <a16:creationId xmlns:a16="http://schemas.microsoft.com/office/drawing/2014/main" id="{4F82F95F-027E-4CFE-88B6-45ABDECE9852}"/>
-              </a:ext>
-            </a:extLst>
-          </p:cNvPr>
-          <p:cNvPicPr>
-            <a:picLocks noChangeAspect="1"/>
-          </p:cNvPicPr>
-          <p:nvPr/>
-        </p:nvPicPr>
-        <p:blipFill>
-          <a:blip r:embed="rId3"/>
-          <a:stretch>
-            <a:fillRect/>
-          </a:stretch>
-        </p:blipFill>
-        <p:spPr>
-          <a:xfrm>
-            <a:off x="3729410" y="0"/>
-            <a:ext cx="5834010" cy="6858000"/>
-          </a:xfrm>
-          <a:prstGeom prst="rect">
-            <a:avLst/>
-          </a:prstGeom>
-        </p:spPr>
-      </p:pic>
-    </p:spTree>
-    <p:extLst>
-      <p:ext uri="{BB962C8B-B14F-4D97-AF65-F5344CB8AC3E}">
-        <p14:creationId xmlns:p14="http://schemas.microsoft.com/office/powerpoint/2010/main" val="1855082519"/>
-      </p:ext>
-    </p:extLst>
-  </p:cSld>
-  <p:clrMapOvr>
-    <a:masterClrMapping/>
-  </p:clrMapOvr>
-</p:sld>
-</file>
-
-<file path=ppt/slides/slide18.xml><?xml version="1.0" encoding="utf-8"?>
-<p:sld xmlns:a="http://schemas.openxmlformats.org/drawingml/2006/main" xmlns:r="http://schemas.openxmlformats.org/officeDocument/2006/relationships" xmlns:p="http://schemas.openxmlformats.org/presentationml/2006/main">
-  <p:cSld>
-    <p:spTree>
-      <p:nvGrpSpPr>
-        <p:cNvPr id="1" name=""/>
-        <p:cNvGrpSpPr/>
-        <p:nvPr/>
-      </p:nvGrpSpPr>
-      <p:grpSpPr>
-        <a:xfrm>
-          <a:off x="0" y="0"/>
-          <a:ext cx="0" cy="0"/>
-          <a:chOff x="0" y="0"/>
-          <a:chExt cx="0" cy="0"/>
-        </a:xfrm>
-      </p:grpSpPr>
-      <p:pic>
-        <p:nvPicPr>
-          <p:cNvPr id="4" name="Рисунок 3">
-            <a:extLst>
-              <a:ext uri="{FF2B5EF4-FFF2-40B4-BE49-F238E27FC236}">
-                <a16:creationId xmlns:a16="http://schemas.microsoft.com/office/drawing/2014/main" id="{3E264A5D-4808-4002-9305-D516E59C2261}"/>
-              </a:ext>
-            </a:extLst>
-          </p:cNvPr>
-          <p:cNvPicPr>
-            <a:picLocks noChangeAspect="1"/>
-          </p:cNvPicPr>
-          <p:nvPr/>
-        </p:nvPicPr>
-        <p:blipFill>
-          <a:blip r:embed="rId2"/>
-          <a:stretch>
-            <a:fillRect/>
-          </a:stretch>
-        </p:blipFill>
-        <p:spPr>
-          <a:xfrm>
-            <a:off x="2935328" y="0"/>
-            <a:ext cx="6321344" cy="6858000"/>
-          </a:xfrm>
-          <a:prstGeom prst="rect">
-            <a:avLst/>
-          </a:prstGeom>
-        </p:spPr>
-      </p:pic>
-    </p:spTree>
-    <p:extLst>
-      <p:ext uri="{BB962C8B-B14F-4D97-AF65-F5344CB8AC3E}">
-        <p14:creationId xmlns:p14="http://schemas.microsoft.com/office/powerpoint/2010/main" val="2041858341"/>
-      </p:ext>
-    </p:extLst>
-  </p:cSld>
-  <p:clrMapOvr>
-    <a:masterClrMapping/>
-  </p:clrMapOvr>
-</p:sld>
-</file>
-
-<file path=ppt/slides/slide19.xml><?xml version="1.0" encoding="utf-8"?>
-<p:sld xmlns:a="http://schemas.openxmlformats.org/drawingml/2006/main" xmlns:r="http://schemas.openxmlformats.org/officeDocument/2006/relationships" xmlns:p="http://schemas.openxmlformats.org/presentationml/2006/main">
-  <p:cSld>
-    <p:spTree>
-      <p:nvGrpSpPr>
-        <p:cNvPr id="1" name=""/>
-        <p:cNvGrpSpPr/>
-        <p:nvPr/>
-      </p:nvGrpSpPr>
-      <p:grpSpPr>
-        <a:xfrm>
-          <a:off x="0" y="0"/>
-          <a:ext cx="0" cy="0"/>
-          <a:chOff x="0" y="0"/>
-          <a:chExt cx="0" cy="0"/>
-        </a:xfrm>
-      </p:grpSpPr>
-      <p:pic>
-        <p:nvPicPr>
-          <p:cNvPr id="4" name="Рисунок 3">
-            <a:extLst>
-              <a:ext uri="{FF2B5EF4-FFF2-40B4-BE49-F238E27FC236}">
-                <a16:creationId xmlns:a16="http://schemas.microsoft.com/office/drawing/2014/main" id="{5024785F-0429-48A5-9D7E-E5D0578DB294}"/>
-              </a:ext>
-            </a:extLst>
-          </p:cNvPr>
-          <p:cNvPicPr>
-            <a:picLocks noChangeAspect="1"/>
-          </p:cNvPicPr>
-          <p:nvPr/>
-        </p:nvPicPr>
-        <p:blipFill>
-          <a:blip r:embed="rId2"/>
-          <a:stretch>
-            <a:fillRect/>
-          </a:stretch>
-        </p:blipFill>
-        <p:spPr>
-          <a:xfrm>
-            <a:off x="71097" y="0"/>
-            <a:ext cx="8623026" cy="6858000"/>
-          </a:xfrm>
-          <a:prstGeom prst="rect">
-            <a:avLst/>
-          </a:prstGeom>
-        </p:spPr>
-      </p:pic>
-      <p:pic>
-        <p:nvPicPr>
-          <p:cNvPr id="5" name="Рисунок 4">
-            <a:extLst>
-              <a:ext uri="{FF2B5EF4-FFF2-40B4-BE49-F238E27FC236}">
-                <a16:creationId xmlns:a16="http://schemas.microsoft.com/office/drawing/2014/main" id="{8266B6CF-912A-4FB8-94BF-40D2F7465F18}"/>
-              </a:ext>
-            </a:extLst>
-          </p:cNvPr>
-          <p:cNvPicPr>
-            <a:picLocks noChangeAspect="1"/>
-          </p:cNvPicPr>
-          <p:nvPr/>
-        </p:nvPicPr>
-        <p:blipFill rotWithShape="1">
-          <a:blip r:embed="rId3"/>
-          <a:srcRect r="36919"/>
-          <a:stretch/>
-        </p:blipFill>
-        <p:spPr>
-          <a:xfrm>
-            <a:off x="6752492" y="0"/>
-            <a:ext cx="5439508" cy="6858000"/>
-          </a:xfrm>
-          <a:prstGeom prst="rect">
-            <a:avLst/>
-          </a:prstGeom>
-        </p:spPr>
-      </p:pic>
-    </p:spTree>
-    <p:extLst>
-      <p:ext uri="{BB962C8B-B14F-4D97-AF65-F5344CB8AC3E}">
-        <p14:creationId xmlns:p14="http://schemas.microsoft.com/office/powerpoint/2010/main" val="2196942897"/>
-      </p:ext>
-    </p:extLst>
-  </p:cSld>
-  <p:clrMapOvr>
-    <a:masterClrMapping/>
-  </p:clrMapOvr>
-</p:sld>
-</file>
-
-<file path=ppt/slides/slide2.xml><?xml version="1.0" encoding="utf-8"?>
-<p:sld xmlns:a="http://schemas.openxmlformats.org/drawingml/2006/main" xmlns:r="http://schemas.openxmlformats.org/officeDocument/2006/relationships" xmlns:p="http://schemas.openxmlformats.org/presentationml/2006/main">
-  <p:cSld>
-    <p:spTree>
-      <p:nvGrpSpPr>
-        <p:cNvPr id="1" name=""/>
-        <p:cNvGrpSpPr/>
-        <p:nvPr/>
-      </p:nvGrpSpPr>
-      <p:grpSpPr>
-        <a:xfrm>
-          <a:off x="0" y="0"/>
-          <a:ext cx="0" cy="0"/>
-          <a:chOff x="0" y="0"/>
-          <a:chExt cx="0" cy="0"/>
-        </a:xfrm>
-      </p:grpSpPr>
-      <p:pic>
-        <p:nvPicPr>
-          <p:cNvPr id="5" name="Рисунок 4">
-            <a:extLst>
-              <a:ext uri="{FF2B5EF4-FFF2-40B4-BE49-F238E27FC236}">
-                <a16:creationId xmlns:a16="http://schemas.microsoft.com/office/drawing/2014/main" id="{E4385B41-7551-4285-B7D9-CAD2B790F041}"/>
-              </a:ext>
-            </a:extLst>
-          </p:cNvPr>
-          <p:cNvPicPr>
-            <a:picLocks noChangeAspect="1"/>
-          </p:cNvPicPr>
-          <p:nvPr/>
-        </p:nvPicPr>
-        <p:blipFill>
-          <a:blip r:embed="rId2">
-            <a:extLst>
-              <a:ext uri="{28A0092B-C50C-407E-A947-70E740481C1C}">
-                <a14:useLocalDpi xmlns:a14="http://schemas.microsoft.com/office/drawing/2010/main" val="0"/>
-              </a:ext>
-            </a:extLst>
-          </a:blip>
-          <a:stretch>
-            <a:fillRect/>
-          </a:stretch>
-        </p:blipFill>
-        <p:spPr>
-          <a:xfrm>
-            <a:off x="3843603" y="1827883"/>
-            <a:ext cx="4504793" cy="3202234"/>
-          </a:xfrm>
-          <a:prstGeom prst="rect">
-            <a:avLst/>
-          </a:prstGeom>
-        </p:spPr>
-      </p:pic>
-    </p:spTree>
-    <p:extLst>
-      <p:ext uri="{BB962C8B-B14F-4D97-AF65-F5344CB8AC3E}">
-        <p14:creationId xmlns:p14="http://schemas.microsoft.com/office/powerpoint/2010/main" val="1958354613"/>
-      </p:ext>
-    </p:extLst>
-  </p:cSld>
-  <p:clrMapOvr>
-    <a:masterClrMapping/>
-  </p:clrMapOvr>
-</p:sld>
-</file>
-
-<file path=ppt/slides/slide20.xml><?xml version="1.0" encoding="utf-8"?>
-<p:sld xmlns:a="http://schemas.openxmlformats.org/drawingml/2006/main" xmlns:r="http://schemas.openxmlformats.org/officeDocument/2006/relationships" xmlns:p="http://schemas.openxmlformats.org/presentationml/2006/main">
-  <p:cSld>
-    <p:spTree>
-      <p:nvGrpSpPr>
-        <p:cNvPr id="1" name=""/>
-        <p:cNvGrpSpPr/>
-        <p:nvPr/>
-      </p:nvGrpSpPr>
-      <p:grpSpPr>
-        <a:xfrm>
-          <a:off x="0" y="0"/>
-          <a:ext cx="0" cy="0"/>
-          <a:chOff x="0" y="0"/>
-          <a:chExt cx="0" cy="0"/>
-        </a:xfrm>
-      </p:grpSpPr>
-      <p:pic>
-        <p:nvPicPr>
-          <p:cNvPr id="4" name="Рисунок 3">
-            <a:extLst>
-              <a:ext uri="{FF2B5EF4-FFF2-40B4-BE49-F238E27FC236}">
-                <a16:creationId xmlns:a16="http://schemas.microsoft.com/office/drawing/2014/main" id="{F0C3A7B4-2883-4DB8-8A88-5024C30C3897}"/>
-              </a:ext>
-            </a:extLst>
-          </p:cNvPr>
-          <p:cNvPicPr>
-            <a:picLocks noChangeAspect="1"/>
-          </p:cNvPicPr>
-          <p:nvPr/>
-        </p:nvPicPr>
-        <p:blipFill>
-          <a:blip r:embed="rId2"/>
-          <a:stretch>
-            <a:fillRect/>
-          </a:stretch>
-        </p:blipFill>
-        <p:spPr>
-          <a:xfrm>
-            <a:off x="254225" y="0"/>
-            <a:ext cx="11683549" cy="6858000"/>
-          </a:xfrm>
-          <a:prstGeom prst="rect">
-            <a:avLst/>
-          </a:prstGeom>
-        </p:spPr>
-      </p:pic>
-    </p:spTree>
-    <p:extLst>
-      <p:ext uri="{BB962C8B-B14F-4D97-AF65-F5344CB8AC3E}">
-        <p14:creationId xmlns:p14="http://schemas.microsoft.com/office/powerpoint/2010/main" val="2910362248"/>
-      </p:ext>
-    </p:extLst>
-  </p:cSld>
-  <p:clrMapOvr>
-    <a:masterClrMapping/>
-  </p:clrMapOvr>
-</p:sld>
-</file>
-
-<file path=ppt/slides/slide21.xml><?xml version="1.0" encoding="utf-8"?>
-<p:sld xmlns:a="http://schemas.openxmlformats.org/drawingml/2006/main" xmlns:r="http://schemas.openxmlformats.org/officeDocument/2006/relationships" xmlns:p="http://schemas.openxmlformats.org/presentationml/2006/main">
-  <p:cSld>
-    <p:spTree>
-      <p:nvGrpSpPr>
-        <p:cNvPr id="1" name=""/>
-        <p:cNvGrpSpPr/>
-        <p:nvPr/>
-      </p:nvGrpSpPr>
-      <p:grpSpPr>
-        <a:xfrm>
-          <a:off x="0" y="0"/>
-          <a:ext cx="0" cy="0"/>
-          <a:chOff x="0" y="0"/>
-          <a:chExt cx="0" cy="0"/>
-        </a:xfrm>
-      </p:grpSpPr>
-      <p:pic>
-        <p:nvPicPr>
-          <p:cNvPr id="4" name="Рисунок 3">
-            <a:extLst>
-              <a:ext uri="{FF2B5EF4-FFF2-40B4-BE49-F238E27FC236}">
-                <a16:creationId xmlns:a16="http://schemas.microsoft.com/office/drawing/2014/main" id="{A360FC92-9411-48D9-8BB2-C3E7F8343A5A}"/>
-              </a:ext>
-            </a:extLst>
-          </p:cNvPr>
-          <p:cNvPicPr>
-            <a:picLocks noChangeAspect="1"/>
-          </p:cNvPicPr>
-          <p:nvPr/>
-        </p:nvPicPr>
-        <p:blipFill>
-          <a:blip r:embed="rId2"/>
-          <a:stretch>
-            <a:fillRect/>
-          </a:stretch>
-        </p:blipFill>
-        <p:spPr>
-          <a:xfrm>
-            <a:off x="0" y="487194"/>
-            <a:ext cx="12192000" cy="5883611"/>
-          </a:xfrm>
-          <a:prstGeom prst="rect">
-            <a:avLst/>
-          </a:prstGeom>
-        </p:spPr>
-      </p:pic>
-    </p:spTree>
-    <p:extLst>
-      <p:ext uri="{BB962C8B-B14F-4D97-AF65-F5344CB8AC3E}">
-        <p14:creationId xmlns:p14="http://schemas.microsoft.com/office/powerpoint/2010/main" val="1811061979"/>
-      </p:ext>
-    </p:extLst>
-  </p:cSld>
-  <p:clrMapOvr>
-    <a:masterClrMapping/>
-  </p:clrMapOvr>
-</p:sld>
-</file>
-
-<file path=ppt/slides/slide22.xml><?xml version="1.0" encoding="utf-8"?>
-<p:sld xmlns:a="http://schemas.openxmlformats.org/drawingml/2006/main" xmlns:r="http://schemas.openxmlformats.org/officeDocument/2006/relationships" xmlns:p="http://schemas.openxmlformats.org/presentationml/2006/main">
-  <p:cSld>
-    <p:spTree>
-      <p:nvGrpSpPr>
-        <p:cNvPr id="1" name=""/>
-        <p:cNvGrpSpPr/>
-        <p:nvPr/>
-      </p:nvGrpSpPr>
-      <p:grpSpPr>
-        <a:xfrm>
-          <a:off x="0" y="0"/>
-          <a:ext cx="0" cy="0"/>
-          <a:chOff x="0" y="0"/>
-          <a:chExt cx="0" cy="0"/>
-        </a:xfrm>
-      </p:grpSpPr>
-      <p:pic>
-        <p:nvPicPr>
-          <p:cNvPr id="4" name="Рисунок 3">
-            <a:extLst>
-              <a:ext uri="{FF2B5EF4-FFF2-40B4-BE49-F238E27FC236}">
-                <a16:creationId xmlns:a16="http://schemas.microsoft.com/office/drawing/2014/main" id="{780D1D0A-B911-4D5B-9B0B-301C40B4C76B}"/>
-              </a:ext>
-            </a:extLst>
-          </p:cNvPr>
-          <p:cNvPicPr>
-            <a:picLocks noChangeAspect="1"/>
-          </p:cNvPicPr>
-          <p:nvPr/>
-        </p:nvPicPr>
-        <p:blipFill>
-          <a:blip r:embed="rId2"/>
-          <a:stretch>
-            <a:fillRect/>
-          </a:stretch>
-        </p:blipFill>
-        <p:spPr>
-          <a:xfrm>
-            <a:off x="0" y="520578"/>
-            <a:ext cx="12192000" cy="5816843"/>
-          </a:xfrm>
-          <a:prstGeom prst="rect">
-            <a:avLst/>
-          </a:prstGeom>
-        </p:spPr>
-      </p:pic>
-    </p:spTree>
-    <p:extLst>
-      <p:ext uri="{BB962C8B-B14F-4D97-AF65-F5344CB8AC3E}">
-        <p14:creationId xmlns:p14="http://schemas.microsoft.com/office/powerpoint/2010/main" val="3986565169"/>
-      </p:ext>
-    </p:extLst>
-  </p:cSld>
-  <p:clrMapOvr>
-    <a:masterClrMapping/>
-  </p:clrMapOvr>
-</p:sld>
-</file>
-
-<file path=ppt/slides/slide23.xml><?xml version="1.0" encoding="utf-8"?>
-<p:sld xmlns:a="http://schemas.openxmlformats.org/drawingml/2006/main" xmlns:r="http://schemas.openxmlformats.org/officeDocument/2006/relationships" xmlns:p="http://schemas.openxmlformats.org/presentationml/2006/main">
-  <p:cSld>
-    <p:spTree>
-      <p:nvGrpSpPr>
-        <p:cNvPr id="1" name=""/>
-        <p:cNvGrpSpPr/>
-        <p:nvPr/>
-      </p:nvGrpSpPr>
-      <p:grpSpPr>
-        <a:xfrm>
-          <a:off x="0" y="0"/>
-          <a:ext cx="0" cy="0"/>
-          <a:chOff x="0" y="0"/>
-          <a:chExt cx="0" cy="0"/>
-        </a:xfrm>
-      </p:grpSpPr>
-      <p:sp>
-        <p:nvSpPr>
-          <p:cNvPr id="3" name="Объект 2">
-            <a:extLst>
-              <a:ext uri="{FF2B5EF4-FFF2-40B4-BE49-F238E27FC236}">
-                <a16:creationId xmlns:a16="http://schemas.microsoft.com/office/drawing/2014/main" id="{44738C93-C1A9-4385-A522-5FB9D17D2FA8}"/>
-              </a:ext>
-            </a:extLst>
-          </p:cNvPr>
-          <p:cNvSpPr>
-            <a:spLocks noGrp="1"/>
-          </p:cNvSpPr>
-          <p:nvPr>
-            <p:ph idx="1"/>
-          </p:nvPr>
-        </p:nvSpPr>
-        <p:spPr>
-          <a:xfrm>
-            <a:off x="838200" y="401597"/>
-            <a:ext cx="10515600" cy="593484"/>
-          </a:xfrm>
-        </p:spPr>
-        <p:txBody>
-          <a:bodyPr/>
-          <a:lstStyle/>
-          <a:p>
-            <a:pPr marL="0" indent="0" algn="ctr">
+            <a:pPr marL="0" indent="0">
               <a:buNone/>
             </a:pPr>
             <a:r>
-              <a:rPr lang="ru-RU" dirty="0">
-                <a:latin typeface="Bahnschrift SemiBold" panose="020B0502040204020203" pitchFamily="34" charset="0"/>
-              </a:rPr>
-              <a:t>Как всё это работает</a:t>
-            </a:r>
-          </a:p>
-        </p:txBody>
-      </p:sp>
-      <p:sp>
-        <p:nvSpPr>
-          <p:cNvPr id="4" name="Объект 2">
-            <a:extLst>
-              <a:ext uri="{FF2B5EF4-FFF2-40B4-BE49-F238E27FC236}">
-                <a16:creationId xmlns:a16="http://schemas.microsoft.com/office/drawing/2014/main" id="{E23D21A5-491E-4D88-8C9C-51AA786DCC48}"/>
+              <a:rPr lang="en-US" sz="3200" b="1" dirty="0"/>
+              <a:t>pycon.mediapark.pro</a:t>
+            </a:r>
+            <a:endParaRPr lang="ru-RU" sz="3200" b="1" dirty="0"/>
+          </a:p>
+        </p:txBody>
+      </p:sp>
+      <p:sp>
+        <p:nvSpPr>
+          <p:cNvPr id="5" name="Подзаголовок 2">
+            <a:extLst>
+              <a:ext uri="{FF2B5EF4-FFF2-40B4-BE49-F238E27FC236}">
+                <a16:creationId xmlns:a16="http://schemas.microsoft.com/office/drawing/2014/main" id="{A4EAD318-7ABD-4B85-85DF-A05A2D031DE5}"/>
               </a:ext>
             </a:extLst>
           </p:cNvPr>
@@ -4398,8 +4032,8 @@
         </p:nvSpPr>
         <p:spPr>
           <a:xfrm>
-            <a:off x="456235" y="1688658"/>
-            <a:ext cx="10515600" cy="5360324"/>
+            <a:off x="838200" y="2758304"/>
+            <a:ext cx="10515600" cy="613229"/>
           </a:xfrm>
           <a:prstGeom prst="rect">
             <a:avLst/>
@@ -4412,28 +4046,28 @@
           <a:lstStyle>
             <a:lvl1pPr marL="228600" indent="-228600" algn="l" defTabSz="914400" rtl="0" eaLnBrk="1" latinLnBrk="0" hangingPunct="1">
               <a:lnSpc>
-                <a:spcPct val="90000"/>
+                <a:spcPct val="110000"/>
               </a:lnSpc>
               <a:spcBef>
-                <a:spcPts val="1000"/>
+                <a:spcPts val="1500"/>
               </a:spcBef>
               <a:buFont typeface="Arial" panose="020B0604020202020204" pitchFamily="34" charset="0"/>
               <a:buChar char="•"/>
-              <a:defRPr sz="2800" kern="1200">
+              <a:defRPr sz="2800" b="0" kern="1200">
                 <a:solidFill>
                   <a:schemeClr val="tx1"/>
                 </a:solidFill>
-                <a:latin typeface="+mn-lt"/>
-                <a:ea typeface="+mn-ea"/>
+                <a:latin typeface="PT Serif Caption" panose="02060603050505020204" pitchFamily="18" charset="-52"/>
+                <a:ea typeface="PT Serif Caption" panose="02060603050505020204" pitchFamily="18" charset="-52"/>
                 <a:cs typeface="+mn-cs"/>
               </a:defRPr>
             </a:lvl1pPr>
             <a:lvl2pPr marL="685800" indent="-228600" algn="l" defTabSz="914400" rtl="0" eaLnBrk="1" latinLnBrk="0" hangingPunct="1">
               <a:lnSpc>
-                <a:spcPct val="90000"/>
+                <a:spcPct val="110000"/>
               </a:lnSpc>
               <a:spcBef>
-                <a:spcPts val="500"/>
+                <a:spcPts val="1500"/>
               </a:spcBef>
               <a:buFont typeface="Arial" panose="020B0604020202020204" pitchFamily="34" charset="0"/>
               <a:buChar char="•"/>
@@ -4441,17 +4075,17 @@
                 <a:solidFill>
                   <a:schemeClr val="tx1"/>
                 </a:solidFill>
-                <a:latin typeface="+mn-lt"/>
-                <a:ea typeface="+mn-ea"/>
+                <a:latin typeface="PT Serif" panose="020A0603040505020204" pitchFamily="18" charset="-52"/>
+                <a:ea typeface="PT Serif" panose="020A0603040505020204" pitchFamily="18" charset="-52"/>
                 <a:cs typeface="+mn-cs"/>
               </a:defRPr>
             </a:lvl2pPr>
             <a:lvl3pPr marL="1143000" indent="-228600" algn="l" defTabSz="914400" rtl="0" eaLnBrk="1" latinLnBrk="0" hangingPunct="1">
               <a:lnSpc>
-                <a:spcPct val="90000"/>
+                <a:spcPct val="110000"/>
               </a:lnSpc>
               <a:spcBef>
-                <a:spcPts val="500"/>
+                <a:spcPts val="1500"/>
               </a:spcBef>
               <a:buFont typeface="Arial" panose="020B0604020202020204" pitchFamily="34" charset="0"/>
               <a:buChar char="•"/>
@@ -4459,17 +4093,17 @@
                 <a:solidFill>
                   <a:schemeClr val="tx1"/>
                 </a:solidFill>
-                <a:latin typeface="+mn-lt"/>
-                <a:ea typeface="+mn-ea"/>
+                <a:latin typeface="PT Serif" panose="020A0603040505020204" pitchFamily="18" charset="-52"/>
+                <a:ea typeface="PT Serif" panose="020A0603040505020204" pitchFamily="18" charset="-52"/>
                 <a:cs typeface="+mn-cs"/>
               </a:defRPr>
             </a:lvl3pPr>
             <a:lvl4pPr marL="1600200" indent="-228600" algn="l" defTabSz="914400" rtl="0" eaLnBrk="1" latinLnBrk="0" hangingPunct="1">
               <a:lnSpc>
-                <a:spcPct val="90000"/>
+                <a:spcPct val="110000"/>
               </a:lnSpc>
               <a:spcBef>
-                <a:spcPts val="500"/>
+                <a:spcPts val="1500"/>
               </a:spcBef>
               <a:buFont typeface="Arial" panose="020B0604020202020204" pitchFamily="34" charset="0"/>
               <a:buChar char="•"/>
@@ -4477,17 +4111,17 @@
                 <a:solidFill>
                   <a:schemeClr val="tx1"/>
                 </a:solidFill>
-                <a:latin typeface="+mn-lt"/>
-                <a:ea typeface="+mn-ea"/>
+                <a:latin typeface="PT Serif" panose="020A0603040505020204" pitchFamily="18" charset="-52"/>
+                <a:ea typeface="PT Serif" panose="020A0603040505020204" pitchFamily="18" charset="-52"/>
                 <a:cs typeface="+mn-cs"/>
               </a:defRPr>
             </a:lvl4pPr>
             <a:lvl5pPr marL="2057400" indent="-228600" algn="l" defTabSz="914400" rtl="0" eaLnBrk="1" latinLnBrk="0" hangingPunct="1">
               <a:lnSpc>
-                <a:spcPct val="90000"/>
+                <a:spcPct val="110000"/>
               </a:lnSpc>
               <a:spcBef>
-                <a:spcPts val="500"/>
+                <a:spcPts val="1500"/>
               </a:spcBef>
               <a:buFont typeface="Arial" panose="020B0604020202020204" pitchFamily="34" charset="0"/>
               <a:buChar char="•"/>
@@ -4495,8 +4129,8 @@
                 <a:solidFill>
                   <a:schemeClr val="tx1"/>
                 </a:solidFill>
-                <a:latin typeface="+mn-lt"/>
-                <a:ea typeface="+mn-ea"/>
+                <a:latin typeface="PT Serif" panose="020A0603040505020204" pitchFamily="18" charset="-52"/>
+                <a:ea typeface="PT Serif" panose="020A0603040505020204" pitchFamily="18" charset="-52"/>
                 <a:cs typeface="+mn-cs"/>
               </a:defRPr>
             </a:lvl5pPr>
@@ -4579,117 +4213,405 @@
               <a:buNone/>
             </a:pPr>
             <a:r>
-              <a:rPr lang="en-US" sz="6600" dirty="0">
-                <a:latin typeface="Bahnschrift SemiBold" panose="020B0502040204020203" pitchFamily="34" charset="0"/>
-              </a:rPr>
-              <a:t>Flask, </a:t>
-            </a:r>
-            <a:r>
-              <a:rPr lang="en-US" sz="6600" dirty="0" err="1">
-                <a:latin typeface="Bahnschrift SemiBold" panose="020B0502040204020203" pitchFamily="34" charset="0"/>
-              </a:rPr>
-              <a:t>SQLAlchemy</a:t>
-            </a:r>
-            <a:r>
-              <a:rPr lang="en-US" sz="6600" dirty="0">
-                <a:latin typeface="Bahnschrift SemiBold" panose="020B0502040204020203" pitchFamily="34" charset="0"/>
-              </a:rPr>
-              <a:t>, multiprocessing, </a:t>
-            </a:r>
-            <a:r>
-              <a:rPr lang="en-US" sz="5400" dirty="0">
-                <a:latin typeface="Bahnschrift SemiLight" panose="020B0502040204020203" pitchFamily="34" charset="0"/>
-              </a:rPr>
-              <a:t>subprocess, </a:t>
-            </a:r>
-            <a:r>
-              <a:rPr lang="en-US" sz="5400" dirty="0" err="1">
-                <a:latin typeface="Bahnschrift SemiLight" panose="020B0502040204020203" pitchFamily="34" charset="0"/>
-              </a:rPr>
-              <a:t>FlaskWTF</a:t>
-            </a:r>
-            <a:r>
-              <a:rPr lang="en-US" sz="5400" dirty="0">
-                <a:latin typeface="Bahnschrift SemiLight" panose="020B0502040204020203" pitchFamily="34" charset="0"/>
-              </a:rPr>
-              <a:t>, </a:t>
-            </a:r>
-            <a:r>
-              <a:rPr lang="en-US" sz="5400" dirty="0" err="1">
-                <a:latin typeface="Bahnschrift SemiLight" panose="020B0502040204020203" pitchFamily="34" charset="0"/>
-              </a:rPr>
-              <a:t>FlaskLogin</a:t>
-            </a:r>
-            <a:r>
-              <a:rPr lang="en-US" sz="5400" dirty="0">
-                <a:latin typeface="Bahnschrift SemiLight" panose="020B0502040204020203" pitchFamily="34" charset="0"/>
-              </a:rPr>
-              <a:t>, </a:t>
-            </a:r>
-            <a:r>
-              <a:rPr lang="en-US" sz="3600" dirty="0">
-                <a:latin typeface="Bahnschrift Light" panose="020B0502040204020203" pitchFamily="34" charset="0"/>
-              </a:rPr>
-              <a:t>datetime, time, </a:t>
-            </a:r>
-            <a:r>
-              <a:rPr lang="en-US" sz="3600" dirty="0" err="1">
-                <a:latin typeface="Bahnschrift Light" panose="020B0502040204020203" pitchFamily="34" charset="0"/>
-              </a:rPr>
-              <a:t>os</a:t>
-            </a:r>
-            <a:r>
-              <a:rPr lang="en-US" sz="3600" dirty="0">
-                <a:latin typeface="Bahnschrift Light" panose="020B0502040204020203" pitchFamily="34" charset="0"/>
-              </a:rPr>
-              <a:t>, random, </a:t>
-            </a:r>
-            <a:r>
-              <a:rPr lang="en-US" sz="3600" dirty="0" err="1">
-                <a:latin typeface="Bahnschrift Light" panose="020B0502040204020203" pitchFamily="34" charset="0"/>
-              </a:rPr>
-              <a:t>Codemirror</a:t>
-            </a:r>
-            <a:r>
-              <a:rPr lang="en-US" sz="3600" dirty="0">
-                <a:latin typeface="Bahnschrift Light" panose="020B0502040204020203" pitchFamily="34" charset="0"/>
-              </a:rPr>
-              <a:t>, </a:t>
-            </a:r>
-            <a:r>
-              <a:rPr lang="en-US" sz="2400" dirty="0" err="1">
-                <a:latin typeface="Bahnschrift Light" panose="020B0502040204020203" pitchFamily="34" charset="0"/>
-              </a:rPr>
-              <a:t>functools</a:t>
-            </a:r>
-            <a:r>
-              <a:rPr lang="en-US" sz="2400" dirty="0">
-                <a:latin typeface="Bahnschrift Light" panose="020B0502040204020203" pitchFamily="34" charset="0"/>
-              </a:rPr>
-              <a:t>, </a:t>
-            </a:r>
-            <a:r>
-              <a:rPr lang="en-US" sz="2400" dirty="0" err="1">
-                <a:latin typeface="Bahnschrift Light" panose="020B0502040204020203" pitchFamily="34" charset="0"/>
-              </a:rPr>
-              <a:t>shutil</a:t>
-            </a:r>
-            <a:r>
-              <a:rPr lang="en-US" sz="2400" dirty="0">
-                <a:latin typeface="Bahnschrift Light" panose="020B0502040204020203" pitchFamily="34" charset="0"/>
-              </a:rPr>
-              <a:t>, sys.</a:t>
-            </a:r>
-            <a:endParaRPr lang="en-US" sz="2400" dirty="0">
-              <a:latin typeface="Bahnschrift SemiBold" panose="020B0502040204020203" pitchFamily="34" charset="0"/>
-            </a:endParaRPr>
-          </a:p>
-        </p:txBody>
-      </p:sp>
+              <a:rPr lang="en-US" dirty="0"/>
+              <a:t>adam.arut@gmail.com</a:t>
+            </a:r>
+            <a:endParaRPr lang="ru-RU" dirty="0"/>
+          </a:p>
+        </p:txBody>
+      </p:sp>
+      <p:sp>
+        <p:nvSpPr>
+          <p:cNvPr id="6" name="Подзаголовок 2">
+            <a:extLst>
+              <a:ext uri="{FF2B5EF4-FFF2-40B4-BE49-F238E27FC236}">
+                <a16:creationId xmlns:a16="http://schemas.microsoft.com/office/drawing/2014/main" id="{C14B475F-B4FB-492A-8262-71FCD93FE9EC}"/>
+              </a:ext>
+            </a:extLst>
+          </p:cNvPr>
+          <p:cNvSpPr txBox="1">
+            <a:spLocks/>
+          </p:cNvSpPr>
+          <p:nvPr/>
+        </p:nvSpPr>
+        <p:spPr>
+          <a:xfrm>
+            <a:off x="446312" y="3250201"/>
+            <a:ext cx="10515600" cy="613229"/>
+          </a:xfrm>
+          <a:prstGeom prst="rect">
+            <a:avLst/>
+          </a:prstGeom>
+        </p:spPr>
+        <p:txBody>
+          <a:bodyPr vert="horz" lIns="91440" tIns="45720" rIns="91440" bIns="45720" rtlCol="0">
+            <a:normAutofit/>
+          </a:bodyPr>
+          <a:lstStyle>
+            <a:lvl1pPr marL="228600" indent="-228600" algn="l" defTabSz="914400" rtl="0" eaLnBrk="1" latinLnBrk="0" hangingPunct="1">
+              <a:lnSpc>
+                <a:spcPct val="110000"/>
+              </a:lnSpc>
+              <a:spcBef>
+                <a:spcPts val="1500"/>
+              </a:spcBef>
+              <a:buFont typeface="Arial" panose="020B0604020202020204" pitchFamily="34" charset="0"/>
+              <a:buChar char="•"/>
+              <a:defRPr sz="2800" b="0" kern="1200">
+                <a:solidFill>
+                  <a:schemeClr val="tx1"/>
+                </a:solidFill>
+                <a:latin typeface="PT Serif Caption" panose="02060603050505020204" pitchFamily="18" charset="-52"/>
+                <a:ea typeface="PT Serif Caption" panose="02060603050505020204" pitchFamily="18" charset="-52"/>
+                <a:cs typeface="+mn-cs"/>
+              </a:defRPr>
+            </a:lvl1pPr>
+            <a:lvl2pPr marL="685800" indent="-228600" algn="l" defTabSz="914400" rtl="0" eaLnBrk="1" latinLnBrk="0" hangingPunct="1">
+              <a:lnSpc>
+                <a:spcPct val="110000"/>
+              </a:lnSpc>
+              <a:spcBef>
+                <a:spcPts val="1500"/>
+              </a:spcBef>
+              <a:buFont typeface="Arial" panose="020B0604020202020204" pitchFamily="34" charset="0"/>
+              <a:buChar char="•"/>
+              <a:defRPr sz="2400" kern="1200">
+                <a:solidFill>
+                  <a:schemeClr val="tx1"/>
+                </a:solidFill>
+                <a:latin typeface="PT Serif" panose="020A0603040505020204" pitchFamily="18" charset="-52"/>
+                <a:ea typeface="PT Serif" panose="020A0603040505020204" pitchFamily="18" charset="-52"/>
+                <a:cs typeface="+mn-cs"/>
+              </a:defRPr>
+            </a:lvl2pPr>
+            <a:lvl3pPr marL="1143000" indent="-228600" algn="l" defTabSz="914400" rtl="0" eaLnBrk="1" latinLnBrk="0" hangingPunct="1">
+              <a:lnSpc>
+                <a:spcPct val="110000"/>
+              </a:lnSpc>
+              <a:spcBef>
+                <a:spcPts val="1500"/>
+              </a:spcBef>
+              <a:buFont typeface="Arial" panose="020B0604020202020204" pitchFamily="34" charset="0"/>
+              <a:buChar char="•"/>
+              <a:defRPr sz="2000" kern="1200">
+                <a:solidFill>
+                  <a:schemeClr val="tx1"/>
+                </a:solidFill>
+                <a:latin typeface="PT Serif" panose="020A0603040505020204" pitchFamily="18" charset="-52"/>
+                <a:ea typeface="PT Serif" panose="020A0603040505020204" pitchFamily="18" charset="-52"/>
+                <a:cs typeface="+mn-cs"/>
+              </a:defRPr>
+            </a:lvl3pPr>
+            <a:lvl4pPr marL="1600200" indent="-228600" algn="l" defTabSz="914400" rtl="0" eaLnBrk="1" latinLnBrk="0" hangingPunct="1">
+              <a:lnSpc>
+                <a:spcPct val="110000"/>
+              </a:lnSpc>
+              <a:spcBef>
+                <a:spcPts val="1500"/>
+              </a:spcBef>
+              <a:buFont typeface="Arial" panose="020B0604020202020204" pitchFamily="34" charset="0"/>
+              <a:buChar char="•"/>
+              <a:defRPr sz="1800" kern="1200">
+                <a:solidFill>
+                  <a:schemeClr val="tx1"/>
+                </a:solidFill>
+                <a:latin typeface="PT Serif" panose="020A0603040505020204" pitchFamily="18" charset="-52"/>
+                <a:ea typeface="PT Serif" panose="020A0603040505020204" pitchFamily="18" charset="-52"/>
+                <a:cs typeface="+mn-cs"/>
+              </a:defRPr>
+            </a:lvl4pPr>
+            <a:lvl5pPr marL="2057400" indent="-228600" algn="l" defTabSz="914400" rtl="0" eaLnBrk="1" latinLnBrk="0" hangingPunct="1">
+              <a:lnSpc>
+                <a:spcPct val="110000"/>
+              </a:lnSpc>
+              <a:spcBef>
+                <a:spcPts val="1500"/>
+              </a:spcBef>
+              <a:buFont typeface="Arial" panose="020B0604020202020204" pitchFamily="34" charset="0"/>
+              <a:buChar char="•"/>
+              <a:defRPr sz="1800" kern="1200">
+                <a:solidFill>
+                  <a:schemeClr val="tx1"/>
+                </a:solidFill>
+                <a:latin typeface="PT Serif" panose="020A0603040505020204" pitchFamily="18" charset="-52"/>
+                <a:ea typeface="PT Serif" panose="020A0603040505020204" pitchFamily="18" charset="-52"/>
+                <a:cs typeface="+mn-cs"/>
+              </a:defRPr>
+            </a:lvl5pPr>
+            <a:lvl6pPr marL="2514600" indent="-228600" algn="l" defTabSz="914400" rtl="0" eaLnBrk="1" latinLnBrk="0" hangingPunct="1">
+              <a:lnSpc>
+                <a:spcPct val="90000"/>
+              </a:lnSpc>
+              <a:spcBef>
+                <a:spcPts val="500"/>
+              </a:spcBef>
+              <a:buFont typeface="Arial" panose="020B0604020202020204" pitchFamily="34" charset="0"/>
+              <a:buChar char="•"/>
+              <a:defRPr sz="1800" kern="1200">
+                <a:solidFill>
+                  <a:schemeClr val="tx1"/>
+                </a:solidFill>
+                <a:latin typeface="+mn-lt"/>
+                <a:ea typeface="+mn-ea"/>
+                <a:cs typeface="+mn-cs"/>
+              </a:defRPr>
+            </a:lvl6pPr>
+            <a:lvl7pPr marL="2971800" indent="-228600" algn="l" defTabSz="914400" rtl="0" eaLnBrk="1" latinLnBrk="0" hangingPunct="1">
+              <a:lnSpc>
+                <a:spcPct val="90000"/>
+              </a:lnSpc>
+              <a:spcBef>
+                <a:spcPts val="500"/>
+              </a:spcBef>
+              <a:buFont typeface="Arial" panose="020B0604020202020204" pitchFamily="34" charset="0"/>
+              <a:buChar char="•"/>
+              <a:defRPr sz="1800" kern="1200">
+                <a:solidFill>
+                  <a:schemeClr val="tx1"/>
+                </a:solidFill>
+                <a:latin typeface="+mn-lt"/>
+                <a:ea typeface="+mn-ea"/>
+                <a:cs typeface="+mn-cs"/>
+              </a:defRPr>
+            </a:lvl7pPr>
+            <a:lvl8pPr marL="3429000" indent="-228600" algn="l" defTabSz="914400" rtl="0" eaLnBrk="1" latinLnBrk="0" hangingPunct="1">
+              <a:lnSpc>
+                <a:spcPct val="90000"/>
+              </a:lnSpc>
+              <a:spcBef>
+                <a:spcPts val="500"/>
+              </a:spcBef>
+              <a:buFont typeface="Arial" panose="020B0604020202020204" pitchFamily="34" charset="0"/>
+              <a:buChar char="•"/>
+              <a:defRPr sz="1800" kern="1200">
+                <a:solidFill>
+                  <a:schemeClr val="tx1"/>
+                </a:solidFill>
+                <a:latin typeface="+mn-lt"/>
+                <a:ea typeface="+mn-ea"/>
+                <a:cs typeface="+mn-cs"/>
+              </a:defRPr>
+            </a:lvl8pPr>
+            <a:lvl9pPr marL="3886200" indent="-228600" algn="l" defTabSz="914400" rtl="0" eaLnBrk="1" latinLnBrk="0" hangingPunct="1">
+              <a:lnSpc>
+                <a:spcPct val="90000"/>
+              </a:lnSpc>
+              <a:spcBef>
+                <a:spcPts val="500"/>
+              </a:spcBef>
+              <a:buFont typeface="Arial" panose="020B0604020202020204" pitchFamily="34" charset="0"/>
+              <a:buChar char="•"/>
+              <a:defRPr sz="1800" kern="1200">
+                <a:solidFill>
+                  <a:schemeClr val="tx1"/>
+                </a:solidFill>
+                <a:latin typeface="+mn-lt"/>
+                <a:ea typeface="+mn-ea"/>
+                <a:cs typeface="+mn-cs"/>
+              </a:defRPr>
+            </a:lvl9pPr>
+          </a:lstStyle>
+          <a:p>
+            <a:pPr marL="0" indent="0">
+              <a:buFont typeface="Arial" panose="020B0604020202020204" pitchFamily="34" charset="0"/>
+              <a:buNone/>
+            </a:pPr>
+            <a:r>
+              <a:rPr lang="en-US" dirty="0"/>
+              <a:t>    adam_arutyunov</a:t>
+            </a:r>
+            <a:endParaRPr lang="ru-RU" dirty="0"/>
+          </a:p>
+        </p:txBody>
+      </p:sp>
+      <p:pic>
+        <p:nvPicPr>
+          <p:cNvPr id="1028" name="Picture 4">
+            <a:extLst>
+              <a:ext uri="{FF2B5EF4-FFF2-40B4-BE49-F238E27FC236}">
+                <a16:creationId xmlns:a16="http://schemas.microsoft.com/office/drawing/2014/main" id="{9A0C9C7F-B586-4A71-A6E6-172394EAD9A6}"/>
+              </a:ext>
+            </a:extLst>
+          </p:cNvPr>
+          <p:cNvPicPr>
+            <a:picLocks noChangeAspect="1" noChangeArrowheads="1"/>
+          </p:cNvPicPr>
+          <p:nvPr/>
+        </p:nvPicPr>
+        <p:blipFill>
+          <a:blip r:embed="rId2">
+            <a:extLst>
+              <a:ext uri="{28A0092B-C50C-407E-A947-70E740481C1C}">
+                <a14:useLocalDpi xmlns:a14="http://schemas.microsoft.com/office/drawing/2010/main" val="0"/>
+              </a:ext>
+            </a:extLst>
+          </a:blip>
+          <a:srcRect/>
+          <a:stretch>
+            <a:fillRect/>
+          </a:stretch>
+        </p:blipFill>
+        <p:spPr bwMode="auto">
+          <a:xfrm>
+            <a:off x="296811" y="3310299"/>
+            <a:ext cx="450668" cy="450668"/>
+          </a:xfrm>
+          <a:prstGeom prst="rect">
+            <a:avLst/>
+          </a:prstGeom>
+          <a:noFill/>
+          <a:extLst>
+            <a:ext uri="{909E8E84-426E-40DD-AFC4-6F175D3DCCD1}">
+              <a14:hiddenFill xmlns:a14="http://schemas.microsoft.com/office/drawing/2010/main">
+                <a:solidFill>
+                  <a:srgbClr val="FFFFFF"/>
+                </a:solidFill>
+              </a14:hiddenFill>
+            </a:ext>
+          </a:extLst>
+        </p:spPr>
+      </p:pic>
+      <p:pic>
+        <p:nvPicPr>
+          <p:cNvPr id="1030" name="Picture 6">
+            <a:extLst>
+              <a:ext uri="{FF2B5EF4-FFF2-40B4-BE49-F238E27FC236}">
+                <a16:creationId xmlns:a16="http://schemas.microsoft.com/office/drawing/2014/main" id="{115CCA3B-B13E-46F9-B1FF-F6A649BEB88C}"/>
+              </a:ext>
+            </a:extLst>
+          </p:cNvPr>
+          <p:cNvPicPr>
+            <a:picLocks noChangeAspect="1" noChangeArrowheads="1"/>
+          </p:cNvPicPr>
+          <p:nvPr/>
+        </p:nvPicPr>
+        <p:blipFill rotWithShape="1">
+          <a:blip r:embed="rId3">
+            <a:extLst>
+              <a:ext uri="{28A0092B-C50C-407E-A947-70E740481C1C}">
+                <a14:useLocalDpi xmlns:a14="http://schemas.microsoft.com/office/drawing/2010/main" val="0"/>
+              </a:ext>
+            </a:extLst>
+          </a:blip>
+          <a:srcRect l="13302" t="35012" r="12666" b="34861"/>
+          <a:stretch/>
+        </p:blipFill>
+        <p:spPr bwMode="auto">
+          <a:xfrm>
+            <a:off x="446126" y="5339257"/>
+            <a:ext cx="2647407" cy="1077354"/>
+          </a:xfrm>
+          <a:prstGeom prst="rect">
+            <a:avLst/>
+          </a:prstGeom>
+          <a:noFill/>
+          <a:extLst>
+            <a:ext uri="{909E8E84-426E-40DD-AFC4-6F175D3DCCD1}">
+              <a14:hiddenFill xmlns:a14="http://schemas.microsoft.com/office/drawing/2010/main">
+                <a:solidFill>
+                  <a:srgbClr val="FFFFFF"/>
+                </a:solidFill>
+              </a14:hiddenFill>
+            </a:ext>
+          </a:extLst>
+        </p:spPr>
+      </p:pic>
+      <p:pic>
+        <p:nvPicPr>
+          <p:cNvPr id="1032" name="Picture 8">
+            <a:extLst>
+              <a:ext uri="{FF2B5EF4-FFF2-40B4-BE49-F238E27FC236}">
+                <a16:creationId xmlns:a16="http://schemas.microsoft.com/office/drawing/2014/main" id="{231C83F5-0ECE-4E55-9088-47B8D8C1E150}"/>
+              </a:ext>
+            </a:extLst>
+          </p:cNvPr>
+          <p:cNvPicPr>
+            <a:picLocks noChangeAspect="1" noChangeArrowheads="1"/>
+          </p:cNvPicPr>
+          <p:nvPr/>
+        </p:nvPicPr>
+        <p:blipFill rotWithShape="1">
+          <a:blip r:embed="rId4">
+            <a:extLst>
+              <a:ext uri="{28A0092B-C50C-407E-A947-70E740481C1C}">
+                <a14:useLocalDpi xmlns:a14="http://schemas.microsoft.com/office/drawing/2010/main" val="0"/>
+              </a:ext>
+            </a:extLst>
+          </a:blip>
+          <a:srcRect l="5464" t="2941" r="6771" b="5005"/>
+          <a:stretch/>
+        </p:blipFill>
+        <p:spPr bwMode="auto">
+          <a:xfrm>
+            <a:off x="3587385" y="5125720"/>
+            <a:ext cx="1457960" cy="1521823"/>
+          </a:xfrm>
+          <a:prstGeom prst="rect">
+            <a:avLst/>
+          </a:prstGeom>
+          <a:noFill/>
+          <a:extLst>
+            <a:ext uri="{909E8E84-426E-40DD-AFC4-6F175D3DCCD1}">
+              <a14:hiddenFill xmlns:a14="http://schemas.microsoft.com/office/drawing/2010/main">
+                <a:solidFill>
+                  <a:srgbClr val="FFFFFF"/>
+                </a:solidFill>
+              </a14:hiddenFill>
+            </a:ext>
+          </a:extLst>
+        </p:spPr>
+      </p:pic>
+      <p:pic>
+        <p:nvPicPr>
+          <p:cNvPr id="1034" name="Picture 10">
+            <a:extLst>
+              <a:ext uri="{FF2B5EF4-FFF2-40B4-BE49-F238E27FC236}">
+                <a16:creationId xmlns:a16="http://schemas.microsoft.com/office/drawing/2014/main" id="{3ECA9AA7-55E3-4271-ABDB-E8ED98E1BB39}"/>
+              </a:ext>
+            </a:extLst>
+          </p:cNvPr>
+          <p:cNvPicPr>
+            <a:picLocks noChangeAspect="1" noChangeArrowheads="1"/>
+          </p:cNvPicPr>
+          <p:nvPr/>
+        </p:nvPicPr>
+        <p:blipFill>
+          <a:blip r:embed="rId5">
+            <a:extLst>
+              <a:ext uri="{28A0092B-C50C-407E-A947-70E740481C1C}">
+                <a14:useLocalDpi xmlns:a14="http://schemas.microsoft.com/office/drawing/2010/main" val="0"/>
+              </a:ext>
+            </a:extLst>
+          </a:blip>
+          <a:srcRect/>
+          <a:stretch>
+            <a:fillRect/>
+          </a:stretch>
+        </p:blipFill>
+        <p:spPr bwMode="auto">
+          <a:xfrm>
+            <a:off x="5555268" y="5213981"/>
+            <a:ext cx="2646423" cy="1323212"/>
+          </a:xfrm>
+          <a:prstGeom prst="rect">
+            <a:avLst/>
+          </a:prstGeom>
+          <a:noFill/>
+          <a:extLst>
+            <a:ext uri="{909E8E84-426E-40DD-AFC4-6F175D3DCCD1}">
+              <a14:hiddenFill xmlns:a14="http://schemas.microsoft.com/office/drawing/2010/main">
+                <a:solidFill>
+                  <a:srgbClr val="FFFFFF"/>
+                </a:solidFill>
+              </a14:hiddenFill>
+            </a:ext>
+          </a:extLst>
+        </p:spPr>
+      </p:pic>
     </p:spTree>
     <p:extLst>
       <p:ext uri="{BB962C8B-B14F-4D97-AF65-F5344CB8AC3E}">
-        <p14:creationId xmlns:p14="http://schemas.microsoft.com/office/powerpoint/2010/main" val="243315670"/>
+        <p14:creationId xmlns:p14="http://schemas.microsoft.com/office/powerpoint/2010/main" val="381674439"/>
       </p:ext>
     </p:extLst>
   </p:cSld>
@@ -4699,7 +4621,7 @@
 </p:sld>
 </file>
 
-<file path=ppt/slides/slide24.xml><?xml version="1.0" encoding="utf-8"?>
+<file path=ppt/slides/slide2.xml><?xml version="1.0" encoding="utf-8"?>
 <p:sld xmlns:a="http://schemas.openxmlformats.org/drawingml/2006/main" xmlns:r="http://schemas.openxmlformats.org/officeDocument/2006/relationships" xmlns:p="http://schemas.openxmlformats.org/presentationml/2006/main">
   <p:cSld>
     <p:spTree>
@@ -4718,10 +4640,77 @@
       </p:grpSpPr>
       <p:sp>
         <p:nvSpPr>
+          <p:cNvPr id="2" name="Заголовок 1">
+            <a:extLst>
+              <a:ext uri="{FF2B5EF4-FFF2-40B4-BE49-F238E27FC236}">
+                <a16:creationId xmlns:a16="http://schemas.microsoft.com/office/drawing/2014/main" id="{D9D6E8BB-CA66-402A-A80F-81720247CC69}"/>
+              </a:ext>
+            </a:extLst>
+          </p:cNvPr>
+          <p:cNvSpPr>
+            <a:spLocks noGrp="1"/>
+          </p:cNvSpPr>
+          <p:nvPr>
+            <p:ph type="ctrTitle"/>
+          </p:nvPr>
+        </p:nvSpPr>
+        <p:spPr>
+          <a:xfrm>
+            <a:off x="1524000" y="1462006"/>
+            <a:ext cx="9144000" cy="2387600"/>
+          </a:xfrm>
+        </p:spPr>
+        <p:txBody>
+          <a:bodyPr/>
+          <a:lstStyle/>
+          <a:p>
+            <a:r>
+              <a:rPr lang="en-US" sz="9600" dirty="0"/>
+              <a:t>Pycon</a:t>
+            </a:r>
+            <a:endParaRPr lang="ru-RU" dirty="0"/>
+          </a:p>
+        </p:txBody>
+      </p:sp>
+      <p:sp>
+        <p:nvSpPr>
+          <p:cNvPr id="3" name="Подзаголовок 2">
+            <a:extLst>
+              <a:ext uri="{FF2B5EF4-FFF2-40B4-BE49-F238E27FC236}">
+                <a16:creationId xmlns:a16="http://schemas.microsoft.com/office/drawing/2014/main" id="{327B4692-487C-470E-801B-0FDB8C1DA5ED}"/>
+              </a:ext>
+            </a:extLst>
+          </p:cNvPr>
+          <p:cNvSpPr>
+            <a:spLocks noGrp="1"/>
+          </p:cNvSpPr>
+          <p:nvPr>
+            <p:ph type="subTitle" idx="1"/>
+          </p:nvPr>
+        </p:nvSpPr>
+        <p:spPr>
+          <a:xfrm>
+            <a:off x="1524000" y="3941681"/>
+            <a:ext cx="9144000" cy="1655762"/>
+          </a:xfrm>
+        </p:spPr>
+        <p:txBody>
+          <a:bodyPr/>
+          <a:lstStyle/>
+          <a:p>
+            <a:r>
+              <a:rPr lang="ru-RU" dirty="0"/>
+              <a:t>Платформа для обучения программированию</a:t>
+            </a:r>
+          </a:p>
+        </p:txBody>
+      </p:sp>
+      <p:sp>
+        <p:nvSpPr>
           <p:cNvPr id="4" name="TextBox 3">
             <a:extLst>
               <a:ext uri="{FF2B5EF4-FFF2-40B4-BE49-F238E27FC236}">
-                <a16:creationId xmlns:a16="http://schemas.microsoft.com/office/drawing/2014/main" id="{73B9E8D8-4FEB-4F1A-90C3-EC4DC0012F67}"/>
+                <a16:creationId xmlns:a16="http://schemas.microsoft.com/office/drawing/2014/main" id="{271E7B46-CD1F-4316-AB4D-4B0D55B74678}"/>
               </a:ext>
             </a:extLst>
           </p:cNvPr>
@@ -4730,8 +4719,8 @@
         </p:nvSpPr>
         <p:spPr>
           <a:xfrm>
-            <a:off x="2087531" y="2678360"/>
-            <a:ext cx="8016938" cy="1200329"/>
+            <a:off x="7800434" y="5966625"/>
+            <a:ext cx="4052656" cy="369332"/>
           </a:xfrm>
           <a:prstGeom prst="rect">
             <a:avLst/>
@@ -4739,59 +4728,46 @@
           <a:noFill/>
         </p:spPr>
         <p:txBody>
-          <a:bodyPr wrap="none" rtlCol="0">
+          <a:bodyPr wrap="square">
             <a:spAutoFit/>
           </a:bodyPr>
           <a:lstStyle/>
           <a:p>
-            <a:r>
-              <a:rPr lang="ru-RU" sz="7200" dirty="0">
-                <a:latin typeface="Bahnschrift Light" panose="020B0502040204020203" pitchFamily="34" charset="0"/>
+            <a:pPr algn="r"/>
+            <a:r>
+              <a:rPr lang="ru-RU" dirty="0">
+                <a:latin typeface="Golos Text VF" pitchFamily="2" charset="0"/>
+                <a:ea typeface="Golos Text VF" pitchFamily="2" charset="0"/>
               </a:rPr>
-              <a:t>Что будет дальше</a:t>
-            </a:r>
-            <a:endParaRPr lang="ru-RU" dirty="0">
-              <a:latin typeface="Bahnschrift Light" panose="020B0502040204020203" pitchFamily="34" charset="0"/>
+              <a:t>Разработчик</a:t>
+            </a:r>
+            <a:r>
+              <a:rPr lang="en-US" dirty="0">
+                <a:latin typeface="Golos Text VF" pitchFamily="2" charset="0"/>
+                <a:ea typeface="Golos Text VF" pitchFamily="2" charset="0"/>
+              </a:rPr>
+              <a:t>: </a:t>
+            </a:r>
+            <a:r>
+              <a:rPr lang="ru-RU" sz="1800" b="1" dirty="0">
+                <a:latin typeface="Golos Text VF" pitchFamily="2" charset="0"/>
+                <a:ea typeface="Golos Text VF" pitchFamily="2" charset="0"/>
+              </a:rPr>
+              <a:t>Адам Арутюнов</a:t>
+            </a:r>
+            <a:endParaRPr lang="ru-RU" b="1" dirty="0">
+              <a:latin typeface="Golos Text VF" pitchFamily="2" charset="0"/>
+              <a:ea typeface="Golos Text VF" pitchFamily="2" charset="0"/>
             </a:endParaRPr>
           </a:p>
         </p:txBody>
       </p:sp>
-    </p:spTree>
-    <p:extLst>
-      <p:ext uri="{BB962C8B-B14F-4D97-AF65-F5344CB8AC3E}">
-        <p14:creationId xmlns:p14="http://schemas.microsoft.com/office/powerpoint/2010/main" val="2946730053"/>
-      </p:ext>
-    </p:extLst>
-  </p:cSld>
-  <p:clrMapOvr>
-    <a:masterClrMapping/>
-  </p:clrMapOvr>
-</p:sld>
-</file>
-
-<file path=ppt/slides/slide25.xml><?xml version="1.0" encoding="utf-8"?>
-<p:sld xmlns:a="http://schemas.openxmlformats.org/drawingml/2006/main" xmlns:r="http://schemas.openxmlformats.org/officeDocument/2006/relationships" xmlns:p="http://schemas.openxmlformats.org/presentationml/2006/main">
-  <p:cSld>
-    <p:spTree>
-      <p:nvGrpSpPr>
-        <p:cNvPr id="1" name=""/>
-        <p:cNvGrpSpPr/>
-        <p:nvPr/>
-      </p:nvGrpSpPr>
-      <p:grpSpPr>
-        <a:xfrm>
-          <a:off x="0" y="0"/>
-          <a:ext cx="0" cy="0"/>
-          <a:chOff x="0" y="0"/>
-          <a:chExt cx="0" cy="0"/>
-        </a:xfrm>
-      </p:grpSpPr>
-      <p:sp>
-        <p:nvSpPr>
-          <p:cNvPr id="4" name="TextBox 3">
-            <a:extLst>
-              <a:ext uri="{FF2B5EF4-FFF2-40B4-BE49-F238E27FC236}">
-                <a16:creationId xmlns:a16="http://schemas.microsoft.com/office/drawing/2014/main" id="{73B9E8D8-4FEB-4F1A-90C3-EC4DC0012F67}"/>
+      <p:sp>
+        <p:nvSpPr>
+          <p:cNvPr id="5" name="TextBox 4">
+            <a:extLst>
+              <a:ext uri="{FF2B5EF4-FFF2-40B4-BE49-F238E27FC236}">
+                <a16:creationId xmlns:a16="http://schemas.microsoft.com/office/drawing/2014/main" id="{93D5D28E-72D3-4DCA-9EE3-78DB38AECAF8}"/>
               </a:ext>
             </a:extLst>
           </p:cNvPr>
@@ -4800,8 +4776,8 @@
         </p:nvSpPr>
         <p:spPr>
           <a:xfrm>
-            <a:off x="2683848" y="2580706"/>
-            <a:ext cx="6824304" cy="1200329"/>
+            <a:off x="8342309" y="6262349"/>
+            <a:ext cx="3506680" cy="369332"/>
           </a:xfrm>
           <a:prstGeom prst="rect">
             <a:avLst/>
@@ -4809,59 +4785,46 @@
           <a:noFill/>
         </p:spPr>
         <p:txBody>
-          <a:bodyPr wrap="none" rtlCol="0">
+          <a:bodyPr wrap="square">
             <a:spAutoFit/>
           </a:bodyPr>
           <a:lstStyle/>
           <a:p>
-            <a:r>
-              <a:rPr lang="ru-RU" sz="7200" dirty="0">
-                <a:latin typeface="Bahnschrift Light" panose="020B0502040204020203" pitchFamily="34" charset="0"/>
+            <a:pPr algn="r"/>
+            <a:r>
+              <a:rPr lang="ru-RU" sz="1800" dirty="0">
+                <a:latin typeface="Golos Text VF" pitchFamily="2" charset="0"/>
+                <a:ea typeface="Golos Text VF" pitchFamily="2" charset="0"/>
               </a:rPr>
-              <a:t>Использование</a:t>
-            </a:r>
-            <a:endParaRPr lang="ru-RU" dirty="0">
-              <a:latin typeface="Bahnschrift Light" panose="020B0502040204020203" pitchFamily="34" charset="0"/>
+              <a:t>Руководитель</a:t>
+            </a:r>
+            <a:r>
+              <a:rPr lang="en-US" sz="1800" dirty="0">
+                <a:latin typeface="Golos Text VF" pitchFamily="2" charset="0"/>
+                <a:ea typeface="Golos Text VF" pitchFamily="2" charset="0"/>
+              </a:rPr>
+              <a:t>: </a:t>
+            </a:r>
+            <a:r>
+              <a:rPr lang="ru-RU" sz="1800" b="1" dirty="0">
+                <a:latin typeface="Golos Text VF" pitchFamily="2" charset="0"/>
+                <a:ea typeface="Golos Text VF" pitchFamily="2" charset="0"/>
+              </a:rPr>
+              <a:t>Юрий Дашко</a:t>
+            </a:r>
+            <a:endParaRPr lang="ru-RU" b="1" dirty="0">
+              <a:latin typeface="Golos Text VF" pitchFamily="2" charset="0"/>
+              <a:ea typeface="Golos Text VF" pitchFamily="2" charset="0"/>
             </a:endParaRPr>
           </a:p>
         </p:txBody>
       </p:sp>
-    </p:spTree>
-    <p:extLst>
-      <p:ext uri="{BB962C8B-B14F-4D97-AF65-F5344CB8AC3E}">
-        <p14:creationId xmlns:p14="http://schemas.microsoft.com/office/powerpoint/2010/main" val="513197541"/>
-      </p:ext>
-    </p:extLst>
-  </p:cSld>
-  <p:clrMapOvr>
-    <a:masterClrMapping/>
-  </p:clrMapOvr>
-</p:sld>
-</file>
-
-<file path=ppt/slides/slide26.xml><?xml version="1.0" encoding="utf-8"?>
-<p:sld xmlns:a="http://schemas.openxmlformats.org/drawingml/2006/main" xmlns:r="http://schemas.openxmlformats.org/officeDocument/2006/relationships" xmlns:p="http://schemas.openxmlformats.org/presentationml/2006/main">
-  <p:cSld>
-    <p:spTree>
-      <p:nvGrpSpPr>
-        <p:cNvPr id="1" name=""/>
-        <p:cNvGrpSpPr/>
-        <p:nvPr/>
-      </p:nvGrpSpPr>
-      <p:grpSpPr>
-        <a:xfrm>
-          <a:off x="0" y="0"/>
-          <a:ext cx="0" cy="0"/>
-          <a:chOff x="0" y="0"/>
-          <a:chExt cx="0" cy="0"/>
-        </a:xfrm>
-      </p:grpSpPr>
-      <p:sp>
-        <p:nvSpPr>
-          <p:cNvPr id="4" name="TextBox 3">
-            <a:extLst>
-              <a:ext uri="{FF2B5EF4-FFF2-40B4-BE49-F238E27FC236}">
-                <a16:creationId xmlns:a16="http://schemas.microsoft.com/office/drawing/2014/main" id="{73B9E8D8-4FEB-4F1A-90C3-EC4DC0012F67}"/>
+      <p:sp>
+        <p:nvSpPr>
+          <p:cNvPr id="7" name="TextBox 6">
+            <a:extLst>
+              <a:ext uri="{FF2B5EF4-FFF2-40B4-BE49-F238E27FC236}">
+                <a16:creationId xmlns:a16="http://schemas.microsoft.com/office/drawing/2014/main" id="{777E2BDE-5503-4A6D-8506-D4FF608DF8AD}"/>
               </a:ext>
             </a:extLst>
           </p:cNvPr>
@@ -4870,8 +4833,8 @@
         </p:nvSpPr>
         <p:spPr>
           <a:xfrm>
-            <a:off x="1687580" y="1728004"/>
-            <a:ext cx="8816837" cy="1200329"/>
+            <a:off x="243839" y="6262349"/>
+            <a:ext cx="2778034" cy="369332"/>
           </a:xfrm>
           <a:prstGeom prst="rect">
             <a:avLst/>
@@ -4879,99 +4842,21 @@
           <a:noFill/>
         </p:spPr>
         <p:txBody>
-          <a:bodyPr wrap="none" rtlCol="0">
+          <a:bodyPr wrap="square">
             <a:spAutoFit/>
           </a:bodyPr>
           <a:lstStyle/>
           <a:p>
             <a:r>
-              <a:rPr lang="en-US" sz="7200" dirty="0">
-                <a:latin typeface="Bahnschrift Light" panose="020B0502040204020203" pitchFamily="34" charset="0"/>
+              <a:rPr lang="ru-RU" dirty="0">
+                <a:latin typeface="Golos Text VF" pitchFamily="2" charset="0"/>
+                <a:ea typeface="Golos Text VF" pitchFamily="2" charset="0"/>
               </a:rPr>
-              <a:t>pycon.mediapark.pro</a:t>
-            </a:r>
-            <a:endParaRPr lang="ru-RU" dirty="0">
-              <a:latin typeface="Bahnschrift Light" panose="020B0502040204020203" pitchFamily="34" charset="0"/>
-            </a:endParaRPr>
-          </a:p>
-        </p:txBody>
-      </p:sp>
-      <p:sp>
-        <p:nvSpPr>
-          <p:cNvPr id="2" name="TextBox 1">
-            <a:extLst>
-              <a:ext uri="{FF2B5EF4-FFF2-40B4-BE49-F238E27FC236}">
-                <a16:creationId xmlns:a16="http://schemas.microsoft.com/office/drawing/2014/main" id="{63F93FE0-5873-49C2-B13C-408E232D066A}"/>
-              </a:ext>
-            </a:extLst>
-          </p:cNvPr>
-          <p:cNvSpPr txBox="1"/>
-          <p:nvPr/>
-        </p:nvSpPr>
-        <p:spPr>
-          <a:xfrm>
-            <a:off x="3180777" y="3247566"/>
-            <a:ext cx="5830442" cy="769441"/>
-          </a:xfrm>
-          <a:prstGeom prst="rect">
-            <a:avLst/>
-          </a:prstGeom>
-          <a:noFill/>
-        </p:spPr>
-        <p:txBody>
-          <a:bodyPr wrap="none" rtlCol="0">
-            <a:spAutoFit/>
-          </a:bodyPr>
-          <a:lstStyle/>
-          <a:p>
-            <a:r>
-              <a:rPr lang="en-US" sz="4400" dirty="0">
-                <a:latin typeface="Bahnschrift Light" panose="020B0502040204020203" pitchFamily="34" charset="0"/>
-              </a:rPr>
-              <a:t>adam.arut@gmail.com</a:t>
-            </a:r>
-            <a:endParaRPr lang="ru-RU" sz="1050" dirty="0">
-              <a:latin typeface="Bahnschrift Light" panose="020B0502040204020203" pitchFamily="34" charset="0"/>
-            </a:endParaRPr>
-          </a:p>
-        </p:txBody>
-      </p:sp>
-      <p:sp>
-        <p:nvSpPr>
-          <p:cNvPr id="6" name="TextBox 5">
-            <a:extLst>
-              <a:ext uri="{FF2B5EF4-FFF2-40B4-BE49-F238E27FC236}">
-                <a16:creationId xmlns:a16="http://schemas.microsoft.com/office/drawing/2014/main" id="{10BB6D70-2EA4-4069-B4E6-9460C4374ADE}"/>
-              </a:ext>
-            </a:extLst>
-          </p:cNvPr>
-          <p:cNvSpPr txBox="1"/>
-          <p:nvPr/>
-        </p:nvSpPr>
-        <p:spPr>
-          <a:xfrm>
-            <a:off x="3671296" y="4233887"/>
-            <a:ext cx="4849404" cy="769441"/>
-          </a:xfrm>
-          <a:prstGeom prst="rect">
-            <a:avLst/>
-          </a:prstGeom>
-          <a:noFill/>
-        </p:spPr>
-        <p:txBody>
-          <a:bodyPr wrap="none" rtlCol="0">
-            <a:spAutoFit/>
-          </a:bodyPr>
-          <a:lstStyle/>
-          <a:p>
-            <a:r>
-              <a:rPr lang="en-US" sz="4400" dirty="0">
-                <a:latin typeface="Bahnschrift Light" panose="020B0502040204020203" pitchFamily="34" charset="0"/>
-              </a:rPr>
-              <a:t>@adam_arutyunov</a:t>
-            </a:r>
-            <a:endParaRPr lang="ru-RU" sz="1050" dirty="0">
-              <a:latin typeface="Bahnschrift Light" panose="020B0502040204020203" pitchFamily="34" charset="0"/>
+              <a:t>Ростов-на-Дону, 2020</a:t>
+            </a:r>
+            <a:endParaRPr lang="ru-RU" b="1" dirty="0">
+              <a:latin typeface="Golos Text VF" pitchFamily="2" charset="0"/>
+              <a:ea typeface="Golos Text VF" pitchFamily="2" charset="0"/>
             </a:endParaRPr>
           </a:p>
         </p:txBody>
@@ -4979,37 +4864,7 @@
     </p:spTree>
     <p:extLst>
       <p:ext uri="{BB962C8B-B14F-4D97-AF65-F5344CB8AC3E}">
-        <p14:creationId xmlns:p14="http://schemas.microsoft.com/office/powerpoint/2010/main" val="1934820691"/>
-      </p:ext>
-    </p:extLst>
-  </p:cSld>
-  <p:clrMapOvr>
-    <a:masterClrMapping/>
-  </p:clrMapOvr>
-</p:sld>
-</file>
-
-<file path=ppt/slides/slide27.xml><?xml version="1.0" encoding="utf-8"?>
-<p:sld xmlns:a="http://schemas.openxmlformats.org/drawingml/2006/main" xmlns:r="http://schemas.openxmlformats.org/officeDocument/2006/relationships" xmlns:p="http://schemas.openxmlformats.org/presentationml/2006/main">
-  <p:cSld>
-    <p:spTree>
-      <p:nvGrpSpPr>
-        <p:cNvPr id="1" name=""/>
-        <p:cNvGrpSpPr/>
-        <p:nvPr/>
-      </p:nvGrpSpPr>
-      <p:grpSpPr>
-        <a:xfrm>
-          <a:off x="0" y="0"/>
-          <a:ext cx="0" cy="0"/>
-          <a:chOff x="0" y="0"/>
-          <a:chExt cx="0" cy="0"/>
-        </a:xfrm>
-      </p:grpSpPr>
-    </p:spTree>
-    <p:extLst>
-      <p:ext uri="{BB962C8B-B14F-4D97-AF65-F5344CB8AC3E}">
-        <p14:creationId xmlns:p14="http://schemas.microsoft.com/office/powerpoint/2010/main" val="4294461131"/>
+        <p14:creationId xmlns:p14="http://schemas.microsoft.com/office/powerpoint/2010/main" val="918327424"/>
       </p:ext>
     </p:extLst>
   </p:cSld>
@@ -5038,48 +4893,139 @@
       </p:grpSpPr>
       <p:sp>
         <p:nvSpPr>
-          <p:cNvPr id="4" name="TextBox 3">
-            <a:extLst>
-              <a:ext uri="{FF2B5EF4-FFF2-40B4-BE49-F238E27FC236}">
-                <a16:creationId xmlns:a16="http://schemas.microsoft.com/office/drawing/2014/main" id="{73B9E8D8-4FEB-4F1A-90C3-EC4DC0012F67}"/>
-              </a:ext>
-            </a:extLst>
-          </p:cNvPr>
-          <p:cNvSpPr txBox="1"/>
-          <p:nvPr/>
-        </p:nvSpPr>
-        <p:spPr>
-          <a:xfrm>
-            <a:off x="3883695" y="2722301"/>
-            <a:ext cx="4424609" cy="1200329"/>
-          </a:xfrm>
-          <a:prstGeom prst="rect">
-            <a:avLst/>
-          </a:prstGeom>
-          <a:noFill/>
-        </p:spPr>
-        <p:txBody>
-          <a:bodyPr wrap="none" rtlCol="0">
-            <a:spAutoFit/>
+          <p:cNvPr id="2" name="Заголовок 1">
+            <a:extLst>
+              <a:ext uri="{FF2B5EF4-FFF2-40B4-BE49-F238E27FC236}">
+                <a16:creationId xmlns:a16="http://schemas.microsoft.com/office/drawing/2014/main" id="{1FDD066F-7749-495E-85C8-6C9665D25A87}"/>
+              </a:ext>
+            </a:extLst>
+          </p:cNvPr>
+          <p:cNvSpPr>
+            <a:spLocks noGrp="1"/>
+          </p:cNvSpPr>
+          <p:nvPr>
+            <p:ph type="title"/>
+          </p:nvPr>
+        </p:nvSpPr>
+        <p:spPr/>
+        <p:txBody>
+          <a:bodyPr/>
+          <a:lstStyle/>
+          <a:p>
+            <a:r>
+              <a:rPr lang="ru-RU" dirty="0"/>
+              <a:t>Проблема</a:t>
+            </a:r>
+          </a:p>
+        </p:txBody>
+      </p:sp>
+      <p:sp>
+        <p:nvSpPr>
+          <p:cNvPr id="3" name="Объект 2">
+            <a:extLst>
+              <a:ext uri="{FF2B5EF4-FFF2-40B4-BE49-F238E27FC236}">
+                <a16:creationId xmlns:a16="http://schemas.microsoft.com/office/drawing/2014/main" id="{1094C920-441D-451C-B7E1-C7EE0D5608CC}"/>
+              </a:ext>
+            </a:extLst>
+          </p:cNvPr>
+          <p:cNvSpPr>
+            <a:spLocks noGrp="1"/>
+          </p:cNvSpPr>
+          <p:nvPr>
+            <p:ph idx="1"/>
+          </p:nvPr>
+        </p:nvSpPr>
+        <p:spPr>
+          <a:xfrm>
+            <a:off x="838200" y="1930133"/>
+            <a:ext cx="10515600" cy="5032376"/>
+          </a:xfrm>
+        </p:spPr>
+        <p:txBody>
+          <a:bodyPr>
+            <a:normAutofit/>
           </a:bodyPr>
           <a:lstStyle/>
           <a:p>
-            <a:r>
-              <a:rPr lang="ru-RU" sz="7200" dirty="0">
-                <a:latin typeface="Bahnschrift SemiBold" panose="020B0502040204020203" pitchFamily="34" charset="0"/>
-              </a:rPr>
-              <a:t>Проблема</a:t>
-            </a:r>
-            <a:endParaRPr lang="ru-RU" dirty="0">
-              <a:latin typeface="Bahnschrift SemiBold" panose="020B0502040204020203" pitchFamily="34" charset="0"/>
-            </a:endParaRPr>
+            <a:pPr marL="0" indent="0">
+              <a:lnSpc>
+                <a:spcPct val="100000"/>
+              </a:lnSpc>
+              <a:spcBef>
+                <a:spcPts val="1800"/>
+              </a:spcBef>
+              <a:buNone/>
+            </a:pPr>
+            <a:r>
+              <a:rPr lang="ru-RU" dirty="0"/>
+              <a:t>Обучение программированию всегда предполагает </a:t>
+            </a:r>
+            <a:r>
+              <a:rPr lang="ru-RU" i="1" dirty="0"/>
+              <a:t>решение задач.</a:t>
+            </a:r>
+          </a:p>
+          <a:p>
+            <a:pPr marL="0" indent="0">
+              <a:lnSpc>
+                <a:spcPct val="110000"/>
+              </a:lnSpc>
+              <a:spcBef>
+                <a:spcPts val="1800"/>
+              </a:spcBef>
+              <a:buNone/>
+            </a:pPr>
+            <a:r>
+              <a:rPr lang="ru-RU" dirty="0"/>
+              <a:t>Задач обычно много, а времени — мало. Преподаватель не успевает проверить все задачи всех студентов.</a:t>
+            </a:r>
+            <a:endParaRPr lang="en-US" dirty="0"/>
+          </a:p>
+          <a:p>
+            <a:pPr marL="0" indent="0">
+              <a:lnSpc>
+                <a:spcPct val="110000"/>
+              </a:lnSpc>
+              <a:spcBef>
+                <a:spcPts val="1800"/>
+              </a:spcBef>
+              <a:buNone/>
+            </a:pPr>
+            <a:r>
+              <a:rPr lang="ru-RU" dirty="0"/>
+              <a:t>Необходима информационная система, которая берёт на себя большую часть задачи по проверке.</a:t>
+            </a:r>
+          </a:p>
+          <a:p>
+            <a:pPr marL="0" indent="0">
+              <a:lnSpc>
+                <a:spcPct val="100000"/>
+              </a:lnSpc>
+              <a:spcBef>
+                <a:spcPts val="1100"/>
+              </a:spcBef>
+              <a:buNone/>
+            </a:pPr>
+            <a:endParaRPr lang="ru-RU" dirty="0"/>
+          </a:p>
+          <a:p>
+            <a:pPr marL="0" indent="0">
+              <a:lnSpc>
+                <a:spcPct val="100000"/>
+              </a:lnSpc>
+              <a:spcBef>
+                <a:spcPts val="1100"/>
+              </a:spcBef>
+              <a:buNone/>
+            </a:pPr>
+            <a:endParaRPr lang="ru-RU" dirty="0"/>
           </a:p>
         </p:txBody>
       </p:sp>
     </p:spTree>
     <p:extLst>
       <p:ext uri="{BB962C8B-B14F-4D97-AF65-F5344CB8AC3E}">
-        <p14:creationId xmlns:p14="http://schemas.microsoft.com/office/powerpoint/2010/main" val="197061577"/>
+        <p14:creationId xmlns:p14="http://schemas.microsoft.com/office/powerpoint/2010/main" val="869957934"/>
       </p:ext>
     </p:extLst>
   </p:cSld>
@@ -5106,57 +5052,134 @@
           <a:chExt cx="0" cy="0"/>
         </a:xfrm>
       </p:grpSpPr>
-      <p:pic>
-        <p:nvPicPr>
-          <p:cNvPr id="1026" name="Picture 2">
-            <a:extLst>
-              <a:ext uri="{FF2B5EF4-FFF2-40B4-BE49-F238E27FC236}">
-                <a16:creationId xmlns:a16="http://schemas.microsoft.com/office/drawing/2014/main" id="{14B02C45-23E2-4EE9-8957-FAAF1F10D8F7}"/>
-              </a:ext>
-            </a:extLst>
-          </p:cNvPr>
-          <p:cNvPicPr>
-            <a:picLocks noChangeAspect="1" noChangeArrowheads="1"/>
-          </p:cNvPicPr>
-          <p:nvPr/>
-        </p:nvPicPr>
-        <p:blipFill>
-          <a:blip r:embed="rId2">
-            <a:extLst>
-              <a:ext uri="{28A0092B-C50C-407E-A947-70E740481C1C}">
-                <a14:useLocalDpi xmlns:a14="http://schemas.microsoft.com/office/drawing/2010/main" val="0"/>
-              </a:ext>
-            </a:extLst>
-          </a:blip>
-          <a:srcRect/>
-          <a:stretch>
-            <a:fillRect/>
-          </a:stretch>
-        </p:blipFill>
-        <p:spPr bwMode="auto">
-          <a:xfrm>
-            <a:off x="1784350" y="0"/>
-            <a:ext cx="8623300" cy="6858000"/>
-          </a:xfrm>
-          <a:prstGeom prst="rect">
-            <a:avLst/>
-          </a:prstGeom>
-          <a:noFill/>
-          <a:extLst>
-            <a:ext uri="{909E8E84-426E-40DD-AFC4-6F175D3DCCD1}">
-              <a14:hiddenFill xmlns:a14="http://schemas.microsoft.com/office/drawing/2010/main">
-                <a:solidFill>
-                  <a:srgbClr val="FFFFFF"/>
-                </a:solidFill>
-              </a14:hiddenFill>
-            </a:ext>
-          </a:extLst>
-        </p:spPr>
-      </p:pic>
+      <p:sp>
+        <p:nvSpPr>
+          <p:cNvPr id="2" name="Заголовок 1">
+            <a:extLst>
+              <a:ext uri="{FF2B5EF4-FFF2-40B4-BE49-F238E27FC236}">
+                <a16:creationId xmlns:a16="http://schemas.microsoft.com/office/drawing/2014/main" id="{1FDD066F-7749-495E-85C8-6C9665D25A87}"/>
+              </a:ext>
+            </a:extLst>
+          </p:cNvPr>
+          <p:cNvSpPr>
+            <a:spLocks noGrp="1"/>
+          </p:cNvSpPr>
+          <p:nvPr>
+            <p:ph type="title"/>
+          </p:nvPr>
+        </p:nvSpPr>
+        <p:spPr/>
+        <p:txBody>
+          <a:bodyPr/>
+          <a:lstStyle/>
+          <a:p>
+            <a:r>
+              <a:rPr lang="ru-RU" dirty="0"/>
+              <a:t>Решение</a:t>
+            </a:r>
+          </a:p>
+        </p:txBody>
+      </p:sp>
+      <p:sp>
+        <p:nvSpPr>
+          <p:cNvPr id="3" name="Объект 2">
+            <a:extLst>
+              <a:ext uri="{FF2B5EF4-FFF2-40B4-BE49-F238E27FC236}">
+                <a16:creationId xmlns:a16="http://schemas.microsoft.com/office/drawing/2014/main" id="{1094C920-441D-451C-B7E1-C7EE0D5608CC}"/>
+              </a:ext>
+            </a:extLst>
+          </p:cNvPr>
+          <p:cNvSpPr>
+            <a:spLocks noGrp="1"/>
+          </p:cNvSpPr>
+          <p:nvPr>
+            <p:ph idx="1"/>
+          </p:nvPr>
+        </p:nvSpPr>
+        <p:spPr>
+          <a:xfrm>
+            <a:off x="838200" y="1930133"/>
+            <a:ext cx="10515600" cy="5032376"/>
+          </a:xfrm>
+        </p:spPr>
+        <p:txBody>
+          <a:bodyPr>
+            <a:normAutofit/>
+          </a:bodyPr>
+          <a:lstStyle/>
+          <a:p>
+            <a:pPr marL="0" indent="0">
+              <a:lnSpc>
+                <a:spcPct val="100000"/>
+              </a:lnSpc>
+              <a:spcBef>
+                <a:spcPts val="1800"/>
+              </a:spcBef>
+              <a:buNone/>
+            </a:pPr>
+            <a:r>
+              <a:rPr lang="en-US" dirty="0"/>
+              <a:t>Pycon —</a:t>
+            </a:r>
+            <a:r>
+              <a:rPr lang="ru-RU" dirty="0"/>
+              <a:t> платформа для обучения программированию на </a:t>
+            </a:r>
+            <a:r>
+              <a:rPr lang="en-US" dirty="0"/>
+              <a:t>Python </a:t>
+            </a:r>
+            <a:r>
+              <a:rPr lang="ru-RU" dirty="0"/>
+              <a:t>и </a:t>
+            </a:r>
+            <a:r>
+              <a:rPr lang="en-US" dirty="0"/>
+              <a:t>C#, </a:t>
+            </a:r>
+            <a:r>
+              <a:rPr lang="ru-RU" dirty="0"/>
+              <a:t>в которой есть </a:t>
+            </a:r>
+            <a:r>
+              <a:rPr lang="ru-RU" i="1" dirty="0"/>
+              <a:t>задачи, </a:t>
+            </a:r>
+            <a:r>
+              <a:rPr lang="ru-RU" i="1" dirty="0" err="1"/>
+              <a:t>контесты</a:t>
+            </a:r>
+            <a:r>
+              <a:rPr lang="ru-RU" i="1" dirty="0"/>
+              <a:t>, работы,</a:t>
+            </a:r>
+            <a:r>
+              <a:rPr lang="ru-RU" dirty="0"/>
+              <a:t> </a:t>
+            </a:r>
+            <a:r>
+              <a:rPr lang="ru-RU" i="1" dirty="0"/>
+              <a:t>автоматический </a:t>
+            </a:r>
+            <a:r>
+              <a:rPr lang="ru-RU" i="1" dirty="0" err="1"/>
+              <a:t>чекер</a:t>
+            </a:r>
+            <a:r>
+              <a:rPr lang="ru-RU" i="1" dirty="0"/>
+              <a:t> задач </a:t>
+            </a:r>
+            <a:r>
+              <a:rPr lang="ru-RU" dirty="0"/>
+              <a:t>и другие инструменты для работы с большим количеством учащихся.</a:t>
+            </a:r>
+          </a:p>
+        </p:txBody>
+      </p:sp>
     </p:spTree>
     <p:extLst>
       <p:ext uri="{BB962C8B-B14F-4D97-AF65-F5344CB8AC3E}">
-        <p14:creationId xmlns:p14="http://schemas.microsoft.com/office/powerpoint/2010/main" val="2852935938"/>
+        <p14:creationId xmlns:p14="http://schemas.microsoft.com/office/powerpoint/2010/main" val="2023904778"/>
       </p:ext>
     </p:extLst>
   </p:cSld>
@@ -5183,57 +5206,43 @@
           <a:chExt cx="0" cy="0"/>
         </a:xfrm>
       </p:grpSpPr>
-      <p:pic>
-        <p:nvPicPr>
-          <p:cNvPr id="2050" name="Picture 2">
-            <a:extLst>
-              <a:ext uri="{FF2B5EF4-FFF2-40B4-BE49-F238E27FC236}">
-                <a16:creationId xmlns:a16="http://schemas.microsoft.com/office/drawing/2014/main" id="{E34F333C-5D02-4381-B618-2003C3B7F3E4}"/>
-              </a:ext>
-            </a:extLst>
-          </p:cNvPr>
-          <p:cNvPicPr>
-            <a:picLocks noChangeAspect="1" noChangeArrowheads="1"/>
-          </p:cNvPicPr>
-          <p:nvPr/>
-        </p:nvPicPr>
-        <p:blipFill>
-          <a:blip r:embed="rId2">
-            <a:extLst>
-              <a:ext uri="{28A0092B-C50C-407E-A947-70E740481C1C}">
-                <a14:useLocalDpi xmlns:a14="http://schemas.microsoft.com/office/drawing/2010/main" val="0"/>
-              </a:ext>
-            </a:extLst>
-          </a:blip>
-          <a:srcRect/>
-          <a:stretch>
-            <a:fillRect/>
-          </a:stretch>
-        </p:blipFill>
-        <p:spPr bwMode="auto">
-          <a:xfrm>
-            <a:off x="1038225" y="0"/>
-            <a:ext cx="10113963" cy="6858000"/>
-          </a:xfrm>
-          <a:prstGeom prst="rect">
-            <a:avLst/>
-          </a:prstGeom>
-          <a:noFill/>
-          <a:extLst>
-            <a:ext uri="{909E8E84-426E-40DD-AFC4-6F175D3DCCD1}">
-              <a14:hiddenFill xmlns:a14="http://schemas.microsoft.com/office/drawing/2010/main">
-                <a:solidFill>
-                  <a:srgbClr val="FFFFFF"/>
-                </a:solidFill>
-              </a14:hiddenFill>
-            </a:ext>
-          </a:extLst>
-        </p:spPr>
-      </p:pic>
+      <p:sp>
+        <p:nvSpPr>
+          <p:cNvPr id="2" name="Заголовок 1">
+            <a:extLst>
+              <a:ext uri="{FF2B5EF4-FFF2-40B4-BE49-F238E27FC236}">
+                <a16:creationId xmlns:a16="http://schemas.microsoft.com/office/drawing/2014/main" id="{5B95DC47-FA37-47A6-A261-B0D40EA8541D}"/>
+              </a:ext>
+            </a:extLst>
+          </p:cNvPr>
+          <p:cNvSpPr>
+            <a:spLocks noGrp="1"/>
+          </p:cNvSpPr>
+          <p:nvPr>
+            <p:ph type="ctrTitle"/>
+          </p:nvPr>
+        </p:nvSpPr>
+        <p:spPr>
+          <a:xfrm>
+            <a:off x="1524000" y="1679712"/>
+            <a:ext cx="9144000" cy="2387600"/>
+          </a:xfrm>
+        </p:spPr>
+        <p:txBody>
+          <a:bodyPr/>
+          <a:lstStyle/>
+          <a:p>
+            <a:r>
+              <a:rPr lang="ru-RU" dirty="0"/>
+              <a:t>Демонстрация</a:t>
+            </a:r>
+          </a:p>
+        </p:txBody>
+      </p:sp>
     </p:spTree>
     <p:extLst>
       <p:ext uri="{BB962C8B-B14F-4D97-AF65-F5344CB8AC3E}">
-        <p14:creationId xmlns:p14="http://schemas.microsoft.com/office/powerpoint/2010/main" val="2779184479"/>
+        <p14:creationId xmlns:p14="http://schemas.microsoft.com/office/powerpoint/2010/main" val="3924614989"/>
       </p:ext>
     </p:extLst>
   </p:cSld>
@@ -5262,10 +5271,10 @@
       </p:grpSpPr>
       <p:pic>
         <p:nvPicPr>
-          <p:cNvPr id="4" name="Рисунок 3">
-            <a:extLst>
-              <a:ext uri="{FF2B5EF4-FFF2-40B4-BE49-F238E27FC236}">
-                <a16:creationId xmlns:a16="http://schemas.microsoft.com/office/drawing/2014/main" id="{D727932C-8E40-48E3-A679-3A147A508583}"/>
+          <p:cNvPr id="5" name="Рисунок 4">
+            <a:extLst>
+              <a:ext uri="{FF2B5EF4-FFF2-40B4-BE49-F238E27FC236}">
+                <a16:creationId xmlns:a16="http://schemas.microsoft.com/office/drawing/2014/main" id="{BBE827A6-53ED-4B91-BEF4-EAAF8B28CD06}"/>
               </a:ext>
             </a:extLst>
           </p:cNvPr>
@@ -5282,8 +5291,8 @@
         </p:blipFill>
         <p:spPr>
           <a:xfrm>
-            <a:off x="124326" y="0"/>
-            <a:ext cx="11943347" cy="6858000"/>
+            <a:off x="0" y="0"/>
+            <a:ext cx="15581780" cy="6858000"/>
           </a:xfrm>
           <a:prstGeom prst="rect">
             <a:avLst/>
@@ -5293,7 +5302,7 @@
     </p:spTree>
     <p:extLst>
       <p:ext uri="{BB962C8B-B14F-4D97-AF65-F5344CB8AC3E}">
-        <p14:creationId xmlns:p14="http://schemas.microsoft.com/office/powerpoint/2010/main" val="968235899"/>
+        <p14:creationId xmlns:p14="http://schemas.microsoft.com/office/powerpoint/2010/main" val="2051378908"/>
       </p:ext>
     </p:extLst>
   </p:cSld>
@@ -5320,70 +5329,136 @@
           <a:chExt cx="0" cy="0"/>
         </a:xfrm>
       </p:grpSpPr>
-      <p:pic>
-        <p:nvPicPr>
-          <p:cNvPr id="4" name="Рисунок 3">
-            <a:extLst>
-              <a:ext uri="{FF2B5EF4-FFF2-40B4-BE49-F238E27FC236}">
-                <a16:creationId xmlns:a16="http://schemas.microsoft.com/office/drawing/2014/main" id="{00B84C84-F372-4FAD-91DE-82660920C5A6}"/>
-              </a:ext>
-            </a:extLst>
-          </p:cNvPr>
-          <p:cNvPicPr>
-            <a:picLocks noChangeAspect="1"/>
-          </p:cNvPicPr>
-          <p:nvPr/>
-        </p:nvPicPr>
-        <p:blipFill>
-          <a:blip r:embed="rId2"/>
-          <a:stretch>
-            <a:fillRect/>
-          </a:stretch>
-        </p:blipFill>
-        <p:spPr>
-          <a:xfrm>
-            <a:off x="493505" y="11096"/>
-            <a:ext cx="11133971" cy="6858000"/>
-          </a:xfrm>
-          <a:prstGeom prst="rect">
-            <a:avLst/>
-          </a:prstGeom>
-        </p:spPr>
-      </p:pic>
-      <p:pic>
-        <p:nvPicPr>
-          <p:cNvPr id="5" name="Рисунок 4">
-            <a:extLst>
-              <a:ext uri="{FF2B5EF4-FFF2-40B4-BE49-F238E27FC236}">
-                <a16:creationId xmlns:a16="http://schemas.microsoft.com/office/drawing/2014/main" id="{F17A9D74-9EEB-4C29-AB68-477FC8E8B2D2}"/>
-              </a:ext>
-            </a:extLst>
-          </p:cNvPr>
-          <p:cNvPicPr>
-            <a:picLocks noChangeAspect="1"/>
-          </p:cNvPicPr>
-          <p:nvPr/>
-        </p:nvPicPr>
-        <p:blipFill>
-          <a:blip r:embed="rId3"/>
-          <a:stretch>
-            <a:fillRect/>
-          </a:stretch>
-        </p:blipFill>
-        <p:spPr>
-          <a:xfrm>
-            <a:off x="4933513" y="239696"/>
-            <a:ext cx="5591955" cy="3324689"/>
-          </a:xfrm>
-          <a:prstGeom prst="rect">
-            <a:avLst/>
-          </a:prstGeom>
-        </p:spPr>
-      </p:pic>
+      <p:sp>
+        <p:nvSpPr>
+          <p:cNvPr id="2" name="Заголовок 1">
+            <a:extLst>
+              <a:ext uri="{FF2B5EF4-FFF2-40B4-BE49-F238E27FC236}">
+                <a16:creationId xmlns:a16="http://schemas.microsoft.com/office/drawing/2014/main" id="{1FDD066F-7749-495E-85C8-6C9665D25A87}"/>
+              </a:ext>
+            </a:extLst>
+          </p:cNvPr>
+          <p:cNvSpPr>
+            <a:spLocks noGrp="1"/>
+          </p:cNvSpPr>
+          <p:nvPr>
+            <p:ph type="title"/>
+          </p:nvPr>
+        </p:nvSpPr>
+        <p:spPr/>
+        <p:txBody>
+          <a:bodyPr/>
+          <a:lstStyle/>
+          <a:p>
+            <a:r>
+              <a:rPr lang="ru-RU" dirty="0"/>
+              <a:t>Уникальность</a:t>
+            </a:r>
+          </a:p>
+        </p:txBody>
+      </p:sp>
+      <p:sp>
+        <p:nvSpPr>
+          <p:cNvPr id="3" name="Объект 2">
+            <a:extLst>
+              <a:ext uri="{FF2B5EF4-FFF2-40B4-BE49-F238E27FC236}">
+                <a16:creationId xmlns:a16="http://schemas.microsoft.com/office/drawing/2014/main" id="{1094C920-441D-451C-B7E1-C7EE0D5608CC}"/>
+              </a:ext>
+            </a:extLst>
+          </p:cNvPr>
+          <p:cNvSpPr>
+            <a:spLocks noGrp="1"/>
+          </p:cNvSpPr>
+          <p:nvPr>
+            <p:ph idx="1"/>
+          </p:nvPr>
+        </p:nvSpPr>
+        <p:spPr>
+          <a:xfrm>
+            <a:off x="838200" y="1930133"/>
+            <a:ext cx="10515600" cy="5032376"/>
+          </a:xfrm>
+        </p:spPr>
+        <p:txBody>
+          <a:bodyPr>
+            <a:normAutofit/>
+          </a:bodyPr>
+          <a:lstStyle/>
+          <a:p>
+            <a:pPr marL="0" indent="0">
+              <a:lnSpc>
+                <a:spcPct val="100000"/>
+              </a:lnSpc>
+              <a:spcBef>
+                <a:spcPts val="1800"/>
+              </a:spcBef>
+              <a:buNone/>
+            </a:pPr>
+            <a:r>
+              <a:rPr lang="en-US" dirty="0"/>
+              <a:t>Pycon </a:t>
+            </a:r>
+            <a:r>
+              <a:rPr lang="ru-RU" dirty="0"/>
+              <a:t>уникален в первую очередь из-за своей гибкости.</a:t>
+            </a:r>
+          </a:p>
+          <a:p>
+            <a:pPr marL="0" indent="0">
+              <a:lnSpc>
+                <a:spcPct val="100000"/>
+              </a:lnSpc>
+              <a:spcBef>
+                <a:spcPts val="1800"/>
+              </a:spcBef>
+              <a:buNone/>
+            </a:pPr>
+            <a:r>
+              <a:rPr lang="ru-RU" dirty="0"/>
+              <a:t>Существующие решения (готовые площадки или информационные системы с </a:t>
+            </a:r>
+            <a:r>
+              <a:rPr lang="en-US" dirty="0"/>
+              <a:t>API</a:t>
+            </a:r>
+            <a:r>
+              <a:rPr lang="ru-RU" dirty="0"/>
+              <a:t>)</a:t>
+            </a:r>
+            <a:r>
+              <a:rPr lang="en-US" dirty="0"/>
+              <a:t> </a:t>
+            </a:r>
+            <a:r>
+              <a:rPr lang="ru-RU" dirty="0"/>
+              <a:t>заставляют адаптироваться под их формат работы.</a:t>
+            </a:r>
+          </a:p>
+          <a:p>
+            <a:pPr marL="0" indent="0">
+              <a:lnSpc>
+                <a:spcPct val="100000"/>
+              </a:lnSpc>
+              <a:spcBef>
+                <a:spcPts val="1800"/>
+              </a:spcBef>
+              <a:buNone/>
+            </a:pPr>
+            <a:r>
+              <a:rPr lang="en-US" dirty="0"/>
+              <a:t>Pycon </a:t>
+            </a:r>
+            <a:r>
+              <a:rPr lang="ru-RU" dirty="0"/>
+              <a:t>разработан специально для интеграции в образовательные учреждения, поэтому адаптируется под его запросы и осуществляет его основные функции — обучение и контроль.</a:t>
+            </a:r>
+          </a:p>
+        </p:txBody>
+      </p:sp>
     </p:spTree>
     <p:extLst>
       <p:ext uri="{BB962C8B-B14F-4D97-AF65-F5344CB8AC3E}">
-        <p14:creationId xmlns:p14="http://schemas.microsoft.com/office/powerpoint/2010/main" val="2582799430"/>
+        <p14:creationId xmlns:p14="http://schemas.microsoft.com/office/powerpoint/2010/main" val="448969728"/>
       </p:ext>
     </p:extLst>
   </p:cSld>
@@ -5410,40 +5485,224 @@
           <a:chExt cx="0" cy="0"/>
         </a:xfrm>
       </p:grpSpPr>
-      <p:pic>
-        <p:nvPicPr>
-          <p:cNvPr id="4" name="Рисунок 3">
-            <a:extLst>
-              <a:ext uri="{FF2B5EF4-FFF2-40B4-BE49-F238E27FC236}">
-                <a16:creationId xmlns:a16="http://schemas.microsoft.com/office/drawing/2014/main" id="{27DA1880-83E0-4788-8761-315AD79A88F6}"/>
-              </a:ext>
-            </a:extLst>
-          </p:cNvPr>
-          <p:cNvPicPr>
-            <a:picLocks noChangeAspect="1"/>
-          </p:cNvPicPr>
-          <p:nvPr/>
-        </p:nvPicPr>
-        <p:blipFill>
-          <a:blip r:embed="rId2"/>
-          <a:stretch>
-            <a:fillRect/>
-          </a:stretch>
-        </p:blipFill>
-        <p:spPr>
-          <a:xfrm>
-            <a:off x="0" y="503177"/>
-            <a:ext cx="12192000" cy="5851646"/>
-          </a:xfrm>
-          <a:prstGeom prst="rect">
-            <a:avLst/>
-          </a:prstGeom>
-        </p:spPr>
-      </p:pic>
+      <p:sp>
+        <p:nvSpPr>
+          <p:cNvPr id="2" name="Заголовок 1">
+            <a:extLst>
+              <a:ext uri="{FF2B5EF4-FFF2-40B4-BE49-F238E27FC236}">
+                <a16:creationId xmlns:a16="http://schemas.microsoft.com/office/drawing/2014/main" id="{1FDD066F-7749-495E-85C8-6C9665D25A87}"/>
+              </a:ext>
+            </a:extLst>
+          </p:cNvPr>
+          <p:cNvSpPr>
+            <a:spLocks noGrp="1"/>
+          </p:cNvSpPr>
+          <p:nvPr>
+            <p:ph type="title"/>
+          </p:nvPr>
+        </p:nvSpPr>
+        <p:spPr/>
+        <p:txBody>
+          <a:bodyPr/>
+          <a:lstStyle/>
+          <a:p>
+            <a:r>
+              <a:rPr lang="ru-RU" dirty="0"/>
+              <a:t>Тестирование</a:t>
+            </a:r>
+          </a:p>
+        </p:txBody>
+      </p:sp>
+      <p:sp>
+        <p:nvSpPr>
+          <p:cNvPr id="3" name="Объект 2">
+            <a:extLst>
+              <a:ext uri="{FF2B5EF4-FFF2-40B4-BE49-F238E27FC236}">
+                <a16:creationId xmlns:a16="http://schemas.microsoft.com/office/drawing/2014/main" id="{1094C920-441D-451C-B7E1-C7EE0D5608CC}"/>
+              </a:ext>
+            </a:extLst>
+          </p:cNvPr>
+          <p:cNvSpPr>
+            <a:spLocks noGrp="1"/>
+          </p:cNvSpPr>
+          <p:nvPr>
+            <p:ph idx="1"/>
+          </p:nvPr>
+        </p:nvSpPr>
+        <p:spPr>
+          <a:xfrm>
+            <a:off x="838200" y="1930133"/>
+            <a:ext cx="10515600" cy="5032376"/>
+          </a:xfrm>
+        </p:spPr>
+        <p:txBody>
+          <a:bodyPr>
+            <a:normAutofit/>
+          </a:bodyPr>
+          <a:lstStyle/>
+          <a:p>
+            <a:pPr marL="0" indent="0">
+              <a:lnSpc>
+                <a:spcPct val="100000"/>
+              </a:lnSpc>
+              <a:spcBef>
+                <a:spcPts val="1800"/>
+              </a:spcBef>
+              <a:buNone/>
+            </a:pPr>
+            <a:r>
+              <a:rPr lang="ru-RU" dirty="0"/>
+              <a:t>В период с 28 октября по сегодняшний день проходит бета-тестирование </a:t>
+            </a:r>
+            <a:r>
+              <a:rPr lang="en-US" dirty="0"/>
+              <a:t>Pycon. </a:t>
+            </a:r>
+            <a:r>
+              <a:rPr lang="ru-RU" dirty="0"/>
+              <a:t>За время тестирования</a:t>
+            </a:r>
+            <a:r>
+              <a:rPr lang="en-US" dirty="0"/>
+              <a:t>:</a:t>
+            </a:r>
+            <a:endParaRPr lang="ru-RU" dirty="0"/>
+          </a:p>
+          <a:p>
+            <a:pPr marL="0" indent="0">
+              <a:lnSpc>
+                <a:spcPct val="100000"/>
+              </a:lnSpc>
+              <a:spcBef>
+                <a:spcPts val="1800"/>
+              </a:spcBef>
+              <a:buNone/>
+            </a:pPr>
+            <a:endParaRPr lang="en-US" dirty="0"/>
+          </a:p>
+          <a:p>
+            <a:pPr marL="0" indent="0">
+              <a:lnSpc>
+                <a:spcPct val="100000"/>
+              </a:lnSpc>
+              <a:spcBef>
+                <a:spcPts val="1800"/>
+              </a:spcBef>
+              <a:buNone/>
+            </a:pPr>
+            <a:r>
+              <a:rPr lang="en-US" dirty="0"/>
+              <a:t>— </a:t>
+            </a:r>
+            <a:r>
+              <a:rPr lang="ru-RU" dirty="0"/>
+              <a:t>зарегистрировались более 300</a:t>
+            </a:r>
+            <a:r>
+              <a:rPr lang="ru-RU" i="1" dirty="0"/>
+              <a:t> человек</a:t>
+            </a:r>
+            <a:r>
+              <a:rPr lang="en-US" dirty="0"/>
+              <a:t>;</a:t>
+            </a:r>
+          </a:p>
+          <a:p>
+            <a:pPr marL="0" indent="0">
+              <a:lnSpc>
+                <a:spcPct val="100000"/>
+              </a:lnSpc>
+              <a:spcBef>
+                <a:spcPts val="1800"/>
+              </a:spcBef>
+              <a:buNone/>
+            </a:pPr>
+            <a:r>
+              <a:rPr lang="en-US" dirty="0"/>
+              <a:t>— </a:t>
+            </a:r>
+            <a:r>
+              <a:rPr lang="ru-RU" dirty="0"/>
+              <a:t>было отправлено более </a:t>
+            </a:r>
+            <a:r>
+              <a:rPr lang="ru-RU" i="1" dirty="0"/>
+              <a:t>10000 посылок</a:t>
+            </a:r>
+            <a:r>
+              <a:rPr lang="en-US" i="1" dirty="0"/>
+              <a:t>;</a:t>
+            </a:r>
+          </a:p>
+          <a:p>
+            <a:pPr marL="0" indent="0">
+              <a:lnSpc>
+                <a:spcPct val="100000"/>
+              </a:lnSpc>
+              <a:spcBef>
+                <a:spcPts val="1800"/>
+              </a:spcBef>
+              <a:buNone/>
+            </a:pPr>
+            <a:r>
+              <a:rPr lang="en-US" i="1" dirty="0"/>
+              <a:t>—</a:t>
+            </a:r>
+            <a:r>
+              <a:rPr lang="ru-RU" dirty="0"/>
+              <a:t> получено </a:t>
+            </a:r>
+            <a:r>
+              <a:rPr lang="ru-RU" i="1" dirty="0"/>
+              <a:t>4500 правильных решений</a:t>
+            </a:r>
+            <a:r>
+              <a:rPr lang="en-US" i="1" dirty="0"/>
+              <a:t>;</a:t>
+            </a:r>
+          </a:p>
+          <a:p>
+            <a:pPr marL="0" indent="0">
+              <a:lnSpc>
+                <a:spcPct val="100000"/>
+              </a:lnSpc>
+              <a:spcBef>
+                <a:spcPts val="1800"/>
+              </a:spcBef>
+              <a:buNone/>
+            </a:pPr>
+            <a:r>
+              <a:rPr lang="en-US" i="1" dirty="0"/>
+              <a:t>— </a:t>
+            </a:r>
+            <a:r>
+              <a:rPr lang="ru-RU" dirty="0"/>
+              <a:t>проведено </a:t>
+            </a:r>
+            <a:r>
+              <a:rPr lang="ru-RU" i="1" dirty="0"/>
+              <a:t>9 работ </a:t>
+            </a:r>
+            <a:r>
+              <a:rPr lang="ru-RU" dirty="0"/>
+              <a:t>по языку </a:t>
+            </a:r>
+            <a:r>
+              <a:rPr lang="en-US" dirty="0"/>
+              <a:t>Python</a:t>
+            </a:r>
+            <a:r>
+              <a:rPr lang="ru-RU" dirty="0"/>
+              <a:t>.</a:t>
+            </a:r>
+            <a:endParaRPr lang="en-US" i="1" dirty="0"/>
+          </a:p>
+        </p:txBody>
+      </p:sp>
     </p:spTree>
     <p:extLst>
       <p:ext uri="{BB962C8B-B14F-4D97-AF65-F5344CB8AC3E}">
-        <p14:creationId xmlns:p14="http://schemas.microsoft.com/office/powerpoint/2010/main" val="2858618721"/>
+        <p14:creationId xmlns:p14="http://schemas.microsoft.com/office/powerpoint/2010/main" val="63073084"/>
       </p:ext>
     </p:extLst>
   </p:cSld>
@@ -5472,10 +5731,10 @@
       </p:grpSpPr>
       <p:pic>
         <p:nvPicPr>
-          <p:cNvPr id="5" name="Рисунок 4">
-            <a:extLst>
-              <a:ext uri="{FF2B5EF4-FFF2-40B4-BE49-F238E27FC236}">
-                <a16:creationId xmlns:a16="http://schemas.microsoft.com/office/drawing/2014/main" id="{895FF989-1C3E-44C6-8A57-DD72A8BD8628}"/>
+          <p:cNvPr id="11" name="Рисунок 10">
+            <a:extLst>
+              <a:ext uri="{FF2B5EF4-FFF2-40B4-BE49-F238E27FC236}">
+                <a16:creationId xmlns:a16="http://schemas.microsoft.com/office/drawing/2014/main" id="{4C3BF37C-37FD-488B-B3D3-35DC59507E31}"/>
               </a:ext>
             </a:extLst>
           </p:cNvPr>
@@ -5485,15 +5744,21 @@
           <p:nvPr/>
         </p:nvPicPr>
         <p:blipFill>
-          <a:blip r:embed="rId2"/>
+          <a:blip r:embed="rId2">
+            <a:extLst>
+              <a:ext uri="{28A0092B-C50C-407E-A947-70E740481C1C}">
+                <a14:useLocalDpi xmlns:a14="http://schemas.microsoft.com/office/drawing/2010/main" val="0"/>
+              </a:ext>
+            </a:extLst>
+          </a:blip>
           <a:stretch>
             <a:fillRect/>
           </a:stretch>
         </p:blipFill>
         <p:spPr>
-          <a:xfrm>
-            <a:off x="6158146" y="933080"/>
-            <a:ext cx="4328535" cy="4839119"/>
+          <a:xfrm rot="20932741">
+            <a:off x="7122937" y="833119"/>
+            <a:ext cx="2612500" cy="5232400"/>
           </a:xfrm>
           <a:prstGeom prst="rect">
             <a:avLst/>
@@ -5502,10 +5767,10 @@
       </p:pic>
       <p:pic>
         <p:nvPicPr>
-          <p:cNvPr id="2" name="Рисунок 1">
-            <a:extLst>
-              <a:ext uri="{FF2B5EF4-FFF2-40B4-BE49-F238E27FC236}">
-                <a16:creationId xmlns:a16="http://schemas.microsoft.com/office/drawing/2014/main" id="{204D66C9-52BF-44D5-ACBA-FCECD8C7A7FE}"/>
+          <p:cNvPr id="13" name="Рисунок 12">
+            <a:extLst>
+              <a:ext uri="{FF2B5EF4-FFF2-40B4-BE49-F238E27FC236}">
+                <a16:creationId xmlns:a16="http://schemas.microsoft.com/office/drawing/2014/main" id="{63BFA500-9598-4EC7-9CBB-B7E8B0B14841}"/>
               </a:ext>
             </a:extLst>
           </p:cNvPr>
@@ -5515,25 +5780,280 @@
           <p:nvPr/>
         </p:nvPicPr>
         <p:blipFill>
-          <a:blip r:embed="rId3"/>
+          <a:blip r:embed="rId3">
+            <a:extLst>
+              <a:ext uri="{28A0092B-C50C-407E-A947-70E740481C1C}">
+                <a14:useLocalDpi xmlns:a14="http://schemas.microsoft.com/office/drawing/2010/main" val="0"/>
+              </a:ext>
+            </a:extLst>
+          </a:blip>
           <a:stretch>
             <a:fillRect/>
           </a:stretch>
         </p:blipFill>
         <p:spPr>
-          <a:xfrm>
-            <a:off x="1705319" y="410592"/>
-            <a:ext cx="3686482" cy="6036816"/>
+          <a:xfrm rot="353382">
+            <a:off x="9270936" y="425764"/>
+            <a:ext cx="3448050" cy="6276975"/>
           </a:xfrm>
           <a:prstGeom prst="rect">
             <a:avLst/>
           </a:prstGeom>
         </p:spPr>
       </p:pic>
+      <p:sp>
+        <p:nvSpPr>
+          <p:cNvPr id="14" name="Заголовок 1">
+            <a:extLst>
+              <a:ext uri="{FF2B5EF4-FFF2-40B4-BE49-F238E27FC236}">
+                <a16:creationId xmlns:a16="http://schemas.microsoft.com/office/drawing/2014/main" id="{57ABDD76-D44F-4560-B10A-7B4CD0729E6C}"/>
+              </a:ext>
+            </a:extLst>
+          </p:cNvPr>
+          <p:cNvSpPr>
+            <a:spLocks noGrp="1"/>
+          </p:cNvSpPr>
+          <p:nvPr>
+            <p:ph type="title"/>
+          </p:nvPr>
+        </p:nvSpPr>
+        <p:spPr>
+          <a:xfrm>
+            <a:off x="838200" y="365125"/>
+            <a:ext cx="10515600" cy="1325563"/>
+          </a:xfrm>
+        </p:spPr>
+        <p:txBody>
+          <a:bodyPr/>
+          <a:lstStyle/>
+          <a:p>
+            <a:r>
+              <a:rPr lang="ru-RU" dirty="0"/>
+              <a:t>Акселерация</a:t>
+            </a:r>
+          </a:p>
+        </p:txBody>
+      </p:sp>
+      <p:sp>
+        <p:nvSpPr>
+          <p:cNvPr id="17" name="Объект 2">
+            <a:extLst>
+              <a:ext uri="{FF2B5EF4-FFF2-40B4-BE49-F238E27FC236}">
+                <a16:creationId xmlns:a16="http://schemas.microsoft.com/office/drawing/2014/main" id="{6FF21E40-9525-41E6-9861-7A7FD849EFFB}"/>
+              </a:ext>
+            </a:extLst>
+          </p:cNvPr>
+          <p:cNvSpPr>
+            <a:spLocks noGrp="1"/>
+          </p:cNvSpPr>
+          <p:nvPr>
+            <p:ph idx="1"/>
+          </p:nvPr>
+        </p:nvSpPr>
+        <p:spPr>
+          <a:xfrm>
+            <a:off x="838200" y="1930133"/>
+            <a:ext cx="6080760" cy="4562742"/>
+          </a:xfrm>
+        </p:spPr>
+        <p:txBody>
+          <a:bodyPr>
+            <a:normAutofit lnSpcReduction="10000"/>
+          </a:bodyPr>
+          <a:lstStyle/>
+          <a:p>
+            <a:pPr marL="0" indent="0">
+              <a:lnSpc>
+                <a:spcPct val="100000"/>
+              </a:lnSpc>
+              <a:spcBef>
+                <a:spcPts val="1800"/>
+              </a:spcBef>
+              <a:buNone/>
+            </a:pPr>
+            <a:r>
+              <a:rPr lang="ru-RU" sz="2400" dirty="0"/>
+              <a:t>Главное, что было сделано</a:t>
+            </a:r>
+            <a:r>
+              <a:rPr lang="en-US" sz="2400" dirty="0"/>
+              <a:t>:</a:t>
+            </a:r>
+          </a:p>
+          <a:p>
+            <a:pPr marL="0" indent="0">
+              <a:lnSpc>
+                <a:spcPct val="100000"/>
+              </a:lnSpc>
+              <a:spcBef>
+                <a:spcPts val="1800"/>
+              </a:spcBef>
+              <a:buNone/>
+            </a:pPr>
+            <a:r>
+              <a:rPr lang="en-US" sz="2400" dirty="0"/>
+              <a:t>— </a:t>
+            </a:r>
+            <a:r>
+              <a:rPr lang="ru-RU" sz="2400" dirty="0"/>
+              <a:t>создана система </a:t>
+            </a:r>
+            <a:r>
+              <a:rPr lang="ru-RU" sz="2400" i="1" dirty="0"/>
+              <a:t>работ</a:t>
+            </a:r>
+            <a:r>
+              <a:rPr lang="en-US" sz="2400" dirty="0"/>
+              <a:t>;</a:t>
+            </a:r>
+          </a:p>
+          <a:p>
+            <a:pPr marL="0" indent="0">
+              <a:lnSpc>
+                <a:spcPct val="100000"/>
+              </a:lnSpc>
+              <a:spcBef>
+                <a:spcPts val="1800"/>
+              </a:spcBef>
+              <a:buNone/>
+            </a:pPr>
+            <a:r>
+              <a:rPr lang="en-US" sz="2400" dirty="0"/>
+              <a:t>— </a:t>
+            </a:r>
+            <a:r>
+              <a:rPr lang="ru-RU" sz="2400" dirty="0"/>
+              <a:t>система прав и ролей</a:t>
+            </a:r>
+            <a:r>
+              <a:rPr lang="en-US" sz="2400" i="1" dirty="0"/>
+              <a:t>;</a:t>
+            </a:r>
+          </a:p>
+          <a:p>
+            <a:pPr marL="0" indent="0">
+              <a:lnSpc>
+                <a:spcPct val="100000"/>
+              </a:lnSpc>
+              <a:spcBef>
+                <a:spcPts val="1800"/>
+              </a:spcBef>
+              <a:buNone/>
+            </a:pPr>
+            <a:r>
+              <a:rPr lang="en-US" sz="2400" i="1" dirty="0"/>
+              <a:t>—</a:t>
+            </a:r>
+            <a:r>
+              <a:rPr lang="ru-RU" sz="2400" dirty="0"/>
+              <a:t> улучшение </a:t>
+            </a:r>
+            <a:r>
+              <a:rPr lang="ru-RU" sz="2400" dirty="0" err="1"/>
+              <a:t>чекера</a:t>
+            </a:r>
+            <a:r>
+              <a:rPr lang="en-US" sz="2400" i="1" dirty="0"/>
+              <a:t>;</a:t>
+            </a:r>
+          </a:p>
+          <a:p>
+            <a:pPr marL="0" indent="0">
+              <a:lnSpc>
+                <a:spcPct val="100000"/>
+              </a:lnSpc>
+              <a:spcBef>
+                <a:spcPts val="1800"/>
+              </a:spcBef>
+              <a:buNone/>
+            </a:pPr>
+            <a:r>
+              <a:rPr lang="en-US" sz="2400" i="1" dirty="0"/>
+              <a:t>— </a:t>
+            </a:r>
+            <a:r>
+              <a:rPr lang="ru-RU" sz="2400" dirty="0"/>
+              <a:t>раздел новостей</a:t>
+            </a:r>
+            <a:r>
+              <a:rPr lang="en-US" sz="2400" dirty="0"/>
+              <a:t>;</a:t>
+            </a:r>
+          </a:p>
+          <a:p>
+            <a:pPr marL="0" indent="0">
+              <a:lnSpc>
+                <a:spcPct val="100000"/>
+              </a:lnSpc>
+              <a:spcBef>
+                <a:spcPts val="1800"/>
+              </a:spcBef>
+              <a:buNone/>
+            </a:pPr>
+            <a:r>
+              <a:rPr lang="en-US" sz="2400" i="1" dirty="0"/>
+              <a:t>— </a:t>
+            </a:r>
+            <a:r>
+              <a:rPr lang="ru-RU" sz="2400" dirty="0"/>
+              <a:t>большой рефакторинг</a:t>
+            </a:r>
+            <a:r>
+              <a:rPr lang="en-US" sz="2400" dirty="0"/>
+              <a:t>;</a:t>
+            </a:r>
+            <a:endParaRPr lang="ru-RU" sz="2400" dirty="0"/>
+          </a:p>
+          <a:p>
+            <a:pPr marL="0" indent="0">
+              <a:lnSpc>
+                <a:spcPct val="100000"/>
+              </a:lnSpc>
+              <a:spcBef>
+                <a:spcPts val="1800"/>
+              </a:spcBef>
+              <a:buNone/>
+            </a:pPr>
+            <a:endParaRPr lang="ru-RU" sz="2400" i="1" dirty="0"/>
+          </a:p>
+          <a:p>
+            <a:pPr marL="0" indent="0">
+              <a:lnSpc>
+                <a:spcPct val="100000"/>
+              </a:lnSpc>
+              <a:spcBef>
+                <a:spcPts val="1800"/>
+              </a:spcBef>
+              <a:buNone/>
+            </a:pPr>
+            <a:r>
+              <a:rPr lang="ru-RU" sz="2400" dirty="0"/>
+              <a:t>Всего реализовано</a:t>
+            </a:r>
+            <a:r>
+              <a:rPr lang="en-US" sz="2400" dirty="0"/>
+              <a:t> </a:t>
+            </a:r>
+            <a:r>
+              <a:rPr lang="ru-RU" sz="2400" i="1" dirty="0"/>
+              <a:t>около 35 </a:t>
+            </a:r>
+            <a:r>
+              <a:rPr lang="ru-RU" sz="2400" i="1" dirty="0" err="1"/>
+              <a:t>тасков</a:t>
+            </a:r>
+            <a:r>
+              <a:rPr lang="ru-RU" sz="2400" dirty="0"/>
+              <a:t>.</a:t>
+            </a:r>
+            <a:endParaRPr lang="en-US" sz="2400" dirty="0"/>
+          </a:p>
+        </p:txBody>
+      </p:sp>
     </p:spTree>
     <p:extLst>
       <p:ext uri="{BB962C8B-B14F-4D97-AF65-F5344CB8AC3E}">
-        <p14:creationId xmlns:p14="http://schemas.microsoft.com/office/powerpoint/2010/main" val="3620816159"/>
+        <p14:creationId xmlns:p14="http://schemas.microsoft.com/office/powerpoint/2010/main" val="2659767477"/>
       </p:ext>
     </p:extLst>
   </p:cSld>

--- a/docs/Pycon.pptx
+++ b/docs/Pycon.pptx
@@ -6,16 +6,26 @@
   </p:sldMasterIdLst>
   <p:sldIdLst>
     <p:sldId id="267" r:id="rId2"/>
-    <p:sldId id="257" r:id="rId3"/>
-    <p:sldId id="258" r:id="rId4"/>
-    <p:sldId id="259" r:id="rId5"/>
-    <p:sldId id="260" r:id="rId6"/>
-    <p:sldId id="268" r:id="rId7"/>
-    <p:sldId id="262" r:id="rId8"/>
-    <p:sldId id="263" r:id="rId9"/>
-    <p:sldId id="266" r:id="rId10"/>
-    <p:sldId id="265" r:id="rId11"/>
-    <p:sldId id="264" r:id="rId12"/>
+    <p:sldId id="274" r:id="rId3"/>
+    <p:sldId id="257" r:id="rId4"/>
+    <p:sldId id="258" r:id="rId5"/>
+    <p:sldId id="259" r:id="rId6"/>
+    <p:sldId id="269" r:id="rId7"/>
+    <p:sldId id="270" r:id="rId8"/>
+    <p:sldId id="271" r:id="rId9"/>
+    <p:sldId id="272" r:id="rId10"/>
+    <p:sldId id="273" r:id="rId11"/>
+    <p:sldId id="262" r:id="rId12"/>
+    <p:sldId id="275" r:id="rId13"/>
+    <p:sldId id="276" r:id="rId14"/>
+    <p:sldId id="266" r:id="rId15"/>
+    <p:sldId id="277" r:id="rId16"/>
+    <p:sldId id="263" r:id="rId17"/>
+    <p:sldId id="268" r:id="rId18"/>
+    <p:sldId id="278" r:id="rId19"/>
+    <p:sldId id="279" r:id="rId20"/>
+    <p:sldId id="265" r:id="rId21"/>
+    <p:sldId id="264" r:id="rId22"/>
   </p:sldIdLst>
   <p:sldSz cx="12192000" cy="6858000"/>
   <p:notesSz cx="6858000" cy="9144000"/>
@@ -277,7 +287,7 @@
           <a:p>
             <a:fld id="{DEE60733-BBEE-40D1-AC98-EA5D6950493E}" type="datetimeFigureOut">
               <a:rPr lang="ru-RU" smtClean="0"/>
-              <a:t>21.11.2020</a:t>
+              <a:t>27.03.2021</a:t>
             </a:fld>
             <a:endParaRPr lang="ru-RU"/>
           </a:p>
@@ -499,7 +509,7 @@
           <a:p>
             <a:fld id="{DEE60733-BBEE-40D1-AC98-EA5D6950493E}" type="datetimeFigureOut">
               <a:rPr lang="ru-RU" smtClean="0"/>
-              <a:t>21.11.2020</a:t>
+              <a:t>27.03.2021</a:t>
             </a:fld>
             <a:endParaRPr lang="ru-RU"/>
           </a:p>
@@ -731,7 +741,7 @@
           <a:p>
             <a:fld id="{DEE60733-BBEE-40D1-AC98-EA5D6950493E}" type="datetimeFigureOut">
               <a:rPr lang="ru-RU" smtClean="0"/>
-              <a:t>21.11.2020</a:t>
+              <a:t>27.03.2021</a:t>
             </a:fld>
             <a:endParaRPr lang="ru-RU"/>
           </a:p>
@@ -1010,7 +1020,7 @@
           <a:p>
             <a:fld id="{DEE60733-BBEE-40D1-AC98-EA5D6950493E}" type="datetimeFigureOut">
               <a:rPr lang="ru-RU" smtClean="0"/>
-              <a:t>21.11.2020</a:t>
+              <a:t>27.03.2021</a:t>
             </a:fld>
             <a:endParaRPr lang="ru-RU"/>
           </a:p>
@@ -1309,7 +1319,7 @@
           <a:p>
             <a:fld id="{DEE60733-BBEE-40D1-AC98-EA5D6950493E}" type="datetimeFigureOut">
               <a:rPr lang="ru-RU" smtClean="0"/>
-              <a:t>21.11.2020</a:t>
+              <a:t>27.03.2021</a:t>
             </a:fld>
             <a:endParaRPr lang="ru-RU"/>
           </a:p>
@@ -1598,7 +1608,7 @@
           <a:p>
             <a:fld id="{DEE60733-BBEE-40D1-AC98-EA5D6950493E}" type="datetimeFigureOut">
               <a:rPr lang="ru-RU" smtClean="0"/>
-              <a:t>21.11.2020</a:t>
+              <a:t>27.03.2021</a:t>
             </a:fld>
             <a:endParaRPr lang="ru-RU"/>
           </a:p>
@@ -2034,7 +2044,7 @@
           <a:p>
             <a:fld id="{DEE60733-BBEE-40D1-AC98-EA5D6950493E}" type="datetimeFigureOut">
               <a:rPr lang="ru-RU" smtClean="0"/>
-              <a:t>21.11.2020</a:t>
+              <a:t>27.03.2021</a:t>
             </a:fld>
             <a:endParaRPr lang="ru-RU"/>
           </a:p>
@@ -2199,7 +2209,7 @@
           <a:p>
             <a:fld id="{DEE60733-BBEE-40D1-AC98-EA5D6950493E}" type="datetimeFigureOut">
               <a:rPr lang="ru-RU" smtClean="0"/>
-              <a:t>21.11.2020</a:t>
+              <a:t>27.03.2021</a:t>
             </a:fld>
             <a:endParaRPr lang="ru-RU"/>
           </a:p>
@@ -2336,7 +2346,7 @@
           <a:p>
             <a:fld id="{DEE60733-BBEE-40D1-AC98-EA5D6950493E}" type="datetimeFigureOut">
               <a:rPr lang="ru-RU" smtClean="0"/>
-              <a:t>21.11.2020</a:t>
+              <a:t>27.03.2021</a:t>
             </a:fld>
             <a:endParaRPr lang="ru-RU"/>
           </a:p>
@@ -2671,7 +2681,7 @@
           <a:p>
             <a:fld id="{DEE60733-BBEE-40D1-AC98-EA5D6950493E}" type="datetimeFigureOut">
               <a:rPr lang="ru-RU" smtClean="0"/>
-              <a:t>21.11.2020</a:t>
+              <a:t>27.03.2021</a:t>
             </a:fld>
             <a:endParaRPr lang="ru-RU"/>
           </a:p>
@@ -2983,7 +2993,7 @@
           <a:p>
             <a:fld id="{DEE60733-BBEE-40D1-AC98-EA5D6950493E}" type="datetimeFigureOut">
               <a:rPr lang="ru-RU" smtClean="0"/>
-              <a:t>21.11.2020</a:t>
+              <a:t>27.03.2021</a:t>
             </a:fld>
             <a:endParaRPr lang="ru-RU"/>
           </a:p>
@@ -3753,176 +3763,57 @@
           <a:chExt cx="0" cy="0"/>
         </a:xfrm>
       </p:grpSpPr>
-      <p:sp>
-        <p:nvSpPr>
-          <p:cNvPr id="2" name="Заголовок 1">
-            <a:extLst>
-              <a:ext uri="{FF2B5EF4-FFF2-40B4-BE49-F238E27FC236}">
-                <a16:creationId xmlns:a16="http://schemas.microsoft.com/office/drawing/2014/main" id="{1FDD066F-7749-495E-85C8-6C9665D25A87}"/>
-              </a:ext>
-            </a:extLst>
-          </p:cNvPr>
-          <p:cNvSpPr>
-            <a:spLocks noGrp="1"/>
-          </p:cNvSpPr>
-          <p:nvPr>
-            <p:ph type="title"/>
-          </p:nvPr>
-        </p:nvSpPr>
-        <p:spPr/>
-        <p:txBody>
-          <a:bodyPr/>
-          <a:lstStyle/>
-          <a:p>
-            <a:r>
-              <a:rPr lang="ru-RU" dirty="0"/>
-              <a:t>Что будет дальше</a:t>
-            </a:r>
-          </a:p>
-        </p:txBody>
-      </p:sp>
-      <p:sp>
-        <p:nvSpPr>
-          <p:cNvPr id="3" name="Объект 2">
-            <a:extLst>
-              <a:ext uri="{FF2B5EF4-FFF2-40B4-BE49-F238E27FC236}">
-                <a16:creationId xmlns:a16="http://schemas.microsoft.com/office/drawing/2014/main" id="{1094C920-441D-451C-B7E1-C7EE0D5608CC}"/>
-              </a:ext>
-            </a:extLst>
-          </p:cNvPr>
-          <p:cNvSpPr>
-            <a:spLocks noGrp="1"/>
-          </p:cNvSpPr>
-          <p:nvPr>
-            <p:ph idx="1"/>
-          </p:nvPr>
-        </p:nvSpPr>
-        <p:spPr>
-          <a:xfrm>
-            <a:off x="838200" y="1930133"/>
-            <a:ext cx="10515600" cy="5032376"/>
-          </a:xfrm>
-        </p:spPr>
-        <p:txBody>
-          <a:bodyPr>
-            <a:normAutofit/>
-          </a:bodyPr>
-          <a:lstStyle/>
-          <a:p>
-            <a:pPr marL="0" indent="0">
-              <a:lnSpc>
-                <a:spcPct val="100000"/>
-              </a:lnSpc>
-              <a:spcBef>
-                <a:spcPts val="1800"/>
-              </a:spcBef>
-              <a:buNone/>
-            </a:pPr>
-            <a:r>
-              <a:rPr lang="ru-RU" dirty="0"/>
-              <a:t>Проект продолжит развиваться по трём главным направлениям</a:t>
-            </a:r>
-            <a:r>
-              <a:rPr lang="en-US" dirty="0"/>
-              <a:t>:</a:t>
-            </a:r>
-          </a:p>
-          <a:p>
-            <a:pPr marL="0" indent="0">
-              <a:lnSpc>
-                <a:spcPct val="100000"/>
-              </a:lnSpc>
-              <a:spcBef>
-                <a:spcPts val="1800"/>
-              </a:spcBef>
-              <a:buNone/>
-            </a:pPr>
-            <a:r>
-              <a:rPr lang="en-US" dirty="0"/>
-              <a:t>— </a:t>
-            </a:r>
-            <a:r>
-              <a:rPr lang="ru-RU" dirty="0"/>
-              <a:t>техническое (улучшение внутренней архитектуры, новые функции, повышение гибкости </a:t>
-            </a:r>
-            <a:r>
-              <a:rPr lang="ru-RU" dirty="0" err="1"/>
-              <a:t>чекера</a:t>
-            </a:r>
-            <a:r>
-              <a:rPr lang="ru-RU" dirty="0"/>
-              <a:t>)</a:t>
-            </a:r>
-            <a:r>
-              <a:rPr lang="en-US" dirty="0"/>
-              <a:t>;</a:t>
-            </a:r>
-          </a:p>
-          <a:p>
-            <a:pPr marL="0" indent="0">
-              <a:lnSpc>
-                <a:spcPct val="100000"/>
-              </a:lnSpc>
-              <a:spcBef>
-                <a:spcPts val="1800"/>
-              </a:spcBef>
-              <a:buNone/>
-            </a:pPr>
-            <a:r>
-              <a:rPr lang="en-US" dirty="0"/>
-              <a:t>— </a:t>
-            </a:r>
-            <a:r>
-              <a:rPr lang="ru-RU" dirty="0"/>
-              <a:t>контентное (создание задач, проведение контестов и работ)</a:t>
-            </a:r>
-          </a:p>
-          <a:p>
-            <a:pPr marL="0" indent="0">
-              <a:lnSpc>
-                <a:spcPct val="100000"/>
-              </a:lnSpc>
-              <a:spcBef>
-                <a:spcPts val="1800"/>
-              </a:spcBef>
-              <a:buNone/>
-            </a:pPr>
-            <a:r>
-              <a:rPr lang="en-US" dirty="0"/>
-              <a:t>—</a:t>
-            </a:r>
-            <a:r>
-              <a:rPr lang="ru-RU" dirty="0"/>
-              <a:t> интеграционное (создание </a:t>
-            </a:r>
-            <a:r>
-              <a:rPr lang="en-US" dirty="0"/>
-              <a:t>API, </a:t>
-            </a:r>
-            <a:r>
-              <a:rPr lang="ru-RU" dirty="0"/>
-              <a:t>сотрудничество с образовательными учреждениями)</a:t>
-            </a:r>
-            <a:endParaRPr lang="en-US" dirty="0"/>
-          </a:p>
-          <a:p>
-            <a:pPr marL="0" indent="0">
-              <a:lnSpc>
-                <a:spcPct val="100000"/>
-              </a:lnSpc>
-              <a:spcBef>
-                <a:spcPts val="1800"/>
-              </a:spcBef>
-              <a:buNone/>
-            </a:pPr>
-            <a:endParaRPr lang="ru-RU" dirty="0"/>
-          </a:p>
-        </p:txBody>
-      </p:sp>
+      <p:pic>
+        <p:nvPicPr>
+          <p:cNvPr id="5122" name="Picture 2">
+            <a:extLst>
+              <a:ext uri="{FF2B5EF4-FFF2-40B4-BE49-F238E27FC236}">
+                <a16:creationId xmlns:a16="http://schemas.microsoft.com/office/drawing/2014/main" id="{DCB2B6E4-2008-48BB-B9AC-F30A428D8DB7}"/>
+              </a:ext>
+            </a:extLst>
+          </p:cNvPr>
+          <p:cNvPicPr>
+            <a:picLocks noChangeAspect="1" noChangeArrowheads="1"/>
+          </p:cNvPicPr>
+          <p:nvPr/>
+        </p:nvPicPr>
+        <p:blipFill>
+          <a:blip r:embed="rId2">
+            <a:extLst>
+              <a:ext uri="{28A0092B-C50C-407E-A947-70E740481C1C}">
+                <a14:useLocalDpi xmlns:a14="http://schemas.microsoft.com/office/drawing/2010/main" val="0"/>
+              </a:ext>
+            </a:extLst>
+          </a:blip>
+          <a:srcRect/>
+          <a:stretch>
+            <a:fillRect/>
+          </a:stretch>
+        </p:blipFill>
+        <p:spPr bwMode="auto">
+          <a:xfrm>
+            <a:off x="1822450" y="0"/>
+            <a:ext cx="8547100" cy="6858000"/>
+          </a:xfrm>
+          <a:prstGeom prst="rect">
+            <a:avLst/>
+          </a:prstGeom>
+          <a:noFill/>
+          <a:extLst>
+            <a:ext uri="{909E8E84-426E-40DD-AFC4-6F175D3DCCD1}">
+              <a14:hiddenFill xmlns:a14="http://schemas.microsoft.com/office/drawing/2010/main">
+                <a:solidFill>
+                  <a:srgbClr val="FFFFFF"/>
+                </a:solidFill>
+              </a14:hiddenFill>
+            </a:ext>
+          </a:extLst>
+        </p:spPr>
+      </p:pic>
     </p:spTree>
     <p:extLst>
       <p:ext uri="{BB962C8B-B14F-4D97-AF65-F5344CB8AC3E}">
-        <p14:creationId xmlns:p14="http://schemas.microsoft.com/office/powerpoint/2010/main" val="3752979414"/>
+        <p14:creationId xmlns:p14="http://schemas.microsoft.com/office/powerpoint/2010/main" val="2995925523"/>
       </p:ext>
     </p:extLst>
   </p:cSld>
@@ -3954,7 +3845,7 @@
           <p:cNvPr id="2" name="Заголовок 1">
             <a:extLst>
               <a:ext uri="{FF2B5EF4-FFF2-40B4-BE49-F238E27FC236}">
-                <a16:creationId xmlns:a16="http://schemas.microsoft.com/office/drawing/2014/main" id="{7269FBAC-DD78-4C60-9638-242155454280}"/>
+                <a16:creationId xmlns:a16="http://schemas.microsoft.com/office/drawing/2014/main" id="{1FDD066F-7749-495E-85C8-6C9665D25A87}"/>
               </a:ext>
             </a:extLst>
           </p:cNvPr>
@@ -3972,17 +3863,17 @@
           <a:p>
             <a:r>
               <a:rPr lang="ru-RU" dirty="0"/>
-              <a:t>Контакты</a:t>
-            </a:r>
-          </a:p>
-        </p:txBody>
-      </p:sp>
-      <p:sp>
-        <p:nvSpPr>
-          <p:cNvPr id="4" name="Подзаголовок 2">
-            <a:extLst>
-              <a:ext uri="{FF2B5EF4-FFF2-40B4-BE49-F238E27FC236}">
-                <a16:creationId xmlns:a16="http://schemas.microsoft.com/office/drawing/2014/main" id="{F4ABB6F8-6786-4E84-92A8-798C3585BB1A}"/>
+              <a:t>Почему это нужно</a:t>
+            </a:r>
+          </a:p>
+        </p:txBody>
+      </p:sp>
+      <p:sp>
+        <p:nvSpPr>
+          <p:cNvPr id="3" name="Объект 2">
+            <a:extLst>
+              <a:ext uri="{FF2B5EF4-FFF2-40B4-BE49-F238E27FC236}">
+                <a16:creationId xmlns:a16="http://schemas.microsoft.com/office/drawing/2014/main" id="{1094C920-441D-451C-B7E1-C7EE0D5608CC}"/>
               </a:ext>
             </a:extLst>
           </p:cNvPr>
@@ -3995,8 +3886,8 @@
         </p:nvSpPr>
         <p:spPr>
           <a:xfrm>
-            <a:off x="838200" y="1873069"/>
-            <a:ext cx="10515600" cy="613229"/>
+            <a:off x="838200" y="1930133"/>
+            <a:ext cx="10515600" cy="5032376"/>
           </a:xfrm>
         </p:spPr>
         <p:txBody>
@@ -4006,13 +3897,2062 @@
           <a:lstStyle/>
           <a:p>
             <a:pPr marL="0" indent="0">
+              <a:lnSpc>
+                <a:spcPct val="100000"/>
+              </a:lnSpc>
+              <a:spcBef>
+                <a:spcPts val="1800"/>
+              </a:spcBef>
               <a:buNone/>
             </a:pPr>
             <a:r>
-              <a:rPr lang="en-US" sz="3200" b="1" dirty="0"/>
-              <a:t>pycon.mediapark.pro</a:t>
-            </a:r>
-            <a:endParaRPr lang="ru-RU" sz="3200" b="1" dirty="0"/>
+              <a:rPr lang="en-US" dirty="0"/>
+              <a:t>Pycon </a:t>
+            </a:r>
+            <a:r>
+              <a:rPr lang="ru-RU" dirty="0"/>
+              <a:t>уникален в первую очередь из-за своей гибкости.</a:t>
+            </a:r>
+          </a:p>
+          <a:p>
+            <a:pPr marL="0" indent="0">
+              <a:lnSpc>
+                <a:spcPct val="100000"/>
+              </a:lnSpc>
+              <a:spcBef>
+                <a:spcPts val="1800"/>
+              </a:spcBef>
+              <a:buNone/>
+            </a:pPr>
+            <a:r>
+              <a:rPr lang="ru-RU" dirty="0"/>
+              <a:t>Существующие решения (готовые площадки или информационные системы с </a:t>
+            </a:r>
+            <a:r>
+              <a:rPr lang="en-US" dirty="0"/>
+              <a:t>API</a:t>
+            </a:r>
+            <a:r>
+              <a:rPr lang="ru-RU" dirty="0"/>
+              <a:t>)</a:t>
+            </a:r>
+            <a:r>
+              <a:rPr lang="en-US" dirty="0"/>
+              <a:t> </a:t>
+            </a:r>
+            <a:r>
+              <a:rPr lang="ru-RU" dirty="0"/>
+              <a:t>заставляют адаптироваться под их формат работы.</a:t>
+            </a:r>
+          </a:p>
+          <a:p>
+            <a:pPr marL="0" indent="0">
+              <a:lnSpc>
+                <a:spcPct val="100000"/>
+              </a:lnSpc>
+              <a:spcBef>
+                <a:spcPts val="1800"/>
+              </a:spcBef>
+              <a:buNone/>
+            </a:pPr>
+            <a:r>
+              <a:rPr lang="en-US" dirty="0"/>
+              <a:t>Pycon </a:t>
+            </a:r>
+            <a:r>
+              <a:rPr lang="ru-RU" dirty="0"/>
+              <a:t>разработан специально для интеграции в образовательные учреждения, поэтому адаптируется под его запросы и осуществляет его основные функции — обучение и контроль.</a:t>
+            </a:r>
+          </a:p>
+        </p:txBody>
+      </p:sp>
+    </p:spTree>
+    <p:extLst>
+      <p:ext uri="{BB962C8B-B14F-4D97-AF65-F5344CB8AC3E}">
+        <p14:creationId xmlns:p14="http://schemas.microsoft.com/office/powerpoint/2010/main" val="448969728"/>
+      </p:ext>
+    </p:extLst>
+  </p:cSld>
+  <p:clrMapOvr>
+    <a:masterClrMapping/>
+  </p:clrMapOvr>
+</p:sld>
+</file>
+
+<file path=ppt/slides/slide12.xml><?xml version="1.0" encoding="utf-8"?>
+<p:sld xmlns:a="http://schemas.openxmlformats.org/drawingml/2006/main" xmlns:r="http://schemas.openxmlformats.org/officeDocument/2006/relationships" xmlns:p="http://schemas.openxmlformats.org/presentationml/2006/main">
+  <p:cSld>
+    <p:spTree>
+      <p:nvGrpSpPr>
+        <p:cNvPr id="1" name=""/>
+        <p:cNvGrpSpPr/>
+        <p:nvPr/>
+      </p:nvGrpSpPr>
+      <p:grpSpPr>
+        <a:xfrm>
+          <a:off x="0" y="0"/>
+          <a:ext cx="0" cy="0"/>
+          <a:chOff x="0" y="0"/>
+          <a:chExt cx="0" cy="0"/>
+        </a:xfrm>
+      </p:grpSpPr>
+      <p:sp>
+        <p:nvSpPr>
+          <p:cNvPr id="2" name="Заголовок 1">
+            <a:extLst>
+              <a:ext uri="{FF2B5EF4-FFF2-40B4-BE49-F238E27FC236}">
+                <a16:creationId xmlns:a16="http://schemas.microsoft.com/office/drawing/2014/main" id="{D6D87686-C811-4AF2-8023-EFC7016C3546}"/>
+              </a:ext>
+            </a:extLst>
+          </p:cNvPr>
+          <p:cNvSpPr>
+            <a:spLocks noGrp="1"/>
+          </p:cNvSpPr>
+          <p:nvPr>
+            <p:ph type="title"/>
+          </p:nvPr>
+        </p:nvSpPr>
+        <p:spPr/>
+        <p:txBody>
+          <a:bodyPr/>
+          <a:lstStyle/>
+          <a:p>
+            <a:r>
+              <a:rPr lang="ru-RU" b="0" dirty="0"/>
+              <a:t>1. Проект</a:t>
+            </a:r>
+          </a:p>
+        </p:txBody>
+      </p:sp>
+      <p:sp>
+        <p:nvSpPr>
+          <p:cNvPr id="3" name="Заголовок 1">
+            <a:extLst>
+              <a:ext uri="{FF2B5EF4-FFF2-40B4-BE49-F238E27FC236}">
+                <a16:creationId xmlns:a16="http://schemas.microsoft.com/office/drawing/2014/main" id="{EF87CDDB-37E5-4F5E-BC92-831BA71C7AAF}"/>
+              </a:ext>
+            </a:extLst>
+          </p:cNvPr>
+          <p:cNvSpPr txBox="1">
+            <a:spLocks/>
+          </p:cNvSpPr>
+          <p:nvPr/>
+        </p:nvSpPr>
+        <p:spPr>
+          <a:xfrm>
+            <a:off x="838200" y="1358773"/>
+            <a:ext cx="10515600" cy="1325563"/>
+          </a:xfrm>
+          <a:prstGeom prst="rect">
+            <a:avLst/>
+          </a:prstGeom>
+        </p:spPr>
+        <p:txBody>
+          <a:bodyPr vert="horz" lIns="91440" tIns="45720" rIns="91440" bIns="45720" rtlCol="0" anchor="ctr">
+            <a:normAutofit/>
+          </a:bodyPr>
+          <a:lstStyle>
+            <a:lvl1pPr algn="l" defTabSz="914400" rtl="0" eaLnBrk="1" latinLnBrk="0" hangingPunct="1">
+              <a:lnSpc>
+                <a:spcPct val="90000"/>
+              </a:lnSpc>
+              <a:spcBef>
+                <a:spcPct val="0"/>
+              </a:spcBef>
+              <a:buNone/>
+              <a:defRPr sz="6000" b="1" i="0" kern="1200">
+                <a:solidFill>
+                  <a:schemeClr val="tx1"/>
+                </a:solidFill>
+                <a:latin typeface="Golos Text VF" pitchFamily="2" charset="0"/>
+                <a:ea typeface="Golos Text VF" pitchFamily="2" charset="0"/>
+                <a:cs typeface="+mj-cs"/>
+              </a:defRPr>
+            </a:lvl1pPr>
+          </a:lstStyle>
+          <a:p>
+            <a:r>
+              <a:rPr lang="ru-RU" dirty="0"/>
+              <a:t>2. Альфа-тестирование</a:t>
+            </a:r>
+          </a:p>
+        </p:txBody>
+      </p:sp>
+    </p:spTree>
+    <p:extLst>
+      <p:ext uri="{BB962C8B-B14F-4D97-AF65-F5344CB8AC3E}">
+        <p14:creationId xmlns:p14="http://schemas.microsoft.com/office/powerpoint/2010/main" val="838261811"/>
+      </p:ext>
+    </p:extLst>
+  </p:cSld>
+  <p:clrMapOvr>
+    <a:masterClrMapping/>
+  </p:clrMapOvr>
+</p:sld>
+</file>
+
+<file path=ppt/slides/slide13.xml><?xml version="1.0" encoding="utf-8"?>
+<p:sld xmlns:a="http://schemas.openxmlformats.org/drawingml/2006/main" xmlns:r="http://schemas.openxmlformats.org/officeDocument/2006/relationships" xmlns:p="http://schemas.openxmlformats.org/presentationml/2006/main">
+  <p:cSld>
+    <p:spTree>
+      <p:nvGrpSpPr>
+        <p:cNvPr id="1" name=""/>
+        <p:cNvGrpSpPr/>
+        <p:nvPr/>
+      </p:nvGrpSpPr>
+      <p:grpSpPr>
+        <a:xfrm>
+          <a:off x="0" y="0"/>
+          <a:ext cx="0" cy="0"/>
+          <a:chOff x="0" y="0"/>
+          <a:chExt cx="0" cy="0"/>
+        </a:xfrm>
+      </p:grpSpPr>
+      <p:sp>
+        <p:nvSpPr>
+          <p:cNvPr id="2" name="Заголовок 1">
+            <a:extLst>
+              <a:ext uri="{FF2B5EF4-FFF2-40B4-BE49-F238E27FC236}">
+                <a16:creationId xmlns:a16="http://schemas.microsoft.com/office/drawing/2014/main" id="{D6D87686-C811-4AF2-8023-EFC7016C3546}"/>
+              </a:ext>
+            </a:extLst>
+          </p:cNvPr>
+          <p:cNvSpPr>
+            <a:spLocks noGrp="1"/>
+          </p:cNvSpPr>
+          <p:nvPr>
+            <p:ph type="title"/>
+          </p:nvPr>
+        </p:nvSpPr>
+        <p:spPr/>
+        <p:txBody>
+          <a:bodyPr/>
+          <a:lstStyle/>
+          <a:p>
+            <a:r>
+              <a:rPr lang="ru-RU" b="0" dirty="0"/>
+              <a:t>1. Проект</a:t>
+            </a:r>
+          </a:p>
+        </p:txBody>
+      </p:sp>
+      <p:sp>
+        <p:nvSpPr>
+          <p:cNvPr id="3" name="Заголовок 1">
+            <a:extLst>
+              <a:ext uri="{FF2B5EF4-FFF2-40B4-BE49-F238E27FC236}">
+                <a16:creationId xmlns:a16="http://schemas.microsoft.com/office/drawing/2014/main" id="{EF87CDDB-37E5-4F5E-BC92-831BA71C7AAF}"/>
+              </a:ext>
+            </a:extLst>
+          </p:cNvPr>
+          <p:cNvSpPr txBox="1">
+            <a:spLocks/>
+          </p:cNvSpPr>
+          <p:nvPr/>
+        </p:nvSpPr>
+        <p:spPr>
+          <a:xfrm>
+            <a:off x="838200" y="1358773"/>
+            <a:ext cx="10515600" cy="1325563"/>
+          </a:xfrm>
+          <a:prstGeom prst="rect">
+            <a:avLst/>
+          </a:prstGeom>
+        </p:spPr>
+        <p:txBody>
+          <a:bodyPr vert="horz" lIns="91440" tIns="45720" rIns="91440" bIns="45720" rtlCol="0" anchor="ctr">
+            <a:normAutofit/>
+          </a:bodyPr>
+          <a:lstStyle>
+            <a:lvl1pPr algn="l" defTabSz="914400" rtl="0" eaLnBrk="1" latinLnBrk="0" hangingPunct="1">
+              <a:lnSpc>
+                <a:spcPct val="90000"/>
+              </a:lnSpc>
+              <a:spcBef>
+                <a:spcPct val="0"/>
+              </a:spcBef>
+              <a:buNone/>
+              <a:defRPr sz="6000" b="1" i="0" kern="1200">
+                <a:solidFill>
+                  <a:schemeClr val="tx1"/>
+                </a:solidFill>
+                <a:latin typeface="Golos Text VF" pitchFamily="2" charset="0"/>
+                <a:ea typeface="Golos Text VF" pitchFamily="2" charset="0"/>
+                <a:cs typeface="+mj-cs"/>
+              </a:defRPr>
+            </a:lvl1pPr>
+          </a:lstStyle>
+          <a:p>
+            <a:r>
+              <a:rPr lang="ru-RU" b="0" dirty="0"/>
+              <a:t>2. Альфа-тестирование</a:t>
+            </a:r>
+          </a:p>
+        </p:txBody>
+      </p:sp>
+      <p:sp>
+        <p:nvSpPr>
+          <p:cNvPr id="4" name="Заголовок 1">
+            <a:extLst>
+              <a:ext uri="{FF2B5EF4-FFF2-40B4-BE49-F238E27FC236}">
+                <a16:creationId xmlns:a16="http://schemas.microsoft.com/office/drawing/2014/main" id="{75140541-EFD2-44B7-9404-FB7D2CAE1805}"/>
+              </a:ext>
+            </a:extLst>
+          </p:cNvPr>
+          <p:cNvSpPr txBox="1">
+            <a:spLocks/>
+          </p:cNvSpPr>
+          <p:nvPr/>
+        </p:nvSpPr>
+        <p:spPr>
+          <a:xfrm>
+            <a:off x="838200" y="2352421"/>
+            <a:ext cx="10515600" cy="1325563"/>
+          </a:xfrm>
+          <a:prstGeom prst="rect">
+            <a:avLst/>
+          </a:prstGeom>
+        </p:spPr>
+        <p:txBody>
+          <a:bodyPr vert="horz" lIns="91440" tIns="45720" rIns="91440" bIns="45720" rtlCol="0" anchor="ctr">
+            <a:normAutofit/>
+          </a:bodyPr>
+          <a:lstStyle>
+            <a:lvl1pPr algn="l" defTabSz="914400" rtl="0" eaLnBrk="1" latinLnBrk="0" hangingPunct="1">
+              <a:lnSpc>
+                <a:spcPct val="90000"/>
+              </a:lnSpc>
+              <a:spcBef>
+                <a:spcPct val="0"/>
+              </a:spcBef>
+              <a:buNone/>
+              <a:defRPr sz="6000" b="1" i="0" kern="1200">
+                <a:solidFill>
+                  <a:schemeClr val="tx1"/>
+                </a:solidFill>
+                <a:latin typeface="Golos Text VF" pitchFamily="2" charset="0"/>
+                <a:ea typeface="Golos Text VF" pitchFamily="2" charset="0"/>
+                <a:cs typeface="+mj-cs"/>
+              </a:defRPr>
+            </a:lvl1pPr>
+          </a:lstStyle>
+          <a:p>
+            <a:r>
+              <a:rPr lang="ru-RU" dirty="0"/>
+              <a:t>3. Акселерация</a:t>
+            </a:r>
+          </a:p>
+        </p:txBody>
+      </p:sp>
+    </p:spTree>
+    <p:extLst>
+      <p:ext uri="{BB962C8B-B14F-4D97-AF65-F5344CB8AC3E}">
+        <p14:creationId xmlns:p14="http://schemas.microsoft.com/office/powerpoint/2010/main" val="3767979175"/>
+      </p:ext>
+    </p:extLst>
+  </p:cSld>
+  <p:clrMapOvr>
+    <a:masterClrMapping/>
+  </p:clrMapOvr>
+</p:sld>
+</file>
+
+<file path=ppt/slides/slide14.xml><?xml version="1.0" encoding="utf-8"?>
+<p:sld xmlns:a="http://schemas.openxmlformats.org/drawingml/2006/main" xmlns:r="http://schemas.openxmlformats.org/officeDocument/2006/relationships" xmlns:p="http://schemas.openxmlformats.org/presentationml/2006/main">
+  <p:cSld>
+    <p:spTree>
+      <p:nvGrpSpPr>
+        <p:cNvPr id="1" name=""/>
+        <p:cNvGrpSpPr/>
+        <p:nvPr/>
+      </p:nvGrpSpPr>
+      <p:grpSpPr>
+        <a:xfrm>
+          <a:off x="0" y="0"/>
+          <a:ext cx="0" cy="0"/>
+          <a:chOff x="0" y="0"/>
+          <a:chExt cx="0" cy="0"/>
+        </a:xfrm>
+      </p:grpSpPr>
+      <p:pic>
+        <p:nvPicPr>
+          <p:cNvPr id="11" name="Рисунок 10">
+            <a:extLst>
+              <a:ext uri="{FF2B5EF4-FFF2-40B4-BE49-F238E27FC236}">
+                <a16:creationId xmlns:a16="http://schemas.microsoft.com/office/drawing/2014/main" id="{4C3BF37C-37FD-488B-B3D3-35DC59507E31}"/>
+              </a:ext>
+            </a:extLst>
+          </p:cNvPr>
+          <p:cNvPicPr>
+            <a:picLocks noChangeAspect="1"/>
+          </p:cNvPicPr>
+          <p:nvPr/>
+        </p:nvPicPr>
+        <p:blipFill>
+          <a:blip r:embed="rId2">
+            <a:extLst>
+              <a:ext uri="{28A0092B-C50C-407E-A947-70E740481C1C}">
+                <a14:useLocalDpi xmlns:a14="http://schemas.microsoft.com/office/drawing/2010/main" val="0"/>
+              </a:ext>
+            </a:extLst>
+          </a:blip>
+          <a:stretch>
+            <a:fillRect/>
+          </a:stretch>
+        </p:blipFill>
+        <p:spPr>
+          <a:xfrm rot="20932741">
+            <a:off x="7122937" y="833119"/>
+            <a:ext cx="2612500" cy="5232400"/>
+          </a:xfrm>
+          <a:prstGeom prst="rect">
+            <a:avLst/>
+          </a:prstGeom>
+        </p:spPr>
+      </p:pic>
+      <p:pic>
+        <p:nvPicPr>
+          <p:cNvPr id="13" name="Рисунок 12">
+            <a:extLst>
+              <a:ext uri="{FF2B5EF4-FFF2-40B4-BE49-F238E27FC236}">
+                <a16:creationId xmlns:a16="http://schemas.microsoft.com/office/drawing/2014/main" id="{63BFA500-9598-4EC7-9CBB-B7E8B0B14841}"/>
+              </a:ext>
+            </a:extLst>
+          </p:cNvPr>
+          <p:cNvPicPr>
+            <a:picLocks noChangeAspect="1"/>
+          </p:cNvPicPr>
+          <p:nvPr/>
+        </p:nvPicPr>
+        <p:blipFill>
+          <a:blip r:embed="rId3">
+            <a:extLst>
+              <a:ext uri="{28A0092B-C50C-407E-A947-70E740481C1C}">
+                <a14:useLocalDpi xmlns:a14="http://schemas.microsoft.com/office/drawing/2010/main" val="0"/>
+              </a:ext>
+            </a:extLst>
+          </a:blip>
+          <a:stretch>
+            <a:fillRect/>
+          </a:stretch>
+        </p:blipFill>
+        <p:spPr>
+          <a:xfrm rot="353382">
+            <a:off x="9270936" y="425764"/>
+            <a:ext cx="3448050" cy="6276975"/>
+          </a:xfrm>
+          <a:prstGeom prst="rect">
+            <a:avLst/>
+          </a:prstGeom>
+        </p:spPr>
+      </p:pic>
+      <p:sp>
+        <p:nvSpPr>
+          <p:cNvPr id="14" name="Заголовок 1">
+            <a:extLst>
+              <a:ext uri="{FF2B5EF4-FFF2-40B4-BE49-F238E27FC236}">
+                <a16:creationId xmlns:a16="http://schemas.microsoft.com/office/drawing/2014/main" id="{57ABDD76-D44F-4560-B10A-7B4CD0729E6C}"/>
+              </a:ext>
+            </a:extLst>
+          </p:cNvPr>
+          <p:cNvSpPr>
+            <a:spLocks noGrp="1"/>
+          </p:cNvSpPr>
+          <p:nvPr>
+            <p:ph type="title"/>
+          </p:nvPr>
+        </p:nvSpPr>
+        <p:spPr>
+          <a:xfrm>
+            <a:off x="838200" y="365125"/>
+            <a:ext cx="10515600" cy="1325563"/>
+          </a:xfrm>
+        </p:spPr>
+        <p:txBody>
+          <a:bodyPr/>
+          <a:lstStyle/>
+          <a:p>
+            <a:r>
+              <a:rPr lang="ru-RU" dirty="0"/>
+              <a:t>Акселерация</a:t>
+            </a:r>
+          </a:p>
+        </p:txBody>
+      </p:sp>
+      <p:sp>
+        <p:nvSpPr>
+          <p:cNvPr id="17" name="Объект 2">
+            <a:extLst>
+              <a:ext uri="{FF2B5EF4-FFF2-40B4-BE49-F238E27FC236}">
+                <a16:creationId xmlns:a16="http://schemas.microsoft.com/office/drawing/2014/main" id="{6FF21E40-9525-41E6-9861-7A7FD849EFFB}"/>
+              </a:ext>
+            </a:extLst>
+          </p:cNvPr>
+          <p:cNvSpPr>
+            <a:spLocks noGrp="1"/>
+          </p:cNvSpPr>
+          <p:nvPr>
+            <p:ph idx="1"/>
+          </p:nvPr>
+        </p:nvSpPr>
+        <p:spPr>
+          <a:xfrm>
+            <a:off x="838200" y="1930133"/>
+            <a:ext cx="6080760" cy="4562742"/>
+          </a:xfrm>
+        </p:spPr>
+        <p:txBody>
+          <a:bodyPr>
+            <a:normAutofit lnSpcReduction="10000"/>
+          </a:bodyPr>
+          <a:lstStyle/>
+          <a:p>
+            <a:pPr marL="0" indent="0">
+              <a:lnSpc>
+                <a:spcPct val="100000"/>
+              </a:lnSpc>
+              <a:spcBef>
+                <a:spcPts val="1800"/>
+              </a:spcBef>
+              <a:buNone/>
+            </a:pPr>
+            <a:r>
+              <a:rPr lang="ru-RU" sz="2400" dirty="0"/>
+              <a:t>Главное, что было сделано</a:t>
+            </a:r>
+            <a:r>
+              <a:rPr lang="en-US" sz="2400" dirty="0"/>
+              <a:t>:</a:t>
+            </a:r>
+          </a:p>
+          <a:p>
+            <a:pPr marL="0" indent="0">
+              <a:lnSpc>
+                <a:spcPct val="100000"/>
+              </a:lnSpc>
+              <a:spcBef>
+                <a:spcPts val="1800"/>
+              </a:spcBef>
+              <a:buNone/>
+            </a:pPr>
+            <a:r>
+              <a:rPr lang="en-US" sz="2400" dirty="0"/>
+              <a:t>— </a:t>
+            </a:r>
+            <a:r>
+              <a:rPr lang="ru-RU" sz="2400" dirty="0"/>
+              <a:t>создана система </a:t>
+            </a:r>
+            <a:r>
+              <a:rPr lang="ru-RU" sz="2400" i="1" dirty="0"/>
+              <a:t>работ</a:t>
+            </a:r>
+            <a:r>
+              <a:rPr lang="en-US" sz="2400" dirty="0"/>
+              <a:t>;</a:t>
+            </a:r>
+          </a:p>
+          <a:p>
+            <a:pPr marL="0" indent="0">
+              <a:lnSpc>
+                <a:spcPct val="100000"/>
+              </a:lnSpc>
+              <a:spcBef>
+                <a:spcPts val="1800"/>
+              </a:spcBef>
+              <a:buNone/>
+            </a:pPr>
+            <a:r>
+              <a:rPr lang="en-US" sz="2400" dirty="0"/>
+              <a:t>— </a:t>
+            </a:r>
+            <a:r>
+              <a:rPr lang="ru-RU" sz="2400" dirty="0"/>
+              <a:t>система прав и ролей</a:t>
+            </a:r>
+            <a:r>
+              <a:rPr lang="en-US" sz="2400" i="1" dirty="0"/>
+              <a:t>;</a:t>
+            </a:r>
+          </a:p>
+          <a:p>
+            <a:pPr marL="0" indent="0">
+              <a:lnSpc>
+                <a:spcPct val="100000"/>
+              </a:lnSpc>
+              <a:spcBef>
+                <a:spcPts val="1800"/>
+              </a:spcBef>
+              <a:buNone/>
+            </a:pPr>
+            <a:r>
+              <a:rPr lang="en-US" sz="2400" i="1" dirty="0"/>
+              <a:t>—</a:t>
+            </a:r>
+            <a:r>
+              <a:rPr lang="ru-RU" sz="2400" dirty="0"/>
+              <a:t> улучшение </a:t>
+            </a:r>
+            <a:r>
+              <a:rPr lang="ru-RU" sz="2400" dirty="0" err="1"/>
+              <a:t>чекера</a:t>
+            </a:r>
+            <a:r>
+              <a:rPr lang="en-US" sz="2400" i="1" dirty="0"/>
+              <a:t>;</a:t>
+            </a:r>
+          </a:p>
+          <a:p>
+            <a:pPr marL="0" indent="0">
+              <a:lnSpc>
+                <a:spcPct val="100000"/>
+              </a:lnSpc>
+              <a:spcBef>
+                <a:spcPts val="1800"/>
+              </a:spcBef>
+              <a:buNone/>
+            </a:pPr>
+            <a:r>
+              <a:rPr lang="en-US" sz="2400" i="1" dirty="0"/>
+              <a:t>— </a:t>
+            </a:r>
+            <a:r>
+              <a:rPr lang="ru-RU" sz="2400" dirty="0"/>
+              <a:t>раздел новостей</a:t>
+            </a:r>
+            <a:r>
+              <a:rPr lang="en-US" sz="2400" dirty="0"/>
+              <a:t>;</a:t>
+            </a:r>
+          </a:p>
+          <a:p>
+            <a:pPr marL="0" indent="0">
+              <a:lnSpc>
+                <a:spcPct val="100000"/>
+              </a:lnSpc>
+              <a:spcBef>
+                <a:spcPts val="1800"/>
+              </a:spcBef>
+              <a:buNone/>
+            </a:pPr>
+            <a:r>
+              <a:rPr lang="en-US" sz="2400" i="1" dirty="0"/>
+              <a:t>— </a:t>
+            </a:r>
+            <a:r>
+              <a:rPr lang="ru-RU" sz="2400" dirty="0"/>
+              <a:t>большой рефакторинг</a:t>
+            </a:r>
+            <a:r>
+              <a:rPr lang="en-US" sz="2400" dirty="0"/>
+              <a:t>;</a:t>
+            </a:r>
+            <a:endParaRPr lang="ru-RU" sz="2400" dirty="0"/>
+          </a:p>
+          <a:p>
+            <a:pPr marL="0" indent="0">
+              <a:lnSpc>
+                <a:spcPct val="100000"/>
+              </a:lnSpc>
+              <a:spcBef>
+                <a:spcPts val="1800"/>
+              </a:spcBef>
+              <a:buNone/>
+            </a:pPr>
+            <a:endParaRPr lang="ru-RU" sz="2400" i="1" dirty="0"/>
+          </a:p>
+          <a:p>
+            <a:pPr marL="0" indent="0">
+              <a:lnSpc>
+                <a:spcPct val="100000"/>
+              </a:lnSpc>
+              <a:spcBef>
+                <a:spcPts val="1800"/>
+              </a:spcBef>
+              <a:buNone/>
+            </a:pPr>
+            <a:r>
+              <a:rPr lang="ru-RU" sz="2400" dirty="0"/>
+              <a:t>Всего реализовано</a:t>
+            </a:r>
+            <a:r>
+              <a:rPr lang="en-US" sz="2400" dirty="0"/>
+              <a:t> </a:t>
+            </a:r>
+            <a:r>
+              <a:rPr lang="ru-RU" sz="2400" i="1" dirty="0"/>
+              <a:t>около 35 </a:t>
+            </a:r>
+            <a:r>
+              <a:rPr lang="ru-RU" sz="2400" i="1" dirty="0" err="1"/>
+              <a:t>тасков</a:t>
+            </a:r>
+            <a:r>
+              <a:rPr lang="ru-RU" sz="2400" dirty="0"/>
+              <a:t>.</a:t>
+            </a:r>
+            <a:endParaRPr lang="en-US" sz="2400" dirty="0"/>
+          </a:p>
+        </p:txBody>
+      </p:sp>
+    </p:spTree>
+    <p:extLst>
+      <p:ext uri="{BB962C8B-B14F-4D97-AF65-F5344CB8AC3E}">
+        <p14:creationId xmlns:p14="http://schemas.microsoft.com/office/powerpoint/2010/main" val="2659767477"/>
+      </p:ext>
+    </p:extLst>
+  </p:cSld>
+  <p:clrMapOvr>
+    <a:masterClrMapping/>
+  </p:clrMapOvr>
+</p:sld>
+</file>
+
+<file path=ppt/slides/slide15.xml><?xml version="1.0" encoding="utf-8"?>
+<p:sld xmlns:a="http://schemas.openxmlformats.org/drawingml/2006/main" xmlns:r="http://schemas.openxmlformats.org/officeDocument/2006/relationships" xmlns:p="http://schemas.openxmlformats.org/presentationml/2006/main">
+  <p:cSld>
+    <p:spTree>
+      <p:nvGrpSpPr>
+        <p:cNvPr id="1" name=""/>
+        <p:cNvGrpSpPr/>
+        <p:nvPr/>
+      </p:nvGrpSpPr>
+      <p:grpSpPr>
+        <a:xfrm>
+          <a:off x="0" y="0"/>
+          <a:ext cx="0" cy="0"/>
+          <a:chOff x="0" y="0"/>
+          <a:chExt cx="0" cy="0"/>
+        </a:xfrm>
+      </p:grpSpPr>
+      <p:sp>
+        <p:nvSpPr>
+          <p:cNvPr id="2" name="Заголовок 1">
+            <a:extLst>
+              <a:ext uri="{FF2B5EF4-FFF2-40B4-BE49-F238E27FC236}">
+                <a16:creationId xmlns:a16="http://schemas.microsoft.com/office/drawing/2014/main" id="{D6D87686-C811-4AF2-8023-EFC7016C3546}"/>
+              </a:ext>
+            </a:extLst>
+          </p:cNvPr>
+          <p:cNvSpPr>
+            <a:spLocks noGrp="1"/>
+          </p:cNvSpPr>
+          <p:nvPr>
+            <p:ph type="title"/>
+          </p:nvPr>
+        </p:nvSpPr>
+        <p:spPr/>
+        <p:txBody>
+          <a:bodyPr/>
+          <a:lstStyle/>
+          <a:p>
+            <a:r>
+              <a:rPr lang="ru-RU" b="0" dirty="0"/>
+              <a:t>1. Проект</a:t>
+            </a:r>
+          </a:p>
+        </p:txBody>
+      </p:sp>
+      <p:sp>
+        <p:nvSpPr>
+          <p:cNvPr id="3" name="Заголовок 1">
+            <a:extLst>
+              <a:ext uri="{FF2B5EF4-FFF2-40B4-BE49-F238E27FC236}">
+                <a16:creationId xmlns:a16="http://schemas.microsoft.com/office/drawing/2014/main" id="{EF87CDDB-37E5-4F5E-BC92-831BA71C7AAF}"/>
+              </a:ext>
+            </a:extLst>
+          </p:cNvPr>
+          <p:cNvSpPr txBox="1">
+            <a:spLocks/>
+          </p:cNvSpPr>
+          <p:nvPr/>
+        </p:nvSpPr>
+        <p:spPr>
+          <a:xfrm>
+            <a:off x="838200" y="1358773"/>
+            <a:ext cx="10515600" cy="1325563"/>
+          </a:xfrm>
+          <a:prstGeom prst="rect">
+            <a:avLst/>
+          </a:prstGeom>
+        </p:spPr>
+        <p:txBody>
+          <a:bodyPr vert="horz" lIns="91440" tIns="45720" rIns="91440" bIns="45720" rtlCol="0" anchor="ctr">
+            <a:normAutofit/>
+          </a:bodyPr>
+          <a:lstStyle>
+            <a:lvl1pPr algn="l" defTabSz="914400" rtl="0" eaLnBrk="1" latinLnBrk="0" hangingPunct="1">
+              <a:lnSpc>
+                <a:spcPct val="90000"/>
+              </a:lnSpc>
+              <a:spcBef>
+                <a:spcPct val="0"/>
+              </a:spcBef>
+              <a:buNone/>
+              <a:defRPr sz="6000" b="1" i="0" kern="1200">
+                <a:solidFill>
+                  <a:schemeClr val="tx1"/>
+                </a:solidFill>
+                <a:latin typeface="Golos Text VF" pitchFamily="2" charset="0"/>
+                <a:ea typeface="Golos Text VF" pitchFamily="2" charset="0"/>
+                <a:cs typeface="+mj-cs"/>
+              </a:defRPr>
+            </a:lvl1pPr>
+          </a:lstStyle>
+          <a:p>
+            <a:r>
+              <a:rPr lang="ru-RU" b="0" dirty="0"/>
+              <a:t>2. Альфа-тестирование</a:t>
+            </a:r>
+          </a:p>
+        </p:txBody>
+      </p:sp>
+      <p:sp>
+        <p:nvSpPr>
+          <p:cNvPr id="4" name="Заголовок 1">
+            <a:extLst>
+              <a:ext uri="{FF2B5EF4-FFF2-40B4-BE49-F238E27FC236}">
+                <a16:creationId xmlns:a16="http://schemas.microsoft.com/office/drawing/2014/main" id="{75140541-EFD2-44B7-9404-FB7D2CAE1805}"/>
+              </a:ext>
+            </a:extLst>
+          </p:cNvPr>
+          <p:cNvSpPr txBox="1">
+            <a:spLocks/>
+          </p:cNvSpPr>
+          <p:nvPr/>
+        </p:nvSpPr>
+        <p:spPr>
+          <a:xfrm>
+            <a:off x="838200" y="2352421"/>
+            <a:ext cx="10515600" cy="1325563"/>
+          </a:xfrm>
+          <a:prstGeom prst="rect">
+            <a:avLst/>
+          </a:prstGeom>
+        </p:spPr>
+        <p:txBody>
+          <a:bodyPr vert="horz" lIns="91440" tIns="45720" rIns="91440" bIns="45720" rtlCol="0" anchor="ctr">
+            <a:normAutofit/>
+          </a:bodyPr>
+          <a:lstStyle>
+            <a:lvl1pPr algn="l" defTabSz="914400" rtl="0" eaLnBrk="1" latinLnBrk="0" hangingPunct="1">
+              <a:lnSpc>
+                <a:spcPct val="90000"/>
+              </a:lnSpc>
+              <a:spcBef>
+                <a:spcPct val="0"/>
+              </a:spcBef>
+              <a:buNone/>
+              <a:defRPr sz="6000" b="1" i="0" kern="1200">
+                <a:solidFill>
+                  <a:schemeClr val="tx1"/>
+                </a:solidFill>
+                <a:latin typeface="Golos Text VF" pitchFamily="2" charset="0"/>
+                <a:ea typeface="Golos Text VF" pitchFamily="2" charset="0"/>
+                <a:cs typeface="+mj-cs"/>
+              </a:defRPr>
+            </a:lvl1pPr>
+          </a:lstStyle>
+          <a:p>
+            <a:r>
+              <a:rPr lang="ru-RU" b="0" dirty="0"/>
+              <a:t>3. Акселерация</a:t>
+            </a:r>
+          </a:p>
+        </p:txBody>
+      </p:sp>
+      <p:sp>
+        <p:nvSpPr>
+          <p:cNvPr id="5" name="Заголовок 1">
+            <a:extLst>
+              <a:ext uri="{FF2B5EF4-FFF2-40B4-BE49-F238E27FC236}">
+                <a16:creationId xmlns:a16="http://schemas.microsoft.com/office/drawing/2014/main" id="{B8966D88-E09A-43DE-BF65-E051D6D7730B}"/>
+              </a:ext>
+            </a:extLst>
+          </p:cNvPr>
+          <p:cNvSpPr txBox="1">
+            <a:spLocks/>
+          </p:cNvSpPr>
+          <p:nvPr/>
+        </p:nvSpPr>
+        <p:spPr>
+          <a:xfrm>
+            <a:off x="838200" y="3346069"/>
+            <a:ext cx="10515600" cy="1325563"/>
+          </a:xfrm>
+          <a:prstGeom prst="rect">
+            <a:avLst/>
+          </a:prstGeom>
+        </p:spPr>
+        <p:txBody>
+          <a:bodyPr vert="horz" lIns="91440" tIns="45720" rIns="91440" bIns="45720" rtlCol="0" anchor="ctr">
+            <a:normAutofit/>
+          </a:bodyPr>
+          <a:lstStyle>
+            <a:lvl1pPr algn="l" defTabSz="914400" rtl="0" eaLnBrk="1" latinLnBrk="0" hangingPunct="1">
+              <a:lnSpc>
+                <a:spcPct val="90000"/>
+              </a:lnSpc>
+              <a:spcBef>
+                <a:spcPct val="0"/>
+              </a:spcBef>
+              <a:buNone/>
+              <a:defRPr sz="6000" b="1" i="0" kern="1200">
+                <a:solidFill>
+                  <a:schemeClr val="tx1"/>
+                </a:solidFill>
+                <a:latin typeface="Golos Text VF" pitchFamily="2" charset="0"/>
+                <a:ea typeface="Golos Text VF" pitchFamily="2" charset="0"/>
+                <a:cs typeface="+mj-cs"/>
+              </a:defRPr>
+            </a:lvl1pPr>
+          </a:lstStyle>
+          <a:p>
+            <a:r>
+              <a:rPr lang="ru-RU" dirty="0"/>
+              <a:t>4. Бета-тестирование</a:t>
+            </a:r>
+          </a:p>
+        </p:txBody>
+      </p:sp>
+    </p:spTree>
+    <p:extLst>
+      <p:ext uri="{BB962C8B-B14F-4D97-AF65-F5344CB8AC3E}">
+        <p14:creationId xmlns:p14="http://schemas.microsoft.com/office/powerpoint/2010/main" val="1686344728"/>
+      </p:ext>
+    </p:extLst>
+  </p:cSld>
+  <p:clrMapOvr>
+    <a:masterClrMapping/>
+  </p:clrMapOvr>
+</p:sld>
+</file>
+
+<file path=ppt/slides/slide16.xml><?xml version="1.0" encoding="utf-8"?>
+<p:sld xmlns:a="http://schemas.openxmlformats.org/drawingml/2006/main" xmlns:r="http://schemas.openxmlformats.org/officeDocument/2006/relationships" xmlns:p="http://schemas.openxmlformats.org/presentationml/2006/main">
+  <p:cSld>
+    <p:spTree>
+      <p:nvGrpSpPr>
+        <p:cNvPr id="1" name=""/>
+        <p:cNvGrpSpPr/>
+        <p:nvPr/>
+      </p:nvGrpSpPr>
+      <p:grpSpPr>
+        <a:xfrm>
+          <a:off x="0" y="0"/>
+          <a:ext cx="0" cy="0"/>
+          <a:chOff x="0" y="0"/>
+          <a:chExt cx="0" cy="0"/>
+        </a:xfrm>
+      </p:grpSpPr>
+      <p:sp>
+        <p:nvSpPr>
+          <p:cNvPr id="2" name="Заголовок 1">
+            <a:extLst>
+              <a:ext uri="{FF2B5EF4-FFF2-40B4-BE49-F238E27FC236}">
+                <a16:creationId xmlns:a16="http://schemas.microsoft.com/office/drawing/2014/main" id="{1FDD066F-7749-495E-85C8-6C9665D25A87}"/>
+              </a:ext>
+            </a:extLst>
+          </p:cNvPr>
+          <p:cNvSpPr>
+            <a:spLocks noGrp="1"/>
+          </p:cNvSpPr>
+          <p:nvPr>
+            <p:ph type="title"/>
+          </p:nvPr>
+        </p:nvSpPr>
+        <p:spPr/>
+        <p:txBody>
+          <a:bodyPr/>
+          <a:lstStyle/>
+          <a:p>
+            <a:r>
+              <a:rPr lang="ru-RU" dirty="0"/>
+              <a:t>Тестирование</a:t>
+            </a:r>
+          </a:p>
+        </p:txBody>
+      </p:sp>
+      <p:sp>
+        <p:nvSpPr>
+          <p:cNvPr id="3" name="Объект 2">
+            <a:extLst>
+              <a:ext uri="{FF2B5EF4-FFF2-40B4-BE49-F238E27FC236}">
+                <a16:creationId xmlns:a16="http://schemas.microsoft.com/office/drawing/2014/main" id="{1094C920-441D-451C-B7E1-C7EE0D5608CC}"/>
+              </a:ext>
+            </a:extLst>
+          </p:cNvPr>
+          <p:cNvSpPr>
+            <a:spLocks noGrp="1"/>
+          </p:cNvSpPr>
+          <p:nvPr>
+            <p:ph idx="1"/>
+          </p:nvPr>
+        </p:nvSpPr>
+        <p:spPr>
+          <a:xfrm>
+            <a:off x="838200" y="1930133"/>
+            <a:ext cx="10515600" cy="5032376"/>
+          </a:xfrm>
+        </p:spPr>
+        <p:txBody>
+          <a:bodyPr>
+            <a:normAutofit/>
+          </a:bodyPr>
+          <a:lstStyle/>
+          <a:p>
+            <a:pPr marL="0" indent="0">
+              <a:lnSpc>
+                <a:spcPct val="100000"/>
+              </a:lnSpc>
+              <a:spcBef>
+                <a:spcPts val="1800"/>
+              </a:spcBef>
+              <a:buNone/>
+            </a:pPr>
+            <a:r>
+              <a:rPr lang="ru-RU" dirty="0"/>
+              <a:t>В период с 28 октября по 27 декабря прошло бета-тестирование </a:t>
+            </a:r>
+            <a:r>
+              <a:rPr lang="en-US" dirty="0"/>
+              <a:t>Pycon. </a:t>
+            </a:r>
+            <a:r>
+              <a:rPr lang="ru-RU" dirty="0"/>
+              <a:t>За время тестирования</a:t>
+            </a:r>
+            <a:r>
+              <a:rPr lang="en-US" dirty="0"/>
+              <a:t>:</a:t>
+            </a:r>
+            <a:endParaRPr lang="ru-RU" dirty="0"/>
+          </a:p>
+          <a:p>
+            <a:pPr marL="0" indent="0">
+              <a:lnSpc>
+                <a:spcPct val="100000"/>
+              </a:lnSpc>
+              <a:spcBef>
+                <a:spcPts val="1800"/>
+              </a:spcBef>
+              <a:buNone/>
+            </a:pPr>
+            <a:endParaRPr lang="en-US" dirty="0"/>
+          </a:p>
+          <a:p>
+            <a:pPr marL="0" indent="0">
+              <a:lnSpc>
+                <a:spcPct val="100000"/>
+              </a:lnSpc>
+              <a:spcBef>
+                <a:spcPts val="1800"/>
+              </a:spcBef>
+              <a:buNone/>
+            </a:pPr>
+            <a:r>
+              <a:rPr lang="en-US" dirty="0"/>
+              <a:t>— </a:t>
+            </a:r>
+            <a:r>
+              <a:rPr lang="ru-RU" dirty="0"/>
+              <a:t>зарегистрировались более 300</a:t>
+            </a:r>
+            <a:r>
+              <a:rPr lang="ru-RU" i="1" dirty="0"/>
+              <a:t> человек</a:t>
+            </a:r>
+            <a:r>
+              <a:rPr lang="en-US" dirty="0"/>
+              <a:t>;</a:t>
+            </a:r>
+          </a:p>
+          <a:p>
+            <a:pPr marL="0" indent="0">
+              <a:lnSpc>
+                <a:spcPct val="100000"/>
+              </a:lnSpc>
+              <a:spcBef>
+                <a:spcPts val="1800"/>
+              </a:spcBef>
+              <a:buNone/>
+            </a:pPr>
+            <a:r>
+              <a:rPr lang="en-US" dirty="0"/>
+              <a:t>— </a:t>
+            </a:r>
+            <a:r>
+              <a:rPr lang="ru-RU" dirty="0"/>
+              <a:t>было отправлено более </a:t>
+            </a:r>
+            <a:r>
+              <a:rPr lang="ru-RU" i="1" dirty="0"/>
+              <a:t>10000 посылок</a:t>
+            </a:r>
+            <a:r>
+              <a:rPr lang="en-US" i="1" dirty="0"/>
+              <a:t>;</a:t>
+            </a:r>
+          </a:p>
+          <a:p>
+            <a:pPr marL="0" indent="0">
+              <a:lnSpc>
+                <a:spcPct val="100000"/>
+              </a:lnSpc>
+              <a:spcBef>
+                <a:spcPts val="1800"/>
+              </a:spcBef>
+              <a:buNone/>
+            </a:pPr>
+            <a:r>
+              <a:rPr lang="en-US" i="1" dirty="0"/>
+              <a:t>—</a:t>
+            </a:r>
+            <a:r>
+              <a:rPr lang="ru-RU" dirty="0"/>
+              <a:t> получено </a:t>
+            </a:r>
+            <a:r>
+              <a:rPr lang="ru-RU" i="1" dirty="0"/>
+              <a:t>4500 правильных решений</a:t>
+            </a:r>
+            <a:r>
+              <a:rPr lang="en-US" i="1" dirty="0"/>
+              <a:t>;</a:t>
+            </a:r>
+          </a:p>
+          <a:p>
+            <a:pPr marL="0" indent="0">
+              <a:lnSpc>
+                <a:spcPct val="100000"/>
+              </a:lnSpc>
+              <a:spcBef>
+                <a:spcPts val="1800"/>
+              </a:spcBef>
+              <a:buNone/>
+            </a:pPr>
+            <a:r>
+              <a:rPr lang="en-US" i="1" dirty="0"/>
+              <a:t>— </a:t>
+            </a:r>
+            <a:r>
+              <a:rPr lang="ru-RU" dirty="0"/>
+              <a:t>проведено </a:t>
+            </a:r>
+            <a:r>
+              <a:rPr lang="ru-RU" i="1" dirty="0"/>
+              <a:t>9 работ </a:t>
+            </a:r>
+            <a:r>
+              <a:rPr lang="ru-RU" dirty="0"/>
+              <a:t>по основам </a:t>
+            </a:r>
+            <a:r>
+              <a:rPr lang="en-US" dirty="0"/>
+              <a:t>Python</a:t>
+            </a:r>
+            <a:r>
+              <a:rPr lang="ru-RU" dirty="0"/>
+              <a:t>.</a:t>
+            </a:r>
+            <a:endParaRPr lang="en-US" i="1" dirty="0"/>
+          </a:p>
+        </p:txBody>
+      </p:sp>
+    </p:spTree>
+    <p:extLst>
+      <p:ext uri="{BB962C8B-B14F-4D97-AF65-F5344CB8AC3E}">
+        <p14:creationId xmlns:p14="http://schemas.microsoft.com/office/powerpoint/2010/main" val="63073084"/>
+      </p:ext>
+    </p:extLst>
+  </p:cSld>
+  <p:clrMapOvr>
+    <a:masterClrMapping/>
+  </p:clrMapOvr>
+</p:sld>
+</file>
+
+<file path=ppt/slides/slide17.xml><?xml version="1.0" encoding="utf-8"?>
+<p:sld xmlns:a="http://schemas.openxmlformats.org/drawingml/2006/main" xmlns:r="http://schemas.openxmlformats.org/officeDocument/2006/relationships" xmlns:p="http://schemas.openxmlformats.org/presentationml/2006/main">
+  <p:cSld>
+    <p:spTree>
+      <p:nvGrpSpPr>
+        <p:cNvPr id="1" name=""/>
+        <p:cNvGrpSpPr/>
+        <p:nvPr/>
+      </p:nvGrpSpPr>
+      <p:grpSpPr>
+        <a:xfrm>
+          <a:off x="0" y="0"/>
+          <a:ext cx="0" cy="0"/>
+          <a:chOff x="0" y="0"/>
+          <a:chExt cx="0" cy="0"/>
+        </a:xfrm>
+      </p:grpSpPr>
+      <p:pic>
+        <p:nvPicPr>
+          <p:cNvPr id="5" name="Рисунок 4">
+            <a:extLst>
+              <a:ext uri="{FF2B5EF4-FFF2-40B4-BE49-F238E27FC236}">
+                <a16:creationId xmlns:a16="http://schemas.microsoft.com/office/drawing/2014/main" id="{BBE827A6-53ED-4B91-BEF4-EAAF8B28CD06}"/>
+              </a:ext>
+            </a:extLst>
+          </p:cNvPr>
+          <p:cNvPicPr>
+            <a:picLocks noChangeAspect="1"/>
+          </p:cNvPicPr>
+          <p:nvPr/>
+        </p:nvPicPr>
+        <p:blipFill>
+          <a:blip r:embed="rId2"/>
+          <a:stretch>
+            <a:fillRect/>
+          </a:stretch>
+        </p:blipFill>
+        <p:spPr>
+          <a:xfrm>
+            <a:off x="0" y="0"/>
+            <a:ext cx="15581780" cy="6858000"/>
+          </a:xfrm>
+          <a:prstGeom prst="rect">
+            <a:avLst/>
+          </a:prstGeom>
+        </p:spPr>
+      </p:pic>
+    </p:spTree>
+    <p:extLst>
+      <p:ext uri="{BB962C8B-B14F-4D97-AF65-F5344CB8AC3E}">
+        <p14:creationId xmlns:p14="http://schemas.microsoft.com/office/powerpoint/2010/main" val="2051378908"/>
+      </p:ext>
+    </p:extLst>
+  </p:cSld>
+  <p:clrMapOvr>
+    <a:masterClrMapping/>
+  </p:clrMapOvr>
+</p:sld>
+</file>
+
+<file path=ppt/slides/slide18.xml><?xml version="1.0" encoding="utf-8"?>
+<p:sld xmlns:a="http://schemas.openxmlformats.org/drawingml/2006/main" xmlns:r="http://schemas.openxmlformats.org/officeDocument/2006/relationships" xmlns:p="http://schemas.openxmlformats.org/presentationml/2006/main">
+  <p:cSld>
+    <p:spTree>
+      <p:nvGrpSpPr>
+        <p:cNvPr id="1" name=""/>
+        <p:cNvGrpSpPr/>
+        <p:nvPr/>
+      </p:nvGrpSpPr>
+      <p:grpSpPr>
+        <a:xfrm>
+          <a:off x="0" y="0"/>
+          <a:ext cx="0" cy="0"/>
+          <a:chOff x="0" y="0"/>
+          <a:chExt cx="0" cy="0"/>
+        </a:xfrm>
+      </p:grpSpPr>
+      <p:sp>
+        <p:nvSpPr>
+          <p:cNvPr id="2" name="Заголовок 1">
+            <a:extLst>
+              <a:ext uri="{FF2B5EF4-FFF2-40B4-BE49-F238E27FC236}">
+                <a16:creationId xmlns:a16="http://schemas.microsoft.com/office/drawing/2014/main" id="{D6D87686-C811-4AF2-8023-EFC7016C3546}"/>
+              </a:ext>
+            </a:extLst>
+          </p:cNvPr>
+          <p:cNvSpPr>
+            <a:spLocks noGrp="1"/>
+          </p:cNvSpPr>
+          <p:nvPr>
+            <p:ph type="title"/>
+          </p:nvPr>
+        </p:nvSpPr>
+        <p:spPr/>
+        <p:txBody>
+          <a:bodyPr/>
+          <a:lstStyle/>
+          <a:p>
+            <a:r>
+              <a:rPr lang="ru-RU" b="0" dirty="0"/>
+              <a:t>1. Проект</a:t>
+            </a:r>
+          </a:p>
+        </p:txBody>
+      </p:sp>
+      <p:sp>
+        <p:nvSpPr>
+          <p:cNvPr id="3" name="Заголовок 1">
+            <a:extLst>
+              <a:ext uri="{FF2B5EF4-FFF2-40B4-BE49-F238E27FC236}">
+                <a16:creationId xmlns:a16="http://schemas.microsoft.com/office/drawing/2014/main" id="{EF87CDDB-37E5-4F5E-BC92-831BA71C7AAF}"/>
+              </a:ext>
+            </a:extLst>
+          </p:cNvPr>
+          <p:cNvSpPr txBox="1">
+            <a:spLocks/>
+          </p:cNvSpPr>
+          <p:nvPr/>
+        </p:nvSpPr>
+        <p:spPr>
+          <a:xfrm>
+            <a:off x="838200" y="1358773"/>
+            <a:ext cx="10515600" cy="1325563"/>
+          </a:xfrm>
+          <a:prstGeom prst="rect">
+            <a:avLst/>
+          </a:prstGeom>
+        </p:spPr>
+        <p:txBody>
+          <a:bodyPr vert="horz" lIns="91440" tIns="45720" rIns="91440" bIns="45720" rtlCol="0" anchor="ctr">
+            <a:normAutofit/>
+          </a:bodyPr>
+          <a:lstStyle>
+            <a:lvl1pPr algn="l" defTabSz="914400" rtl="0" eaLnBrk="1" latinLnBrk="0" hangingPunct="1">
+              <a:lnSpc>
+                <a:spcPct val="90000"/>
+              </a:lnSpc>
+              <a:spcBef>
+                <a:spcPct val="0"/>
+              </a:spcBef>
+              <a:buNone/>
+              <a:defRPr sz="6000" b="1" i="0" kern="1200">
+                <a:solidFill>
+                  <a:schemeClr val="tx1"/>
+                </a:solidFill>
+                <a:latin typeface="Golos Text VF" pitchFamily="2" charset="0"/>
+                <a:ea typeface="Golos Text VF" pitchFamily="2" charset="0"/>
+                <a:cs typeface="+mj-cs"/>
+              </a:defRPr>
+            </a:lvl1pPr>
+          </a:lstStyle>
+          <a:p>
+            <a:r>
+              <a:rPr lang="ru-RU" b="0" dirty="0"/>
+              <a:t>2. Альфа-тестирование</a:t>
+            </a:r>
+          </a:p>
+        </p:txBody>
+      </p:sp>
+      <p:sp>
+        <p:nvSpPr>
+          <p:cNvPr id="4" name="Заголовок 1">
+            <a:extLst>
+              <a:ext uri="{FF2B5EF4-FFF2-40B4-BE49-F238E27FC236}">
+                <a16:creationId xmlns:a16="http://schemas.microsoft.com/office/drawing/2014/main" id="{75140541-EFD2-44B7-9404-FB7D2CAE1805}"/>
+              </a:ext>
+            </a:extLst>
+          </p:cNvPr>
+          <p:cNvSpPr txBox="1">
+            <a:spLocks/>
+          </p:cNvSpPr>
+          <p:nvPr/>
+        </p:nvSpPr>
+        <p:spPr>
+          <a:xfrm>
+            <a:off x="838200" y="2352421"/>
+            <a:ext cx="10515600" cy="1325563"/>
+          </a:xfrm>
+          <a:prstGeom prst="rect">
+            <a:avLst/>
+          </a:prstGeom>
+        </p:spPr>
+        <p:txBody>
+          <a:bodyPr vert="horz" lIns="91440" tIns="45720" rIns="91440" bIns="45720" rtlCol="0" anchor="ctr">
+            <a:normAutofit/>
+          </a:bodyPr>
+          <a:lstStyle>
+            <a:lvl1pPr algn="l" defTabSz="914400" rtl="0" eaLnBrk="1" latinLnBrk="0" hangingPunct="1">
+              <a:lnSpc>
+                <a:spcPct val="90000"/>
+              </a:lnSpc>
+              <a:spcBef>
+                <a:spcPct val="0"/>
+              </a:spcBef>
+              <a:buNone/>
+              <a:defRPr sz="6000" b="1" i="0" kern="1200">
+                <a:solidFill>
+                  <a:schemeClr val="tx1"/>
+                </a:solidFill>
+                <a:latin typeface="Golos Text VF" pitchFamily="2" charset="0"/>
+                <a:ea typeface="Golos Text VF" pitchFamily="2" charset="0"/>
+                <a:cs typeface="+mj-cs"/>
+              </a:defRPr>
+            </a:lvl1pPr>
+          </a:lstStyle>
+          <a:p>
+            <a:r>
+              <a:rPr lang="ru-RU" b="0" dirty="0"/>
+              <a:t>3. Акселерация</a:t>
+            </a:r>
+          </a:p>
+        </p:txBody>
+      </p:sp>
+      <p:sp>
+        <p:nvSpPr>
+          <p:cNvPr id="5" name="Заголовок 1">
+            <a:extLst>
+              <a:ext uri="{FF2B5EF4-FFF2-40B4-BE49-F238E27FC236}">
+                <a16:creationId xmlns:a16="http://schemas.microsoft.com/office/drawing/2014/main" id="{B8966D88-E09A-43DE-BF65-E051D6D7730B}"/>
+              </a:ext>
+            </a:extLst>
+          </p:cNvPr>
+          <p:cNvSpPr txBox="1">
+            <a:spLocks/>
+          </p:cNvSpPr>
+          <p:nvPr/>
+        </p:nvSpPr>
+        <p:spPr>
+          <a:xfrm>
+            <a:off x="838200" y="3346069"/>
+            <a:ext cx="10515600" cy="1325563"/>
+          </a:xfrm>
+          <a:prstGeom prst="rect">
+            <a:avLst/>
+          </a:prstGeom>
+        </p:spPr>
+        <p:txBody>
+          <a:bodyPr vert="horz" lIns="91440" tIns="45720" rIns="91440" bIns="45720" rtlCol="0" anchor="ctr">
+            <a:normAutofit/>
+          </a:bodyPr>
+          <a:lstStyle>
+            <a:lvl1pPr algn="l" defTabSz="914400" rtl="0" eaLnBrk="1" latinLnBrk="0" hangingPunct="1">
+              <a:lnSpc>
+                <a:spcPct val="90000"/>
+              </a:lnSpc>
+              <a:spcBef>
+                <a:spcPct val="0"/>
+              </a:spcBef>
+              <a:buNone/>
+              <a:defRPr sz="6000" b="1" i="0" kern="1200">
+                <a:solidFill>
+                  <a:schemeClr val="tx1"/>
+                </a:solidFill>
+                <a:latin typeface="Golos Text VF" pitchFamily="2" charset="0"/>
+                <a:ea typeface="Golos Text VF" pitchFamily="2" charset="0"/>
+                <a:cs typeface="+mj-cs"/>
+              </a:defRPr>
+            </a:lvl1pPr>
+          </a:lstStyle>
+          <a:p>
+            <a:r>
+              <a:rPr lang="ru-RU" b="0" dirty="0"/>
+              <a:t>4. Бета-тестирование</a:t>
+            </a:r>
+          </a:p>
+        </p:txBody>
+      </p:sp>
+      <p:sp>
+        <p:nvSpPr>
+          <p:cNvPr id="6" name="Заголовок 1">
+            <a:extLst>
+              <a:ext uri="{FF2B5EF4-FFF2-40B4-BE49-F238E27FC236}">
+                <a16:creationId xmlns:a16="http://schemas.microsoft.com/office/drawing/2014/main" id="{C4EF119C-FE6D-413B-8AA0-097D104BDFF8}"/>
+              </a:ext>
+            </a:extLst>
+          </p:cNvPr>
+          <p:cNvSpPr txBox="1">
+            <a:spLocks/>
+          </p:cNvSpPr>
+          <p:nvPr/>
+        </p:nvSpPr>
+        <p:spPr>
+          <a:xfrm>
+            <a:off x="838200" y="4339717"/>
+            <a:ext cx="10515600" cy="1325563"/>
+          </a:xfrm>
+          <a:prstGeom prst="rect">
+            <a:avLst/>
+          </a:prstGeom>
+        </p:spPr>
+        <p:txBody>
+          <a:bodyPr vert="horz" lIns="91440" tIns="45720" rIns="91440" bIns="45720" rtlCol="0" anchor="ctr">
+            <a:normAutofit/>
+          </a:bodyPr>
+          <a:lstStyle>
+            <a:lvl1pPr algn="l" defTabSz="914400" rtl="0" eaLnBrk="1" latinLnBrk="0" hangingPunct="1">
+              <a:lnSpc>
+                <a:spcPct val="90000"/>
+              </a:lnSpc>
+              <a:spcBef>
+                <a:spcPct val="0"/>
+              </a:spcBef>
+              <a:buNone/>
+              <a:defRPr sz="6000" b="1" i="0" kern="1200">
+                <a:solidFill>
+                  <a:schemeClr val="tx1"/>
+                </a:solidFill>
+                <a:latin typeface="Golos Text VF" pitchFamily="2" charset="0"/>
+                <a:ea typeface="Golos Text VF" pitchFamily="2" charset="0"/>
+                <a:cs typeface="+mj-cs"/>
+              </a:defRPr>
+            </a:lvl1pPr>
+          </a:lstStyle>
+          <a:p>
+            <a:r>
+              <a:rPr lang="ru-RU" dirty="0"/>
+              <a:t>5. Конкурс</a:t>
+            </a:r>
+          </a:p>
+        </p:txBody>
+      </p:sp>
+    </p:spTree>
+    <p:extLst>
+      <p:ext uri="{BB962C8B-B14F-4D97-AF65-F5344CB8AC3E}">
+        <p14:creationId xmlns:p14="http://schemas.microsoft.com/office/powerpoint/2010/main" val="1990344543"/>
+      </p:ext>
+    </p:extLst>
+  </p:cSld>
+  <p:clrMapOvr>
+    <a:masterClrMapping/>
+  </p:clrMapOvr>
+</p:sld>
+</file>
+
+<file path=ppt/slides/slide19.xml><?xml version="1.0" encoding="utf-8"?>
+<p:sld xmlns:a="http://schemas.openxmlformats.org/drawingml/2006/main" xmlns:r="http://schemas.openxmlformats.org/officeDocument/2006/relationships" xmlns:p="http://schemas.openxmlformats.org/presentationml/2006/main">
+  <p:cSld>
+    <p:spTree>
+      <p:nvGrpSpPr>
+        <p:cNvPr id="1" name=""/>
+        <p:cNvGrpSpPr/>
+        <p:nvPr/>
+      </p:nvGrpSpPr>
+      <p:grpSpPr>
+        <a:xfrm>
+          <a:off x="0" y="0"/>
+          <a:ext cx="0" cy="0"/>
+          <a:chOff x="0" y="0"/>
+          <a:chExt cx="0" cy="0"/>
+        </a:xfrm>
+      </p:grpSpPr>
+      <p:sp>
+        <p:nvSpPr>
+          <p:cNvPr id="2" name="Заголовок 1">
+            <a:extLst>
+              <a:ext uri="{FF2B5EF4-FFF2-40B4-BE49-F238E27FC236}">
+                <a16:creationId xmlns:a16="http://schemas.microsoft.com/office/drawing/2014/main" id="{1FDD066F-7749-495E-85C8-6C9665D25A87}"/>
+              </a:ext>
+            </a:extLst>
+          </p:cNvPr>
+          <p:cNvSpPr>
+            <a:spLocks noGrp="1"/>
+          </p:cNvSpPr>
+          <p:nvPr>
+            <p:ph type="title"/>
+          </p:nvPr>
+        </p:nvSpPr>
+        <p:spPr/>
+        <p:txBody>
+          <a:bodyPr/>
+          <a:lstStyle/>
+          <a:p>
+            <a:r>
+              <a:rPr lang="ru-RU" dirty="0"/>
+              <a:t>Почему всё получилось</a:t>
+            </a:r>
+          </a:p>
+        </p:txBody>
+      </p:sp>
+      <p:sp>
+        <p:nvSpPr>
+          <p:cNvPr id="3" name="Объект 2">
+            <a:extLst>
+              <a:ext uri="{FF2B5EF4-FFF2-40B4-BE49-F238E27FC236}">
+                <a16:creationId xmlns:a16="http://schemas.microsoft.com/office/drawing/2014/main" id="{1094C920-441D-451C-B7E1-C7EE0D5608CC}"/>
+              </a:ext>
+            </a:extLst>
+          </p:cNvPr>
+          <p:cNvSpPr>
+            <a:spLocks noGrp="1"/>
+          </p:cNvSpPr>
+          <p:nvPr>
+            <p:ph idx="1"/>
+          </p:nvPr>
+        </p:nvSpPr>
+        <p:spPr>
+          <a:xfrm>
+            <a:off x="838200" y="1930133"/>
+            <a:ext cx="10515600" cy="5032376"/>
+          </a:xfrm>
+        </p:spPr>
+        <p:txBody>
+          <a:bodyPr>
+            <a:normAutofit/>
+          </a:bodyPr>
+          <a:lstStyle/>
+          <a:p>
+            <a:pPr marL="514350" indent="-514350">
+              <a:lnSpc>
+                <a:spcPct val="100000"/>
+              </a:lnSpc>
+              <a:spcBef>
+                <a:spcPts val="1800"/>
+              </a:spcBef>
+              <a:buAutoNum type="arabicPeriod"/>
+            </a:pPr>
+            <a:r>
+              <a:rPr lang="ru-RU" dirty="0"/>
+              <a:t>Я сделал проект;</a:t>
+            </a:r>
+          </a:p>
+          <a:p>
+            <a:pPr marL="514350" indent="-514350">
+              <a:lnSpc>
+                <a:spcPct val="100000"/>
+              </a:lnSpc>
+              <a:spcBef>
+                <a:spcPts val="1800"/>
+              </a:spcBef>
+              <a:buAutoNum type="arabicPeriod"/>
+            </a:pPr>
+            <a:r>
+              <a:rPr lang="ru-RU" dirty="0"/>
+              <a:t>Продолжал его развивать и адаптировать;</a:t>
+            </a:r>
+          </a:p>
+          <a:p>
+            <a:pPr marL="514350" indent="-514350">
+              <a:lnSpc>
+                <a:spcPct val="100000"/>
+              </a:lnSpc>
+              <a:spcBef>
+                <a:spcPts val="1800"/>
+              </a:spcBef>
+              <a:buAutoNum type="arabicPeriod"/>
+            </a:pPr>
+            <a:r>
+              <a:rPr lang="ru-RU" dirty="0"/>
+              <a:t>Он </a:t>
+            </a:r>
+            <a:r>
+              <a:rPr lang="ru-RU" i="1" dirty="0"/>
+              <a:t>решал задачу;</a:t>
+            </a:r>
+          </a:p>
+          <a:p>
+            <a:pPr marL="514350" indent="-514350">
+              <a:lnSpc>
+                <a:spcPct val="100000"/>
+              </a:lnSpc>
+              <a:spcBef>
+                <a:spcPts val="1800"/>
+              </a:spcBef>
+              <a:buAutoNum type="arabicPeriod"/>
+            </a:pPr>
+            <a:r>
+              <a:rPr lang="ru-RU" dirty="0"/>
+              <a:t>Была возможность его протестировать;</a:t>
+            </a:r>
+          </a:p>
+          <a:p>
+            <a:pPr marL="514350" indent="-514350">
+              <a:lnSpc>
+                <a:spcPct val="100000"/>
+              </a:lnSpc>
+              <a:spcBef>
+                <a:spcPts val="1800"/>
+              </a:spcBef>
+              <a:buAutoNum type="arabicPeriod"/>
+            </a:pPr>
+            <a:r>
+              <a:rPr lang="ru-RU" dirty="0"/>
+              <a:t>Повезло.</a:t>
+            </a:r>
+            <a:endParaRPr lang="en-US" dirty="0"/>
+          </a:p>
+        </p:txBody>
+      </p:sp>
+    </p:spTree>
+    <p:extLst>
+      <p:ext uri="{BB962C8B-B14F-4D97-AF65-F5344CB8AC3E}">
+        <p14:creationId xmlns:p14="http://schemas.microsoft.com/office/powerpoint/2010/main" val="3230355060"/>
+      </p:ext>
+    </p:extLst>
+  </p:cSld>
+  <p:clrMapOvr>
+    <a:masterClrMapping/>
+  </p:clrMapOvr>
+</p:sld>
+</file>
+
+<file path=ppt/slides/slide2.xml><?xml version="1.0" encoding="utf-8"?>
+<p:sld xmlns:a="http://schemas.openxmlformats.org/drawingml/2006/main" xmlns:r="http://schemas.openxmlformats.org/officeDocument/2006/relationships" xmlns:p="http://schemas.openxmlformats.org/presentationml/2006/main">
+  <p:cSld>
+    <p:spTree>
+      <p:nvGrpSpPr>
+        <p:cNvPr id="1" name=""/>
+        <p:cNvGrpSpPr/>
+        <p:nvPr/>
+      </p:nvGrpSpPr>
+      <p:grpSpPr>
+        <a:xfrm>
+          <a:off x="0" y="0"/>
+          <a:ext cx="0" cy="0"/>
+          <a:chOff x="0" y="0"/>
+          <a:chExt cx="0" cy="0"/>
+        </a:xfrm>
+      </p:grpSpPr>
+      <p:sp>
+        <p:nvSpPr>
+          <p:cNvPr id="2" name="Заголовок 1">
+            <a:extLst>
+              <a:ext uri="{FF2B5EF4-FFF2-40B4-BE49-F238E27FC236}">
+                <a16:creationId xmlns:a16="http://schemas.microsoft.com/office/drawing/2014/main" id="{D6D87686-C811-4AF2-8023-EFC7016C3546}"/>
+              </a:ext>
+            </a:extLst>
+          </p:cNvPr>
+          <p:cNvSpPr>
+            <a:spLocks noGrp="1"/>
+          </p:cNvSpPr>
+          <p:nvPr>
+            <p:ph type="title"/>
+          </p:nvPr>
+        </p:nvSpPr>
+        <p:spPr/>
+        <p:txBody>
+          <a:bodyPr/>
+          <a:lstStyle/>
+          <a:p>
+            <a:r>
+              <a:rPr lang="ru-RU" dirty="0"/>
+              <a:t>1. Проект</a:t>
+            </a:r>
+          </a:p>
+        </p:txBody>
+      </p:sp>
+    </p:spTree>
+    <p:extLst>
+      <p:ext uri="{BB962C8B-B14F-4D97-AF65-F5344CB8AC3E}">
+        <p14:creationId xmlns:p14="http://schemas.microsoft.com/office/powerpoint/2010/main" val="3678019139"/>
+      </p:ext>
+    </p:extLst>
+  </p:cSld>
+  <p:clrMapOvr>
+    <a:masterClrMapping/>
+  </p:clrMapOvr>
+</p:sld>
+</file>
+
+<file path=ppt/slides/slide20.xml><?xml version="1.0" encoding="utf-8"?>
+<p:sld xmlns:a="http://schemas.openxmlformats.org/drawingml/2006/main" xmlns:r="http://schemas.openxmlformats.org/officeDocument/2006/relationships" xmlns:p="http://schemas.openxmlformats.org/presentationml/2006/main">
+  <p:cSld>
+    <p:spTree>
+      <p:nvGrpSpPr>
+        <p:cNvPr id="1" name=""/>
+        <p:cNvGrpSpPr/>
+        <p:nvPr/>
+      </p:nvGrpSpPr>
+      <p:grpSpPr>
+        <a:xfrm>
+          <a:off x="0" y="0"/>
+          <a:ext cx="0" cy="0"/>
+          <a:chOff x="0" y="0"/>
+          <a:chExt cx="0" cy="0"/>
+        </a:xfrm>
+      </p:grpSpPr>
+      <p:sp>
+        <p:nvSpPr>
+          <p:cNvPr id="2" name="Заголовок 1">
+            <a:extLst>
+              <a:ext uri="{FF2B5EF4-FFF2-40B4-BE49-F238E27FC236}">
+                <a16:creationId xmlns:a16="http://schemas.microsoft.com/office/drawing/2014/main" id="{1FDD066F-7749-495E-85C8-6C9665D25A87}"/>
+              </a:ext>
+            </a:extLst>
+          </p:cNvPr>
+          <p:cNvSpPr>
+            <a:spLocks noGrp="1"/>
+          </p:cNvSpPr>
+          <p:nvPr>
+            <p:ph type="title"/>
+          </p:nvPr>
+        </p:nvSpPr>
+        <p:spPr/>
+        <p:txBody>
+          <a:bodyPr/>
+          <a:lstStyle/>
+          <a:p>
+            <a:r>
+              <a:rPr lang="ru-RU" dirty="0"/>
+              <a:t>Что будет дальше</a:t>
+            </a:r>
+          </a:p>
+        </p:txBody>
+      </p:sp>
+      <p:sp>
+        <p:nvSpPr>
+          <p:cNvPr id="3" name="Объект 2">
+            <a:extLst>
+              <a:ext uri="{FF2B5EF4-FFF2-40B4-BE49-F238E27FC236}">
+                <a16:creationId xmlns:a16="http://schemas.microsoft.com/office/drawing/2014/main" id="{1094C920-441D-451C-B7E1-C7EE0D5608CC}"/>
+              </a:ext>
+            </a:extLst>
+          </p:cNvPr>
+          <p:cNvSpPr>
+            <a:spLocks noGrp="1"/>
+          </p:cNvSpPr>
+          <p:nvPr>
+            <p:ph idx="1"/>
+          </p:nvPr>
+        </p:nvSpPr>
+        <p:spPr>
+          <a:xfrm>
+            <a:off x="838200" y="1930133"/>
+            <a:ext cx="10515600" cy="5032376"/>
+          </a:xfrm>
+        </p:spPr>
+        <p:txBody>
+          <a:bodyPr>
+            <a:normAutofit/>
+          </a:bodyPr>
+          <a:lstStyle/>
+          <a:p>
+            <a:pPr marL="0" indent="0">
+              <a:lnSpc>
+                <a:spcPct val="100000"/>
+              </a:lnSpc>
+              <a:spcBef>
+                <a:spcPts val="1800"/>
+              </a:spcBef>
+              <a:buNone/>
+            </a:pPr>
+            <a:r>
+              <a:rPr lang="ru-RU" dirty="0"/>
+              <a:t>Проект продолжит развиваться по трём главным направлениям</a:t>
+            </a:r>
+            <a:r>
+              <a:rPr lang="en-US" dirty="0"/>
+              <a:t>:</a:t>
+            </a:r>
+          </a:p>
+          <a:p>
+            <a:pPr marL="0" indent="0">
+              <a:lnSpc>
+                <a:spcPct val="100000"/>
+              </a:lnSpc>
+              <a:spcBef>
+                <a:spcPts val="1800"/>
+              </a:spcBef>
+              <a:buNone/>
+            </a:pPr>
+            <a:r>
+              <a:rPr lang="en-US" dirty="0"/>
+              <a:t>— </a:t>
+            </a:r>
+            <a:r>
+              <a:rPr lang="ru-RU" dirty="0"/>
+              <a:t>техническое (улучшение внутренней архитектуры, новые функции, повышение гибкости </a:t>
+            </a:r>
+            <a:r>
+              <a:rPr lang="ru-RU" dirty="0" err="1"/>
+              <a:t>чекера</a:t>
+            </a:r>
+            <a:r>
+              <a:rPr lang="ru-RU" dirty="0"/>
+              <a:t>)</a:t>
+            </a:r>
+            <a:r>
+              <a:rPr lang="en-US" dirty="0"/>
+              <a:t>;</a:t>
+            </a:r>
+          </a:p>
+          <a:p>
+            <a:pPr marL="0" indent="0">
+              <a:lnSpc>
+                <a:spcPct val="100000"/>
+              </a:lnSpc>
+              <a:spcBef>
+                <a:spcPts val="1800"/>
+              </a:spcBef>
+              <a:buNone/>
+            </a:pPr>
+            <a:r>
+              <a:rPr lang="en-US" dirty="0"/>
+              <a:t>— </a:t>
+            </a:r>
+            <a:r>
+              <a:rPr lang="ru-RU" dirty="0"/>
+              <a:t>контентное (создание задач, проведение контестов и работ)</a:t>
+            </a:r>
+          </a:p>
+          <a:p>
+            <a:pPr marL="0" indent="0">
+              <a:lnSpc>
+                <a:spcPct val="100000"/>
+              </a:lnSpc>
+              <a:spcBef>
+                <a:spcPts val="1800"/>
+              </a:spcBef>
+              <a:buNone/>
+            </a:pPr>
+            <a:r>
+              <a:rPr lang="en-US" dirty="0"/>
+              <a:t>—</a:t>
+            </a:r>
+            <a:r>
+              <a:rPr lang="ru-RU" dirty="0"/>
+              <a:t> интеграционное (создание </a:t>
+            </a:r>
+            <a:r>
+              <a:rPr lang="en-US" dirty="0"/>
+              <a:t>API, </a:t>
+            </a:r>
+            <a:r>
+              <a:rPr lang="ru-RU" dirty="0"/>
+              <a:t>сотрудничество с образовательными учреждениями)</a:t>
+            </a:r>
+            <a:endParaRPr lang="en-US" dirty="0"/>
+          </a:p>
+          <a:p>
+            <a:pPr marL="0" indent="0">
+              <a:lnSpc>
+                <a:spcPct val="100000"/>
+              </a:lnSpc>
+              <a:spcBef>
+                <a:spcPts val="1800"/>
+              </a:spcBef>
+              <a:buNone/>
+            </a:pPr>
+            <a:endParaRPr lang="ru-RU" dirty="0"/>
+          </a:p>
+        </p:txBody>
+      </p:sp>
+    </p:spTree>
+    <p:extLst>
+      <p:ext uri="{BB962C8B-B14F-4D97-AF65-F5344CB8AC3E}">
+        <p14:creationId xmlns:p14="http://schemas.microsoft.com/office/powerpoint/2010/main" val="3752979414"/>
+      </p:ext>
+    </p:extLst>
+  </p:cSld>
+  <p:clrMapOvr>
+    <a:masterClrMapping/>
+  </p:clrMapOvr>
+</p:sld>
+</file>
+
+<file path=ppt/slides/slide21.xml><?xml version="1.0" encoding="utf-8"?>
+<p:sld xmlns:a="http://schemas.openxmlformats.org/drawingml/2006/main" xmlns:r="http://schemas.openxmlformats.org/officeDocument/2006/relationships" xmlns:p="http://schemas.openxmlformats.org/presentationml/2006/main">
+  <p:cSld>
+    <p:spTree>
+      <p:nvGrpSpPr>
+        <p:cNvPr id="1" name=""/>
+        <p:cNvGrpSpPr/>
+        <p:nvPr/>
+      </p:nvGrpSpPr>
+      <p:grpSpPr>
+        <a:xfrm>
+          <a:off x="0" y="0"/>
+          <a:ext cx="0" cy="0"/>
+          <a:chOff x="0" y="0"/>
+          <a:chExt cx="0" cy="0"/>
+        </a:xfrm>
+      </p:grpSpPr>
+      <p:pic>
+        <p:nvPicPr>
+          <p:cNvPr id="9" name="Рисунок 8">
+            <a:extLst>
+              <a:ext uri="{FF2B5EF4-FFF2-40B4-BE49-F238E27FC236}">
+                <a16:creationId xmlns:a16="http://schemas.microsoft.com/office/drawing/2014/main" id="{DD652FC4-E13F-42AB-9DA5-1DD87B1D5015}"/>
+              </a:ext>
+            </a:extLst>
+          </p:cNvPr>
+          <p:cNvPicPr>
+            <a:picLocks noChangeAspect="1"/>
+          </p:cNvPicPr>
+          <p:nvPr/>
+        </p:nvPicPr>
+        <p:blipFill>
+          <a:blip r:embed="rId2">
+            <a:extLst>
+              <a:ext uri="{28A0092B-C50C-407E-A947-70E740481C1C}">
+                <a14:useLocalDpi xmlns:a14="http://schemas.microsoft.com/office/drawing/2010/main" val="0"/>
+              </a:ext>
+              <a:ext uri="{96DAC541-7B7A-43D3-8B79-37D633B846F1}">
+                <asvg:svgBlip xmlns:asvg="http://schemas.microsoft.com/office/drawing/2016/SVG/main" r:embed="rId3"/>
+              </a:ext>
+            </a:extLst>
+          </a:blip>
+          <a:stretch>
+            <a:fillRect/>
+          </a:stretch>
+        </p:blipFill>
+        <p:spPr>
+          <a:xfrm>
+            <a:off x="959914" y="2277793"/>
+            <a:ext cx="811693" cy="811693"/>
+          </a:xfrm>
+          <a:prstGeom prst="rect">
+            <a:avLst/>
+          </a:prstGeom>
+        </p:spPr>
+      </p:pic>
+      <p:sp>
+        <p:nvSpPr>
+          <p:cNvPr id="2" name="Заголовок 1">
+            <a:extLst>
+              <a:ext uri="{FF2B5EF4-FFF2-40B4-BE49-F238E27FC236}">
+                <a16:creationId xmlns:a16="http://schemas.microsoft.com/office/drawing/2014/main" id="{7269FBAC-DD78-4C60-9638-242155454280}"/>
+              </a:ext>
+            </a:extLst>
+          </p:cNvPr>
+          <p:cNvSpPr>
+            <a:spLocks noGrp="1"/>
+          </p:cNvSpPr>
+          <p:nvPr>
+            <p:ph type="title"/>
+          </p:nvPr>
+        </p:nvSpPr>
+        <p:spPr/>
+        <p:txBody>
+          <a:bodyPr/>
+          <a:lstStyle/>
+          <a:p>
+            <a:r>
+              <a:rPr lang="ru-RU" dirty="0"/>
+              <a:t>Где я</a:t>
+            </a:r>
+          </a:p>
+        </p:txBody>
+      </p:sp>
+      <p:sp>
+        <p:nvSpPr>
+          <p:cNvPr id="4" name="Подзаголовок 2">
+            <a:extLst>
+              <a:ext uri="{FF2B5EF4-FFF2-40B4-BE49-F238E27FC236}">
+                <a16:creationId xmlns:a16="http://schemas.microsoft.com/office/drawing/2014/main" id="{F4ABB6F8-6786-4E84-92A8-798C3585BB1A}"/>
+              </a:ext>
+            </a:extLst>
+          </p:cNvPr>
+          <p:cNvSpPr>
+            <a:spLocks noGrp="1"/>
+          </p:cNvSpPr>
+          <p:nvPr>
+            <p:ph idx="1"/>
+          </p:nvPr>
+        </p:nvSpPr>
+        <p:spPr>
+          <a:xfrm>
+            <a:off x="1981200" y="2276338"/>
+            <a:ext cx="10515600" cy="811693"/>
+          </a:xfrm>
+        </p:spPr>
+        <p:txBody>
+          <a:bodyPr>
+            <a:noAutofit/>
+          </a:bodyPr>
+          <a:lstStyle/>
+          <a:p>
+            <a:pPr marL="0" indent="0">
+              <a:buNone/>
+            </a:pPr>
+            <a:r>
+              <a:rPr lang="en-US" sz="4000" b="1" dirty="0">
+                <a:latin typeface="Golos Text VF" pitchFamily="2" charset="0"/>
+                <a:ea typeface="Golos Text VF" pitchFamily="2" charset="0"/>
+              </a:rPr>
+              <a:t>cdarr.ru</a:t>
+            </a:r>
+            <a:endParaRPr lang="ru-RU" sz="4000" b="1" dirty="0">
+              <a:latin typeface="Golos Text VF" pitchFamily="2" charset="0"/>
+              <a:ea typeface="Golos Text VF" pitchFamily="2" charset="0"/>
+            </a:endParaRPr>
           </a:p>
         </p:txBody>
       </p:sp>
@@ -4212,10 +6152,6 @@
               <a:buFont typeface="Arial" panose="020B0604020202020204" pitchFamily="34" charset="0"/>
               <a:buNone/>
             </a:pPr>
-            <a:r>
-              <a:rPr lang="en-US" dirty="0"/>
-              <a:t>adam.arut@gmail.com</a:t>
-            </a:r>
             <a:endParaRPr lang="ru-RU" dirty="0"/>
           </a:p>
         </p:txBody>
@@ -4236,7 +6172,7 @@
         </p:nvSpPr>
         <p:spPr>
           <a:xfrm>
-            <a:off x="446312" y="3250201"/>
+            <a:off x="1981200" y="3309999"/>
             <a:ext cx="10515600" cy="613229"/>
           </a:xfrm>
           <a:prstGeom prst="rect">
@@ -4417,10 +6353,14 @@
               <a:buNone/>
             </a:pPr>
             <a:r>
-              <a:rPr lang="en-US" dirty="0"/>
-              <a:t>    adam_arutyunov</a:t>
-            </a:r>
-            <a:endParaRPr lang="ru-RU" dirty="0"/>
+              <a:rPr lang="en-US" sz="3200" dirty="0"/>
+              <a:t>t.me/</a:t>
+            </a:r>
+            <a:r>
+              <a:rPr lang="en-US" sz="3200" dirty="0" err="1"/>
+              <a:t>wspectator</a:t>
+            </a:r>
+            <a:endParaRPr lang="ru-RU" sz="3200" dirty="0"/>
           </a:p>
         </p:txBody>
       </p:sp>
@@ -4439,7 +6379,7 @@
           <p:nvPr/>
         </p:nvPicPr>
         <p:blipFill>
-          <a:blip r:embed="rId2">
+          <a:blip r:embed="rId4">
             <a:extLst>
               <a:ext uri="{28A0092B-C50C-407E-A947-70E740481C1C}">
                 <a14:useLocalDpi xmlns:a14="http://schemas.microsoft.com/office/drawing/2010/main" val="0"/>
@@ -4453,8 +6393,8 @@
         </p:blipFill>
         <p:spPr bwMode="auto">
           <a:xfrm>
-            <a:off x="296811" y="3310299"/>
-            <a:ext cx="450668" cy="450668"/>
+            <a:off x="959914" y="3210766"/>
+            <a:ext cx="811693" cy="811693"/>
           </a:xfrm>
           <a:prstGeom prst="rect">
             <a:avLst/>
@@ -4486,7 +6426,7 @@
           <p:nvPr/>
         </p:nvPicPr>
         <p:blipFill rotWithShape="1">
-          <a:blip r:embed="rId3">
+          <a:blip r:embed="rId5">
             <a:extLst>
               <a:ext uri="{28A0092B-C50C-407E-A947-70E740481C1C}">
                 <a14:useLocalDpi xmlns:a14="http://schemas.microsoft.com/office/drawing/2010/main" val="0"/>
@@ -4531,7 +6471,7 @@
           <p:nvPr/>
         </p:nvPicPr>
         <p:blipFill rotWithShape="1">
-          <a:blip r:embed="rId4">
+          <a:blip r:embed="rId6">
             <a:extLst>
               <a:ext uri="{28A0092B-C50C-407E-A947-70E740481C1C}">
                 <a14:useLocalDpi xmlns:a14="http://schemas.microsoft.com/office/drawing/2010/main" val="0"/>
@@ -4576,7 +6516,7 @@
           <p:nvPr/>
         </p:nvPicPr>
         <p:blipFill>
-          <a:blip r:embed="rId5">
+          <a:blip r:embed="rId7">
             <a:extLst>
               <a:ext uri="{28A0092B-C50C-407E-A947-70E740481C1C}">
                 <a14:useLocalDpi xmlns:a14="http://schemas.microsoft.com/office/drawing/2010/main" val="0"/>
@@ -4612,259 +6552,6 @@
     <p:extLst>
       <p:ext uri="{BB962C8B-B14F-4D97-AF65-F5344CB8AC3E}">
         <p14:creationId xmlns:p14="http://schemas.microsoft.com/office/powerpoint/2010/main" val="381674439"/>
-      </p:ext>
-    </p:extLst>
-  </p:cSld>
-  <p:clrMapOvr>
-    <a:masterClrMapping/>
-  </p:clrMapOvr>
-</p:sld>
-</file>
-
-<file path=ppt/slides/slide2.xml><?xml version="1.0" encoding="utf-8"?>
-<p:sld xmlns:a="http://schemas.openxmlformats.org/drawingml/2006/main" xmlns:r="http://schemas.openxmlformats.org/officeDocument/2006/relationships" xmlns:p="http://schemas.openxmlformats.org/presentationml/2006/main">
-  <p:cSld>
-    <p:spTree>
-      <p:nvGrpSpPr>
-        <p:cNvPr id="1" name=""/>
-        <p:cNvGrpSpPr/>
-        <p:nvPr/>
-      </p:nvGrpSpPr>
-      <p:grpSpPr>
-        <a:xfrm>
-          <a:off x="0" y="0"/>
-          <a:ext cx="0" cy="0"/>
-          <a:chOff x="0" y="0"/>
-          <a:chExt cx="0" cy="0"/>
-        </a:xfrm>
-      </p:grpSpPr>
-      <p:sp>
-        <p:nvSpPr>
-          <p:cNvPr id="2" name="Заголовок 1">
-            <a:extLst>
-              <a:ext uri="{FF2B5EF4-FFF2-40B4-BE49-F238E27FC236}">
-                <a16:creationId xmlns:a16="http://schemas.microsoft.com/office/drawing/2014/main" id="{D9D6E8BB-CA66-402A-A80F-81720247CC69}"/>
-              </a:ext>
-            </a:extLst>
-          </p:cNvPr>
-          <p:cNvSpPr>
-            <a:spLocks noGrp="1"/>
-          </p:cNvSpPr>
-          <p:nvPr>
-            <p:ph type="ctrTitle"/>
-          </p:nvPr>
-        </p:nvSpPr>
-        <p:spPr>
-          <a:xfrm>
-            <a:off x="1524000" y="1462006"/>
-            <a:ext cx="9144000" cy="2387600"/>
-          </a:xfrm>
-        </p:spPr>
-        <p:txBody>
-          <a:bodyPr/>
-          <a:lstStyle/>
-          <a:p>
-            <a:r>
-              <a:rPr lang="en-US" sz="9600" dirty="0"/>
-              <a:t>Pycon</a:t>
-            </a:r>
-            <a:endParaRPr lang="ru-RU" dirty="0"/>
-          </a:p>
-        </p:txBody>
-      </p:sp>
-      <p:sp>
-        <p:nvSpPr>
-          <p:cNvPr id="3" name="Подзаголовок 2">
-            <a:extLst>
-              <a:ext uri="{FF2B5EF4-FFF2-40B4-BE49-F238E27FC236}">
-                <a16:creationId xmlns:a16="http://schemas.microsoft.com/office/drawing/2014/main" id="{327B4692-487C-470E-801B-0FDB8C1DA5ED}"/>
-              </a:ext>
-            </a:extLst>
-          </p:cNvPr>
-          <p:cNvSpPr>
-            <a:spLocks noGrp="1"/>
-          </p:cNvSpPr>
-          <p:nvPr>
-            <p:ph type="subTitle" idx="1"/>
-          </p:nvPr>
-        </p:nvSpPr>
-        <p:spPr>
-          <a:xfrm>
-            <a:off x="1524000" y="3941681"/>
-            <a:ext cx="9144000" cy="1655762"/>
-          </a:xfrm>
-        </p:spPr>
-        <p:txBody>
-          <a:bodyPr/>
-          <a:lstStyle/>
-          <a:p>
-            <a:r>
-              <a:rPr lang="ru-RU" dirty="0"/>
-              <a:t>Платформа для обучения программированию</a:t>
-            </a:r>
-          </a:p>
-        </p:txBody>
-      </p:sp>
-      <p:sp>
-        <p:nvSpPr>
-          <p:cNvPr id="4" name="TextBox 3">
-            <a:extLst>
-              <a:ext uri="{FF2B5EF4-FFF2-40B4-BE49-F238E27FC236}">
-                <a16:creationId xmlns:a16="http://schemas.microsoft.com/office/drawing/2014/main" id="{271E7B46-CD1F-4316-AB4D-4B0D55B74678}"/>
-              </a:ext>
-            </a:extLst>
-          </p:cNvPr>
-          <p:cNvSpPr txBox="1"/>
-          <p:nvPr/>
-        </p:nvSpPr>
-        <p:spPr>
-          <a:xfrm>
-            <a:off x="7800434" y="5966625"/>
-            <a:ext cx="4052656" cy="369332"/>
-          </a:xfrm>
-          <a:prstGeom prst="rect">
-            <a:avLst/>
-          </a:prstGeom>
-          <a:noFill/>
-        </p:spPr>
-        <p:txBody>
-          <a:bodyPr wrap="square">
-            <a:spAutoFit/>
-          </a:bodyPr>
-          <a:lstStyle/>
-          <a:p>
-            <a:pPr algn="r"/>
-            <a:r>
-              <a:rPr lang="ru-RU" dirty="0">
-                <a:latin typeface="Golos Text VF" pitchFamily="2" charset="0"/>
-                <a:ea typeface="Golos Text VF" pitchFamily="2" charset="0"/>
-              </a:rPr>
-              <a:t>Разработчик</a:t>
-            </a:r>
-            <a:r>
-              <a:rPr lang="en-US" dirty="0">
-                <a:latin typeface="Golos Text VF" pitchFamily="2" charset="0"/>
-                <a:ea typeface="Golos Text VF" pitchFamily="2" charset="0"/>
-              </a:rPr>
-              <a:t>: </a:t>
-            </a:r>
-            <a:r>
-              <a:rPr lang="ru-RU" sz="1800" b="1" dirty="0">
-                <a:latin typeface="Golos Text VF" pitchFamily="2" charset="0"/>
-                <a:ea typeface="Golos Text VF" pitchFamily="2" charset="0"/>
-              </a:rPr>
-              <a:t>Адам Арутюнов</a:t>
-            </a:r>
-            <a:endParaRPr lang="ru-RU" b="1" dirty="0">
-              <a:latin typeface="Golos Text VF" pitchFamily="2" charset="0"/>
-              <a:ea typeface="Golos Text VF" pitchFamily="2" charset="0"/>
-            </a:endParaRPr>
-          </a:p>
-        </p:txBody>
-      </p:sp>
-      <p:sp>
-        <p:nvSpPr>
-          <p:cNvPr id="5" name="TextBox 4">
-            <a:extLst>
-              <a:ext uri="{FF2B5EF4-FFF2-40B4-BE49-F238E27FC236}">
-                <a16:creationId xmlns:a16="http://schemas.microsoft.com/office/drawing/2014/main" id="{93D5D28E-72D3-4DCA-9EE3-78DB38AECAF8}"/>
-              </a:ext>
-            </a:extLst>
-          </p:cNvPr>
-          <p:cNvSpPr txBox="1"/>
-          <p:nvPr/>
-        </p:nvSpPr>
-        <p:spPr>
-          <a:xfrm>
-            <a:off x="8342309" y="6262349"/>
-            <a:ext cx="3506680" cy="369332"/>
-          </a:xfrm>
-          <a:prstGeom prst="rect">
-            <a:avLst/>
-          </a:prstGeom>
-          <a:noFill/>
-        </p:spPr>
-        <p:txBody>
-          <a:bodyPr wrap="square">
-            <a:spAutoFit/>
-          </a:bodyPr>
-          <a:lstStyle/>
-          <a:p>
-            <a:pPr algn="r"/>
-            <a:r>
-              <a:rPr lang="ru-RU" sz="1800" dirty="0">
-                <a:latin typeface="Golos Text VF" pitchFamily="2" charset="0"/>
-                <a:ea typeface="Golos Text VF" pitchFamily="2" charset="0"/>
-              </a:rPr>
-              <a:t>Руководитель</a:t>
-            </a:r>
-            <a:r>
-              <a:rPr lang="en-US" sz="1800" dirty="0">
-                <a:latin typeface="Golos Text VF" pitchFamily="2" charset="0"/>
-                <a:ea typeface="Golos Text VF" pitchFamily="2" charset="0"/>
-              </a:rPr>
-              <a:t>: </a:t>
-            </a:r>
-            <a:r>
-              <a:rPr lang="ru-RU" sz="1800" b="1" dirty="0">
-                <a:latin typeface="Golos Text VF" pitchFamily="2" charset="0"/>
-                <a:ea typeface="Golos Text VF" pitchFamily="2" charset="0"/>
-              </a:rPr>
-              <a:t>Юрий Дашко</a:t>
-            </a:r>
-            <a:endParaRPr lang="ru-RU" b="1" dirty="0">
-              <a:latin typeface="Golos Text VF" pitchFamily="2" charset="0"/>
-              <a:ea typeface="Golos Text VF" pitchFamily="2" charset="0"/>
-            </a:endParaRPr>
-          </a:p>
-        </p:txBody>
-      </p:sp>
-      <p:sp>
-        <p:nvSpPr>
-          <p:cNvPr id="7" name="TextBox 6">
-            <a:extLst>
-              <a:ext uri="{FF2B5EF4-FFF2-40B4-BE49-F238E27FC236}">
-                <a16:creationId xmlns:a16="http://schemas.microsoft.com/office/drawing/2014/main" id="{777E2BDE-5503-4A6D-8506-D4FF608DF8AD}"/>
-              </a:ext>
-            </a:extLst>
-          </p:cNvPr>
-          <p:cNvSpPr txBox="1"/>
-          <p:nvPr/>
-        </p:nvSpPr>
-        <p:spPr>
-          <a:xfrm>
-            <a:off x="243839" y="6262349"/>
-            <a:ext cx="2778034" cy="369332"/>
-          </a:xfrm>
-          <a:prstGeom prst="rect">
-            <a:avLst/>
-          </a:prstGeom>
-          <a:noFill/>
-        </p:spPr>
-        <p:txBody>
-          <a:bodyPr wrap="square">
-            <a:spAutoFit/>
-          </a:bodyPr>
-          <a:lstStyle/>
-          <a:p>
-            <a:r>
-              <a:rPr lang="ru-RU" dirty="0">
-                <a:latin typeface="Golos Text VF" pitchFamily="2" charset="0"/>
-                <a:ea typeface="Golos Text VF" pitchFamily="2" charset="0"/>
-              </a:rPr>
-              <a:t>Ростов-на-Дону, 2020</a:t>
-            </a:r>
-            <a:endParaRPr lang="ru-RU" b="1" dirty="0">
-              <a:latin typeface="Golos Text VF" pitchFamily="2" charset="0"/>
-              <a:ea typeface="Golos Text VF" pitchFamily="2" charset="0"/>
-            </a:endParaRPr>
-          </a:p>
-        </p:txBody>
-      </p:sp>
-    </p:spTree>
-    <p:extLst>
-      <p:ext uri="{BB962C8B-B14F-4D97-AF65-F5344CB8AC3E}">
-        <p14:creationId xmlns:p14="http://schemas.microsoft.com/office/powerpoint/2010/main" val="918327424"/>
       </p:ext>
     </p:extLst>
   </p:cSld>
@@ -4896,136 +6583,72 @@
           <p:cNvPr id="2" name="Заголовок 1">
             <a:extLst>
               <a:ext uri="{FF2B5EF4-FFF2-40B4-BE49-F238E27FC236}">
-                <a16:creationId xmlns:a16="http://schemas.microsoft.com/office/drawing/2014/main" id="{1FDD066F-7749-495E-85C8-6C9665D25A87}"/>
-              </a:ext>
-            </a:extLst>
-          </p:cNvPr>
-          <p:cNvSpPr>
-            <a:spLocks noGrp="1"/>
-          </p:cNvSpPr>
-          <p:nvPr>
-            <p:ph type="title"/>
-          </p:nvPr>
-        </p:nvSpPr>
-        <p:spPr/>
+                <a16:creationId xmlns:a16="http://schemas.microsoft.com/office/drawing/2014/main" id="{D9D6E8BB-CA66-402A-A80F-81720247CC69}"/>
+              </a:ext>
+            </a:extLst>
+          </p:cNvPr>
+          <p:cNvSpPr>
+            <a:spLocks noGrp="1"/>
+          </p:cNvSpPr>
+          <p:nvPr>
+            <p:ph type="ctrTitle"/>
+          </p:nvPr>
+        </p:nvSpPr>
+        <p:spPr>
+          <a:xfrm>
+            <a:off x="1524000" y="1462006"/>
+            <a:ext cx="9144000" cy="2387600"/>
+          </a:xfrm>
+        </p:spPr>
         <p:txBody>
           <a:bodyPr/>
           <a:lstStyle/>
           <a:p>
             <a:r>
+              <a:rPr lang="en-US" sz="9600" dirty="0"/>
+              <a:t>Pycon</a:t>
+            </a:r>
+            <a:endParaRPr lang="ru-RU" dirty="0"/>
+          </a:p>
+        </p:txBody>
+      </p:sp>
+      <p:sp>
+        <p:nvSpPr>
+          <p:cNvPr id="3" name="Подзаголовок 2">
+            <a:extLst>
+              <a:ext uri="{FF2B5EF4-FFF2-40B4-BE49-F238E27FC236}">
+                <a16:creationId xmlns:a16="http://schemas.microsoft.com/office/drawing/2014/main" id="{327B4692-487C-470E-801B-0FDB8C1DA5ED}"/>
+              </a:ext>
+            </a:extLst>
+          </p:cNvPr>
+          <p:cNvSpPr>
+            <a:spLocks noGrp="1"/>
+          </p:cNvSpPr>
+          <p:nvPr>
+            <p:ph type="subTitle" idx="1"/>
+          </p:nvPr>
+        </p:nvSpPr>
+        <p:spPr>
+          <a:xfrm>
+            <a:off x="1524000" y="3941681"/>
+            <a:ext cx="9144000" cy="1655762"/>
+          </a:xfrm>
+        </p:spPr>
+        <p:txBody>
+          <a:bodyPr/>
+          <a:lstStyle/>
+          <a:p>
+            <a:r>
               <a:rPr lang="ru-RU" dirty="0"/>
-              <a:t>Проблема</a:t>
-            </a:r>
-          </a:p>
-        </p:txBody>
-      </p:sp>
-      <p:sp>
-        <p:nvSpPr>
-          <p:cNvPr id="3" name="Объект 2">
-            <a:extLst>
-              <a:ext uri="{FF2B5EF4-FFF2-40B4-BE49-F238E27FC236}">
-                <a16:creationId xmlns:a16="http://schemas.microsoft.com/office/drawing/2014/main" id="{1094C920-441D-451C-B7E1-C7EE0D5608CC}"/>
-              </a:ext>
-            </a:extLst>
-          </p:cNvPr>
-          <p:cNvSpPr>
-            <a:spLocks noGrp="1"/>
-          </p:cNvSpPr>
-          <p:nvPr>
-            <p:ph idx="1"/>
-          </p:nvPr>
-        </p:nvSpPr>
-        <p:spPr>
-          <a:xfrm>
-            <a:off x="838200" y="1930133"/>
-            <a:ext cx="10515600" cy="5032376"/>
-          </a:xfrm>
-        </p:spPr>
-        <p:txBody>
-          <a:bodyPr>
-            <a:normAutofit/>
-          </a:bodyPr>
-          <a:lstStyle/>
-          <a:p>
-            <a:pPr marL="0" indent="0">
-              <a:lnSpc>
-                <a:spcPct val="100000"/>
-              </a:lnSpc>
-              <a:spcBef>
-                <a:spcPts val="1800"/>
-              </a:spcBef>
-              <a:buNone/>
-            </a:pPr>
-            <a:r>
-              <a:rPr lang="ru-RU" dirty="0"/>
-              <a:t>Обучение программированию всегда предполагает </a:t>
-            </a:r>
-            <a:r>
-              <a:rPr lang="ru-RU" i="1" dirty="0"/>
-              <a:t>решение задач.</a:t>
-            </a:r>
-          </a:p>
-          <a:p>
-            <a:pPr marL="0" indent="0">
-              <a:lnSpc>
-                <a:spcPct val="110000"/>
-              </a:lnSpc>
-              <a:spcBef>
-                <a:spcPts val="1800"/>
-              </a:spcBef>
-              <a:buNone/>
-            </a:pPr>
-            <a:r>
-              <a:rPr lang="ru-RU" dirty="0"/>
-              <a:t>Задач обычно много, а времени — мало. Преподаватель не успевает проверить все задачи всех студентов.</a:t>
-            </a:r>
-            <a:endParaRPr lang="en-US" dirty="0"/>
-          </a:p>
-          <a:p>
-            <a:pPr marL="0" indent="0">
-              <a:lnSpc>
-                <a:spcPct val="110000"/>
-              </a:lnSpc>
-              <a:spcBef>
-                <a:spcPts val="1800"/>
-              </a:spcBef>
-              <a:buNone/>
-            </a:pPr>
-            <a:r>
-              <a:rPr lang="ru-RU" dirty="0"/>
-              <a:t>Необходима информационная система, которая берёт на себя большую часть задачи по проверке.</a:t>
-            </a:r>
-          </a:p>
-          <a:p>
-            <a:pPr marL="0" indent="0">
-              <a:lnSpc>
-                <a:spcPct val="100000"/>
-              </a:lnSpc>
-              <a:spcBef>
-                <a:spcPts val="1100"/>
-              </a:spcBef>
-              <a:buNone/>
-            </a:pPr>
-            <a:endParaRPr lang="ru-RU" dirty="0"/>
-          </a:p>
-          <a:p>
-            <a:pPr marL="0" indent="0">
-              <a:lnSpc>
-                <a:spcPct val="100000"/>
-              </a:lnSpc>
-              <a:spcBef>
-                <a:spcPts val="1100"/>
-              </a:spcBef>
-              <a:buNone/>
-            </a:pPr>
-            <a:endParaRPr lang="ru-RU" dirty="0"/>
+              <a:t>Платформа для обучения программированию</a:t>
+            </a:r>
           </a:p>
         </p:txBody>
       </p:sp>
     </p:spTree>
     <p:extLst>
       <p:ext uri="{BB962C8B-B14F-4D97-AF65-F5344CB8AC3E}">
-        <p14:creationId xmlns:p14="http://schemas.microsoft.com/office/powerpoint/2010/main" val="869957934"/>
+        <p14:creationId xmlns:p14="http://schemas.microsoft.com/office/powerpoint/2010/main" val="918327424"/>
       </p:ext>
     </p:extLst>
   </p:cSld>
@@ -5075,7 +6698,7 @@
           <a:p>
             <a:r>
               <a:rPr lang="ru-RU" dirty="0"/>
-              <a:t>Решение</a:t>
+              <a:t>Проблема</a:t>
             </a:r>
           </a:p>
         </p:txBody>
@@ -5118,68 +6741,75 @@
               <a:buNone/>
             </a:pPr>
             <a:r>
-              <a:rPr lang="en-US" dirty="0"/>
-              <a:t>Pycon —</a:t>
-            </a:r>
-            <a:r>
               <a:rPr lang="ru-RU" dirty="0"/>
-              <a:t> платформа для обучения программированию на </a:t>
-            </a:r>
-            <a:r>
-              <a:rPr lang="en-US" dirty="0"/>
-              <a:t>Python </a:t>
-            </a:r>
+              <a:t>Обучение программированию всегда предполагает </a:t>
+            </a:r>
+            <a:r>
+              <a:rPr lang="ru-RU" i="1" dirty="0"/>
+              <a:t>решение задач.</a:t>
+            </a:r>
+          </a:p>
+          <a:p>
+            <a:pPr marL="0" indent="0">
+              <a:lnSpc>
+                <a:spcPct val="110000"/>
+              </a:lnSpc>
+              <a:spcBef>
+                <a:spcPts val="1800"/>
+              </a:spcBef>
+              <a:buNone/>
+            </a:pPr>
             <a:r>
               <a:rPr lang="ru-RU" dirty="0"/>
-              <a:t>и </a:t>
-            </a:r>
-            <a:r>
-              <a:rPr lang="en-US" dirty="0"/>
-              <a:t>C#, </a:t>
-            </a:r>
+              <a:t>Задач обычно много, а времени — мало. Преподаватель не успевает проверить все задачи всех студентов.</a:t>
+            </a:r>
+            <a:endParaRPr lang="en-US" dirty="0"/>
+          </a:p>
+          <a:p>
+            <a:pPr marL="0" indent="0">
+              <a:lnSpc>
+                <a:spcPct val="110000"/>
+              </a:lnSpc>
+              <a:spcBef>
+                <a:spcPts val="1800"/>
+              </a:spcBef>
+              <a:buNone/>
+            </a:pPr>
             <a:r>
               <a:rPr lang="ru-RU" dirty="0"/>
-              <a:t>в которой есть </a:t>
-            </a:r>
-            <a:r>
-              <a:rPr lang="ru-RU" i="1" dirty="0"/>
-              <a:t>задачи, </a:t>
-            </a:r>
-            <a:r>
-              <a:rPr lang="ru-RU" i="1" dirty="0" err="1"/>
-              <a:t>контесты</a:t>
-            </a:r>
-            <a:r>
-              <a:rPr lang="ru-RU" i="1" dirty="0"/>
-              <a:t>, работы,</a:t>
-            </a:r>
-            <a:r>
-              <a:rPr lang="ru-RU" dirty="0"/>
-              <a:t> </a:t>
-            </a:r>
-            <a:r>
-              <a:rPr lang="ru-RU" i="1" dirty="0"/>
-              <a:t>автоматический </a:t>
-            </a:r>
-            <a:r>
-              <a:rPr lang="ru-RU" i="1" dirty="0" err="1"/>
-              <a:t>чекер</a:t>
-            </a:r>
-            <a:r>
-              <a:rPr lang="ru-RU" i="1" dirty="0"/>
-              <a:t> задач </a:t>
-            </a:r>
-            <a:r>
-              <a:rPr lang="ru-RU" dirty="0"/>
-              <a:t>и другие инструменты для работы с большим количеством учащихся.</a:t>
-            </a:r>
+              <a:t>Необходима информационная система, которая берёт на себя большую часть задачи по проверке.</a:t>
+            </a:r>
+          </a:p>
+          <a:p>
+            <a:pPr marL="0" indent="0">
+              <a:lnSpc>
+                <a:spcPct val="100000"/>
+              </a:lnSpc>
+              <a:spcBef>
+                <a:spcPts val="1100"/>
+              </a:spcBef>
+              <a:buNone/>
+            </a:pPr>
+            <a:endParaRPr lang="ru-RU" dirty="0"/>
+          </a:p>
+          <a:p>
+            <a:pPr marL="0" indent="0">
+              <a:lnSpc>
+                <a:spcPct val="100000"/>
+              </a:lnSpc>
+              <a:spcBef>
+                <a:spcPts val="1100"/>
+              </a:spcBef>
+              <a:buNone/>
+            </a:pPr>
+            <a:endParaRPr lang="ru-RU" dirty="0"/>
           </a:p>
         </p:txBody>
       </p:sp>
     </p:spTree>
     <p:extLst>
       <p:ext uri="{BB962C8B-B14F-4D97-AF65-F5344CB8AC3E}">
-        <p14:creationId xmlns:p14="http://schemas.microsoft.com/office/powerpoint/2010/main" val="2023904778"/>
+        <p14:creationId xmlns:p14="http://schemas.microsoft.com/office/powerpoint/2010/main" val="869957934"/>
       </p:ext>
     </p:extLst>
   </p:cSld>
@@ -5211,30 +6841,121 @@
           <p:cNvPr id="2" name="Заголовок 1">
             <a:extLst>
               <a:ext uri="{FF2B5EF4-FFF2-40B4-BE49-F238E27FC236}">
-                <a16:creationId xmlns:a16="http://schemas.microsoft.com/office/drawing/2014/main" id="{5B95DC47-FA37-47A6-A261-B0D40EA8541D}"/>
-              </a:ext>
-            </a:extLst>
-          </p:cNvPr>
-          <p:cNvSpPr>
-            <a:spLocks noGrp="1"/>
-          </p:cNvSpPr>
-          <p:nvPr>
-            <p:ph type="ctrTitle"/>
-          </p:nvPr>
-        </p:nvSpPr>
-        <p:spPr>
-          <a:xfrm>
-            <a:off x="1524000" y="1679712"/>
-            <a:ext cx="9144000" cy="2387600"/>
-          </a:xfrm>
-        </p:spPr>
+                <a16:creationId xmlns:a16="http://schemas.microsoft.com/office/drawing/2014/main" id="{1FDD066F-7749-495E-85C8-6C9665D25A87}"/>
+              </a:ext>
+            </a:extLst>
+          </p:cNvPr>
+          <p:cNvSpPr>
+            <a:spLocks noGrp="1"/>
+          </p:cNvSpPr>
+          <p:nvPr>
+            <p:ph type="title"/>
+          </p:nvPr>
+        </p:nvSpPr>
+        <p:spPr/>
         <p:txBody>
           <a:bodyPr/>
           <a:lstStyle/>
           <a:p>
             <a:r>
               <a:rPr lang="ru-RU" dirty="0"/>
-              <a:t>Демонстрация</a:t>
+              <a:t>Решение</a:t>
+            </a:r>
+          </a:p>
+        </p:txBody>
+      </p:sp>
+      <p:sp>
+        <p:nvSpPr>
+          <p:cNvPr id="3" name="Объект 2">
+            <a:extLst>
+              <a:ext uri="{FF2B5EF4-FFF2-40B4-BE49-F238E27FC236}">
+                <a16:creationId xmlns:a16="http://schemas.microsoft.com/office/drawing/2014/main" id="{1094C920-441D-451C-B7E1-C7EE0D5608CC}"/>
+              </a:ext>
+            </a:extLst>
+          </p:cNvPr>
+          <p:cNvSpPr>
+            <a:spLocks noGrp="1"/>
+          </p:cNvSpPr>
+          <p:nvPr>
+            <p:ph idx="1"/>
+          </p:nvPr>
+        </p:nvSpPr>
+        <p:spPr>
+          <a:xfrm>
+            <a:off x="838200" y="1930133"/>
+            <a:ext cx="10515600" cy="5032376"/>
+          </a:xfrm>
+        </p:spPr>
+        <p:txBody>
+          <a:bodyPr>
+            <a:normAutofit/>
+          </a:bodyPr>
+          <a:lstStyle/>
+          <a:p>
+            <a:pPr marL="0" indent="0">
+              <a:lnSpc>
+                <a:spcPct val="100000"/>
+              </a:lnSpc>
+              <a:spcBef>
+                <a:spcPts val="1800"/>
+              </a:spcBef>
+              <a:buNone/>
+            </a:pPr>
+            <a:r>
+              <a:rPr lang="en-US" dirty="0"/>
+              <a:t>Pycon —</a:t>
+            </a:r>
+            <a:r>
+              <a:rPr lang="ru-RU" dirty="0"/>
+              <a:t> платформа для обучения программированию на </a:t>
+            </a:r>
+            <a:r>
+              <a:rPr lang="en-US" dirty="0"/>
+              <a:t>Python </a:t>
+            </a:r>
+            <a:r>
+              <a:rPr lang="ru-RU" dirty="0"/>
+              <a:t>и </a:t>
+            </a:r>
+            <a:r>
+              <a:rPr lang="en-US" dirty="0"/>
+              <a:t>C#, </a:t>
+            </a:r>
+            <a:r>
+              <a:rPr lang="ru-RU" dirty="0"/>
+              <a:t>в которой есть </a:t>
+            </a:r>
+            <a:r>
+              <a:rPr lang="ru-RU" i="1" dirty="0"/>
+              <a:t>задачи, </a:t>
+            </a:r>
+            <a:r>
+              <a:rPr lang="ru-RU" i="1" dirty="0" err="1"/>
+              <a:t>контесты</a:t>
+            </a:r>
+            <a:r>
+              <a:rPr lang="ru-RU" i="1" dirty="0"/>
+              <a:t>, работы,</a:t>
+            </a:r>
+            <a:r>
+              <a:rPr lang="ru-RU" dirty="0"/>
+              <a:t> </a:t>
+            </a:r>
+            <a:r>
+              <a:rPr lang="ru-RU" i="1" dirty="0"/>
+              <a:t>автоматический </a:t>
+            </a:r>
+            <a:r>
+              <a:rPr lang="ru-RU" i="1" dirty="0" err="1"/>
+              <a:t>чекер</a:t>
+            </a:r>
+            <a:r>
+              <a:rPr lang="ru-RU" i="1" dirty="0"/>
+              <a:t> задач </a:t>
+            </a:r>
+            <a:r>
+              <a:rPr lang="ru-RU" dirty="0"/>
+              <a:t>и другие инструменты для работы с большим количеством учащихся.</a:t>
             </a:r>
           </a:p>
         </p:txBody>
@@ -5242,7 +6963,7 @@
     </p:spTree>
     <p:extLst>
       <p:ext uri="{BB962C8B-B14F-4D97-AF65-F5344CB8AC3E}">
-        <p14:creationId xmlns:p14="http://schemas.microsoft.com/office/powerpoint/2010/main" val="3924614989"/>
+        <p14:creationId xmlns:p14="http://schemas.microsoft.com/office/powerpoint/2010/main" val="2023904778"/>
       </p:ext>
     </p:extLst>
   </p:cSld>
@@ -5271,38 +6992,55 @@
       </p:grpSpPr>
       <p:pic>
         <p:nvPicPr>
-          <p:cNvPr id="5" name="Рисунок 4">
-            <a:extLst>
-              <a:ext uri="{FF2B5EF4-FFF2-40B4-BE49-F238E27FC236}">
-                <a16:creationId xmlns:a16="http://schemas.microsoft.com/office/drawing/2014/main" id="{BBE827A6-53ED-4B91-BEF4-EAAF8B28CD06}"/>
+          <p:cNvPr id="1026" name="Picture 2">
+            <a:extLst>
+              <a:ext uri="{FF2B5EF4-FFF2-40B4-BE49-F238E27FC236}">
+                <a16:creationId xmlns:a16="http://schemas.microsoft.com/office/drawing/2014/main" id="{39A6F3B3-50AC-45AC-AF2A-5C412B3E6252}"/>
               </a:ext>
             </a:extLst>
           </p:cNvPr>
           <p:cNvPicPr>
-            <a:picLocks noChangeAspect="1"/>
+            <a:picLocks noChangeAspect="1" noChangeArrowheads="1"/>
           </p:cNvPicPr>
           <p:nvPr/>
         </p:nvPicPr>
         <p:blipFill>
-          <a:blip r:embed="rId2"/>
+          <a:blip r:embed="rId2">
+            <a:extLst>
+              <a:ext uri="{28A0092B-C50C-407E-A947-70E740481C1C}">
+                <a14:useLocalDpi xmlns:a14="http://schemas.microsoft.com/office/drawing/2010/main" val="0"/>
+              </a:ext>
+            </a:extLst>
+          </a:blip>
+          <a:srcRect/>
           <a:stretch>
             <a:fillRect/>
           </a:stretch>
         </p:blipFill>
-        <p:spPr>
-          <a:xfrm>
-            <a:off x="0" y="0"/>
-            <a:ext cx="15581780" cy="6858000"/>
+        <p:spPr bwMode="auto">
+          <a:xfrm>
+            <a:off x="1570831" y="0"/>
+            <a:ext cx="9050337" cy="6858000"/>
           </a:xfrm>
           <a:prstGeom prst="rect">
             <a:avLst/>
           </a:prstGeom>
+          <a:noFill/>
+          <a:extLst>
+            <a:ext uri="{909E8E84-426E-40DD-AFC4-6F175D3DCCD1}">
+              <a14:hiddenFill xmlns:a14="http://schemas.microsoft.com/office/drawing/2010/main">
+                <a:solidFill>
+                  <a:srgbClr val="FFFFFF"/>
+                </a:solidFill>
+              </a14:hiddenFill>
+            </a:ext>
+          </a:extLst>
         </p:spPr>
       </p:pic>
     </p:spTree>
     <p:extLst>
       <p:ext uri="{BB962C8B-B14F-4D97-AF65-F5344CB8AC3E}">
-        <p14:creationId xmlns:p14="http://schemas.microsoft.com/office/powerpoint/2010/main" val="2051378908"/>
+        <p14:creationId xmlns:p14="http://schemas.microsoft.com/office/powerpoint/2010/main" val="236925745"/>
       </p:ext>
     </p:extLst>
   </p:cSld>
@@ -5329,136 +7067,57 @@
           <a:chExt cx="0" cy="0"/>
         </a:xfrm>
       </p:grpSpPr>
-      <p:sp>
-        <p:nvSpPr>
-          <p:cNvPr id="2" name="Заголовок 1">
-            <a:extLst>
-              <a:ext uri="{FF2B5EF4-FFF2-40B4-BE49-F238E27FC236}">
-                <a16:creationId xmlns:a16="http://schemas.microsoft.com/office/drawing/2014/main" id="{1FDD066F-7749-495E-85C8-6C9665D25A87}"/>
-              </a:ext>
-            </a:extLst>
-          </p:cNvPr>
-          <p:cNvSpPr>
-            <a:spLocks noGrp="1"/>
-          </p:cNvSpPr>
-          <p:nvPr>
-            <p:ph type="title"/>
-          </p:nvPr>
-        </p:nvSpPr>
-        <p:spPr/>
-        <p:txBody>
-          <a:bodyPr/>
-          <a:lstStyle/>
-          <a:p>
-            <a:r>
-              <a:rPr lang="ru-RU" dirty="0"/>
-              <a:t>Уникальность</a:t>
-            </a:r>
-          </a:p>
-        </p:txBody>
-      </p:sp>
-      <p:sp>
-        <p:nvSpPr>
-          <p:cNvPr id="3" name="Объект 2">
-            <a:extLst>
-              <a:ext uri="{FF2B5EF4-FFF2-40B4-BE49-F238E27FC236}">
-                <a16:creationId xmlns:a16="http://schemas.microsoft.com/office/drawing/2014/main" id="{1094C920-441D-451C-B7E1-C7EE0D5608CC}"/>
-              </a:ext>
-            </a:extLst>
-          </p:cNvPr>
-          <p:cNvSpPr>
-            <a:spLocks noGrp="1"/>
-          </p:cNvSpPr>
-          <p:nvPr>
-            <p:ph idx="1"/>
-          </p:nvPr>
-        </p:nvSpPr>
-        <p:spPr>
-          <a:xfrm>
-            <a:off x="838200" y="1930133"/>
-            <a:ext cx="10515600" cy="5032376"/>
-          </a:xfrm>
-        </p:spPr>
-        <p:txBody>
-          <a:bodyPr>
-            <a:normAutofit/>
-          </a:bodyPr>
-          <a:lstStyle/>
-          <a:p>
-            <a:pPr marL="0" indent="0">
-              <a:lnSpc>
-                <a:spcPct val="100000"/>
-              </a:lnSpc>
-              <a:spcBef>
-                <a:spcPts val="1800"/>
-              </a:spcBef>
-              <a:buNone/>
-            </a:pPr>
-            <a:r>
-              <a:rPr lang="en-US" dirty="0"/>
-              <a:t>Pycon </a:t>
-            </a:r>
-            <a:r>
-              <a:rPr lang="ru-RU" dirty="0"/>
-              <a:t>уникален в первую очередь из-за своей гибкости.</a:t>
-            </a:r>
-          </a:p>
-          <a:p>
-            <a:pPr marL="0" indent="0">
-              <a:lnSpc>
-                <a:spcPct val="100000"/>
-              </a:lnSpc>
-              <a:spcBef>
-                <a:spcPts val="1800"/>
-              </a:spcBef>
-              <a:buNone/>
-            </a:pPr>
-            <a:r>
-              <a:rPr lang="ru-RU" dirty="0"/>
-              <a:t>Существующие решения (готовые площадки или информационные системы с </a:t>
-            </a:r>
-            <a:r>
-              <a:rPr lang="en-US" dirty="0"/>
-              <a:t>API</a:t>
-            </a:r>
-            <a:r>
-              <a:rPr lang="ru-RU" dirty="0"/>
-              <a:t>)</a:t>
-            </a:r>
-            <a:r>
-              <a:rPr lang="en-US" dirty="0"/>
-              <a:t> </a:t>
-            </a:r>
-            <a:r>
-              <a:rPr lang="ru-RU" dirty="0"/>
-              <a:t>заставляют адаптироваться под их формат работы.</a:t>
-            </a:r>
-          </a:p>
-          <a:p>
-            <a:pPr marL="0" indent="0">
-              <a:lnSpc>
-                <a:spcPct val="100000"/>
-              </a:lnSpc>
-              <a:spcBef>
-                <a:spcPts val="1800"/>
-              </a:spcBef>
-              <a:buNone/>
-            </a:pPr>
-            <a:r>
-              <a:rPr lang="en-US" dirty="0"/>
-              <a:t>Pycon </a:t>
-            </a:r>
-            <a:r>
-              <a:rPr lang="ru-RU" dirty="0"/>
-              <a:t>разработан специально для интеграции в образовательные учреждения, поэтому адаптируется под его запросы и осуществляет его основные функции — обучение и контроль.</a:t>
-            </a:r>
-          </a:p>
-        </p:txBody>
-      </p:sp>
+      <p:pic>
+        <p:nvPicPr>
+          <p:cNvPr id="2050" name="Picture 2">
+            <a:extLst>
+              <a:ext uri="{FF2B5EF4-FFF2-40B4-BE49-F238E27FC236}">
+                <a16:creationId xmlns:a16="http://schemas.microsoft.com/office/drawing/2014/main" id="{66A0F946-DD6F-4848-868C-FD4A5A0BDC30}"/>
+              </a:ext>
+            </a:extLst>
+          </p:cNvPr>
+          <p:cNvPicPr>
+            <a:picLocks noChangeAspect="1" noChangeArrowheads="1"/>
+          </p:cNvPicPr>
+          <p:nvPr/>
+        </p:nvPicPr>
+        <p:blipFill>
+          <a:blip r:embed="rId2">
+            <a:extLst>
+              <a:ext uri="{28A0092B-C50C-407E-A947-70E740481C1C}">
+                <a14:useLocalDpi xmlns:a14="http://schemas.microsoft.com/office/drawing/2010/main" val="0"/>
+              </a:ext>
+            </a:extLst>
+          </a:blip>
+          <a:srcRect/>
+          <a:stretch>
+            <a:fillRect/>
+          </a:stretch>
+        </p:blipFill>
+        <p:spPr bwMode="auto">
+          <a:xfrm>
+            <a:off x="3421062" y="0"/>
+            <a:ext cx="5349875" cy="6858000"/>
+          </a:xfrm>
+          <a:prstGeom prst="rect">
+            <a:avLst/>
+          </a:prstGeom>
+          <a:noFill/>
+          <a:extLst>
+            <a:ext uri="{909E8E84-426E-40DD-AFC4-6F175D3DCCD1}">
+              <a14:hiddenFill xmlns:a14="http://schemas.microsoft.com/office/drawing/2010/main">
+                <a:solidFill>
+                  <a:srgbClr val="FFFFFF"/>
+                </a:solidFill>
+              </a14:hiddenFill>
+            </a:ext>
+          </a:extLst>
+        </p:spPr>
+      </p:pic>
     </p:spTree>
     <p:extLst>
       <p:ext uri="{BB962C8B-B14F-4D97-AF65-F5344CB8AC3E}">
-        <p14:creationId xmlns:p14="http://schemas.microsoft.com/office/powerpoint/2010/main" val="448969728"/>
+        <p14:creationId xmlns:p14="http://schemas.microsoft.com/office/powerpoint/2010/main" val="3182636798"/>
       </p:ext>
     </p:extLst>
   </p:cSld>
@@ -5485,224 +7144,57 @@
           <a:chExt cx="0" cy="0"/>
         </a:xfrm>
       </p:grpSpPr>
-      <p:sp>
-        <p:nvSpPr>
-          <p:cNvPr id="2" name="Заголовок 1">
-            <a:extLst>
-              <a:ext uri="{FF2B5EF4-FFF2-40B4-BE49-F238E27FC236}">
-                <a16:creationId xmlns:a16="http://schemas.microsoft.com/office/drawing/2014/main" id="{1FDD066F-7749-495E-85C8-6C9665D25A87}"/>
-              </a:ext>
-            </a:extLst>
-          </p:cNvPr>
-          <p:cNvSpPr>
-            <a:spLocks noGrp="1"/>
-          </p:cNvSpPr>
-          <p:nvPr>
-            <p:ph type="title"/>
-          </p:nvPr>
-        </p:nvSpPr>
-        <p:spPr/>
-        <p:txBody>
-          <a:bodyPr/>
-          <a:lstStyle/>
-          <a:p>
-            <a:r>
-              <a:rPr lang="ru-RU" dirty="0"/>
-              <a:t>Тестирование</a:t>
-            </a:r>
-          </a:p>
-        </p:txBody>
-      </p:sp>
-      <p:sp>
-        <p:nvSpPr>
-          <p:cNvPr id="3" name="Объект 2">
-            <a:extLst>
-              <a:ext uri="{FF2B5EF4-FFF2-40B4-BE49-F238E27FC236}">
-                <a16:creationId xmlns:a16="http://schemas.microsoft.com/office/drawing/2014/main" id="{1094C920-441D-451C-B7E1-C7EE0D5608CC}"/>
-              </a:ext>
-            </a:extLst>
-          </p:cNvPr>
-          <p:cNvSpPr>
-            <a:spLocks noGrp="1"/>
-          </p:cNvSpPr>
-          <p:nvPr>
-            <p:ph idx="1"/>
-          </p:nvPr>
-        </p:nvSpPr>
-        <p:spPr>
-          <a:xfrm>
-            <a:off x="838200" y="1930133"/>
-            <a:ext cx="10515600" cy="5032376"/>
-          </a:xfrm>
-        </p:spPr>
-        <p:txBody>
-          <a:bodyPr>
-            <a:normAutofit/>
-          </a:bodyPr>
-          <a:lstStyle/>
-          <a:p>
-            <a:pPr marL="0" indent="0">
-              <a:lnSpc>
-                <a:spcPct val="100000"/>
-              </a:lnSpc>
-              <a:spcBef>
-                <a:spcPts val="1800"/>
-              </a:spcBef>
-              <a:buNone/>
-            </a:pPr>
-            <a:r>
-              <a:rPr lang="ru-RU" dirty="0"/>
-              <a:t>В период с 28 октября по сегодняшний день проходит бета-тестирование </a:t>
-            </a:r>
-            <a:r>
-              <a:rPr lang="en-US" dirty="0"/>
-              <a:t>Pycon. </a:t>
-            </a:r>
-            <a:r>
-              <a:rPr lang="ru-RU" dirty="0"/>
-              <a:t>За время тестирования</a:t>
-            </a:r>
-            <a:r>
-              <a:rPr lang="en-US" dirty="0"/>
-              <a:t>:</a:t>
-            </a:r>
-            <a:endParaRPr lang="ru-RU" dirty="0"/>
-          </a:p>
-          <a:p>
-            <a:pPr marL="0" indent="0">
-              <a:lnSpc>
-                <a:spcPct val="100000"/>
-              </a:lnSpc>
-              <a:spcBef>
-                <a:spcPts val="1800"/>
-              </a:spcBef>
-              <a:buNone/>
-            </a:pPr>
-            <a:endParaRPr lang="en-US" dirty="0"/>
-          </a:p>
-          <a:p>
-            <a:pPr marL="0" indent="0">
-              <a:lnSpc>
-                <a:spcPct val="100000"/>
-              </a:lnSpc>
-              <a:spcBef>
-                <a:spcPts val="1800"/>
-              </a:spcBef>
-              <a:buNone/>
-            </a:pPr>
-            <a:r>
-              <a:rPr lang="en-US" dirty="0"/>
-              <a:t>— </a:t>
-            </a:r>
-            <a:r>
-              <a:rPr lang="ru-RU" dirty="0"/>
-              <a:t>зарегистрировались более 300</a:t>
-            </a:r>
-            <a:r>
-              <a:rPr lang="ru-RU" i="1" dirty="0"/>
-              <a:t> человек</a:t>
-            </a:r>
-            <a:r>
-              <a:rPr lang="en-US" dirty="0"/>
-              <a:t>;</a:t>
-            </a:r>
-          </a:p>
-          <a:p>
-            <a:pPr marL="0" indent="0">
-              <a:lnSpc>
-                <a:spcPct val="100000"/>
-              </a:lnSpc>
-              <a:spcBef>
-                <a:spcPts val="1800"/>
-              </a:spcBef>
-              <a:buNone/>
-            </a:pPr>
-            <a:r>
-              <a:rPr lang="en-US" dirty="0"/>
-              <a:t>— </a:t>
-            </a:r>
-            <a:r>
-              <a:rPr lang="ru-RU" dirty="0"/>
-              <a:t>было отправлено более </a:t>
-            </a:r>
-            <a:r>
-              <a:rPr lang="ru-RU" i="1" dirty="0"/>
-              <a:t>10000 посылок</a:t>
-            </a:r>
-            <a:r>
-              <a:rPr lang="en-US" i="1" dirty="0"/>
-              <a:t>;</a:t>
-            </a:r>
-          </a:p>
-          <a:p>
-            <a:pPr marL="0" indent="0">
-              <a:lnSpc>
-                <a:spcPct val="100000"/>
-              </a:lnSpc>
-              <a:spcBef>
-                <a:spcPts val="1800"/>
-              </a:spcBef>
-              <a:buNone/>
-            </a:pPr>
-            <a:r>
-              <a:rPr lang="en-US" i="1" dirty="0"/>
-              <a:t>—</a:t>
-            </a:r>
-            <a:r>
-              <a:rPr lang="ru-RU" dirty="0"/>
-              <a:t> получено </a:t>
-            </a:r>
-            <a:r>
-              <a:rPr lang="ru-RU" i="1" dirty="0"/>
-              <a:t>4500 правильных решений</a:t>
-            </a:r>
-            <a:r>
-              <a:rPr lang="en-US" i="1" dirty="0"/>
-              <a:t>;</a:t>
-            </a:r>
-          </a:p>
-          <a:p>
-            <a:pPr marL="0" indent="0">
-              <a:lnSpc>
-                <a:spcPct val="100000"/>
-              </a:lnSpc>
-              <a:spcBef>
-                <a:spcPts val="1800"/>
-              </a:spcBef>
-              <a:buNone/>
-            </a:pPr>
-            <a:r>
-              <a:rPr lang="en-US" i="1" dirty="0"/>
-              <a:t>— </a:t>
-            </a:r>
-            <a:r>
-              <a:rPr lang="ru-RU" dirty="0"/>
-              <a:t>проведено </a:t>
-            </a:r>
-            <a:r>
-              <a:rPr lang="ru-RU" i="1" dirty="0"/>
-              <a:t>9 работ </a:t>
-            </a:r>
-            <a:r>
-              <a:rPr lang="ru-RU" dirty="0"/>
-              <a:t>по языку </a:t>
-            </a:r>
-            <a:r>
-              <a:rPr lang="en-US" dirty="0"/>
-              <a:t>Python</a:t>
-            </a:r>
-            <a:r>
-              <a:rPr lang="ru-RU" dirty="0"/>
-              <a:t>.</a:t>
-            </a:r>
-            <a:endParaRPr lang="en-US" i="1" dirty="0"/>
-          </a:p>
-        </p:txBody>
-      </p:sp>
+      <p:pic>
+        <p:nvPicPr>
+          <p:cNvPr id="3074" name="Picture 2">
+            <a:extLst>
+              <a:ext uri="{FF2B5EF4-FFF2-40B4-BE49-F238E27FC236}">
+                <a16:creationId xmlns:a16="http://schemas.microsoft.com/office/drawing/2014/main" id="{E9FB64B9-45D7-40D8-B02D-397382677BFB}"/>
+              </a:ext>
+            </a:extLst>
+          </p:cNvPr>
+          <p:cNvPicPr>
+            <a:picLocks noChangeAspect="1" noChangeArrowheads="1"/>
+          </p:cNvPicPr>
+          <p:nvPr/>
+        </p:nvPicPr>
+        <p:blipFill>
+          <a:blip r:embed="rId2">
+            <a:extLst>
+              <a:ext uri="{28A0092B-C50C-407E-A947-70E740481C1C}">
+                <a14:useLocalDpi xmlns:a14="http://schemas.microsoft.com/office/drawing/2010/main" val="0"/>
+              </a:ext>
+            </a:extLst>
+          </a:blip>
+          <a:srcRect/>
+          <a:stretch>
+            <a:fillRect/>
+          </a:stretch>
+        </p:blipFill>
+        <p:spPr bwMode="auto">
+          <a:xfrm>
+            <a:off x="466725" y="833438"/>
+            <a:ext cx="11258550" cy="5191125"/>
+          </a:xfrm>
+          <a:prstGeom prst="rect">
+            <a:avLst/>
+          </a:prstGeom>
+          <a:noFill/>
+          <a:extLst>
+            <a:ext uri="{909E8E84-426E-40DD-AFC4-6F175D3DCCD1}">
+              <a14:hiddenFill xmlns:a14="http://schemas.microsoft.com/office/drawing/2010/main">
+                <a:solidFill>
+                  <a:srgbClr val="FFFFFF"/>
+                </a:solidFill>
+              </a14:hiddenFill>
+            </a:ext>
+          </a:extLst>
+        </p:spPr>
+      </p:pic>
     </p:spTree>
     <p:extLst>
       <p:ext uri="{BB962C8B-B14F-4D97-AF65-F5344CB8AC3E}">
-        <p14:creationId xmlns:p14="http://schemas.microsoft.com/office/powerpoint/2010/main" val="63073084"/>
+        <p14:creationId xmlns:p14="http://schemas.microsoft.com/office/powerpoint/2010/main" val="921838831"/>
       </p:ext>
     </p:extLst>
   </p:cSld>
@@ -5731,15 +7223,15 @@
       </p:grpSpPr>
       <p:pic>
         <p:nvPicPr>
-          <p:cNvPr id="11" name="Рисунок 10">
-            <a:extLst>
-              <a:ext uri="{FF2B5EF4-FFF2-40B4-BE49-F238E27FC236}">
-                <a16:creationId xmlns:a16="http://schemas.microsoft.com/office/drawing/2014/main" id="{4C3BF37C-37FD-488B-B3D3-35DC59507E31}"/>
+          <p:cNvPr id="4098" name="Picture 2">
+            <a:extLst>
+              <a:ext uri="{FF2B5EF4-FFF2-40B4-BE49-F238E27FC236}">
+                <a16:creationId xmlns:a16="http://schemas.microsoft.com/office/drawing/2014/main" id="{41849831-C4D5-43FE-BD92-A7A5C62D95D4}"/>
               </a:ext>
             </a:extLst>
           </p:cNvPr>
           <p:cNvPicPr>
-            <a:picLocks noChangeAspect="1"/>
+            <a:picLocks noChangeAspect="1" noChangeArrowheads="1"/>
           </p:cNvPicPr>
           <p:nvPr/>
         </p:nvPicPr>
@@ -5751,309 +7243,35 @@
               </a:ext>
             </a:extLst>
           </a:blip>
+          <a:srcRect/>
           <a:stretch>
             <a:fillRect/>
           </a:stretch>
         </p:blipFill>
-        <p:spPr>
-          <a:xfrm rot="20932741">
-            <a:off x="7122937" y="833119"/>
-            <a:ext cx="2612500" cy="5232400"/>
+        <p:spPr bwMode="auto">
+          <a:xfrm>
+            <a:off x="23813" y="600075"/>
+            <a:ext cx="12144375" cy="5657850"/>
           </a:xfrm>
           <a:prstGeom prst="rect">
             <a:avLst/>
           </a:prstGeom>
+          <a:noFill/>
+          <a:extLst>
+            <a:ext uri="{909E8E84-426E-40DD-AFC4-6F175D3DCCD1}">
+              <a14:hiddenFill xmlns:a14="http://schemas.microsoft.com/office/drawing/2010/main">
+                <a:solidFill>
+                  <a:srgbClr val="FFFFFF"/>
+                </a:solidFill>
+              </a14:hiddenFill>
+            </a:ext>
+          </a:extLst>
         </p:spPr>
       </p:pic>
-      <p:pic>
-        <p:nvPicPr>
-          <p:cNvPr id="13" name="Рисунок 12">
-            <a:extLst>
-              <a:ext uri="{FF2B5EF4-FFF2-40B4-BE49-F238E27FC236}">
-                <a16:creationId xmlns:a16="http://schemas.microsoft.com/office/drawing/2014/main" id="{63BFA500-9598-4EC7-9CBB-B7E8B0B14841}"/>
-              </a:ext>
-            </a:extLst>
-          </p:cNvPr>
-          <p:cNvPicPr>
-            <a:picLocks noChangeAspect="1"/>
-          </p:cNvPicPr>
-          <p:nvPr/>
-        </p:nvPicPr>
-        <p:blipFill>
-          <a:blip r:embed="rId3">
-            <a:extLst>
-              <a:ext uri="{28A0092B-C50C-407E-A947-70E740481C1C}">
-                <a14:useLocalDpi xmlns:a14="http://schemas.microsoft.com/office/drawing/2010/main" val="0"/>
-              </a:ext>
-            </a:extLst>
-          </a:blip>
-          <a:stretch>
-            <a:fillRect/>
-          </a:stretch>
-        </p:blipFill>
-        <p:spPr>
-          <a:xfrm rot="353382">
-            <a:off x="9270936" y="425764"/>
-            <a:ext cx="3448050" cy="6276975"/>
-          </a:xfrm>
-          <a:prstGeom prst="rect">
-            <a:avLst/>
-          </a:prstGeom>
-        </p:spPr>
-      </p:pic>
-      <p:sp>
-        <p:nvSpPr>
-          <p:cNvPr id="14" name="Заголовок 1">
-            <a:extLst>
-              <a:ext uri="{FF2B5EF4-FFF2-40B4-BE49-F238E27FC236}">
-                <a16:creationId xmlns:a16="http://schemas.microsoft.com/office/drawing/2014/main" id="{57ABDD76-D44F-4560-B10A-7B4CD0729E6C}"/>
-              </a:ext>
-            </a:extLst>
-          </p:cNvPr>
-          <p:cNvSpPr>
-            <a:spLocks noGrp="1"/>
-          </p:cNvSpPr>
-          <p:nvPr>
-            <p:ph type="title"/>
-          </p:nvPr>
-        </p:nvSpPr>
-        <p:spPr>
-          <a:xfrm>
-            <a:off x="838200" y="365125"/>
-            <a:ext cx="10515600" cy="1325563"/>
-          </a:xfrm>
-        </p:spPr>
-        <p:txBody>
-          <a:bodyPr/>
-          <a:lstStyle/>
-          <a:p>
-            <a:r>
-              <a:rPr lang="ru-RU" dirty="0"/>
-              <a:t>Акселерация</a:t>
-            </a:r>
-          </a:p>
-        </p:txBody>
-      </p:sp>
-      <p:sp>
-        <p:nvSpPr>
-          <p:cNvPr id="17" name="Объект 2">
-            <a:extLst>
-              <a:ext uri="{FF2B5EF4-FFF2-40B4-BE49-F238E27FC236}">
-                <a16:creationId xmlns:a16="http://schemas.microsoft.com/office/drawing/2014/main" id="{6FF21E40-9525-41E6-9861-7A7FD849EFFB}"/>
-              </a:ext>
-            </a:extLst>
-          </p:cNvPr>
-          <p:cNvSpPr>
-            <a:spLocks noGrp="1"/>
-          </p:cNvSpPr>
-          <p:nvPr>
-            <p:ph idx="1"/>
-          </p:nvPr>
-        </p:nvSpPr>
-        <p:spPr>
-          <a:xfrm>
-            <a:off x="838200" y="1930133"/>
-            <a:ext cx="6080760" cy="4562742"/>
-          </a:xfrm>
-        </p:spPr>
-        <p:txBody>
-          <a:bodyPr>
-            <a:normAutofit lnSpcReduction="10000"/>
-          </a:bodyPr>
-          <a:lstStyle/>
-          <a:p>
-            <a:pPr marL="0" indent="0">
-              <a:lnSpc>
-                <a:spcPct val="100000"/>
-              </a:lnSpc>
-              <a:spcBef>
-                <a:spcPts val="1800"/>
-              </a:spcBef>
-              <a:buNone/>
-            </a:pPr>
-            <a:r>
-              <a:rPr lang="ru-RU" sz="2400" dirty="0"/>
-              <a:t>Главное, что было сделано</a:t>
-            </a:r>
-            <a:r>
-              <a:rPr lang="en-US" sz="2400" dirty="0"/>
-              <a:t>:</a:t>
-            </a:r>
-          </a:p>
-          <a:p>
-            <a:pPr marL="0" indent="0">
-              <a:lnSpc>
-                <a:spcPct val="100000"/>
-              </a:lnSpc>
-              <a:spcBef>
-                <a:spcPts val="1800"/>
-              </a:spcBef>
-              <a:buNone/>
-            </a:pPr>
-            <a:r>
-              <a:rPr lang="en-US" sz="2400" dirty="0"/>
-              <a:t>— </a:t>
-            </a:r>
-            <a:r>
-              <a:rPr lang="ru-RU" sz="2400" dirty="0"/>
-              <a:t>создана система </a:t>
-            </a:r>
-            <a:r>
-              <a:rPr lang="ru-RU" sz="2400" i="1" dirty="0"/>
-              <a:t>работ</a:t>
-            </a:r>
-            <a:r>
-              <a:rPr lang="en-US" sz="2400" dirty="0"/>
-              <a:t>;</a:t>
-            </a:r>
-          </a:p>
-          <a:p>
-            <a:pPr marL="0" indent="0">
-              <a:lnSpc>
-                <a:spcPct val="100000"/>
-              </a:lnSpc>
-              <a:spcBef>
-                <a:spcPts val="1800"/>
-              </a:spcBef>
-              <a:buNone/>
-            </a:pPr>
-            <a:r>
-              <a:rPr lang="en-US" sz="2400" dirty="0"/>
-              <a:t>— </a:t>
-            </a:r>
-            <a:r>
-              <a:rPr lang="ru-RU" sz="2400" dirty="0"/>
-              <a:t>система прав и ролей</a:t>
-            </a:r>
-            <a:r>
-              <a:rPr lang="en-US" sz="2400" i="1" dirty="0"/>
-              <a:t>;</a:t>
-            </a:r>
-          </a:p>
-          <a:p>
-            <a:pPr marL="0" indent="0">
-              <a:lnSpc>
-                <a:spcPct val="100000"/>
-              </a:lnSpc>
-              <a:spcBef>
-                <a:spcPts val="1800"/>
-              </a:spcBef>
-              <a:buNone/>
-            </a:pPr>
-            <a:r>
-              <a:rPr lang="en-US" sz="2400" i="1" dirty="0"/>
-              <a:t>—</a:t>
-            </a:r>
-            <a:r>
-              <a:rPr lang="ru-RU" sz="2400" dirty="0"/>
-              <a:t> улучшение </a:t>
-            </a:r>
-            <a:r>
-              <a:rPr lang="ru-RU" sz="2400" dirty="0" err="1"/>
-              <a:t>чекера</a:t>
-            </a:r>
-            <a:r>
-              <a:rPr lang="en-US" sz="2400" i="1" dirty="0"/>
-              <a:t>;</a:t>
-            </a:r>
-          </a:p>
-          <a:p>
-            <a:pPr marL="0" indent="0">
-              <a:lnSpc>
-                <a:spcPct val="100000"/>
-              </a:lnSpc>
-              <a:spcBef>
-                <a:spcPts val="1800"/>
-              </a:spcBef>
-              <a:buNone/>
-            </a:pPr>
-            <a:r>
-              <a:rPr lang="en-US" sz="2400" i="1" dirty="0"/>
-              <a:t>— </a:t>
-            </a:r>
-            <a:r>
-              <a:rPr lang="ru-RU" sz="2400" dirty="0"/>
-              <a:t>раздел новостей</a:t>
-            </a:r>
-            <a:r>
-              <a:rPr lang="en-US" sz="2400" dirty="0"/>
-              <a:t>;</a:t>
-            </a:r>
-          </a:p>
-          <a:p>
-            <a:pPr marL="0" indent="0">
-              <a:lnSpc>
-                <a:spcPct val="100000"/>
-              </a:lnSpc>
-              <a:spcBef>
-                <a:spcPts val="1800"/>
-              </a:spcBef>
-              <a:buNone/>
-            </a:pPr>
-            <a:r>
-              <a:rPr lang="en-US" sz="2400" i="1" dirty="0"/>
-              <a:t>— </a:t>
-            </a:r>
-            <a:r>
-              <a:rPr lang="ru-RU" sz="2400" dirty="0"/>
-              <a:t>большой рефакторинг</a:t>
-            </a:r>
-            <a:r>
-              <a:rPr lang="en-US" sz="2400" dirty="0"/>
-              <a:t>;</a:t>
-            </a:r>
-            <a:endParaRPr lang="ru-RU" sz="2400" dirty="0"/>
-          </a:p>
-          <a:p>
-            <a:pPr marL="0" indent="0">
-              <a:lnSpc>
-                <a:spcPct val="100000"/>
-              </a:lnSpc>
-              <a:spcBef>
-                <a:spcPts val="1800"/>
-              </a:spcBef>
-              <a:buNone/>
-            </a:pPr>
-            <a:endParaRPr lang="ru-RU" sz="2400" i="1" dirty="0"/>
-          </a:p>
-          <a:p>
-            <a:pPr marL="0" indent="0">
-              <a:lnSpc>
-                <a:spcPct val="100000"/>
-              </a:lnSpc>
-              <a:spcBef>
-                <a:spcPts val="1800"/>
-              </a:spcBef>
-              <a:buNone/>
-            </a:pPr>
-            <a:r>
-              <a:rPr lang="ru-RU" sz="2400" dirty="0"/>
-              <a:t>Всего реализовано</a:t>
-            </a:r>
-            <a:r>
-              <a:rPr lang="en-US" sz="2400" dirty="0"/>
-              <a:t> </a:t>
-            </a:r>
-            <a:r>
-              <a:rPr lang="ru-RU" sz="2400" i="1" dirty="0"/>
-              <a:t>около 35 </a:t>
-            </a:r>
-            <a:r>
-              <a:rPr lang="ru-RU" sz="2400" i="1" dirty="0" err="1"/>
-              <a:t>тасков</a:t>
-            </a:r>
-            <a:r>
-              <a:rPr lang="ru-RU" sz="2400" dirty="0"/>
-              <a:t>.</a:t>
-            </a:r>
-            <a:endParaRPr lang="en-US" sz="2400" dirty="0"/>
-          </a:p>
-        </p:txBody>
-      </p:sp>
     </p:spTree>
     <p:extLst>
       <p:ext uri="{BB962C8B-B14F-4D97-AF65-F5344CB8AC3E}">
-        <p14:creationId xmlns:p14="http://schemas.microsoft.com/office/powerpoint/2010/main" val="2659767477"/>
+        <p14:creationId xmlns:p14="http://schemas.microsoft.com/office/powerpoint/2010/main" val="1337755338"/>
       </p:ext>
     </p:extLst>
   </p:cSld>
